--- a/CalendarioAgo24/presentaciones/18_Expresiones_regulares.pptx
+++ b/CalendarioAgo24/presentaciones/18_Expresiones_regulares.pptx
@@ -5,7 +5,7 @@
     <p:sldMasterId id="2147483648" r:id="rId1"/>
   </p:sldMasterIdLst>
   <p:notesMasterIdLst>
-    <p:notesMasterId r:id="rId54"/>
+    <p:notesMasterId r:id="rId55"/>
   </p:notesMasterIdLst>
   <p:sldIdLst>
     <p:sldId id="293" r:id="rId2"/>
@@ -54,12 +54,13 @@
     <p:sldId id="688" r:id="rId45"/>
     <p:sldId id="687" r:id="rId46"/>
     <p:sldId id="674" r:id="rId47"/>
-    <p:sldId id="685" r:id="rId48"/>
-    <p:sldId id="689" r:id="rId49"/>
-    <p:sldId id="729" r:id="rId50"/>
-    <p:sldId id="691" r:id="rId51"/>
-    <p:sldId id="686" r:id="rId52"/>
-    <p:sldId id="282" r:id="rId53"/>
+    <p:sldId id="730" r:id="rId48"/>
+    <p:sldId id="685" r:id="rId49"/>
+    <p:sldId id="689" r:id="rId50"/>
+    <p:sldId id="729" r:id="rId51"/>
+    <p:sldId id="691" r:id="rId52"/>
+    <p:sldId id="686" r:id="rId53"/>
+    <p:sldId id="282" r:id="rId54"/>
   </p:sldIdLst>
   <p:sldSz cx="9144000" cy="6858000" type="screen4x3"/>
   <p:notesSz cx="7010400" cy="9296400"/>
@@ -259,7 +260,7 @@
           <a:p>
             <a:fld id="{DDE721D5-655F-45D2-B717-3C4CD78C8568}" type="datetimeFigureOut">
               <a:rPr lang="es-MX" smtClean="0"/>
-              <a:t>07/03/2024</a:t>
+              <a:t>28/08/2024</a:t>
             </a:fld>
             <a:endParaRPr lang="es-MX" dirty="0"/>
           </a:p>
@@ -3961,7 +3962,7 @@
     </p:spTree>
     <p:extLst>
       <p:ext uri="{BB962C8B-B14F-4D97-AF65-F5344CB8AC3E}">
-        <p14:creationId xmlns:p14="http://schemas.microsoft.com/office/powerpoint/2010/main" val="1841337434"/>
+        <p14:creationId xmlns:p14="http://schemas.microsoft.com/office/powerpoint/2010/main" val="356638316"/>
       </p:ext>
     </p:extLst>
   </p:cSld>
@@ -4045,7 +4046,7 @@
     </p:spTree>
     <p:extLst>
       <p:ext uri="{BB962C8B-B14F-4D97-AF65-F5344CB8AC3E}">
-        <p14:creationId xmlns:p14="http://schemas.microsoft.com/office/powerpoint/2010/main" val="4293576474"/>
+        <p14:creationId xmlns:p14="http://schemas.microsoft.com/office/powerpoint/2010/main" val="1841337434"/>
       </p:ext>
     </p:extLst>
   </p:cSld>
@@ -4129,7 +4130,7 @@
     </p:spTree>
     <p:extLst>
       <p:ext uri="{BB962C8B-B14F-4D97-AF65-F5344CB8AC3E}">
-        <p14:creationId xmlns:p14="http://schemas.microsoft.com/office/powerpoint/2010/main" val="2545028243"/>
+        <p14:creationId xmlns:p14="http://schemas.microsoft.com/office/powerpoint/2010/main" val="4293576474"/>
       </p:ext>
     </p:extLst>
   </p:cSld>
@@ -4213,7 +4214,7 @@
     </p:spTree>
     <p:extLst>
       <p:ext uri="{BB962C8B-B14F-4D97-AF65-F5344CB8AC3E}">
-        <p14:creationId xmlns:p14="http://schemas.microsoft.com/office/powerpoint/2010/main" val="216320218"/>
+        <p14:creationId xmlns:p14="http://schemas.microsoft.com/office/powerpoint/2010/main" val="2545028243"/>
       </p:ext>
     </p:extLst>
   </p:cSld>
@@ -4381,6 +4382,90 @@
     </p:spTree>
     <p:extLst>
       <p:ext uri="{BB962C8B-B14F-4D97-AF65-F5344CB8AC3E}">
+        <p14:creationId xmlns:p14="http://schemas.microsoft.com/office/powerpoint/2010/main" val="216320218"/>
+      </p:ext>
+    </p:extLst>
+  </p:cSld>
+  <p:clrMapOvr>
+    <a:masterClrMapping/>
+  </p:clrMapOvr>
+</p:notes>
+</file>
+
+<file path=ppt/notesSlides/notesSlide51.xml><?xml version="1.0" encoding="utf-8"?>
+<p:notes xmlns:a="http://schemas.openxmlformats.org/drawingml/2006/main" xmlns:r="http://schemas.openxmlformats.org/officeDocument/2006/relationships" xmlns:p="http://schemas.openxmlformats.org/presentationml/2006/main">
+  <p:cSld>
+    <p:spTree>
+      <p:nvGrpSpPr>
+        <p:cNvPr id="1" name=""/>
+        <p:cNvGrpSpPr/>
+        <p:nvPr/>
+      </p:nvGrpSpPr>
+      <p:grpSpPr>
+        <a:xfrm>
+          <a:off x="0" y="0"/>
+          <a:ext cx="0" cy="0"/>
+          <a:chOff x="0" y="0"/>
+          <a:chExt cx="0" cy="0"/>
+        </a:xfrm>
+      </p:grpSpPr>
+      <p:sp>
+        <p:nvSpPr>
+          <p:cNvPr id="2" name="Marcador de imagen de diapositiva 1"/>
+          <p:cNvSpPr>
+            <a:spLocks noGrp="1" noRot="1" noChangeAspect="1"/>
+          </p:cNvSpPr>
+          <p:nvPr>
+            <p:ph type="sldImg"/>
+          </p:nvPr>
+        </p:nvSpPr>
+        <p:spPr/>
+      </p:sp>
+      <p:sp>
+        <p:nvSpPr>
+          <p:cNvPr id="3" name="Marcador de notas 2"/>
+          <p:cNvSpPr>
+            <a:spLocks noGrp="1"/>
+          </p:cNvSpPr>
+          <p:nvPr>
+            <p:ph type="body" idx="1"/>
+          </p:nvPr>
+        </p:nvSpPr>
+        <p:spPr/>
+        <p:txBody>
+          <a:bodyPr/>
+          <a:lstStyle/>
+          <a:p>
+            <a:endParaRPr lang="es-MX" dirty="0"/>
+          </a:p>
+        </p:txBody>
+      </p:sp>
+      <p:sp>
+        <p:nvSpPr>
+          <p:cNvPr id="4" name="Marcador de número de diapositiva 3"/>
+          <p:cNvSpPr>
+            <a:spLocks noGrp="1"/>
+          </p:cNvSpPr>
+          <p:nvPr>
+            <p:ph type="sldNum" sz="quarter" idx="5"/>
+          </p:nvPr>
+        </p:nvSpPr>
+        <p:spPr/>
+        <p:txBody>
+          <a:bodyPr/>
+          <a:lstStyle/>
+          <a:p>
+            <a:fld id="{6BAB4312-99A1-4CE9-ACE7-4C62E9FD90EE}" type="slidenum">
+              <a:rPr lang="es-MX" smtClean="0"/>
+              <a:t>52</a:t>
+            </a:fld>
+            <a:endParaRPr lang="es-MX" dirty="0"/>
+          </a:p>
+        </p:txBody>
+      </p:sp>
+    </p:spTree>
+    <p:extLst>
+      <p:ext uri="{BB962C8B-B14F-4D97-AF65-F5344CB8AC3E}">
         <p14:creationId xmlns:p14="http://schemas.microsoft.com/office/powerpoint/2010/main" val="2545028243"/>
       </p:ext>
     </p:extLst>
@@ -4908,7 +4993,7 @@
           <a:p>
             <a:fld id="{B3F3E716-CACC-4490-AD07-F24B6A68DE47}" type="datetimeFigureOut">
               <a:rPr lang="es-MX" smtClean="0"/>
-              <a:t>07/03/2024</a:t>
+              <a:t>28/08/2024</a:t>
             </a:fld>
             <a:endParaRPr lang="es-MX" dirty="0"/>
           </a:p>
@@ -5078,7 +5163,7 @@
           <a:p>
             <a:fld id="{B3F3E716-CACC-4490-AD07-F24B6A68DE47}" type="datetimeFigureOut">
               <a:rPr lang="es-MX" smtClean="0"/>
-              <a:t>07/03/2024</a:t>
+              <a:t>28/08/2024</a:t>
             </a:fld>
             <a:endParaRPr lang="es-MX" dirty="0"/>
           </a:p>
@@ -5258,7 +5343,7 @@
           <a:p>
             <a:fld id="{B3F3E716-CACC-4490-AD07-F24B6A68DE47}" type="datetimeFigureOut">
               <a:rPr lang="es-MX" smtClean="0"/>
-              <a:t>07/03/2024</a:t>
+              <a:t>28/08/2024</a:t>
             </a:fld>
             <a:endParaRPr lang="es-MX" dirty="0"/>
           </a:p>
@@ -5411,7 +5496,7 @@
           <a:p>
             <a:fld id="{1D8BD707-D9CF-40AE-B4C6-C98DA3205C09}" type="datetimeFigureOut">
               <a:rPr lang="en-US" smtClean="0"/>
-              <a:t>3/7/2024</a:t>
+              <a:t>8/28/2024</a:t>
             </a:fld>
             <a:endParaRPr lang="en-US" dirty="0"/>
           </a:p>
@@ -5571,7 +5656,7 @@
           <a:p>
             <a:fld id="{B3F3E716-CACC-4490-AD07-F24B6A68DE47}" type="datetimeFigureOut">
               <a:rPr lang="es-MX" smtClean="0"/>
-              <a:t>07/03/2024</a:t>
+              <a:t>28/08/2024</a:t>
             </a:fld>
             <a:endParaRPr lang="es-MX" dirty="0"/>
           </a:p>
@@ -5817,7 +5902,7 @@
           <a:p>
             <a:fld id="{B3F3E716-CACC-4490-AD07-F24B6A68DE47}" type="datetimeFigureOut">
               <a:rPr lang="es-MX" smtClean="0"/>
-              <a:t>07/03/2024</a:t>
+              <a:t>28/08/2024</a:t>
             </a:fld>
             <a:endParaRPr lang="es-MX" dirty="0"/>
           </a:p>
@@ -6105,7 +6190,7 @@
           <a:p>
             <a:fld id="{B3F3E716-CACC-4490-AD07-F24B6A68DE47}" type="datetimeFigureOut">
               <a:rPr lang="es-MX" smtClean="0"/>
-              <a:t>07/03/2024</a:t>
+              <a:t>28/08/2024</a:t>
             </a:fld>
             <a:endParaRPr lang="es-MX" dirty="0"/>
           </a:p>
@@ -6527,7 +6612,7 @@
           <a:p>
             <a:fld id="{B3F3E716-CACC-4490-AD07-F24B6A68DE47}" type="datetimeFigureOut">
               <a:rPr lang="es-MX" smtClean="0"/>
-              <a:t>07/03/2024</a:t>
+              <a:t>28/08/2024</a:t>
             </a:fld>
             <a:endParaRPr lang="es-MX" dirty="0"/>
           </a:p>
@@ -6645,7 +6730,7 @@
           <a:p>
             <a:fld id="{B3F3E716-CACC-4490-AD07-F24B6A68DE47}" type="datetimeFigureOut">
               <a:rPr lang="es-MX" smtClean="0"/>
-              <a:t>07/03/2024</a:t>
+              <a:t>28/08/2024</a:t>
             </a:fld>
             <a:endParaRPr lang="es-MX" dirty="0"/>
           </a:p>
@@ -6740,7 +6825,7 @@
           <a:p>
             <a:fld id="{B3F3E716-CACC-4490-AD07-F24B6A68DE47}" type="datetimeFigureOut">
               <a:rPr lang="es-MX" smtClean="0"/>
-              <a:t>07/03/2024</a:t>
+              <a:t>28/08/2024</a:t>
             </a:fld>
             <a:endParaRPr lang="es-MX" dirty="0"/>
           </a:p>
@@ -7017,7 +7102,7 @@
           <a:p>
             <a:fld id="{B3F3E716-CACC-4490-AD07-F24B6A68DE47}" type="datetimeFigureOut">
               <a:rPr lang="es-MX" smtClean="0"/>
-              <a:t>07/03/2024</a:t>
+              <a:t>28/08/2024</a:t>
             </a:fld>
             <a:endParaRPr lang="es-MX" dirty="0"/>
           </a:p>
@@ -7270,7 +7355,7 @@
           <a:p>
             <a:fld id="{B3F3E716-CACC-4490-AD07-F24B6A68DE47}" type="datetimeFigureOut">
               <a:rPr lang="es-MX" smtClean="0"/>
-              <a:t>07/03/2024</a:t>
+              <a:t>28/08/2024</a:t>
             </a:fld>
             <a:endParaRPr lang="es-MX" dirty="0"/>
           </a:p>
@@ -7483,7 +7568,7 @@
           <a:p>
             <a:fld id="{B3F3E716-CACC-4490-AD07-F24B6A68DE47}" type="datetimeFigureOut">
               <a:rPr lang="es-MX" smtClean="0"/>
-              <a:t>07/03/2024</a:t>
+              <a:t>28/08/2024</a:t>
             </a:fld>
             <a:endParaRPr lang="es-MX" dirty="0"/>
           </a:p>
@@ -16964,7 +17049,7 @@
         </p:nvSpPr>
         <p:spPr>
           <a:xfrm>
-            <a:off x="390364" y="260648"/>
+            <a:off x="390364" y="116632"/>
             <a:ext cx="8363272" cy="1143000"/>
           </a:xfrm>
         </p:spPr>
@@ -17010,7 +17095,7 @@
         </p:nvSpPr>
         <p:spPr>
           <a:xfrm>
-            <a:off x="646172" y="1577489"/>
+            <a:off x="646172" y="1340768"/>
             <a:ext cx="7851655" cy="2814617"/>
           </a:xfrm>
           <a:prstGeom prst="rect">
@@ -17149,7 +17234,7 @@
         </p:blipFill>
         <p:spPr>
           <a:xfrm>
-            <a:off x="5438936" y="3873202"/>
+            <a:off x="5438936" y="3636481"/>
             <a:ext cx="3314700" cy="2724150"/>
           </a:xfrm>
           <a:prstGeom prst="rect">
@@ -17245,7 +17330,7 @@
         </p:nvSpPr>
         <p:spPr>
           <a:xfrm>
-            <a:off x="628866" y="1397209"/>
+            <a:off x="628866" y="1124744"/>
             <a:ext cx="7886268" cy="967957"/>
           </a:xfrm>
           <a:prstGeom prst="rect">
@@ -17318,7 +17403,7 @@
         </p:blipFill>
         <p:spPr>
           <a:xfrm>
-            <a:off x="2627784" y="2523132"/>
+            <a:off x="2627784" y="2250667"/>
             <a:ext cx="4257675" cy="4238625"/>
           </a:xfrm>
           <a:prstGeom prst="rect">
@@ -17865,10 +17950,40 @@
           </a:prstGeom>
         </p:spPr>
       </p:pic>
+      <p:pic>
+        <p:nvPicPr>
+          <p:cNvPr id="3" name="Picture 2">
+            <a:extLst>
+              <a:ext uri="{FF2B5EF4-FFF2-40B4-BE49-F238E27FC236}">
+                <a16:creationId xmlns:a16="http://schemas.microsoft.com/office/drawing/2014/main" id="{67B840A6-3E96-5996-0981-8414C3D4053A}"/>
+              </a:ext>
+            </a:extLst>
+          </p:cNvPr>
+          <p:cNvPicPr>
+            <a:picLocks noChangeAspect="1"/>
+          </p:cNvPicPr>
+          <p:nvPr/>
+        </p:nvPicPr>
+        <p:blipFill>
+          <a:blip r:embed="rId4"/>
+          <a:stretch>
+            <a:fillRect/>
+          </a:stretch>
+        </p:blipFill>
+        <p:spPr>
+          <a:xfrm>
+            <a:off x="3821777" y="2708920"/>
+            <a:ext cx="4991797" cy="3915321"/>
+          </a:xfrm>
+          <a:prstGeom prst="rect">
+            <a:avLst/>
+          </a:prstGeom>
+        </p:spPr>
+      </p:pic>
     </p:spTree>
     <p:extLst>
       <p:ext uri="{BB962C8B-B14F-4D97-AF65-F5344CB8AC3E}">
-        <p14:creationId xmlns:p14="http://schemas.microsoft.com/office/powerpoint/2010/main" val="2105101594"/>
+        <p14:creationId xmlns:p14="http://schemas.microsoft.com/office/powerpoint/2010/main" val="589800836"/>
       </p:ext>
     </p:extLst>
   </p:cSld>
@@ -17907,7 +18022,7 @@
         </p:nvSpPr>
         <p:spPr>
           <a:xfrm>
-            <a:off x="388809" y="34415"/>
+            <a:off x="289721" y="4056"/>
             <a:ext cx="8363272" cy="1143000"/>
           </a:xfrm>
         </p:spPr>
@@ -17941,10 +18056,10 @@
       </p:sp>
       <p:sp>
         <p:nvSpPr>
-          <p:cNvPr id="7" name="CuadroTexto 6">
+          <p:cNvPr id="5" name="CuadroTexto 4">
             <a:extLst>
               <a:ext uri="{FF2B5EF4-FFF2-40B4-BE49-F238E27FC236}">
-                <a16:creationId xmlns:a16="http://schemas.microsoft.com/office/drawing/2014/main" id="{4E1DD8D9-5B93-44E0-8677-C81B21CCD7A2}"/>
+                <a16:creationId xmlns:a16="http://schemas.microsoft.com/office/drawing/2014/main" id="{FC189524-E564-48DD-B173-E7D162EDC50C}"/>
               </a:ext>
             </a:extLst>
           </p:cNvPr>
@@ -17953,8 +18068,8 @@
         </p:nvSpPr>
         <p:spPr>
           <a:xfrm>
-            <a:off x="2051720" y="930724"/>
-            <a:ext cx="8363271" cy="506292"/>
+            <a:off x="640723" y="1052736"/>
+            <a:ext cx="7920880" cy="967957"/>
           </a:xfrm>
           <a:prstGeom prst="rect">
             <a:avLst/>
@@ -17973,38 +18088,69 @@
               </a:lnSpc>
             </a:pPr>
             <a:r>
-              <a:rPr lang="es-MX" sz="2000" b="1" dirty="0">
-                <a:solidFill>
-                  <a:schemeClr val="accent6">
-                    <a:lumMod val="75000"/>
-                  </a:schemeClr>
-                </a:solidFill>
-              </a:rPr>
-              <a:t>()</a:t>
-            </a:r>
-            <a:r>
-              <a:rPr lang="es-MX" sz="2000" dirty="0"/>
-              <a:t> </a:t>
-            </a:r>
-            <a:r>
-              <a:rPr lang="es-MX" sz="2000" dirty="0">
-                <a:solidFill>
-                  <a:schemeClr val="accent6">
-                    <a:lumMod val="75000"/>
-                  </a:schemeClr>
-                </a:solidFill>
-              </a:rPr>
-              <a:t>Nos permiten comparar entre algunos valores</a:t>
-            </a:r>
-          </a:p>
-        </p:txBody>
-      </p:sp>
-      <p:sp>
-        <p:nvSpPr>
-          <p:cNvPr id="5" name="CuadroTexto 4">
+              <a:rPr lang="es-ES" sz="2000" b="1" i="0" dirty="0">
+                <a:solidFill>
+                  <a:schemeClr val="tx1">
+                    <a:lumMod val="95000"/>
+                    <a:lumOff val="5000"/>
+                  </a:schemeClr>
+                </a:solidFill>
+                <a:effectLst/>
+              </a:rPr>
+              <a:t>Ejemplo 3: </a:t>
+            </a:r>
+            <a:r>
+              <a:rPr lang="es-ES" sz="2000" i="0" dirty="0">
+                <a:solidFill>
+                  <a:schemeClr val="tx1">
+                    <a:lumMod val="95000"/>
+                    <a:lumOff val="5000"/>
+                  </a:schemeClr>
+                </a:solidFill>
+                <a:effectLst/>
+              </a:rPr>
+              <a:t>Extraer todos los números telefónicos </a:t>
+            </a:r>
+            <a:r>
+              <a:rPr lang="es-ES" sz="2000" dirty="0">
+                <a:solidFill>
+                  <a:schemeClr val="tx1">
+                    <a:lumMod val="95000"/>
+                    <a:lumOff val="5000"/>
+                  </a:schemeClr>
+                </a:solidFill>
+              </a:rPr>
+              <a:t>haciendo uso de </a:t>
+            </a:r>
+            <a:r>
+              <a:rPr lang="es-ES" sz="2000" i="0" dirty="0">
+                <a:solidFill>
+                  <a:schemeClr val="tx1">
+                    <a:lumMod val="95000"/>
+                    <a:lumOff val="5000"/>
+                  </a:schemeClr>
+                </a:solidFill>
+                <a:effectLst/>
+              </a:rPr>
+              <a:t>grupos con corchetes y cuantificadores. </a:t>
+            </a:r>
+            <a:endParaRPr lang="es-ES" sz="2000" b="1" dirty="0">
+              <a:solidFill>
+                <a:schemeClr val="tx1">
+                  <a:lumMod val="95000"/>
+                  <a:lumOff val="5000"/>
+                </a:schemeClr>
+              </a:solidFill>
+            </a:endParaRPr>
+          </a:p>
+        </p:txBody>
+      </p:sp>
+      <p:sp>
+        <p:nvSpPr>
+          <p:cNvPr id="6" name="CuadroTexto 5">
             <a:extLst>
               <a:ext uri="{FF2B5EF4-FFF2-40B4-BE49-F238E27FC236}">
-                <a16:creationId xmlns:a16="http://schemas.microsoft.com/office/drawing/2014/main" id="{CD51C6FC-C7B4-4F3A-BEE8-8127DCEAF665}"/>
+                <a16:creationId xmlns:a16="http://schemas.microsoft.com/office/drawing/2014/main" id="{7B04CF3A-CFE2-489B-A399-BF52B6C4C715}"/>
               </a:ext>
             </a:extLst>
           </p:cNvPr>
@@ -18013,8 +18159,8 @@
         </p:nvSpPr>
         <p:spPr>
           <a:xfrm>
-            <a:off x="388807" y="1733044"/>
-            <a:ext cx="8363271" cy="967957"/>
+            <a:off x="640291" y="2611441"/>
+            <a:ext cx="2995174" cy="2352952"/>
           </a:xfrm>
           <a:prstGeom prst="rect">
             <a:avLst/>
@@ -18033,22 +18179,34 @@
               </a:lnSpc>
             </a:pPr>
             <a:r>
-              <a:rPr lang="es-MX" sz="2000" b="1" dirty="0"/>
-              <a:t>Ejemplo 3: </a:t>
-            </a:r>
-            <a:r>
-              <a:rPr lang="es-MX" sz="2000" dirty="0"/>
-              <a:t>Encuentre los número de teléfono con ladas 442, 443 y 448 solamente.</a:t>
-            </a:r>
+              <a:rPr lang="es-ES" sz="2000" i="0" dirty="0">
+                <a:solidFill>
+                  <a:schemeClr val="tx1">
+                    <a:lumMod val="95000"/>
+                    <a:lumOff val="5000"/>
+                  </a:schemeClr>
+                </a:solidFill>
+                <a:effectLst/>
+              </a:rPr>
+              <a:t>Tres dígitos, luego un espacio o guion, otros  tres dígitos, espacio o guion, luego dos dígitos, espacio o guion y dos dígitos.</a:t>
+            </a:r>
+            <a:endParaRPr lang="es-ES" sz="2000" b="1" dirty="0">
+              <a:solidFill>
+                <a:schemeClr val="tx1">
+                  <a:lumMod val="95000"/>
+                  <a:lumOff val="5000"/>
+                </a:schemeClr>
+              </a:solidFill>
+            </a:endParaRPr>
           </a:p>
         </p:txBody>
       </p:sp>
       <p:pic>
         <p:nvPicPr>
-          <p:cNvPr id="4" name="Imagen 3">
+          <p:cNvPr id="3" name="Picture 2">
             <a:extLst>
               <a:ext uri="{FF2B5EF4-FFF2-40B4-BE49-F238E27FC236}">
-                <a16:creationId xmlns:a16="http://schemas.microsoft.com/office/drawing/2014/main" id="{4A0F5007-3343-4069-AEEE-C64F855CC1DB}"/>
+                <a16:creationId xmlns:a16="http://schemas.microsoft.com/office/drawing/2014/main" id="{67B840A6-3E96-5996-0981-8414C3D4053A}"/>
               </a:ext>
             </a:extLst>
           </p:cNvPr>
@@ -18065,92 +18223,8 @@
         </p:blipFill>
         <p:spPr>
           <a:xfrm>
-            <a:off x="167122" y="3366144"/>
-            <a:ext cx="4374990" cy="2849167"/>
-          </a:xfrm>
-          <a:prstGeom prst="rect">
-            <a:avLst/>
-          </a:prstGeom>
-        </p:spPr>
-      </p:pic>
-      <p:sp>
-        <p:nvSpPr>
-          <p:cNvPr id="13" name="CuadroTexto 12">
-            <a:extLst>
-              <a:ext uri="{FF2B5EF4-FFF2-40B4-BE49-F238E27FC236}">
-                <a16:creationId xmlns:a16="http://schemas.microsoft.com/office/drawing/2014/main" id="{D8614476-5746-4910-AE97-837BDC1DE82C}"/>
-              </a:ext>
-            </a:extLst>
-          </p:cNvPr>
-          <p:cNvSpPr txBox="1"/>
-          <p:nvPr/>
-        </p:nvSpPr>
-        <p:spPr>
-          <a:xfrm>
-            <a:off x="145553" y="2713911"/>
-            <a:ext cx="3562351" cy="506292"/>
-          </a:xfrm>
-          <a:prstGeom prst="rect">
-            <a:avLst/>
-          </a:prstGeom>
-          <a:noFill/>
-        </p:spPr>
-        <p:txBody>
-          <a:bodyPr wrap="square">
-            <a:spAutoFit/>
-          </a:bodyPr>
-          <a:lstStyle/>
-          <a:p>
-            <a:pPr algn="just">
-              <a:lnSpc>
-                <a:spcPct val="150000"/>
-              </a:lnSpc>
-            </a:pPr>
-            <a:r>
-              <a:rPr lang="es-MX" sz="2000" dirty="0"/>
-              <a:t>Conjunto de caracteres </a:t>
-            </a:r>
-            <a:r>
-              <a:rPr lang="es-MX" sz="2000" b="1" dirty="0">
-                <a:solidFill>
-                  <a:schemeClr val="accent6">
-                    <a:lumMod val="75000"/>
-                  </a:schemeClr>
-                </a:solidFill>
-              </a:rPr>
-              <a:t>2, 3 u 8</a:t>
-            </a:r>
-            <a:r>
-              <a:rPr lang="es-MX" sz="2000" dirty="0"/>
-              <a:t>.</a:t>
-            </a:r>
-          </a:p>
-        </p:txBody>
-      </p:sp>
-      <p:pic>
-        <p:nvPicPr>
-          <p:cNvPr id="8" name="Picture 7">
-            <a:extLst>
-              <a:ext uri="{FF2B5EF4-FFF2-40B4-BE49-F238E27FC236}">
-                <a16:creationId xmlns:a16="http://schemas.microsoft.com/office/drawing/2014/main" id="{1C8D1C6E-EE42-B43B-9084-CF731AF947A1}"/>
-              </a:ext>
-            </a:extLst>
-          </p:cNvPr>
-          <p:cNvPicPr>
-            <a:picLocks noChangeAspect="1"/>
-          </p:cNvPicPr>
-          <p:nvPr/>
-        </p:nvPicPr>
-        <p:blipFill>
-          <a:blip r:embed="rId4"/>
-          <a:stretch>
-            <a:fillRect/>
-          </a:stretch>
-        </p:blipFill>
-        <p:spPr>
-          <a:xfrm>
-            <a:off x="4788023" y="3367076"/>
-            <a:ext cx="3824203" cy="3014251"/>
+            <a:off x="3779912" y="2276872"/>
+            <a:ext cx="4991797" cy="3915321"/>
           </a:xfrm>
           <a:prstGeom prst="rect">
             <a:avLst/>
@@ -18160,7 +18234,7 @@
     </p:spTree>
     <p:extLst>
       <p:ext uri="{BB962C8B-B14F-4D97-AF65-F5344CB8AC3E}">
-        <p14:creationId xmlns:p14="http://schemas.microsoft.com/office/powerpoint/2010/main" val="3789720049"/>
+        <p14:creationId xmlns:p14="http://schemas.microsoft.com/office/powerpoint/2010/main" val="2105101594"/>
       </p:ext>
     </p:extLst>
   </p:cSld>
@@ -18199,7 +18273,7 @@
         </p:nvSpPr>
         <p:spPr>
           <a:xfrm>
-            <a:off x="289721" y="4056"/>
+            <a:off x="388809" y="34415"/>
             <a:ext cx="8363272" cy="1143000"/>
           </a:xfrm>
         </p:spPr>
@@ -18226,17 +18300,17 @@
                 </a:effectLst>
                 <a:latin typeface="Dom Casual" charset="0"/>
               </a:rPr>
-              <a:t>Expresión regular</a:t>
-            </a:r>
-          </a:p>
-        </p:txBody>
-      </p:sp>
-      <p:sp>
-        <p:nvSpPr>
-          <p:cNvPr id="5" name="CuadroTexto 4">
+              <a:t>Grupos</a:t>
+            </a:r>
+          </a:p>
+        </p:txBody>
+      </p:sp>
+      <p:sp>
+        <p:nvSpPr>
+          <p:cNvPr id="7" name="CuadroTexto 6">
             <a:extLst>
               <a:ext uri="{FF2B5EF4-FFF2-40B4-BE49-F238E27FC236}">
-                <a16:creationId xmlns:a16="http://schemas.microsoft.com/office/drawing/2014/main" id="{FC189524-E564-48DD-B173-E7D162EDC50C}"/>
+                <a16:creationId xmlns:a16="http://schemas.microsoft.com/office/drawing/2014/main" id="{4E1DD8D9-5B93-44E0-8677-C81B21CCD7A2}"/>
               </a:ext>
             </a:extLst>
           </p:cNvPr>
@@ -18245,8 +18319,8 @@
         </p:nvSpPr>
         <p:spPr>
           <a:xfrm>
-            <a:off x="289721" y="1147056"/>
-            <a:ext cx="7920880" cy="506292"/>
+            <a:off x="2051720" y="930724"/>
+            <a:ext cx="8363271" cy="506292"/>
           </a:xfrm>
           <a:prstGeom prst="rect">
             <a:avLst/>
@@ -18265,46 +18339,82 @@
               </a:lnSpc>
             </a:pPr>
             <a:r>
-              <a:rPr lang="es-ES" sz="2000" b="1" i="0" dirty="0">
-                <a:solidFill>
-                  <a:schemeClr val="tx1">
-                    <a:lumMod val="95000"/>
-                    <a:lumOff val="5000"/>
-                  </a:schemeClr>
-                </a:solidFill>
-                <a:effectLst/>
-              </a:rPr>
-              <a:t>Ejercicio: </a:t>
-            </a:r>
-            <a:r>
-              <a:rPr lang="es-ES" sz="2000" i="0" dirty="0">
-                <a:solidFill>
-                  <a:schemeClr val="tx1">
-                    <a:lumMod val="95000"/>
-                    <a:lumOff val="5000"/>
-                  </a:schemeClr>
-                </a:solidFill>
-                <a:effectLst/>
-              </a:rPr>
-              <a:t>Seleccionar correo electrónico.</a:t>
-            </a:r>
-            <a:endParaRPr lang="es-ES" sz="2000" dirty="0">
-              <a:solidFill>
-                <a:schemeClr val="tx1">
-                  <a:lumMod val="95000"/>
-                  <a:lumOff val="5000"/>
-                </a:schemeClr>
-              </a:solidFill>
-            </a:endParaRPr>
+              <a:rPr lang="es-MX" sz="2000" b="1" dirty="0">
+                <a:solidFill>
+                  <a:schemeClr val="accent6">
+                    <a:lumMod val="75000"/>
+                  </a:schemeClr>
+                </a:solidFill>
+              </a:rPr>
+              <a:t>()</a:t>
+            </a:r>
+            <a:r>
+              <a:rPr lang="es-MX" sz="2000" dirty="0"/>
+              <a:t> </a:t>
+            </a:r>
+            <a:r>
+              <a:rPr lang="es-MX" sz="2000" dirty="0">
+                <a:solidFill>
+                  <a:schemeClr val="accent6">
+                    <a:lumMod val="75000"/>
+                  </a:schemeClr>
+                </a:solidFill>
+              </a:rPr>
+              <a:t>Nos permiten comparar entre algunos valores</a:t>
+            </a:r>
+          </a:p>
+        </p:txBody>
+      </p:sp>
+      <p:sp>
+        <p:nvSpPr>
+          <p:cNvPr id="5" name="CuadroTexto 4">
+            <a:extLst>
+              <a:ext uri="{FF2B5EF4-FFF2-40B4-BE49-F238E27FC236}">
+                <a16:creationId xmlns:a16="http://schemas.microsoft.com/office/drawing/2014/main" id="{CD51C6FC-C7B4-4F3A-BEE8-8127DCEAF665}"/>
+              </a:ext>
+            </a:extLst>
+          </p:cNvPr>
+          <p:cNvSpPr txBox="1"/>
+          <p:nvPr/>
+        </p:nvSpPr>
+        <p:spPr>
+          <a:xfrm>
+            <a:off x="388809" y="1582957"/>
+            <a:ext cx="8363271" cy="967957"/>
+          </a:xfrm>
+          <a:prstGeom prst="rect">
+            <a:avLst/>
+          </a:prstGeom>
+          <a:noFill/>
+        </p:spPr>
+        <p:txBody>
+          <a:bodyPr wrap="square">
+            <a:spAutoFit/>
+          </a:bodyPr>
+          <a:lstStyle/>
+          <a:p>
+            <a:pPr algn="just">
+              <a:lnSpc>
+                <a:spcPct val="150000"/>
+              </a:lnSpc>
+            </a:pPr>
+            <a:r>
+              <a:rPr lang="es-MX" sz="2000" b="1" dirty="0"/>
+              <a:t>Ejemplo 4: </a:t>
+            </a:r>
+            <a:r>
+              <a:rPr lang="es-MX" sz="2000" dirty="0"/>
+              <a:t>Encuentre los número de teléfono con ladas 442, 443 y 448 solamente.</a:t>
+            </a:r>
           </a:p>
         </p:txBody>
       </p:sp>
       <p:pic>
         <p:nvPicPr>
-          <p:cNvPr id="8" name="Imagen 7">
+          <p:cNvPr id="4" name="Imagen 3">
             <a:extLst>
               <a:ext uri="{FF2B5EF4-FFF2-40B4-BE49-F238E27FC236}">
-                <a16:creationId xmlns:a16="http://schemas.microsoft.com/office/drawing/2014/main" id="{9E8BDEDE-78F6-48B6-B26B-4636CFFD6F1D}"/>
+                <a16:creationId xmlns:a16="http://schemas.microsoft.com/office/drawing/2014/main" id="{4A0F5007-3343-4069-AEEE-C64F855CC1DB}"/>
               </a:ext>
             </a:extLst>
           </p:cNvPr>
@@ -18321,20 +18431,74 @@
         </p:blipFill>
         <p:spPr>
           <a:xfrm>
-            <a:off x="309719" y="1916832"/>
-            <a:ext cx="4267200" cy="4162425"/>
+            <a:off x="375368" y="3217137"/>
+            <a:ext cx="4374990" cy="2849167"/>
           </a:xfrm>
           <a:prstGeom prst="rect">
             <a:avLst/>
           </a:prstGeom>
         </p:spPr>
       </p:pic>
+      <p:sp>
+        <p:nvSpPr>
+          <p:cNvPr id="13" name="CuadroTexto 12">
+            <a:extLst>
+              <a:ext uri="{FF2B5EF4-FFF2-40B4-BE49-F238E27FC236}">
+                <a16:creationId xmlns:a16="http://schemas.microsoft.com/office/drawing/2014/main" id="{D8614476-5746-4910-AE97-837BDC1DE82C}"/>
+              </a:ext>
+            </a:extLst>
+          </p:cNvPr>
+          <p:cNvSpPr txBox="1"/>
+          <p:nvPr/>
+        </p:nvSpPr>
+        <p:spPr>
+          <a:xfrm>
+            <a:off x="353799" y="2564904"/>
+            <a:ext cx="3562351" cy="506292"/>
+          </a:xfrm>
+          <a:prstGeom prst="rect">
+            <a:avLst/>
+          </a:prstGeom>
+          <a:noFill/>
+        </p:spPr>
+        <p:txBody>
+          <a:bodyPr wrap="square">
+            <a:spAutoFit/>
+          </a:bodyPr>
+          <a:lstStyle/>
+          <a:p>
+            <a:pPr algn="just">
+              <a:lnSpc>
+                <a:spcPct val="150000"/>
+              </a:lnSpc>
+            </a:pPr>
+            <a:r>
+              <a:rPr lang="es-MX" sz="2000" dirty="0"/>
+              <a:t>Conjunto de caracteres </a:t>
+            </a:r>
+            <a:r>
+              <a:rPr lang="es-MX" sz="2000" b="1" dirty="0">
+                <a:solidFill>
+                  <a:schemeClr val="accent6">
+                    <a:lumMod val="75000"/>
+                  </a:schemeClr>
+                </a:solidFill>
+              </a:rPr>
+              <a:t>2, 3 u 8</a:t>
+            </a:r>
+            <a:r>
+              <a:rPr lang="es-MX" sz="2000" dirty="0"/>
+              <a:t>.</a:t>
+            </a:r>
+          </a:p>
+        </p:txBody>
+      </p:sp>
       <p:pic>
         <p:nvPicPr>
-          <p:cNvPr id="10" name="Imagen 9">
+          <p:cNvPr id="8" name="Picture 7">
             <a:extLst>
               <a:ext uri="{FF2B5EF4-FFF2-40B4-BE49-F238E27FC236}">
-                <a16:creationId xmlns:a16="http://schemas.microsoft.com/office/drawing/2014/main" id="{78918B87-AE47-43DF-A868-48DA504D01DA}"/>
+                <a16:creationId xmlns:a16="http://schemas.microsoft.com/office/drawing/2014/main" id="{1C8D1C6E-EE42-B43B-9084-CF731AF947A1}"/>
               </a:ext>
             </a:extLst>
           </p:cNvPr>
@@ -18351,98 +18515,18 @@
         </p:blipFill>
         <p:spPr>
           <a:xfrm>
-            <a:off x="4716016" y="1902544"/>
-            <a:ext cx="4219575" cy="4191000"/>
+            <a:off x="4996269" y="3218069"/>
+            <a:ext cx="3824203" cy="3014251"/>
           </a:xfrm>
           <a:prstGeom prst="rect">
             <a:avLst/>
           </a:prstGeom>
         </p:spPr>
       </p:pic>
-      <p:sp>
-        <p:nvSpPr>
-          <p:cNvPr id="12" name="CuadroTexto 11">
-            <a:extLst>
-              <a:ext uri="{FF2B5EF4-FFF2-40B4-BE49-F238E27FC236}">
-                <a16:creationId xmlns:a16="http://schemas.microsoft.com/office/drawing/2014/main" id="{45236C5C-4492-4167-82B4-CF01EC88B68A}"/>
-              </a:ext>
-            </a:extLst>
-          </p:cNvPr>
-          <p:cNvSpPr txBox="1"/>
-          <p:nvPr/>
-        </p:nvSpPr>
-        <p:spPr>
-          <a:xfrm>
-            <a:off x="4893839" y="1176064"/>
-            <a:ext cx="7920880" cy="506292"/>
-          </a:xfrm>
-          <a:prstGeom prst="rect">
-            <a:avLst/>
-          </a:prstGeom>
-          <a:noFill/>
-        </p:spPr>
-        <p:txBody>
-          <a:bodyPr wrap="square">
-            <a:spAutoFit/>
-          </a:bodyPr>
-          <a:lstStyle/>
-          <a:p>
-            <a:pPr algn="just">
-              <a:lnSpc>
-                <a:spcPct val="150000"/>
-              </a:lnSpc>
-            </a:pPr>
-            <a:r>
-              <a:rPr lang="es-ES" sz="2000" b="1" dirty="0">
-                <a:solidFill>
-                  <a:schemeClr val="tx1">
-                    <a:lumMod val="95000"/>
-                    <a:lumOff val="5000"/>
-                  </a:schemeClr>
-                </a:solidFill>
-              </a:rPr>
-              <a:t>[a-</a:t>
-            </a:r>
-            <a:r>
-              <a:rPr lang="es-ES" sz="2000" b="1" dirty="0" err="1">
-                <a:solidFill>
-                  <a:schemeClr val="tx1">
-                    <a:lumMod val="95000"/>
-                    <a:lumOff val="5000"/>
-                  </a:schemeClr>
-                </a:solidFill>
-              </a:rPr>
-              <a:t>zA</a:t>
-            </a:r>
-            <a:r>
-              <a:rPr lang="es-ES" sz="2000" b="1" dirty="0">
-                <a:solidFill>
-                  <a:schemeClr val="tx1">
-                    <a:lumMod val="95000"/>
-                    <a:lumOff val="5000"/>
-                  </a:schemeClr>
-                </a:solidFill>
-              </a:rPr>
-              <a:t>-Z] </a:t>
-            </a:r>
-            <a:r>
-              <a:rPr lang="es-ES" sz="2000" dirty="0">
-                <a:solidFill>
-                  <a:schemeClr val="tx1">
-                    <a:lumMod val="95000"/>
-                    <a:lumOff val="5000"/>
-                  </a:schemeClr>
-                </a:solidFill>
-              </a:rPr>
-              <a:t>una o más letras.</a:t>
-            </a:r>
-          </a:p>
-        </p:txBody>
-      </p:sp>
     </p:spTree>
     <p:extLst>
       <p:ext uri="{BB962C8B-B14F-4D97-AF65-F5344CB8AC3E}">
-        <p14:creationId xmlns:p14="http://schemas.microsoft.com/office/powerpoint/2010/main" val="155978432"/>
+        <p14:creationId xmlns:p14="http://schemas.microsoft.com/office/powerpoint/2010/main" val="3789720049"/>
       </p:ext>
     </p:extLst>
   </p:cSld>
@@ -18685,36 +18769,6 @@
           <a:xfrm>
             <a:off x="542580" y="2416074"/>
             <a:ext cx="4005234" cy="3893246"/>
-          </a:xfrm>
-          <a:prstGeom prst="rect">
-            <a:avLst/>
-          </a:prstGeom>
-        </p:spPr>
-      </p:pic>
-      <p:pic>
-        <p:nvPicPr>
-          <p:cNvPr id="8" name="Imagen 7">
-            <a:extLst>
-              <a:ext uri="{FF2B5EF4-FFF2-40B4-BE49-F238E27FC236}">
-                <a16:creationId xmlns:a16="http://schemas.microsoft.com/office/drawing/2014/main" id="{C45177FB-1E25-46AB-B18D-97422353BE8B}"/>
-              </a:ext>
-            </a:extLst>
-          </p:cNvPr>
-          <p:cNvPicPr>
-            <a:picLocks noChangeAspect="1"/>
-          </p:cNvPicPr>
-          <p:nvPr/>
-        </p:nvPicPr>
-        <p:blipFill>
-          <a:blip r:embed="rId5"/>
-          <a:stretch>
-            <a:fillRect/>
-          </a:stretch>
-        </p:blipFill>
-        <p:spPr>
-          <a:xfrm>
-            <a:off x="342900" y="6283121"/>
-            <a:ext cx="8458200" cy="685800"/>
           </a:xfrm>
           <a:prstGeom prst="rect">
             <a:avLst/>
@@ -18809,7 +18863,7 @@
         </p:nvSpPr>
         <p:spPr>
           <a:xfrm>
-            <a:off x="289721" y="1147056"/>
+            <a:off x="289721" y="1072086"/>
             <a:ext cx="7920880" cy="506292"/>
           </a:xfrm>
           <a:prstGeom prst="rect">
@@ -18838,7 +18892,7 @@
                 </a:solidFill>
                 <a:effectLst/>
               </a:rPr>
-              <a:t>Ejercicio: </a:t>
+              <a:t>Ejercicio 5: </a:t>
             </a:r>
             <a:r>
               <a:rPr lang="es-ES" sz="2000" i="0" dirty="0">
@@ -18850,7 +18904,7 @@
                 </a:solidFill>
                 <a:effectLst/>
               </a:rPr>
-              <a:t>Seleccionar correo electrónico. </a:t>
+              <a:t>Seleccionar correo electrónico.</a:t>
             </a:r>
             <a:endParaRPr lang="es-ES" sz="2000" dirty="0">
               <a:solidFill>
@@ -18865,10 +18919,10 @@
       </p:sp>
       <p:pic>
         <p:nvPicPr>
-          <p:cNvPr id="4" name="Picture 3">
+          <p:cNvPr id="8" name="Imagen 7">
             <a:extLst>
               <a:ext uri="{FF2B5EF4-FFF2-40B4-BE49-F238E27FC236}">
-                <a16:creationId xmlns:a16="http://schemas.microsoft.com/office/drawing/2014/main" id="{A96E5DF4-656B-1B0A-FF2A-737F9C05E93F}"/>
+                <a16:creationId xmlns:a16="http://schemas.microsoft.com/office/drawing/2014/main" id="{9E8BDEDE-78F6-48B6-B26B-4636CFFD6F1D}"/>
               </a:ext>
             </a:extLst>
           </p:cNvPr>
@@ -18885,18 +18939,128 @@
         </p:blipFill>
         <p:spPr>
           <a:xfrm>
-            <a:off x="1691680" y="1772816"/>
-            <a:ext cx="5472608" cy="4717764"/>
+            <a:off x="309719" y="1841862"/>
+            <a:ext cx="4267200" cy="4162425"/>
           </a:xfrm>
           <a:prstGeom prst="rect">
             <a:avLst/>
           </a:prstGeom>
         </p:spPr>
       </p:pic>
+      <p:pic>
+        <p:nvPicPr>
+          <p:cNvPr id="10" name="Imagen 9">
+            <a:extLst>
+              <a:ext uri="{FF2B5EF4-FFF2-40B4-BE49-F238E27FC236}">
+                <a16:creationId xmlns:a16="http://schemas.microsoft.com/office/drawing/2014/main" id="{78918B87-AE47-43DF-A868-48DA504D01DA}"/>
+              </a:ext>
+            </a:extLst>
+          </p:cNvPr>
+          <p:cNvPicPr>
+            <a:picLocks noChangeAspect="1"/>
+          </p:cNvPicPr>
+          <p:nvPr/>
+        </p:nvPicPr>
+        <p:blipFill>
+          <a:blip r:embed="rId4"/>
+          <a:stretch>
+            <a:fillRect/>
+          </a:stretch>
+        </p:blipFill>
+        <p:spPr>
+          <a:xfrm>
+            <a:off x="4716016" y="1827574"/>
+            <a:ext cx="4219575" cy="4191000"/>
+          </a:xfrm>
+          <a:prstGeom prst="rect">
+            <a:avLst/>
+          </a:prstGeom>
+        </p:spPr>
+      </p:pic>
+      <p:sp>
+        <p:nvSpPr>
+          <p:cNvPr id="12" name="CuadroTexto 11">
+            <a:extLst>
+              <a:ext uri="{FF2B5EF4-FFF2-40B4-BE49-F238E27FC236}">
+                <a16:creationId xmlns:a16="http://schemas.microsoft.com/office/drawing/2014/main" id="{45236C5C-4492-4167-82B4-CF01EC88B68A}"/>
+              </a:ext>
+            </a:extLst>
+          </p:cNvPr>
+          <p:cNvSpPr txBox="1"/>
+          <p:nvPr/>
+        </p:nvSpPr>
+        <p:spPr>
+          <a:xfrm>
+            <a:off x="5292080" y="1052736"/>
+            <a:ext cx="3562199" cy="506292"/>
+          </a:xfrm>
+          <a:prstGeom prst="rect">
+            <a:avLst/>
+          </a:prstGeom>
+          <a:noFill/>
+        </p:spPr>
+        <p:txBody>
+          <a:bodyPr wrap="square">
+            <a:spAutoFit/>
+          </a:bodyPr>
+          <a:lstStyle/>
+          <a:p>
+            <a:pPr algn="just">
+              <a:lnSpc>
+                <a:spcPct val="150000"/>
+              </a:lnSpc>
+            </a:pPr>
+            <a:r>
+              <a:rPr lang="es-ES" sz="2000" b="1" dirty="0">
+                <a:solidFill>
+                  <a:schemeClr val="tx1">
+                    <a:lumMod val="95000"/>
+                    <a:lumOff val="5000"/>
+                  </a:schemeClr>
+                </a:solidFill>
+              </a:rPr>
+              <a:t>[a-</a:t>
+            </a:r>
+            <a:r>
+              <a:rPr lang="es-ES" sz="2000" b="1" dirty="0" err="1">
+                <a:solidFill>
+                  <a:schemeClr val="tx1">
+                    <a:lumMod val="95000"/>
+                    <a:lumOff val="5000"/>
+                  </a:schemeClr>
+                </a:solidFill>
+              </a:rPr>
+              <a:t>zA</a:t>
+            </a:r>
+            <a:r>
+              <a:rPr lang="es-ES" sz="2000" b="1" dirty="0">
+                <a:solidFill>
+                  <a:schemeClr val="tx1">
+                    <a:lumMod val="95000"/>
+                    <a:lumOff val="5000"/>
+                  </a:schemeClr>
+                </a:solidFill>
+              </a:rPr>
+              <a:t>-Z] </a:t>
+            </a:r>
+            <a:r>
+              <a:rPr lang="es-ES" sz="2000" dirty="0">
+                <a:solidFill>
+                  <a:schemeClr val="tx1">
+                    <a:lumMod val="95000"/>
+                    <a:lumOff val="5000"/>
+                  </a:schemeClr>
+                </a:solidFill>
+              </a:rPr>
+              <a:t>una o más letras.</a:t>
+            </a:r>
+          </a:p>
+        </p:txBody>
+      </p:sp>
     </p:spTree>
     <p:extLst>
       <p:ext uri="{BB962C8B-B14F-4D97-AF65-F5344CB8AC3E}">
-        <p14:creationId xmlns:p14="http://schemas.microsoft.com/office/powerpoint/2010/main" val="1923512369"/>
+        <p14:creationId xmlns:p14="http://schemas.microsoft.com/office/powerpoint/2010/main" val="155978432"/>
       </p:ext>
     </p:extLst>
   </p:cSld>
@@ -19010,7 +19174,179 @@
                 </a:solidFill>
                 <a:effectLst/>
               </a:rPr>
-              <a:t>Ejercicio: </a:t>
+              <a:t>Ejercicio 5: </a:t>
+            </a:r>
+            <a:r>
+              <a:rPr lang="es-ES" sz="2000" i="0" dirty="0">
+                <a:solidFill>
+                  <a:schemeClr val="tx1">
+                    <a:lumMod val="95000"/>
+                    <a:lumOff val="5000"/>
+                  </a:schemeClr>
+                </a:solidFill>
+                <a:effectLst/>
+              </a:rPr>
+              <a:t>Seleccionar correo electrónico. </a:t>
+            </a:r>
+            <a:endParaRPr lang="es-ES" sz="2000" dirty="0">
+              <a:solidFill>
+                <a:schemeClr val="tx1">
+                  <a:lumMod val="95000"/>
+                  <a:lumOff val="5000"/>
+                </a:schemeClr>
+              </a:solidFill>
+            </a:endParaRPr>
+          </a:p>
+        </p:txBody>
+      </p:sp>
+      <p:pic>
+        <p:nvPicPr>
+          <p:cNvPr id="4" name="Picture 3">
+            <a:extLst>
+              <a:ext uri="{FF2B5EF4-FFF2-40B4-BE49-F238E27FC236}">
+                <a16:creationId xmlns:a16="http://schemas.microsoft.com/office/drawing/2014/main" id="{A96E5DF4-656B-1B0A-FF2A-737F9C05E93F}"/>
+              </a:ext>
+            </a:extLst>
+          </p:cNvPr>
+          <p:cNvPicPr>
+            <a:picLocks noChangeAspect="1"/>
+          </p:cNvPicPr>
+          <p:nvPr/>
+        </p:nvPicPr>
+        <p:blipFill>
+          <a:blip r:embed="rId3"/>
+          <a:stretch>
+            <a:fillRect/>
+          </a:stretch>
+        </p:blipFill>
+        <p:spPr>
+          <a:xfrm>
+            <a:off x="1691680" y="1772816"/>
+            <a:ext cx="5472608" cy="4717764"/>
+          </a:xfrm>
+          <a:prstGeom prst="rect">
+            <a:avLst/>
+          </a:prstGeom>
+        </p:spPr>
+      </p:pic>
+    </p:spTree>
+    <p:extLst>
+      <p:ext uri="{BB962C8B-B14F-4D97-AF65-F5344CB8AC3E}">
+        <p14:creationId xmlns:p14="http://schemas.microsoft.com/office/powerpoint/2010/main" val="1923512369"/>
+      </p:ext>
+    </p:extLst>
+  </p:cSld>
+  <p:clrMapOvr>
+    <a:masterClrMapping/>
+  </p:clrMapOvr>
+</p:sld>
+</file>
+
+<file path=ppt/slides/slide52.xml><?xml version="1.0" encoding="utf-8"?>
+<p:sld xmlns:a="http://schemas.openxmlformats.org/drawingml/2006/main" xmlns:r="http://schemas.openxmlformats.org/officeDocument/2006/relationships" xmlns:p="http://schemas.openxmlformats.org/presentationml/2006/main">
+  <p:cSld>
+    <p:spTree>
+      <p:nvGrpSpPr>
+        <p:cNvPr id="1" name=""/>
+        <p:cNvGrpSpPr/>
+        <p:nvPr/>
+      </p:nvGrpSpPr>
+      <p:grpSpPr>
+        <a:xfrm>
+          <a:off x="0" y="0"/>
+          <a:ext cx="0" cy="0"/>
+          <a:chOff x="0" y="0"/>
+          <a:chExt cx="0" cy="0"/>
+        </a:xfrm>
+      </p:grpSpPr>
+      <p:sp>
+        <p:nvSpPr>
+          <p:cNvPr id="184324" name="Rectangle 4"/>
+          <p:cNvSpPr>
+            <a:spLocks noGrp="1" noChangeArrowheads="1"/>
+          </p:cNvSpPr>
+          <p:nvPr>
+            <p:ph type="title"/>
+          </p:nvPr>
+        </p:nvSpPr>
+        <p:spPr>
+          <a:xfrm>
+            <a:off x="289721" y="4056"/>
+            <a:ext cx="8363272" cy="1143000"/>
+          </a:xfrm>
+        </p:spPr>
+        <p:txBody>
+          <a:bodyPr>
+            <a:normAutofit/>
+          </a:bodyPr>
+          <a:lstStyle/>
+          <a:p>
+            <a:pPr eaLnBrk="1" hangingPunct="1">
+              <a:defRPr/>
+            </a:pPr>
+            <a:r>
+              <a:rPr lang="es-MX" b="1" dirty="0">
+                <a:solidFill>
+                  <a:schemeClr val="accent4">
+                    <a:lumMod val="50000"/>
+                  </a:schemeClr>
+                </a:solidFill>
+                <a:effectLst>
+                  <a:outerShdw blurRad="38100" dist="38100" dir="2700000" algn="tl">
+                    <a:srgbClr val="C0C0C0"/>
+                  </a:outerShdw>
+                </a:effectLst>
+                <a:latin typeface="Dom Casual" charset="0"/>
+              </a:rPr>
+              <a:t>Expresión regular</a:t>
+            </a:r>
+          </a:p>
+        </p:txBody>
+      </p:sp>
+      <p:sp>
+        <p:nvSpPr>
+          <p:cNvPr id="5" name="CuadroTexto 4">
+            <a:extLst>
+              <a:ext uri="{FF2B5EF4-FFF2-40B4-BE49-F238E27FC236}">
+                <a16:creationId xmlns:a16="http://schemas.microsoft.com/office/drawing/2014/main" id="{FC189524-E564-48DD-B173-E7D162EDC50C}"/>
+              </a:ext>
+            </a:extLst>
+          </p:cNvPr>
+          <p:cNvSpPr txBox="1"/>
+          <p:nvPr/>
+        </p:nvSpPr>
+        <p:spPr>
+          <a:xfrm>
+            <a:off x="289721" y="1147056"/>
+            <a:ext cx="7920880" cy="506292"/>
+          </a:xfrm>
+          <a:prstGeom prst="rect">
+            <a:avLst/>
+          </a:prstGeom>
+          <a:noFill/>
+        </p:spPr>
+        <p:txBody>
+          <a:bodyPr wrap="square">
+            <a:spAutoFit/>
+          </a:bodyPr>
+          <a:lstStyle/>
+          <a:p>
+            <a:pPr algn="just">
+              <a:lnSpc>
+                <a:spcPct val="150000"/>
+              </a:lnSpc>
+            </a:pPr>
+            <a:r>
+              <a:rPr lang="es-ES" sz="2000" b="1" i="0" dirty="0">
+                <a:solidFill>
+                  <a:schemeClr val="tx1">
+                    <a:lumMod val="95000"/>
+                    <a:lumOff val="5000"/>
+                  </a:schemeClr>
+                </a:solidFill>
+                <a:effectLst/>
+              </a:rPr>
+              <a:t>Ejercicio 5: </a:t>
             </a:r>
             <a:r>
               <a:rPr lang="es-ES" sz="2000" i="0" dirty="0">
@@ -19078,7 +19414,7 @@
 </p:sld>
 </file>
 
-<file path=ppt/slides/slide52.xml><?xml version="1.0" encoding="utf-8"?>
+<file path=ppt/slides/slide53.xml><?xml version="1.0" encoding="utf-8"?>
 <p:sld xmlns:a="http://schemas.openxmlformats.org/drawingml/2006/main" xmlns:r="http://schemas.openxmlformats.org/officeDocument/2006/relationships" xmlns:p="http://schemas.openxmlformats.org/presentationml/2006/main">
   <p:cSld>
     <p:spTree>
@@ -20302,7 +20638,7 @@
                 <a:cs typeface="Calibri"/>
               </a:rPr>
               <a:pPr marL="25400"/>
-              <a:t>52</a:t>
+              <a:t>53</a:t>
             </a:fld>
             <a:endParaRPr dirty="0">
               <a:latin typeface="Calibri"/>
@@ -20998,7 +21334,7 @@
         </p:nvSpPr>
         <p:spPr>
           <a:xfrm>
-            <a:off x="899593" y="3041322"/>
+            <a:off x="817609" y="2959830"/>
             <a:ext cx="2520279" cy="506292"/>
           </a:xfrm>
           <a:prstGeom prst="rect">
@@ -21040,12 +21376,177 @@
           </a:p>
         </p:txBody>
       </p:sp>
+      <p:sp>
+        <p:nvSpPr>
+          <p:cNvPr id="7" name="CuadroTexto 6">
+            <a:extLst>
+              <a:ext uri="{FF2B5EF4-FFF2-40B4-BE49-F238E27FC236}">
+                <a16:creationId xmlns:a16="http://schemas.microsoft.com/office/drawing/2014/main" id="{64092E1E-D361-4870-BD54-7147B2FFEC5C}"/>
+              </a:ext>
+            </a:extLst>
+          </p:cNvPr>
+          <p:cNvSpPr txBox="1"/>
+          <p:nvPr/>
+        </p:nvSpPr>
+        <p:spPr>
+          <a:xfrm>
+            <a:off x="817609" y="1349150"/>
+            <a:ext cx="7642824" cy="1509388"/>
+          </a:xfrm>
+          <a:prstGeom prst="rect">
+            <a:avLst/>
+          </a:prstGeom>
+          <a:noFill/>
+        </p:spPr>
+        <p:txBody>
+          <a:bodyPr wrap="square">
+            <a:spAutoFit/>
+          </a:bodyPr>
+          <a:lstStyle/>
+          <a:p>
+            <a:pPr algn="just" fontAlgn="base">
+              <a:lnSpc>
+                <a:spcPts val="2500"/>
+              </a:lnSpc>
+              <a:spcAft>
+                <a:spcPts val="1200"/>
+              </a:spcAft>
+            </a:pPr>
+            <a:r>
+              <a:rPr lang="es-ES" sz="1800" dirty="0">
+                <a:solidFill>
+                  <a:schemeClr val="tx1">
+                    <a:lumMod val="95000"/>
+                    <a:lumOff val="5000"/>
+                  </a:schemeClr>
+                </a:solidFill>
+              </a:rPr>
+              <a:t>El lenguaje de programación Python, en su librería estándar, nos proporciona el modulo </a:t>
+            </a:r>
+            <a:r>
+              <a:rPr lang="es-ES" sz="1800" b="1" dirty="0" err="1">
+                <a:solidFill>
+                  <a:srgbClr val="FF0000"/>
+                </a:solidFill>
+              </a:rPr>
+              <a:t>regex</a:t>
+            </a:r>
+            <a:r>
+              <a:rPr lang="es-ES" sz="1800" dirty="0">
+                <a:solidFill>
+                  <a:schemeClr val="tx1">
+                    <a:lumMod val="95000"/>
+                    <a:lumOff val="5000"/>
+                  </a:schemeClr>
+                </a:solidFill>
+              </a:rPr>
+              <a:t> el cual es utilizado para trabajar con expresiones regulares.</a:t>
+            </a:r>
+            <a:endParaRPr lang="es-ES" b="1" i="0" dirty="0">
+              <a:solidFill>
+                <a:schemeClr val="accent6">
+                  <a:lumMod val="75000"/>
+                </a:schemeClr>
+              </a:solidFill>
+              <a:effectLst/>
+              <a:latin typeface="inherit"/>
+            </a:endParaRPr>
+          </a:p>
+          <a:p>
+            <a:pPr algn="just" fontAlgn="base">
+              <a:lnSpc>
+                <a:spcPts val="2500"/>
+              </a:lnSpc>
+              <a:spcAft>
+                <a:spcPts val="1200"/>
+              </a:spcAft>
+            </a:pPr>
+            <a:r>
+              <a:rPr lang="es-ES" b="1" i="0" dirty="0" err="1">
+                <a:solidFill>
+                  <a:schemeClr val="accent6">
+                    <a:lumMod val="75000"/>
+                  </a:schemeClr>
+                </a:solidFill>
+                <a:effectLst/>
+                <a:latin typeface="inherit"/>
+              </a:rPr>
+              <a:t>findall</a:t>
+            </a:r>
+            <a:r>
+              <a:rPr lang="es-ES" b="1" i="0" dirty="0">
+                <a:solidFill>
+                  <a:schemeClr val="accent6">
+                    <a:lumMod val="75000"/>
+                  </a:schemeClr>
+                </a:solidFill>
+                <a:effectLst/>
+                <a:latin typeface="inherit"/>
+              </a:rPr>
+              <a:t>()</a:t>
+            </a:r>
+            <a:r>
+              <a:rPr lang="es-ES" b="0" i="0" dirty="0">
+                <a:solidFill>
+                  <a:schemeClr val="accent6">
+                    <a:lumMod val="75000"/>
+                  </a:schemeClr>
+                </a:solidFill>
+                <a:effectLst/>
+                <a:latin typeface="inherit"/>
+              </a:rPr>
+              <a:t>: </a:t>
+            </a:r>
+            <a:r>
+              <a:rPr lang="es-ES" b="0" i="0" dirty="0">
+                <a:solidFill>
+                  <a:srgbClr val="000000"/>
+                </a:solidFill>
+                <a:effectLst/>
+                <a:latin typeface="inherit"/>
+              </a:rPr>
+              <a:t>Encuentra todos los subtextos donde coincide </a:t>
+            </a:r>
+            <a:r>
+              <a:rPr lang="es-ES" dirty="0">
+                <a:solidFill>
+                  <a:srgbClr val="000000"/>
+                </a:solidFill>
+                <a:latin typeface="inherit"/>
+              </a:rPr>
+              <a:t>la expresión regular y </a:t>
+            </a:r>
+            <a:r>
+              <a:rPr lang="es-ES" b="0" i="0" dirty="0">
+                <a:solidFill>
+                  <a:srgbClr val="000000"/>
+                </a:solidFill>
+                <a:effectLst/>
+                <a:latin typeface="inherit"/>
+              </a:rPr>
+              <a:t> devuelve estas coincidencias como una lista. </a:t>
+            </a:r>
+            <a:r>
+              <a:rPr lang="es-ES" b="1" i="0" dirty="0">
+                <a:solidFill>
+                  <a:schemeClr val="accent5">
+                    <a:lumMod val="75000"/>
+                  </a:schemeClr>
+                </a:solidFill>
+                <a:effectLst/>
+                <a:latin typeface="inherit"/>
+              </a:rPr>
+              <a:t>(patrón, texto)</a:t>
+            </a:r>
+          </a:p>
+        </p:txBody>
+      </p:sp>
       <p:pic>
         <p:nvPicPr>
-          <p:cNvPr id="3" name="Imagen 2">
+          <p:cNvPr id="4" name="Picture 3">
             <a:extLst>
               <a:ext uri="{FF2B5EF4-FFF2-40B4-BE49-F238E27FC236}">
-                <a16:creationId xmlns:a16="http://schemas.microsoft.com/office/drawing/2014/main" id="{9DC2491E-C8B5-448D-B553-6F19BDF2FFE8}"/>
+                <a16:creationId xmlns:a16="http://schemas.microsoft.com/office/drawing/2014/main" id="{0AE83E9F-5AE3-8E90-1C0E-62D7DC7EE76D}"/>
               </a:ext>
             </a:extLst>
           </p:cNvPr>
@@ -21062,179 +21563,14 @@
         </p:blipFill>
         <p:spPr>
           <a:xfrm>
-            <a:off x="899593" y="3645024"/>
-            <a:ext cx="7272808" cy="2191701"/>
+            <a:off x="1309899" y="3567414"/>
+            <a:ext cx="6524202" cy="2560130"/>
           </a:xfrm>
           <a:prstGeom prst="rect">
             <a:avLst/>
           </a:prstGeom>
         </p:spPr>
       </p:pic>
-      <p:sp>
-        <p:nvSpPr>
-          <p:cNvPr id="7" name="CuadroTexto 6">
-            <a:extLst>
-              <a:ext uri="{FF2B5EF4-FFF2-40B4-BE49-F238E27FC236}">
-                <a16:creationId xmlns:a16="http://schemas.microsoft.com/office/drawing/2014/main" id="{64092E1E-D361-4870-BD54-7147B2FFEC5C}"/>
-              </a:ext>
-            </a:extLst>
-          </p:cNvPr>
-          <p:cNvSpPr txBox="1"/>
-          <p:nvPr/>
-        </p:nvSpPr>
-        <p:spPr>
-          <a:xfrm>
-            <a:off x="817609" y="1349150"/>
-            <a:ext cx="7642824" cy="1509388"/>
-          </a:xfrm>
-          <a:prstGeom prst="rect">
-            <a:avLst/>
-          </a:prstGeom>
-          <a:noFill/>
-        </p:spPr>
-        <p:txBody>
-          <a:bodyPr wrap="square">
-            <a:spAutoFit/>
-          </a:bodyPr>
-          <a:lstStyle/>
-          <a:p>
-            <a:pPr algn="just" fontAlgn="base">
-              <a:lnSpc>
-                <a:spcPts val="2500"/>
-              </a:lnSpc>
-              <a:spcAft>
-                <a:spcPts val="1200"/>
-              </a:spcAft>
-            </a:pPr>
-            <a:r>
-              <a:rPr lang="es-ES" sz="1800" dirty="0">
-                <a:solidFill>
-                  <a:schemeClr val="tx1">
-                    <a:lumMod val="95000"/>
-                    <a:lumOff val="5000"/>
-                  </a:schemeClr>
-                </a:solidFill>
-              </a:rPr>
-              <a:t>El lenguaje de programación Python, en su librería estándar, nos proporciona el modulo </a:t>
-            </a:r>
-            <a:r>
-              <a:rPr lang="es-ES" sz="1800" b="1" dirty="0" err="1">
-                <a:solidFill>
-                  <a:srgbClr val="FF0000"/>
-                </a:solidFill>
-              </a:rPr>
-              <a:t>regex</a:t>
-            </a:r>
-            <a:r>
-              <a:rPr lang="es-ES" sz="1800" dirty="0">
-                <a:solidFill>
-                  <a:schemeClr val="tx1">
-                    <a:lumMod val="95000"/>
-                    <a:lumOff val="5000"/>
-                  </a:schemeClr>
-                </a:solidFill>
-              </a:rPr>
-              <a:t> el cual es utilizado para trabajar con expresiones regulares.</a:t>
-            </a:r>
-            <a:endParaRPr lang="es-ES" b="1" i="0" dirty="0">
-              <a:solidFill>
-                <a:schemeClr val="accent6">
-                  <a:lumMod val="75000"/>
-                </a:schemeClr>
-              </a:solidFill>
-              <a:effectLst/>
-              <a:latin typeface="inherit"/>
-            </a:endParaRPr>
-          </a:p>
-          <a:p>
-            <a:pPr algn="just" fontAlgn="base">
-              <a:lnSpc>
-                <a:spcPts val="2500"/>
-              </a:lnSpc>
-              <a:spcAft>
-                <a:spcPts val="1200"/>
-              </a:spcAft>
-            </a:pPr>
-            <a:r>
-              <a:rPr lang="es-ES" b="1" i="0" dirty="0" err="1">
-                <a:solidFill>
-                  <a:schemeClr val="accent6">
-                    <a:lumMod val="75000"/>
-                  </a:schemeClr>
-                </a:solidFill>
-                <a:effectLst/>
-                <a:latin typeface="inherit"/>
-              </a:rPr>
-              <a:t>findall</a:t>
-            </a:r>
-            <a:r>
-              <a:rPr lang="es-ES" b="1" i="0" dirty="0">
-                <a:solidFill>
-                  <a:schemeClr val="accent6">
-                    <a:lumMod val="75000"/>
-                  </a:schemeClr>
-                </a:solidFill>
-                <a:effectLst/>
-                <a:latin typeface="inherit"/>
-              </a:rPr>
-              <a:t>()</a:t>
-            </a:r>
-            <a:r>
-              <a:rPr lang="es-ES" b="0" i="0" dirty="0">
-                <a:solidFill>
-                  <a:schemeClr val="accent6">
-                    <a:lumMod val="75000"/>
-                  </a:schemeClr>
-                </a:solidFill>
-                <a:effectLst/>
-                <a:latin typeface="inherit"/>
-              </a:rPr>
-              <a:t>: </a:t>
-            </a:r>
-            <a:r>
-              <a:rPr lang="es-ES" b="0" i="0" dirty="0">
-                <a:solidFill>
-                  <a:srgbClr val="000000"/>
-                </a:solidFill>
-                <a:effectLst/>
-                <a:latin typeface="inherit"/>
-              </a:rPr>
-              <a:t>Encuentra todos los subtextos donde coincide </a:t>
-            </a:r>
-            <a:r>
-              <a:rPr lang="es-ES" dirty="0">
-                <a:solidFill>
-                  <a:srgbClr val="000000"/>
-                </a:solidFill>
-                <a:latin typeface="inherit"/>
-              </a:rPr>
-              <a:t>la expresión regular y </a:t>
-            </a:r>
-            <a:r>
-              <a:rPr lang="es-ES" b="0" i="0" dirty="0">
-                <a:solidFill>
-                  <a:srgbClr val="000000"/>
-                </a:solidFill>
-                <a:effectLst/>
-                <a:latin typeface="inherit"/>
-              </a:rPr>
-              <a:t> devuelve estas coincidencias como una lista. </a:t>
-            </a:r>
-            <a:r>
-              <a:rPr lang="es-ES" b="1" i="0" dirty="0">
-                <a:solidFill>
-                  <a:schemeClr val="accent5">
-                    <a:lumMod val="75000"/>
-                  </a:schemeClr>
-                </a:solidFill>
-                <a:effectLst/>
-                <a:latin typeface="inherit"/>
-              </a:rPr>
-              <a:t>(patrón, texto)</a:t>
-            </a:r>
-          </a:p>
-        </p:txBody>
-      </p:sp>
     </p:spTree>
     <p:extLst>
       <p:ext uri="{BB962C8B-B14F-4D97-AF65-F5344CB8AC3E}">
@@ -21352,7 +21688,30 @@
                 </a:solidFill>
                 <a:effectLst/>
               </a:rPr>
-              <a:t>Las expresiones regulares son una fórmula va a buscar dentro de nuestro texto coincidencias. </a:t>
+              <a:t>Las expresiones regulares son una fórmula </a:t>
+            </a:r>
+            <a:r>
+              <a:rPr lang="es-ES" sz="2000" dirty="0">
+                <a:solidFill>
+                  <a:schemeClr val="tx1">
+                    <a:lumMod val="95000"/>
+                    <a:lumOff val="5000"/>
+                  </a:schemeClr>
+                </a:solidFill>
+              </a:rPr>
+              <a:t>que </a:t>
+            </a:r>
+            <a:r>
+              <a:rPr lang="es-ES" sz="2000" i="0" dirty="0">
+                <a:solidFill>
+                  <a:schemeClr val="tx1">
+                    <a:lumMod val="95000"/>
+                    <a:lumOff val="5000"/>
+                  </a:schemeClr>
+                </a:solidFill>
+                <a:effectLst/>
+              </a:rPr>
+              <a:t>va a buscar dentro de nuestro texto coincidencias. </a:t>
             </a:r>
             <a:r>
               <a:rPr lang="es-ES" sz="2000" dirty="0">

--- a/CalendarioAgo24/presentaciones/18_Expresiones_regulares.pptx
+++ b/CalendarioAgo24/presentaciones/18_Expresiones_regulares.pptx
@@ -15,51 +15,51 @@
     <p:sldId id="658" r:id="rId6"/>
     <p:sldId id="659" r:id="rId7"/>
     <p:sldId id="660" r:id="rId8"/>
-    <p:sldId id="728" r:id="rId9"/>
-    <p:sldId id="661" r:id="rId10"/>
-    <p:sldId id="662" r:id="rId11"/>
-    <p:sldId id="663" r:id="rId12"/>
-    <p:sldId id="669" r:id="rId13"/>
-    <p:sldId id="666" r:id="rId14"/>
-    <p:sldId id="667" r:id="rId15"/>
-    <p:sldId id="668" r:id="rId16"/>
-    <p:sldId id="670" r:id="rId17"/>
-    <p:sldId id="671" r:id="rId18"/>
-    <p:sldId id="672" r:id="rId19"/>
-    <p:sldId id="673" r:id="rId20"/>
-    <p:sldId id="675" r:id="rId21"/>
-    <p:sldId id="676" r:id="rId22"/>
-    <p:sldId id="697" r:id="rId23"/>
-    <p:sldId id="698" r:id="rId24"/>
-    <p:sldId id="699" r:id="rId25"/>
-    <p:sldId id="677" r:id="rId26"/>
-    <p:sldId id="678" r:id="rId27"/>
-    <p:sldId id="727" r:id="rId28"/>
-    <p:sldId id="702" r:id="rId29"/>
-    <p:sldId id="704" r:id="rId30"/>
-    <p:sldId id="705" r:id="rId31"/>
-    <p:sldId id="706" r:id="rId32"/>
-    <p:sldId id="707" r:id="rId33"/>
-    <p:sldId id="680" r:id="rId34"/>
-    <p:sldId id="681" r:id="rId35"/>
-    <p:sldId id="682" r:id="rId36"/>
-    <p:sldId id="683" r:id="rId37"/>
-    <p:sldId id="708" r:id="rId38"/>
-    <p:sldId id="684" r:id="rId39"/>
-    <p:sldId id="709" r:id="rId40"/>
-    <p:sldId id="710" r:id="rId41"/>
-    <p:sldId id="711" r:id="rId42"/>
-    <p:sldId id="712" r:id="rId43"/>
-    <p:sldId id="713" r:id="rId44"/>
-    <p:sldId id="688" r:id="rId45"/>
-    <p:sldId id="687" r:id="rId46"/>
-    <p:sldId id="674" r:id="rId47"/>
-    <p:sldId id="730" r:id="rId48"/>
-    <p:sldId id="685" r:id="rId49"/>
-    <p:sldId id="689" r:id="rId50"/>
-    <p:sldId id="729" r:id="rId51"/>
-    <p:sldId id="691" r:id="rId52"/>
-    <p:sldId id="686" r:id="rId53"/>
+    <p:sldId id="661" r:id="rId9"/>
+    <p:sldId id="662" r:id="rId10"/>
+    <p:sldId id="663" r:id="rId11"/>
+    <p:sldId id="669" r:id="rId12"/>
+    <p:sldId id="666" r:id="rId13"/>
+    <p:sldId id="667" r:id="rId14"/>
+    <p:sldId id="668" r:id="rId15"/>
+    <p:sldId id="670" r:id="rId16"/>
+    <p:sldId id="671" r:id="rId17"/>
+    <p:sldId id="672" r:id="rId18"/>
+    <p:sldId id="673" r:id="rId19"/>
+    <p:sldId id="675" r:id="rId20"/>
+    <p:sldId id="676" r:id="rId21"/>
+    <p:sldId id="697" r:id="rId22"/>
+    <p:sldId id="698" r:id="rId23"/>
+    <p:sldId id="699" r:id="rId24"/>
+    <p:sldId id="677" r:id="rId25"/>
+    <p:sldId id="678" r:id="rId26"/>
+    <p:sldId id="727" r:id="rId27"/>
+    <p:sldId id="702" r:id="rId28"/>
+    <p:sldId id="704" r:id="rId29"/>
+    <p:sldId id="705" r:id="rId30"/>
+    <p:sldId id="706" r:id="rId31"/>
+    <p:sldId id="707" r:id="rId32"/>
+    <p:sldId id="680" r:id="rId33"/>
+    <p:sldId id="681" r:id="rId34"/>
+    <p:sldId id="682" r:id="rId35"/>
+    <p:sldId id="683" r:id="rId36"/>
+    <p:sldId id="708" r:id="rId37"/>
+    <p:sldId id="684" r:id="rId38"/>
+    <p:sldId id="709" r:id="rId39"/>
+    <p:sldId id="710" r:id="rId40"/>
+    <p:sldId id="711" r:id="rId41"/>
+    <p:sldId id="712" r:id="rId42"/>
+    <p:sldId id="713" r:id="rId43"/>
+    <p:sldId id="688" r:id="rId44"/>
+    <p:sldId id="687" r:id="rId45"/>
+    <p:sldId id="674" r:id="rId46"/>
+    <p:sldId id="730" r:id="rId47"/>
+    <p:sldId id="685" r:id="rId48"/>
+    <p:sldId id="689" r:id="rId49"/>
+    <p:sldId id="729" r:id="rId50"/>
+    <p:sldId id="691" r:id="rId51"/>
+    <p:sldId id="686" r:id="rId52"/>
+    <p:sldId id="728" r:id="rId53"/>
     <p:sldId id="282" r:id="rId54"/>
   </p:sldIdLst>
   <p:sldSz cx="9144000" cy="6858000" type="screen4x3"/>
@@ -686,7 +686,7 @@
     </p:spTree>
     <p:extLst>
       <p:ext uri="{BB962C8B-B14F-4D97-AF65-F5344CB8AC3E}">
-        <p14:creationId xmlns:p14="http://schemas.microsoft.com/office/powerpoint/2010/main" val="4064021893"/>
+        <p14:creationId xmlns:p14="http://schemas.microsoft.com/office/powerpoint/2010/main" val="1043525752"/>
       </p:ext>
     </p:extLst>
   </p:cSld>
@@ -770,7 +770,7 @@
     </p:spTree>
     <p:extLst>
       <p:ext uri="{BB962C8B-B14F-4D97-AF65-F5344CB8AC3E}">
-        <p14:creationId xmlns:p14="http://schemas.microsoft.com/office/powerpoint/2010/main" val="1043525752"/>
+        <p14:creationId xmlns:p14="http://schemas.microsoft.com/office/powerpoint/2010/main" val="688381233"/>
       </p:ext>
     </p:extLst>
   </p:cSld>
@@ -854,7 +854,7 @@
     </p:spTree>
     <p:extLst>
       <p:ext uri="{BB962C8B-B14F-4D97-AF65-F5344CB8AC3E}">
-        <p14:creationId xmlns:p14="http://schemas.microsoft.com/office/powerpoint/2010/main" val="688381233"/>
+        <p14:creationId xmlns:p14="http://schemas.microsoft.com/office/powerpoint/2010/main" val="3265490030"/>
       </p:ext>
     </p:extLst>
   </p:cSld>
@@ -938,7 +938,7 @@
     </p:spTree>
     <p:extLst>
       <p:ext uri="{BB962C8B-B14F-4D97-AF65-F5344CB8AC3E}">
-        <p14:creationId xmlns:p14="http://schemas.microsoft.com/office/powerpoint/2010/main" val="3265490030"/>
+        <p14:creationId xmlns:p14="http://schemas.microsoft.com/office/powerpoint/2010/main" val="2058825995"/>
       </p:ext>
     </p:extLst>
   </p:cSld>
@@ -1022,7 +1022,7 @@
     </p:spTree>
     <p:extLst>
       <p:ext uri="{BB962C8B-B14F-4D97-AF65-F5344CB8AC3E}">
-        <p14:creationId xmlns:p14="http://schemas.microsoft.com/office/powerpoint/2010/main" val="2058825995"/>
+        <p14:creationId xmlns:p14="http://schemas.microsoft.com/office/powerpoint/2010/main" val="3939497291"/>
       </p:ext>
     </p:extLst>
   </p:cSld>
@@ -1106,7 +1106,7 @@
     </p:spTree>
     <p:extLst>
       <p:ext uri="{BB962C8B-B14F-4D97-AF65-F5344CB8AC3E}">
-        <p14:creationId xmlns:p14="http://schemas.microsoft.com/office/powerpoint/2010/main" val="3939497291"/>
+        <p14:creationId xmlns:p14="http://schemas.microsoft.com/office/powerpoint/2010/main" val="1091544709"/>
       </p:ext>
     </p:extLst>
   </p:cSld>
@@ -1190,7 +1190,7 @@
     </p:spTree>
     <p:extLst>
       <p:ext uri="{BB962C8B-B14F-4D97-AF65-F5344CB8AC3E}">
-        <p14:creationId xmlns:p14="http://schemas.microsoft.com/office/powerpoint/2010/main" val="1091544709"/>
+        <p14:creationId xmlns:p14="http://schemas.microsoft.com/office/powerpoint/2010/main" val="390555116"/>
       </p:ext>
     </p:extLst>
   </p:cSld>
@@ -1274,7 +1274,7 @@
     </p:spTree>
     <p:extLst>
       <p:ext uri="{BB962C8B-B14F-4D97-AF65-F5344CB8AC3E}">
-        <p14:creationId xmlns:p14="http://schemas.microsoft.com/office/powerpoint/2010/main" val="390555116"/>
+        <p14:creationId xmlns:p14="http://schemas.microsoft.com/office/powerpoint/2010/main" val="3502174945"/>
       </p:ext>
     </p:extLst>
   </p:cSld>
@@ -1358,7 +1358,7 @@
     </p:spTree>
     <p:extLst>
       <p:ext uri="{BB962C8B-B14F-4D97-AF65-F5344CB8AC3E}">
-        <p14:creationId xmlns:p14="http://schemas.microsoft.com/office/powerpoint/2010/main" val="3502174945"/>
+        <p14:creationId xmlns:p14="http://schemas.microsoft.com/office/powerpoint/2010/main" val="803030114"/>
       </p:ext>
     </p:extLst>
   </p:cSld>
@@ -1442,7 +1442,7 @@
     </p:spTree>
     <p:extLst>
       <p:ext uri="{BB962C8B-B14F-4D97-AF65-F5344CB8AC3E}">
-        <p14:creationId xmlns:p14="http://schemas.microsoft.com/office/powerpoint/2010/main" val="803030114"/>
+        <p14:creationId xmlns:p14="http://schemas.microsoft.com/office/powerpoint/2010/main" val="243240245"/>
       </p:ext>
     </p:extLst>
   </p:cSld>
@@ -1610,7 +1610,7 @@
     </p:spTree>
     <p:extLst>
       <p:ext uri="{BB962C8B-B14F-4D97-AF65-F5344CB8AC3E}">
-        <p14:creationId xmlns:p14="http://schemas.microsoft.com/office/powerpoint/2010/main" val="243240245"/>
+        <p14:creationId xmlns:p14="http://schemas.microsoft.com/office/powerpoint/2010/main" val="1738750602"/>
       </p:ext>
     </p:extLst>
   </p:cSld>
@@ -1694,7 +1694,7 @@
     </p:spTree>
     <p:extLst>
       <p:ext uri="{BB962C8B-B14F-4D97-AF65-F5344CB8AC3E}">
-        <p14:creationId xmlns:p14="http://schemas.microsoft.com/office/powerpoint/2010/main" val="1738750602"/>
+        <p14:creationId xmlns:p14="http://schemas.microsoft.com/office/powerpoint/2010/main" val="861186439"/>
       </p:ext>
     </p:extLst>
   </p:cSld>
@@ -1778,7 +1778,7 @@
     </p:spTree>
     <p:extLst>
       <p:ext uri="{BB962C8B-B14F-4D97-AF65-F5344CB8AC3E}">
-        <p14:creationId xmlns:p14="http://schemas.microsoft.com/office/powerpoint/2010/main" val="861186439"/>
+        <p14:creationId xmlns:p14="http://schemas.microsoft.com/office/powerpoint/2010/main" val="481050306"/>
       </p:ext>
     </p:extLst>
   </p:cSld>
@@ -1862,7 +1862,7 @@
     </p:spTree>
     <p:extLst>
       <p:ext uri="{BB962C8B-B14F-4D97-AF65-F5344CB8AC3E}">
-        <p14:creationId xmlns:p14="http://schemas.microsoft.com/office/powerpoint/2010/main" val="481050306"/>
+        <p14:creationId xmlns:p14="http://schemas.microsoft.com/office/powerpoint/2010/main" val="277132024"/>
       </p:ext>
     </p:extLst>
   </p:cSld>
@@ -1946,7 +1946,7 @@
     </p:spTree>
     <p:extLst>
       <p:ext uri="{BB962C8B-B14F-4D97-AF65-F5344CB8AC3E}">
-        <p14:creationId xmlns:p14="http://schemas.microsoft.com/office/powerpoint/2010/main" val="277132024"/>
+        <p14:creationId xmlns:p14="http://schemas.microsoft.com/office/powerpoint/2010/main" val="150007629"/>
       </p:ext>
     </p:extLst>
   </p:cSld>
@@ -2030,7 +2030,7 @@
     </p:spTree>
     <p:extLst>
       <p:ext uri="{BB962C8B-B14F-4D97-AF65-F5344CB8AC3E}">
-        <p14:creationId xmlns:p14="http://schemas.microsoft.com/office/powerpoint/2010/main" val="150007629"/>
+        <p14:creationId xmlns:p14="http://schemas.microsoft.com/office/powerpoint/2010/main" val="708984174"/>
       </p:ext>
     </p:extLst>
   </p:cSld>
@@ -2114,7 +2114,7 @@
     </p:spTree>
     <p:extLst>
       <p:ext uri="{BB962C8B-B14F-4D97-AF65-F5344CB8AC3E}">
-        <p14:creationId xmlns:p14="http://schemas.microsoft.com/office/powerpoint/2010/main" val="708984174"/>
+        <p14:creationId xmlns:p14="http://schemas.microsoft.com/office/powerpoint/2010/main" val="3741894312"/>
       </p:ext>
     </p:extLst>
   </p:cSld>
@@ -2198,7 +2198,7 @@
     </p:spTree>
     <p:extLst>
       <p:ext uri="{BB962C8B-B14F-4D97-AF65-F5344CB8AC3E}">
-        <p14:creationId xmlns:p14="http://schemas.microsoft.com/office/powerpoint/2010/main" val="3741894312"/>
+        <p14:creationId xmlns:p14="http://schemas.microsoft.com/office/powerpoint/2010/main" val="4208948020"/>
       </p:ext>
     </p:extLst>
   </p:cSld>
@@ -2282,7 +2282,7 @@
     </p:spTree>
     <p:extLst>
       <p:ext uri="{BB962C8B-B14F-4D97-AF65-F5344CB8AC3E}">
-        <p14:creationId xmlns:p14="http://schemas.microsoft.com/office/powerpoint/2010/main" val="4208948020"/>
+        <p14:creationId xmlns:p14="http://schemas.microsoft.com/office/powerpoint/2010/main" val="777768884"/>
       </p:ext>
     </p:extLst>
   </p:cSld>
@@ -2366,7 +2366,7 @@
     </p:spTree>
     <p:extLst>
       <p:ext uri="{BB962C8B-B14F-4D97-AF65-F5344CB8AC3E}">
-        <p14:creationId xmlns:p14="http://schemas.microsoft.com/office/powerpoint/2010/main" val="777768884"/>
+        <p14:creationId xmlns:p14="http://schemas.microsoft.com/office/powerpoint/2010/main" val="3106264844"/>
       </p:ext>
     </p:extLst>
   </p:cSld>
@@ -2534,7 +2534,7 @@
     </p:spTree>
     <p:extLst>
       <p:ext uri="{BB962C8B-B14F-4D97-AF65-F5344CB8AC3E}">
-        <p14:creationId xmlns:p14="http://schemas.microsoft.com/office/powerpoint/2010/main" val="3106264844"/>
+        <p14:creationId xmlns:p14="http://schemas.microsoft.com/office/powerpoint/2010/main" val="3481393812"/>
       </p:ext>
     </p:extLst>
   </p:cSld>
@@ -2618,7 +2618,7 @@
     </p:spTree>
     <p:extLst>
       <p:ext uri="{BB962C8B-B14F-4D97-AF65-F5344CB8AC3E}">
-        <p14:creationId xmlns:p14="http://schemas.microsoft.com/office/powerpoint/2010/main" val="3481393812"/>
+        <p14:creationId xmlns:p14="http://schemas.microsoft.com/office/powerpoint/2010/main" val="1178916748"/>
       </p:ext>
     </p:extLst>
   </p:cSld>
@@ -2702,7 +2702,7 @@
     </p:spTree>
     <p:extLst>
       <p:ext uri="{BB962C8B-B14F-4D97-AF65-F5344CB8AC3E}">
-        <p14:creationId xmlns:p14="http://schemas.microsoft.com/office/powerpoint/2010/main" val="1178916748"/>
+        <p14:creationId xmlns:p14="http://schemas.microsoft.com/office/powerpoint/2010/main" val="1849596721"/>
       </p:ext>
     </p:extLst>
   </p:cSld>
@@ -2786,7 +2786,7 @@
     </p:spTree>
     <p:extLst>
       <p:ext uri="{BB962C8B-B14F-4D97-AF65-F5344CB8AC3E}">
-        <p14:creationId xmlns:p14="http://schemas.microsoft.com/office/powerpoint/2010/main" val="1849596721"/>
+        <p14:creationId xmlns:p14="http://schemas.microsoft.com/office/powerpoint/2010/main" val="3210668"/>
       </p:ext>
     </p:extLst>
   </p:cSld>
@@ -2870,7 +2870,7 @@
     </p:spTree>
     <p:extLst>
       <p:ext uri="{BB962C8B-B14F-4D97-AF65-F5344CB8AC3E}">
-        <p14:creationId xmlns:p14="http://schemas.microsoft.com/office/powerpoint/2010/main" val="3210668"/>
+        <p14:creationId xmlns:p14="http://schemas.microsoft.com/office/powerpoint/2010/main" val="83503663"/>
       </p:ext>
     </p:extLst>
   </p:cSld>
@@ -2954,7 +2954,7 @@
     </p:spTree>
     <p:extLst>
       <p:ext uri="{BB962C8B-B14F-4D97-AF65-F5344CB8AC3E}">
-        <p14:creationId xmlns:p14="http://schemas.microsoft.com/office/powerpoint/2010/main" val="83503663"/>
+        <p14:creationId xmlns:p14="http://schemas.microsoft.com/office/powerpoint/2010/main" val="559837277"/>
       </p:ext>
     </p:extLst>
   </p:cSld>
@@ -3038,7 +3038,7 @@
     </p:spTree>
     <p:extLst>
       <p:ext uri="{BB962C8B-B14F-4D97-AF65-F5344CB8AC3E}">
-        <p14:creationId xmlns:p14="http://schemas.microsoft.com/office/powerpoint/2010/main" val="559837277"/>
+        <p14:creationId xmlns:p14="http://schemas.microsoft.com/office/powerpoint/2010/main" val="142859735"/>
       </p:ext>
     </p:extLst>
   </p:cSld>
@@ -3122,7 +3122,7 @@
     </p:spTree>
     <p:extLst>
       <p:ext uri="{BB962C8B-B14F-4D97-AF65-F5344CB8AC3E}">
-        <p14:creationId xmlns:p14="http://schemas.microsoft.com/office/powerpoint/2010/main" val="142859735"/>
+        <p14:creationId xmlns:p14="http://schemas.microsoft.com/office/powerpoint/2010/main" val="2301885728"/>
       </p:ext>
     </p:extLst>
   </p:cSld>
@@ -3206,7 +3206,7 @@
     </p:spTree>
     <p:extLst>
       <p:ext uri="{BB962C8B-B14F-4D97-AF65-F5344CB8AC3E}">
-        <p14:creationId xmlns:p14="http://schemas.microsoft.com/office/powerpoint/2010/main" val="2301885728"/>
+        <p14:creationId xmlns:p14="http://schemas.microsoft.com/office/powerpoint/2010/main" val="3726423580"/>
       </p:ext>
     </p:extLst>
   </p:cSld>
@@ -3290,7 +3290,7 @@
     </p:spTree>
     <p:extLst>
       <p:ext uri="{BB962C8B-B14F-4D97-AF65-F5344CB8AC3E}">
-        <p14:creationId xmlns:p14="http://schemas.microsoft.com/office/powerpoint/2010/main" val="3726423580"/>
+        <p14:creationId xmlns:p14="http://schemas.microsoft.com/office/powerpoint/2010/main" val="1317899946"/>
       </p:ext>
     </p:extLst>
   </p:cSld>
@@ -3458,7 +3458,7 @@
     </p:spTree>
     <p:extLst>
       <p:ext uri="{BB962C8B-B14F-4D97-AF65-F5344CB8AC3E}">
-        <p14:creationId xmlns:p14="http://schemas.microsoft.com/office/powerpoint/2010/main" val="1317899946"/>
+        <p14:creationId xmlns:p14="http://schemas.microsoft.com/office/powerpoint/2010/main" val="2617218241"/>
       </p:ext>
     </p:extLst>
   </p:cSld>
@@ -3542,7 +3542,7 @@
     </p:spTree>
     <p:extLst>
       <p:ext uri="{BB962C8B-B14F-4D97-AF65-F5344CB8AC3E}">
-        <p14:creationId xmlns:p14="http://schemas.microsoft.com/office/powerpoint/2010/main" val="2617218241"/>
+        <p14:creationId xmlns:p14="http://schemas.microsoft.com/office/powerpoint/2010/main" val="772452526"/>
       </p:ext>
     </p:extLst>
   </p:cSld>
@@ -3626,7 +3626,7 @@
     </p:spTree>
     <p:extLst>
       <p:ext uri="{BB962C8B-B14F-4D97-AF65-F5344CB8AC3E}">
-        <p14:creationId xmlns:p14="http://schemas.microsoft.com/office/powerpoint/2010/main" val="772452526"/>
+        <p14:creationId xmlns:p14="http://schemas.microsoft.com/office/powerpoint/2010/main" val="3118897239"/>
       </p:ext>
     </p:extLst>
   </p:cSld>
@@ -3710,7 +3710,7 @@
     </p:spTree>
     <p:extLst>
       <p:ext uri="{BB962C8B-B14F-4D97-AF65-F5344CB8AC3E}">
-        <p14:creationId xmlns:p14="http://schemas.microsoft.com/office/powerpoint/2010/main" val="3118897239"/>
+        <p14:creationId xmlns:p14="http://schemas.microsoft.com/office/powerpoint/2010/main" val="1455058044"/>
       </p:ext>
     </p:extLst>
   </p:cSld>
@@ -3794,7 +3794,7 @@
     </p:spTree>
     <p:extLst>
       <p:ext uri="{BB962C8B-B14F-4D97-AF65-F5344CB8AC3E}">
-        <p14:creationId xmlns:p14="http://schemas.microsoft.com/office/powerpoint/2010/main" val="1455058044"/>
+        <p14:creationId xmlns:p14="http://schemas.microsoft.com/office/powerpoint/2010/main" val="1303278371"/>
       </p:ext>
     </p:extLst>
   </p:cSld>
@@ -3878,7 +3878,7 @@
     </p:spTree>
     <p:extLst>
       <p:ext uri="{BB962C8B-B14F-4D97-AF65-F5344CB8AC3E}">
-        <p14:creationId xmlns:p14="http://schemas.microsoft.com/office/powerpoint/2010/main" val="1303278371"/>
+        <p14:creationId xmlns:p14="http://schemas.microsoft.com/office/powerpoint/2010/main" val="356638316"/>
       </p:ext>
     </p:extLst>
   </p:cSld>
@@ -3962,7 +3962,7 @@
     </p:spTree>
     <p:extLst>
       <p:ext uri="{BB962C8B-B14F-4D97-AF65-F5344CB8AC3E}">
-        <p14:creationId xmlns:p14="http://schemas.microsoft.com/office/powerpoint/2010/main" val="356638316"/>
+        <p14:creationId xmlns:p14="http://schemas.microsoft.com/office/powerpoint/2010/main" val="1841337434"/>
       </p:ext>
     </p:extLst>
   </p:cSld>
@@ -4046,7 +4046,7 @@
     </p:spTree>
     <p:extLst>
       <p:ext uri="{BB962C8B-B14F-4D97-AF65-F5344CB8AC3E}">
-        <p14:creationId xmlns:p14="http://schemas.microsoft.com/office/powerpoint/2010/main" val="1841337434"/>
+        <p14:creationId xmlns:p14="http://schemas.microsoft.com/office/powerpoint/2010/main" val="4293576474"/>
       </p:ext>
     </p:extLst>
   </p:cSld>
@@ -4130,7 +4130,7 @@
     </p:spTree>
     <p:extLst>
       <p:ext uri="{BB962C8B-B14F-4D97-AF65-F5344CB8AC3E}">
-        <p14:creationId xmlns:p14="http://schemas.microsoft.com/office/powerpoint/2010/main" val="4293576474"/>
+        <p14:creationId xmlns:p14="http://schemas.microsoft.com/office/powerpoint/2010/main" val="2545028243"/>
       </p:ext>
     </p:extLst>
   </p:cSld>
@@ -4214,7 +4214,7 @@
     </p:spTree>
     <p:extLst>
       <p:ext uri="{BB962C8B-B14F-4D97-AF65-F5344CB8AC3E}">
-        <p14:creationId xmlns:p14="http://schemas.microsoft.com/office/powerpoint/2010/main" val="2545028243"/>
+        <p14:creationId xmlns:p14="http://schemas.microsoft.com/office/powerpoint/2010/main" val="216320218"/>
       </p:ext>
     </p:extLst>
   </p:cSld>
@@ -4382,7 +4382,7 @@
     </p:spTree>
     <p:extLst>
       <p:ext uri="{BB962C8B-B14F-4D97-AF65-F5344CB8AC3E}">
-        <p14:creationId xmlns:p14="http://schemas.microsoft.com/office/powerpoint/2010/main" val="216320218"/>
+        <p14:creationId xmlns:p14="http://schemas.microsoft.com/office/powerpoint/2010/main" val="2545028243"/>
       </p:ext>
     </p:extLst>
   </p:cSld>
@@ -4466,7 +4466,7 @@
     </p:spTree>
     <p:extLst>
       <p:ext uri="{BB962C8B-B14F-4D97-AF65-F5344CB8AC3E}">
-        <p14:creationId xmlns:p14="http://schemas.microsoft.com/office/powerpoint/2010/main" val="2545028243"/>
+        <p14:creationId xmlns:p14="http://schemas.microsoft.com/office/powerpoint/2010/main" val="693097353"/>
       </p:ext>
     </p:extLst>
   </p:cSld>
@@ -4634,7 +4634,7 @@
     </p:spTree>
     <p:extLst>
       <p:ext uri="{BB962C8B-B14F-4D97-AF65-F5344CB8AC3E}">
-        <p14:creationId xmlns:p14="http://schemas.microsoft.com/office/powerpoint/2010/main" val="428242522"/>
+        <p14:creationId xmlns:p14="http://schemas.microsoft.com/office/powerpoint/2010/main" val="1676926380"/>
       </p:ext>
     </p:extLst>
   </p:cSld>
@@ -4718,7 +4718,7 @@
     </p:spTree>
     <p:extLst>
       <p:ext uri="{BB962C8B-B14F-4D97-AF65-F5344CB8AC3E}">
-        <p14:creationId xmlns:p14="http://schemas.microsoft.com/office/powerpoint/2010/main" val="1676926380"/>
+        <p14:creationId xmlns:p14="http://schemas.microsoft.com/office/powerpoint/2010/main" val="1838968689"/>
       </p:ext>
     </p:extLst>
   </p:cSld>
@@ -4802,7 +4802,7 @@
     </p:spTree>
     <p:extLst>
       <p:ext uri="{BB962C8B-B14F-4D97-AF65-F5344CB8AC3E}">
-        <p14:creationId xmlns:p14="http://schemas.microsoft.com/office/powerpoint/2010/main" val="1838968689"/>
+        <p14:creationId xmlns:p14="http://schemas.microsoft.com/office/powerpoint/2010/main" val="4064021893"/>
       </p:ext>
     </p:extLst>
   </p:cSld>
@@ -8181,8 +8181,8 @@
         </p:nvSpPr>
         <p:spPr>
           <a:xfrm>
-            <a:off x="544724" y="1516224"/>
-            <a:ext cx="7704856" cy="1218026"/>
+            <a:off x="475302" y="1412776"/>
+            <a:ext cx="7843700" cy="2064411"/>
           </a:xfrm>
           <a:prstGeom prst="rect">
             <a:avLst/>
@@ -8194,6 +8194,48 @@
             <a:spAutoFit/>
           </a:bodyPr>
           <a:lstStyle/>
+          <a:p>
+            <a:pPr algn="just">
+              <a:lnSpc>
+                <a:spcPts val="3000"/>
+              </a:lnSpc>
+              <a:spcAft>
+                <a:spcPts val="600"/>
+              </a:spcAft>
+            </a:pPr>
+            <a:r>
+              <a:rPr lang="es-ES" sz="2000" dirty="0">
+                <a:solidFill>
+                  <a:schemeClr val="tx1">
+                    <a:lumMod val="95000"/>
+                    <a:lumOff val="5000"/>
+                  </a:schemeClr>
+                </a:solidFill>
+              </a:rPr>
+              <a:t>Por ejemplo, coloco </a:t>
+            </a:r>
+            <a:r>
+              <a:rPr lang="es-ES" sz="2000" b="1" dirty="0">
+                <a:solidFill>
+                  <a:schemeClr val="accent6">
+                    <a:lumMod val="75000"/>
+                  </a:schemeClr>
+                </a:solidFill>
+              </a:rPr>
+              <a:t>Laura</a:t>
+            </a:r>
+            <a:r>
+              <a:rPr lang="es-ES" sz="2000" dirty="0">
+                <a:solidFill>
+                  <a:schemeClr val="tx1">
+                    <a:lumMod val="95000"/>
+                    <a:lumOff val="5000"/>
+                  </a:schemeClr>
+                </a:solidFill>
+              </a:rPr>
+              <a:t>. Lo que hace la expresión regular es buscar la letra L seguida de la letra a, luego la letra u , r y a. Encuentra 1 coincidencia. Busca carácter por carácter.  </a:t>
+            </a:r>
+          </a:p>
           <a:p>
             <a:pPr algn="just">
               <a:lnSpc>
@@ -8201,7 +8243,7 @@
               </a:lnSpc>
             </a:pPr>
             <a:r>
-              <a:rPr lang="es-ES" sz="2000" dirty="0">
+              <a:rPr lang="es-ES" sz="2000" b="1" dirty="0">
                 <a:solidFill>
                   <a:schemeClr val="tx1">
                     <a:lumMod val="95000"/>
@@ -8209,17 +8251,15 @@
                   </a:schemeClr>
                 </a:solidFill>
               </a:rPr>
-              <a:t>Por ejemplo, coloco la letra </a:t>
+              <a:t>* </a:t>
             </a:r>
             <a:r>
               <a:rPr lang="es-ES" sz="2000" b="1" dirty="0">
                 <a:solidFill>
-                  <a:schemeClr val="accent6">
-                    <a:lumMod val="75000"/>
-                  </a:schemeClr>
-                </a:solidFill>
-              </a:rPr>
-              <a:t>c</a:t>
+                  <a:srgbClr val="FF0000"/>
+                </a:solidFill>
+              </a:rPr>
+              <a:t>g</a:t>
             </a:r>
             <a:r>
               <a:rPr lang="es-ES" sz="2000" dirty="0">
@@ -8230,20 +8270,10 @@
                   </a:schemeClr>
                 </a:solidFill>
               </a:rPr>
-              <a:t>. Lo que hace la expresión regular es buscar todas las coincidencias de la letra </a:t>
-            </a:r>
-            <a:r>
-              <a:rPr lang="es-ES" sz="2000" b="1" dirty="0">
-                <a:solidFill>
-                  <a:schemeClr val="accent6">
-                    <a:lumMod val="75000"/>
-                  </a:schemeClr>
-                </a:solidFill>
-              </a:rPr>
-              <a:t>c</a:t>
-            </a:r>
-            <a:r>
-              <a:rPr lang="es-ES" sz="2000" dirty="0">
+              <a:t> </a:t>
+            </a:r>
+            <a:r>
+              <a:rPr lang="es-ES" sz="1600" dirty="0">
                 <a:solidFill>
                   <a:schemeClr val="tx1">
                     <a:lumMod val="95000"/>
@@ -8251,25 +8281,7 @@
                   </a:schemeClr>
                 </a:solidFill>
               </a:rPr>
-              <a:t>. Encuentra 7 coincidencias.</a:t>
-            </a:r>
-          </a:p>
-          <a:p>
-            <a:pPr algn="just">
-              <a:lnSpc>
-                <a:spcPts val="3000"/>
-              </a:lnSpc>
-            </a:pPr>
-            <a:r>
-              <a:rPr lang="es-ES" sz="2000" dirty="0">
-                <a:solidFill>
-                  <a:schemeClr val="tx1">
-                    <a:lumMod val="95000"/>
-                    <a:lumOff val="5000"/>
-                  </a:schemeClr>
-                </a:solidFill>
-              </a:rPr>
-              <a:t> </a:t>
+              <a:t>es una bandera, estamos haciendo una búsqueda global. Si le quitamos el global, solamente busca la primera coincidencia.</a:t>
             </a:r>
             <a:endParaRPr lang="es-ES" sz="2000" b="1" dirty="0">
               <a:solidFill>
@@ -8284,10 +8296,10 @@
       </p:sp>
       <p:pic>
         <p:nvPicPr>
-          <p:cNvPr id="4" name="Imagen 3">
+          <p:cNvPr id="3" name="Imagen 2">
             <a:extLst>
               <a:ext uri="{FF2B5EF4-FFF2-40B4-BE49-F238E27FC236}">
-                <a16:creationId xmlns:a16="http://schemas.microsoft.com/office/drawing/2014/main" id="{78E9F0E5-8E53-4587-B830-FE0FFE2C1576}"/>
+                <a16:creationId xmlns:a16="http://schemas.microsoft.com/office/drawing/2014/main" id="{5E47478F-7902-42C7-BA63-E6D10B433FE2}"/>
               </a:ext>
             </a:extLst>
           </p:cNvPr>
@@ -8304,8 +8316,8 @@
         </p:blipFill>
         <p:spPr>
           <a:xfrm>
-            <a:off x="1966912" y="2734250"/>
-            <a:ext cx="5210175" cy="3267075"/>
+            <a:off x="1796827" y="3630331"/>
+            <a:ext cx="5200650" cy="2733675"/>
           </a:xfrm>
           <a:prstGeom prst="rect">
             <a:avLst/>
@@ -8315,7 +8327,7 @@
     </p:spTree>
     <p:extLst>
       <p:ext uri="{BB962C8B-B14F-4D97-AF65-F5344CB8AC3E}">
-        <p14:creationId xmlns:p14="http://schemas.microsoft.com/office/powerpoint/2010/main" val="3286379110"/>
+        <p14:creationId xmlns:p14="http://schemas.microsoft.com/office/powerpoint/2010/main" val="1117750978"/>
       </p:ext>
     </p:extLst>
   </p:cSld>
@@ -8368,7 +8380,7 @@
               <a:defRPr/>
             </a:pPr>
             <a:r>
-              <a:rPr lang="es-MX" b="1" dirty="0">
+              <a:rPr lang="es-MX" b="1" dirty="0" err="1">
                 <a:solidFill>
                   <a:schemeClr val="accent4">
                     <a:lumMod val="50000"/>
@@ -8381,17 +8393,30 @@
                 </a:effectLst>
                 <a:latin typeface="Dom Casual" charset="0"/>
               </a:rPr>
-              <a:t>Expresiones regulares</a:t>
-            </a:r>
-          </a:p>
-        </p:txBody>
-      </p:sp>
-      <p:sp>
-        <p:nvSpPr>
-          <p:cNvPr id="10" name="CuadroTexto 9">
+              <a:t>Metacaracteres</a:t>
+            </a:r>
+            <a:endParaRPr lang="es-MX" b="1" dirty="0">
+              <a:solidFill>
+                <a:schemeClr val="accent4">
+                  <a:lumMod val="50000"/>
+                </a:schemeClr>
+              </a:solidFill>
+              <a:effectLst>
+                <a:outerShdw blurRad="38100" dist="38100" dir="2700000" algn="tl">
+                  <a:srgbClr val="C0C0C0"/>
+                </a:outerShdw>
+              </a:effectLst>
+              <a:latin typeface="Dom Casual" charset="0"/>
+            </a:endParaRPr>
+          </a:p>
+        </p:txBody>
+      </p:sp>
+      <p:sp>
+        <p:nvSpPr>
+          <p:cNvPr id="6" name="CuadroTexto 5">
             <a:extLst>
               <a:ext uri="{FF2B5EF4-FFF2-40B4-BE49-F238E27FC236}">
-                <a16:creationId xmlns:a16="http://schemas.microsoft.com/office/drawing/2014/main" id="{28D7FAFF-9722-4D6A-9DE5-55FC738D0886}"/>
+                <a16:creationId xmlns:a16="http://schemas.microsoft.com/office/drawing/2014/main" id="{BB4379E8-C33A-4609-A614-210A31DF0E31}"/>
               </a:ext>
             </a:extLst>
           </p:cNvPr>
@@ -8400,8 +8425,8 @@
         </p:nvSpPr>
         <p:spPr>
           <a:xfrm>
-            <a:off x="475302" y="1412776"/>
-            <a:ext cx="7843700" cy="2064411"/>
+            <a:off x="1331640" y="1412776"/>
+            <a:ext cx="5832648" cy="4661276"/>
           </a:xfrm>
           <a:prstGeom prst="rect">
             <a:avLst/>
@@ -8416,137 +8441,196 @@
           <a:p>
             <a:pPr algn="just">
               <a:lnSpc>
-                <a:spcPts val="3000"/>
+                <a:spcPct val="150000"/>
               </a:lnSpc>
-              <a:spcAft>
-                <a:spcPts val="600"/>
-              </a:spcAft>
             </a:pPr>
             <a:r>
-              <a:rPr lang="es-ES" sz="2000" dirty="0">
-                <a:solidFill>
-                  <a:schemeClr val="tx1">
-                    <a:lumMod val="95000"/>
-                    <a:lumOff val="5000"/>
-                  </a:schemeClr>
-                </a:solidFill>
-              </a:rPr>
-              <a:t>Por ejemplo, coloco </a:t>
-            </a:r>
-            <a:r>
-              <a:rPr lang="es-ES" sz="2000" b="1" dirty="0">
-                <a:solidFill>
-                  <a:schemeClr val="accent6">
-                    <a:lumMod val="75000"/>
-                  </a:schemeClr>
-                </a:solidFill>
-              </a:rPr>
-              <a:t>Laura</a:t>
-            </a:r>
-            <a:r>
-              <a:rPr lang="es-ES" sz="2000" dirty="0">
-                <a:solidFill>
-                  <a:schemeClr val="tx1">
-                    <a:lumMod val="95000"/>
-                    <a:lumOff val="5000"/>
-                  </a:schemeClr>
-                </a:solidFill>
-              </a:rPr>
-              <a:t>. Lo que hace la expresión regular es buscar la letra L seguida de la letra a, luego la letra u , r y a. Encuentra 1 coincidencia. Busca carácter por carácter.  </a:t>
+              <a:rPr lang="es-MX" sz="2000" b="1" dirty="0"/>
+              <a:t>.    </a:t>
+            </a:r>
+            <a:r>
+              <a:rPr lang="es-MX" sz="2000" dirty="0"/>
+              <a:t>     Cualquier </a:t>
+            </a:r>
+            <a:r>
+              <a:rPr lang="es-MX" sz="2000" dirty="0" err="1"/>
+              <a:t>caracter</a:t>
+            </a:r>
+            <a:r>
+              <a:rPr lang="es-MX" sz="2000" dirty="0"/>
+              <a:t> excepto nueva línea.</a:t>
             </a:r>
           </a:p>
           <a:p>
             <a:pPr algn="just">
               <a:lnSpc>
-                <a:spcPts val="3000"/>
+                <a:spcPct val="150000"/>
               </a:lnSpc>
             </a:pPr>
             <a:r>
-              <a:rPr lang="es-ES" sz="2000" b="1" dirty="0">
-                <a:solidFill>
-                  <a:schemeClr val="tx1">
-                    <a:lumMod val="95000"/>
-                    <a:lumOff val="5000"/>
-                  </a:schemeClr>
-                </a:solidFill>
-              </a:rPr>
-              <a:t>* </a:t>
-            </a:r>
-            <a:r>
-              <a:rPr lang="es-ES" sz="2000" b="1" dirty="0">
-                <a:solidFill>
-                  <a:srgbClr val="FF0000"/>
-                </a:solidFill>
-              </a:rPr>
-              <a:t>g</a:t>
-            </a:r>
-            <a:r>
-              <a:rPr lang="es-ES" sz="2000" dirty="0">
-                <a:solidFill>
-                  <a:schemeClr val="tx1">
-                    <a:lumMod val="95000"/>
-                    <a:lumOff val="5000"/>
-                  </a:schemeClr>
-                </a:solidFill>
-              </a:rPr>
-              <a:t> </a:t>
-            </a:r>
-            <a:r>
-              <a:rPr lang="es-ES" sz="1600" dirty="0">
-                <a:solidFill>
-                  <a:schemeClr val="tx1">
-                    <a:lumMod val="95000"/>
-                    <a:lumOff val="5000"/>
-                  </a:schemeClr>
-                </a:solidFill>
-              </a:rPr>
-              <a:t>es una bandera, estamos haciendo una búsqueda global. Si le quitamos el global, solamente busca la primera coincidencia.</a:t>
-            </a:r>
-            <a:endParaRPr lang="es-ES" sz="2000" b="1" dirty="0">
-              <a:solidFill>
-                <a:schemeClr val="tx1">
-                  <a:lumMod val="95000"/>
-                  <a:lumOff val="5000"/>
-                </a:schemeClr>
-              </a:solidFill>
-            </a:endParaRPr>
-          </a:p>
-        </p:txBody>
-      </p:sp>
-      <p:pic>
-        <p:nvPicPr>
-          <p:cNvPr id="3" name="Imagen 2">
-            <a:extLst>
-              <a:ext uri="{FF2B5EF4-FFF2-40B4-BE49-F238E27FC236}">
-                <a16:creationId xmlns:a16="http://schemas.microsoft.com/office/drawing/2014/main" id="{5E47478F-7902-42C7-BA63-E6D10B433FE2}"/>
-              </a:ext>
-            </a:extLst>
-          </p:cNvPr>
-          <p:cNvPicPr>
-            <a:picLocks noChangeAspect="1"/>
-          </p:cNvPicPr>
-          <p:nvPr/>
-        </p:nvPicPr>
-        <p:blipFill>
-          <a:blip r:embed="rId3"/>
-          <a:stretch>
-            <a:fillRect/>
-          </a:stretch>
-        </p:blipFill>
-        <p:spPr>
-          <a:xfrm>
-            <a:off x="1796827" y="3630331"/>
-            <a:ext cx="5200650" cy="2733675"/>
-          </a:xfrm>
-          <a:prstGeom prst="rect">
-            <a:avLst/>
-          </a:prstGeom>
-        </p:spPr>
-      </p:pic>
+              <a:rPr lang="es-MX" sz="2000" b="1" dirty="0"/>
+              <a:t>\d      </a:t>
+            </a:r>
+            <a:r>
+              <a:rPr lang="es-MX" sz="2000" dirty="0"/>
+              <a:t>Dígitos (0-9)</a:t>
+            </a:r>
+          </a:p>
+          <a:p>
+            <a:pPr algn="just">
+              <a:lnSpc>
+                <a:spcPct val="150000"/>
+              </a:lnSpc>
+            </a:pPr>
+            <a:r>
+              <a:rPr lang="es-MX" sz="2000" b="1" dirty="0"/>
+              <a:t>\D      </a:t>
+            </a:r>
+            <a:r>
+              <a:rPr lang="es-MX" sz="2000" dirty="0"/>
+              <a:t>No dígitos (0-9)</a:t>
+            </a:r>
+          </a:p>
+          <a:p>
+            <a:pPr algn="just">
+              <a:lnSpc>
+                <a:spcPct val="150000"/>
+              </a:lnSpc>
+            </a:pPr>
+            <a:r>
+              <a:rPr lang="es-MX" sz="2000" b="1" dirty="0"/>
+              <a:t>\w     </a:t>
+            </a:r>
+            <a:r>
+              <a:rPr lang="es-MX" sz="2000" dirty="0" err="1"/>
+              <a:t>Caracter</a:t>
+            </a:r>
+            <a:r>
+              <a:rPr lang="es-MX" sz="2000" dirty="0"/>
+              <a:t> de palabra (a-z, A-Z, 0-9, _)</a:t>
+            </a:r>
+          </a:p>
+          <a:p>
+            <a:pPr algn="just">
+              <a:lnSpc>
+                <a:spcPct val="150000"/>
+              </a:lnSpc>
+            </a:pPr>
+            <a:r>
+              <a:rPr lang="es-MX" sz="2000" b="1" dirty="0"/>
+              <a:t>\W    </a:t>
+            </a:r>
+            <a:r>
+              <a:rPr lang="es-MX" sz="2000" dirty="0"/>
+              <a:t>No </a:t>
+            </a:r>
+            <a:r>
+              <a:rPr lang="es-MX" sz="2000" dirty="0" err="1"/>
+              <a:t>caracter</a:t>
+            </a:r>
+            <a:r>
+              <a:rPr lang="es-MX" sz="2000" dirty="0"/>
+              <a:t> de palabra</a:t>
+            </a:r>
+          </a:p>
+          <a:p>
+            <a:pPr algn="just">
+              <a:lnSpc>
+                <a:spcPct val="150000"/>
+              </a:lnSpc>
+            </a:pPr>
+            <a:r>
+              <a:rPr lang="es-MX" sz="2000" b="1" dirty="0"/>
+              <a:t>\s      </a:t>
+            </a:r>
+            <a:r>
+              <a:rPr lang="es-MX" sz="2000" dirty="0"/>
+              <a:t>Espacio en blanco (espacio, </a:t>
+            </a:r>
+            <a:r>
+              <a:rPr lang="es-MX" sz="2000" dirty="0" err="1"/>
+              <a:t>tab</a:t>
+            </a:r>
+            <a:r>
+              <a:rPr lang="es-MX" sz="2000" dirty="0"/>
+              <a:t>, nueva línea)</a:t>
+            </a:r>
+          </a:p>
+          <a:p>
+            <a:pPr algn="just">
+              <a:lnSpc>
+                <a:spcPct val="150000"/>
+              </a:lnSpc>
+            </a:pPr>
+            <a:r>
+              <a:rPr lang="es-MX" sz="2000" b="1" dirty="0"/>
+              <a:t>\S      </a:t>
+            </a:r>
+            <a:r>
+              <a:rPr lang="es-MX" sz="2000" dirty="0"/>
+              <a:t>No espacio en blanco (espacio, </a:t>
+            </a:r>
+            <a:r>
+              <a:rPr lang="es-MX" sz="2000" dirty="0" err="1"/>
+              <a:t>tab</a:t>
+            </a:r>
+            <a:r>
+              <a:rPr lang="es-MX" sz="2000" dirty="0"/>
+              <a:t>, nueva línea)</a:t>
+            </a:r>
+          </a:p>
+          <a:p>
+            <a:pPr algn="just">
+              <a:lnSpc>
+                <a:spcPct val="150000"/>
+              </a:lnSpc>
+            </a:pPr>
+            <a:r>
+              <a:rPr lang="es-MX" sz="2000" b="1" dirty="0"/>
+              <a:t>\    </a:t>
+            </a:r>
+            <a:r>
+              <a:rPr lang="es-MX" sz="2000" dirty="0"/>
+              <a:t>    Cancela caracteres especiales</a:t>
+            </a:r>
+          </a:p>
+          <a:p>
+            <a:pPr algn="just">
+              <a:lnSpc>
+                <a:spcPct val="150000"/>
+              </a:lnSpc>
+            </a:pPr>
+            <a:r>
+              <a:rPr lang="es-ES" sz="2000" dirty="0"/>
+              <a:t>^       Inicio de una cadena de caracteres (</a:t>
+            </a:r>
+            <a:r>
+              <a:rPr lang="es-ES" sz="2000" dirty="0" err="1"/>
+              <a:t>string</a:t>
+            </a:r>
+            <a:r>
+              <a:rPr lang="es-ES" sz="2000" dirty="0"/>
+              <a:t>)</a:t>
+            </a:r>
+          </a:p>
+          <a:p>
+            <a:pPr algn="just">
+              <a:lnSpc>
+                <a:spcPct val="150000"/>
+              </a:lnSpc>
+            </a:pPr>
+            <a:r>
+              <a:rPr lang="es-ES" sz="2000" dirty="0"/>
+              <a:t>$       Fin de una cadena de caracteres</a:t>
+            </a:r>
+            <a:endParaRPr lang="es-MX" sz="2000" dirty="0"/>
+          </a:p>
+        </p:txBody>
+      </p:sp>
     </p:spTree>
     <p:extLst>
       <p:ext uri="{BB962C8B-B14F-4D97-AF65-F5344CB8AC3E}">
-        <p14:creationId xmlns:p14="http://schemas.microsoft.com/office/powerpoint/2010/main" val="1117750978"/>
+        <p14:creationId xmlns:p14="http://schemas.microsoft.com/office/powerpoint/2010/main" val="1976644624"/>
       </p:ext>
     </p:extLst>
   </p:cSld>
@@ -8585,8 +8669,8 @@
         </p:nvSpPr>
         <p:spPr>
           <a:xfrm>
-            <a:off x="107504" y="116632"/>
-            <a:ext cx="8579296" cy="1143000"/>
+            <a:off x="289721" y="4056"/>
+            <a:ext cx="8363272" cy="1143000"/>
           </a:xfrm>
         </p:spPr>
         <p:txBody>
@@ -8632,10 +8716,10 @@
       </p:sp>
       <p:sp>
         <p:nvSpPr>
-          <p:cNvPr id="6" name="CuadroTexto 5">
+          <p:cNvPr id="10" name="CuadroTexto 9">
             <a:extLst>
               <a:ext uri="{FF2B5EF4-FFF2-40B4-BE49-F238E27FC236}">
-                <a16:creationId xmlns:a16="http://schemas.microsoft.com/office/drawing/2014/main" id="{BB4379E8-C33A-4609-A614-210A31DF0E31}"/>
+                <a16:creationId xmlns:a16="http://schemas.microsoft.com/office/drawing/2014/main" id="{65A32C36-6B63-4F4C-8762-95C0DAD8965B}"/>
               </a:ext>
             </a:extLst>
           </p:cNvPr>
@@ -8644,8 +8728,8 @@
         </p:nvSpPr>
         <p:spPr>
           <a:xfrm>
-            <a:off x="1331640" y="1412776"/>
-            <a:ext cx="5832648" cy="4661276"/>
+            <a:off x="891025" y="950207"/>
+            <a:ext cx="7065349" cy="393698"/>
           </a:xfrm>
           <a:prstGeom prst="rect">
             <a:avLst/>
@@ -8658,198 +8742,114 @@
           </a:bodyPr>
           <a:lstStyle/>
           <a:p>
-            <a:pPr algn="just">
+            <a:pPr algn="ctr" fontAlgn="base">
               <a:lnSpc>
-                <a:spcPct val="150000"/>
+                <a:spcPts val="2500"/>
               </a:lnSpc>
+              <a:spcAft>
+                <a:spcPts val="600"/>
+              </a:spcAft>
             </a:pPr>
             <a:r>
-              <a:rPr lang="es-MX" sz="2000" b="1" dirty="0"/>
-              <a:t>.    </a:t>
-            </a:r>
-            <a:r>
-              <a:rPr lang="es-MX" sz="2000" dirty="0"/>
-              <a:t>     Cualquier </a:t>
-            </a:r>
-            <a:r>
-              <a:rPr lang="es-MX" sz="2000" dirty="0" err="1"/>
-              <a:t>caracter</a:t>
-            </a:r>
-            <a:r>
-              <a:rPr lang="es-MX" sz="2000" dirty="0"/>
-              <a:t> excepto nueva línea.</a:t>
-            </a:r>
-          </a:p>
-          <a:p>
-            <a:pPr algn="just">
+              <a:rPr lang="es-ES" b="1" i="0" dirty="0">
+                <a:solidFill>
+                  <a:schemeClr val="accent6">
+                    <a:lumMod val="75000"/>
+                  </a:schemeClr>
+                </a:solidFill>
+                <a:effectLst/>
+                <a:latin typeface="inherit"/>
+              </a:rPr>
+              <a:t>Punto(.) Cualquier carácter excepto el salto de línea</a:t>
+            </a:r>
+          </a:p>
+        </p:txBody>
+      </p:sp>
+      <p:sp>
+        <p:nvSpPr>
+          <p:cNvPr id="7" name="CuadroTexto 6">
+            <a:extLst>
+              <a:ext uri="{FF2B5EF4-FFF2-40B4-BE49-F238E27FC236}">
+                <a16:creationId xmlns:a16="http://schemas.microsoft.com/office/drawing/2014/main" id="{C45CBD37-E855-453E-8CDA-5467A4B05037}"/>
+              </a:ext>
+            </a:extLst>
+          </p:cNvPr>
+          <p:cNvSpPr txBox="1"/>
+          <p:nvPr/>
+        </p:nvSpPr>
+        <p:spPr>
+          <a:xfrm>
+            <a:off x="489179" y="1628800"/>
+            <a:ext cx="7964356" cy="393698"/>
+          </a:xfrm>
+          <a:prstGeom prst="rect">
+            <a:avLst/>
+          </a:prstGeom>
+          <a:noFill/>
+        </p:spPr>
+        <p:txBody>
+          <a:bodyPr wrap="square">
+            <a:spAutoFit/>
+          </a:bodyPr>
+          <a:lstStyle/>
+          <a:p>
+            <a:pPr marL="285750" indent="-285750" algn="just" fontAlgn="base">
               <a:lnSpc>
-                <a:spcPct val="150000"/>
+                <a:spcPts val="2500"/>
               </a:lnSpc>
+              <a:spcAft>
+                <a:spcPts val="600"/>
+              </a:spcAft>
+              <a:buFont typeface="Arial" panose="020B0604020202020204" pitchFamily="34" charset="0"/>
+              <a:buChar char="•"/>
             </a:pPr>
             <a:r>
-              <a:rPr lang="es-MX" sz="2000" b="1" dirty="0"/>
-              <a:t>\d      </a:t>
-            </a:r>
-            <a:r>
-              <a:rPr lang="es-MX" sz="2000" dirty="0"/>
-              <a:t>Dígitos (0-9)</a:t>
-            </a:r>
-          </a:p>
-          <a:p>
-            <a:pPr algn="just">
-              <a:lnSpc>
-                <a:spcPct val="150000"/>
-              </a:lnSpc>
-            </a:pPr>
-            <a:r>
-              <a:rPr lang="es-MX" sz="2000" b="1" dirty="0"/>
-              <a:t>\D      </a:t>
-            </a:r>
-            <a:r>
-              <a:rPr lang="es-MX" sz="2000" dirty="0"/>
-              <a:t>No dígitos (0-9)</a:t>
-            </a:r>
-          </a:p>
-          <a:p>
-            <a:pPr algn="just">
-              <a:lnSpc>
-                <a:spcPct val="150000"/>
-              </a:lnSpc>
-            </a:pPr>
-            <a:r>
-              <a:rPr lang="es-MX" sz="2000" b="1" dirty="0"/>
-              <a:t>\w     </a:t>
-            </a:r>
-            <a:r>
-              <a:rPr lang="es-MX" sz="2000" dirty="0" err="1"/>
-              <a:t>Caracter</a:t>
-            </a:r>
-            <a:r>
-              <a:rPr lang="es-MX" sz="2000" dirty="0"/>
-              <a:t> de palabra (a-z, A-Z, 0-9, _)</a:t>
-            </a:r>
-          </a:p>
-          <a:p>
-            <a:pPr algn="just">
-              <a:lnSpc>
-                <a:spcPct val="150000"/>
-              </a:lnSpc>
-            </a:pPr>
-            <a:r>
-              <a:rPr lang="es-MX" sz="2000" b="1" dirty="0"/>
-              <a:t>\W    </a:t>
-            </a:r>
-            <a:r>
-              <a:rPr lang="es-MX" sz="2000" dirty="0"/>
-              <a:t>No </a:t>
-            </a:r>
-            <a:r>
-              <a:rPr lang="es-MX" sz="2000" dirty="0" err="1"/>
-              <a:t>caracter</a:t>
-            </a:r>
-            <a:r>
-              <a:rPr lang="es-MX" sz="2000" dirty="0"/>
-              <a:t> de palabra</a:t>
-            </a:r>
-          </a:p>
-          <a:p>
-            <a:pPr algn="just">
-              <a:lnSpc>
-                <a:spcPct val="150000"/>
-              </a:lnSpc>
-            </a:pPr>
-            <a:r>
-              <a:rPr lang="es-MX" sz="2000" b="1" dirty="0"/>
-              <a:t>\s      </a:t>
-            </a:r>
-            <a:r>
-              <a:rPr lang="es-MX" sz="2000" dirty="0"/>
-              <a:t>Espacio en blanco (espacio, </a:t>
-            </a:r>
-            <a:r>
-              <a:rPr lang="es-MX" sz="2000" dirty="0" err="1"/>
-              <a:t>tab</a:t>
-            </a:r>
-            <a:r>
-              <a:rPr lang="es-MX" sz="2000" dirty="0"/>
-              <a:t>, nueva línea)</a:t>
-            </a:r>
-          </a:p>
-          <a:p>
-            <a:pPr algn="just">
-              <a:lnSpc>
-                <a:spcPct val="150000"/>
-              </a:lnSpc>
-            </a:pPr>
-            <a:r>
-              <a:rPr lang="es-MX" sz="2000" b="1" dirty="0"/>
-              <a:t>\S      </a:t>
-            </a:r>
-            <a:r>
-              <a:rPr lang="es-MX" sz="2000" dirty="0"/>
-              <a:t>No espacio en blanco (espacio, </a:t>
-            </a:r>
-            <a:r>
-              <a:rPr lang="es-MX" sz="2000" dirty="0" err="1"/>
-              <a:t>tab</a:t>
-            </a:r>
-            <a:r>
-              <a:rPr lang="es-MX" sz="2000" dirty="0"/>
-              <a:t>, nueva línea)</a:t>
-            </a:r>
-          </a:p>
-          <a:p>
-            <a:pPr algn="just">
-              <a:lnSpc>
-                <a:spcPct val="150000"/>
-              </a:lnSpc>
-            </a:pPr>
-            <a:r>
-              <a:rPr lang="es-MX" sz="2000" b="1" dirty="0"/>
-              <a:t>\    </a:t>
-            </a:r>
-            <a:r>
-              <a:rPr lang="es-MX" sz="2000" dirty="0"/>
-              <a:t>    Cancela caracteres especiales</a:t>
-            </a:r>
-          </a:p>
-          <a:p>
-            <a:pPr algn="just">
-              <a:lnSpc>
-                <a:spcPct val="150000"/>
-              </a:lnSpc>
-            </a:pPr>
-            <a:r>
-              <a:rPr lang="es-ES" sz="2000" dirty="0"/>
-              <a:t>^       Inicio de una cadena de caracteres (</a:t>
-            </a:r>
-            <a:r>
-              <a:rPr lang="es-ES" sz="2000" dirty="0" err="1"/>
-              <a:t>string</a:t>
-            </a:r>
-            <a:r>
-              <a:rPr lang="es-ES" sz="2000" dirty="0"/>
-              <a:t>)</a:t>
-            </a:r>
-          </a:p>
-          <a:p>
-            <a:pPr algn="just">
-              <a:lnSpc>
-                <a:spcPct val="150000"/>
-              </a:lnSpc>
-            </a:pPr>
-            <a:r>
-              <a:rPr lang="es-ES" sz="2000" dirty="0"/>
-              <a:t>$       Fin de una cadena de caracteres</a:t>
-            </a:r>
-            <a:endParaRPr lang="es-MX" sz="2000" dirty="0"/>
-          </a:p>
-        </p:txBody>
-      </p:sp>
+              <a:rPr lang="es-ES" b="0" i="0" dirty="0">
+                <a:solidFill>
+                  <a:srgbClr val="000000"/>
+                </a:solidFill>
+                <a:effectLst/>
+                <a:latin typeface="inherit"/>
+              </a:rPr>
+              <a:t>Encuentra todos los caracteres.</a:t>
+            </a:r>
+          </a:p>
+        </p:txBody>
+      </p:sp>
+      <p:pic>
+        <p:nvPicPr>
+          <p:cNvPr id="3" name="Imagen 2">
+            <a:extLst>
+              <a:ext uri="{FF2B5EF4-FFF2-40B4-BE49-F238E27FC236}">
+                <a16:creationId xmlns:a16="http://schemas.microsoft.com/office/drawing/2014/main" id="{432A1748-633E-43E7-BE55-E8492049DF22}"/>
+              </a:ext>
+            </a:extLst>
+          </p:cNvPr>
+          <p:cNvPicPr>
+            <a:picLocks noChangeAspect="1"/>
+          </p:cNvPicPr>
+          <p:nvPr/>
+        </p:nvPicPr>
+        <p:blipFill>
+          <a:blip r:embed="rId3"/>
+          <a:stretch>
+            <a:fillRect/>
+          </a:stretch>
+        </p:blipFill>
+        <p:spPr>
+          <a:xfrm>
+            <a:off x="2733013" y="2276872"/>
+            <a:ext cx="3381375" cy="3619500"/>
+          </a:xfrm>
+          <a:prstGeom prst="rect">
+            <a:avLst/>
+          </a:prstGeom>
+        </p:spPr>
+      </p:pic>
     </p:spTree>
     <p:extLst>
       <p:ext uri="{BB962C8B-B14F-4D97-AF65-F5344CB8AC3E}">
-        <p14:creationId xmlns:p14="http://schemas.microsoft.com/office/powerpoint/2010/main" val="1976644624"/>
+        <p14:creationId xmlns:p14="http://schemas.microsoft.com/office/powerpoint/2010/main" val="3767757294"/>
       </p:ext>
     </p:extLst>
   </p:cSld>
@@ -8947,7 +8947,7 @@
         </p:nvSpPr>
         <p:spPr>
           <a:xfrm>
-            <a:off x="891025" y="950207"/>
+            <a:off x="827584" y="950207"/>
             <a:ext cx="7065349" cy="393698"/>
           </a:xfrm>
           <a:prstGeom prst="rect">
@@ -8979,68 +8979,37 @@
                 <a:effectLst/>
                 <a:latin typeface="inherit"/>
               </a:rPr>
-              <a:t>Punto(.) Cualquier carácter excepto el salto de línea</a:t>
-            </a:r>
-          </a:p>
-        </p:txBody>
-      </p:sp>
-      <p:sp>
-        <p:nvSpPr>
-          <p:cNvPr id="7" name="CuadroTexto 6">
+              <a:t>(\d) Dígitos </a:t>
+            </a:r>
+            <a:r>
+              <a:rPr lang="es-ES" b="1" dirty="0">
+                <a:solidFill>
+                  <a:schemeClr val="accent6">
+                    <a:lumMod val="75000"/>
+                  </a:schemeClr>
+                </a:solidFill>
+                <a:latin typeface="inherit"/>
+              </a:rPr>
+              <a:t>(0 – 9)</a:t>
+            </a:r>
+            <a:endParaRPr lang="es-ES" b="1" i="0" dirty="0">
+              <a:solidFill>
+                <a:schemeClr val="accent6">
+                  <a:lumMod val="75000"/>
+                </a:schemeClr>
+              </a:solidFill>
+              <a:effectLst/>
+              <a:latin typeface="inherit"/>
+            </a:endParaRPr>
+          </a:p>
+        </p:txBody>
+      </p:sp>
+      <p:pic>
+        <p:nvPicPr>
+          <p:cNvPr id="6" name="Imagen 5">
             <a:extLst>
               <a:ext uri="{FF2B5EF4-FFF2-40B4-BE49-F238E27FC236}">
-                <a16:creationId xmlns:a16="http://schemas.microsoft.com/office/drawing/2014/main" id="{C45CBD37-E855-453E-8CDA-5467A4B05037}"/>
-              </a:ext>
-            </a:extLst>
-          </p:cNvPr>
-          <p:cNvSpPr txBox="1"/>
-          <p:nvPr/>
-        </p:nvSpPr>
-        <p:spPr>
-          <a:xfrm>
-            <a:off x="489179" y="1628800"/>
-            <a:ext cx="7964356" cy="393698"/>
-          </a:xfrm>
-          <a:prstGeom prst="rect">
-            <a:avLst/>
-          </a:prstGeom>
-          <a:noFill/>
-        </p:spPr>
-        <p:txBody>
-          <a:bodyPr wrap="square">
-            <a:spAutoFit/>
-          </a:bodyPr>
-          <a:lstStyle/>
-          <a:p>
-            <a:pPr marL="285750" indent="-285750" algn="just" fontAlgn="base">
-              <a:lnSpc>
-                <a:spcPts val="2500"/>
-              </a:lnSpc>
-              <a:spcAft>
-                <a:spcPts val="600"/>
-              </a:spcAft>
-              <a:buFont typeface="Arial" panose="020B0604020202020204" pitchFamily="34" charset="0"/>
-              <a:buChar char="•"/>
-            </a:pPr>
-            <a:r>
-              <a:rPr lang="es-ES" b="0" i="0" dirty="0">
-                <a:solidFill>
-                  <a:srgbClr val="000000"/>
-                </a:solidFill>
-                <a:effectLst/>
-                <a:latin typeface="inherit"/>
-              </a:rPr>
-              <a:t>Encuentra todos los caracteres.</a:t>
-            </a:r>
-          </a:p>
-        </p:txBody>
-      </p:sp>
-      <p:pic>
-        <p:nvPicPr>
-          <p:cNvPr id="3" name="Imagen 2">
-            <a:extLst>
-              <a:ext uri="{FF2B5EF4-FFF2-40B4-BE49-F238E27FC236}">
-                <a16:creationId xmlns:a16="http://schemas.microsoft.com/office/drawing/2014/main" id="{432A1748-633E-43E7-BE55-E8492049DF22}"/>
+                <a16:creationId xmlns:a16="http://schemas.microsoft.com/office/drawing/2014/main" id="{D2243DEC-9901-4226-88E7-92DBBCDD2224}"/>
               </a:ext>
             </a:extLst>
           </p:cNvPr>
@@ -9057,8 +9026,8 @@
         </p:blipFill>
         <p:spPr>
           <a:xfrm>
-            <a:off x="2733013" y="2276872"/>
-            <a:ext cx="3381375" cy="3619500"/>
+            <a:off x="2785432" y="2095538"/>
+            <a:ext cx="3371850" cy="3629025"/>
           </a:xfrm>
           <a:prstGeom prst="rect">
             <a:avLst/>
@@ -9068,7 +9037,7 @@
     </p:spTree>
     <p:extLst>
       <p:ext uri="{BB962C8B-B14F-4D97-AF65-F5344CB8AC3E}">
-        <p14:creationId xmlns:p14="http://schemas.microsoft.com/office/powerpoint/2010/main" val="3767757294"/>
+        <p14:creationId xmlns:p14="http://schemas.microsoft.com/office/powerpoint/2010/main" val="1808630302"/>
       </p:ext>
     </p:extLst>
   </p:cSld>
@@ -9166,7 +9135,7 @@
         </p:nvSpPr>
         <p:spPr>
           <a:xfrm>
-            <a:off x="827584" y="950207"/>
+            <a:off x="827584" y="981755"/>
             <a:ext cx="7065349" cy="393698"/>
           </a:xfrm>
           <a:prstGeom prst="rect">
@@ -9198,37 +9167,17 @@
                 <a:effectLst/>
                 <a:latin typeface="inherit"/>
               </a:rPr>
-              <a:t>(\d) Dígitos </a:t>
-            </a:r>
-            <a:r>
-              <a:rPr lang="es-ES" b="1" dirty="0">
-                <a:solidFill>
-                  <a:schemeClr val="accent6">
-                    <a:lumMod val="75000"/>
-                  </a:schemeClr>
-                </a:solidFill>
-                <a:latin typeface="inherit"/>
-              </a:rPr>
-              <a:t>(0 – 9)</a:t>
-            </a:r>
-            <a:endParaRPr lang="es-ES" b="1" i="0" dirty="0">
-              <a:solidFill>
-                <a:schemeClr val="accent6">
-                  <a:lumMod val="75000"/>
-                </a:schemeClr>
-              </a:solidFill>
-              <a:effectLst/>
-              <a:latin typeface="inherit"/>
-            </a:endParaRPr>
+              <a:t>(\D) Todo lo que no sea un número</a:t>
+            </a:r>
           </a:p>
         </p:txBody>
       </p:sp>
       <p:pic>
         <p:nvPicPr>
-          <p:cNvPr id="6" name="Imagen 5">
+          <p:cNvPr id="3" name="Imagen 2">
             <a:extLst>
               <a:ext uri="{FF2B5EF4-FFF2-40B4-BE49-F238E27FC236}">
-                <a16:creationId xmlns:a16="http://schemas.microsoft.com/office/drawing/2014/main" id="{D2243DEC-9901-4226-88E7-92DBBCDD2224}"/>
+                <a16:creationId xmlns:a16="http://schemas.microsoft.com/office/drawing/2014/main" id="{CFCAE1A2-3629-40AA-BCD3-FD3714B9CD8C}"/>
               </a:ext>
             </a:extLst>
           </p:cNvPr>
@@ -9245,8 +9194,8 @@
         </p:blipFill>
         <p:spPr>
           <a:xfrm>
-            <a:off x="2785432" y="2095538"/>
-            <a:ext cx="3371850" cy="3629025"/>
+            <a:off x="2890837" y="2141208"/>
+            <a:ext cx="3362325" cy="3590925"/>
           </a:xfrm>
           <a:prstGeom prst="rect">
             <a:avLst/>
@@ -9256,7 +9205,7 @@
     </p:spTree>
     <p:extLst>
       <p:ext uri="{BB962C8B-B14F-4D97-AF65-F5344CB8AC3E}">
-        <p14:creationId xmlns:p14="http://schemas.microsoft.com/office/powerpoint/2010/main" val="1808630302"/>
+        <p14:creationId xmlns:p14="http://schemas.microsoft.com/office/powerpoint/2010/main" val="1522357441"/>
       </p:ext>
     </p:extLst>
   </p:cSld>
@@ -9354,7 +9303,7 @@
         </p:nvSpPr>
         <p:spPr>
           <a:xfrm>
-            <a:off x="827584" y="981755"/>
+            <a:off x="827584" y="969311"/>
             <a:ext cx="7065349" cy="393698"/>
           </a:xfrm>
           <a:prstGeom prst="rect">
@@ -9386,17 +9335,97 @@
                 <a:effectLst/>
                 <a:latin typeface="inherit"/>
               </a:rPr>
-              <a:t>(\D) Todo lo que no sea un número</a:t>
-            </a:r>
+              <a:t>(\w) </a:t>
+            </a:r>
+            <a:r>
+              <a:rPr lang="es-ES" b="1" i="0" dirty="0" err="1">
+                <a:solidFill>
+                  <a:schemeClr val="accent6">
+                    <a:lumMod val="75000"/>
+                  </a:schemeClr>
+                </a:solidFill>
+                <a:effectLst/>
+                <a:latin typeface="inherit"/>
+              </a:rPr>
+              <a:t>Caracter</a:t>
+            </a:r>
+            <a:r>
+              <a:rPr lang="es-ES" b="1" i="0" dirty="0">
+                <a:solidFill>
+                  <a:schemeClr val="accent6">
+                    <a:lumMod val="75000"/>
+                  </a:schemeClr>
+                </a:solidFill>
+                <a:effectLst/>
+                <a:latin typeface="inherit"/>
+              </a:rPr>
+              <a:t> de palabra (a-z, A-Z, 0-9, _)</a:t>
+            </a:r>
+          </a:p>
+        </p:txBody>
+      </p:sp>
+      <p:sp>
+        <p:nvSpPr>
+          <p:cNvPr id="5" name="CuadroTexto 4">
+            <a:extLst>
+              <a:ext uri="{FF2B5EF4-FFF2-40B4-BE49-F238E27FC236}">
+                <a16:creationId xmlns:a16="http://schemas.microsoft.com/office/drawing/2014/main" id="{F72A1372-DE34-4526-8859-7C14B49FDEAB}"/>
+              </a:ext>
+            </a:extLst>
+          </p:cNvPr>
+          <p:cNvSpPr txBox="1"/>
+          <p:nvPr/>
+        </p:nvSpPr>
+        <p:spPr>
+          <a:xfrm>
+            <a:off x="611559" y="1480402"/>
+            <a:ext cx="7920880" cy="506292"/>
+          </a:xfrm>
+          <a:prstGeom prst="rect">
+            <a:avLst/>
+          </a:prstGeom>
+          <a:noFill/>
+        </p:spPr>
+        <p:txBody>
+          <a:bodyPr wrap="square">
+            <a:spAutoFit/>
+          </a:bodyPr>
+          <a:lstStyle/>
+          <a:p>
+            <a:pPr algn="just">
+              <a:lnSpc>
+                <a:spcPct val="150000"/>
+              </a:lnSpc>
+            </a:pPr>
+            <a:r>
+              <a:rPr lang="es-ES" sz="2000" i="0" dirty="0">
+                <a:solidFill>
+                  <a:schemeClr val="tx1">
+                    <a:lumMod val="95000"/>
+                    <a:lumOff val="5000"/>
+                  </a:schemeClr>
+                </a:solidFill>
+                <a:effectLst/>
+              </a:rPr>
+              <a:t>Busca de la a-z, A-Z, 0-9 y guion bajo.</a:t>
+            </a:r>
+            <a:endParaRPr lang="es-ES" sz="2000" b="1" dirty="0">
+              <a:solidFill>
+                <a:schemeClr val="tx1">
+                  <a:lumMod val="95000"/>
+                  <a:lumOff val="5000"/>
+                </a:schemeClr>
+              </a:solidFill>
+            </a:endParaRPr>
           </a:p>
         </p:txBody>
       </p:sp>
       <p:pic>
         <p:nvPicPr>
-          <p:cNvPr id="3" name="Imagen 2">
+          <p:cNvPr id="4" name="Imagen 3">
             <a:extLst>
               <a:ext uri="{FF2B5EF4-FFF2-40B4-BE49-F238E27FC236}">
-                <a16:creationId xmlns:a16="http://schemas.microsoft.com/office/drawing/2014/main" id="{CFCAE1A2-3629-40AA-BCD3-FD3714B9CD8C}"/>
+                <a16:creationId xmlns:a16="http://schemas.microsoft.com/office/drawing/2014/main" id="{D90247BF-3C70-4723-96CF-AA6040FCB382}"/>
               </a:ext>
             </a:extLst>
           </p:cNvPr>
@@ -9413,8 +9442,8 @@
         </p:blipFill>
         <p:spPr>
           <a:xfrm>
-            <a:off x="2890837" y="2141208"/>
-            <a:ext cx="3362325" cy="3590925"/>
+            <a:off x="2766382" y="2418601"/>
+            <a:ext cx="3409950" cy="3552825"/>
           </a:xfrm>
           <a:prstGeom prst="rect">
             <a:avLst/>
@@ -9424,7 +9453,7 @@
     </p:spTree>
     <p:extLst>
       <p:ext uri="{BB962C8B-B14F-4D97-AF65-F5344CB8AC3E}">
-        <p14:creationId xmlns:p14="http://schemas.microsoft.com/office/powerpoint/2010/main" val="1522357441"/>
+        <p14:creationId xmlns:p14="http://schemas.microsoft.com/office/powerpoint/2010/main" val="2443629408"/>
       </p:ext>
     </p:extLst>
   </p:cSld>
@@ -9522,7 +9551,7 @@
         </p:nvSpPr>
         <p:spPr>
           <a:xfrm>
-            <a:off x="827584" y="969311"/>
+            <a:off x="938682" y="950207"/>
             <a:ext cx="7065349" cy="393698"/>
           </a:xfrm>
           <a:prstGeom prst="rect">
@@ -9554,7 +9583,7 @@
                 <a:effectLst/>
                 <a:latin typeface="inherit"/>
               </a:rPr>
-              <a:t>(\w) </a:t>
+              <a:t>(\W) No es un </a:t>
             </a:r>
             <a:r>
               <a:rPr lang="es-ES" b="1" i="0" dirty="0" err="1">
@@ -9566,7 +9595,7 @@
                 <a:effectLst/>
                 <a:latin typeface="inherit"/>
               </a:rPr>
-              <a:t>Caracter</a:t>
+              <a:t>caracter</a:t>
             </a:r>
             <a:r>
               <a:rPr lang="es-ES" b="1" i="0" dirty="0">
@@ -9578,73 +9607,17 @@
                 <a:effectLst/>
                 <a:latin typeface="inherit"/>
               </a:rPr>
-              <a:t> de palabra (a-z, A-Z, 0-9, _)</a:t>
-            </a:r>
-          </a:p>
-        </p:txBody>
-      </p:sp>
-      <p:sp>
-        <p:nvSpPr>
-          <p:cNvPr id="5" name="CuadroTexto 4">
+              <a:t> de palabra</a:t>
+            </a:r>
+          </a:p>
+        </p:txBody>
+      </p:sp>
+      <p:pic>
+        <p:nvPicPr>
+          <p:cNvPr id="3" name="Imagen 2">
             <a:extLst>
               <a:ext uri="{FF2B5EF4-FFF2-40B4-BE49-F238E27FC236}">
-                <a16:creationId xmlns:a16="http://schemas.microsoft.com/office/drawing/2014/main" id="{F72A1372-DE34-4526-8859-7C14B49FDEAB}"/>
-              </a:ext>
-            </a:extLst>
-          </p:cNvPr>
-          <p:cNvSpPr txBox="1"/>
-          <p:nvPr/>
-        </p:nvSpPr>
-        <p:spPr>
-          <a:xfrm>
-            <a:off x="611559" y="1480402"/>
-            <a:ext cx="7920880" cy="506292"/>
-          </a:xfrm>
-          <a:prstGeom prst="rect">
-            <a:avLst/>
-          </a:prstGeom>
-          <a:noFill/>
-        </p:spPr>
-        <p:txBody>
-          <a:bodyPr wrap="square">
-            <a:spAutoFit/>
-          </a:bodyPr>
-          <a:lstStyle/>
-          <a:p>
-            <a:pPr algn="just">
-              <a:lnSpc>
-                <a:spcPct val="150000"/>
-              </a:lnSpc>
-            </a:pPr>
-            <a:r>
-              <a:rPr lang="es-ES" sz="2000" i="0" dirty="0">
-                <a:solidFill>
-                  <a:schemeClr val="tx1">
-                    <a:lumMod val="95000"/>
-                    <a:lumOff val="5000"/>
-                  </a:schemeClr>
-                </a:solidFill>
-                <a:effectLst/>
-              </a:rPr>
-              <a:t>Busca de la a-z, A-Z, 0-9 y guion bajo.</a:t>
-            </a:r>
-            <a:endParaRPr lang="es-ES" sz="2000" b="1" dirty="0">
-              <a:solidFill>
-                <a:schemeClr val="tx1">
-                  <a:lumMod val="95000"/>
-                  <a:lumOff val="5000"/>
-                </a:schemeClr>
-              </a:solidFill>
-            </a:endParaRPr>
-          </a:p>
-        </p:txBody>
-      </p:sp>
-      <p:pic>
-        <p:nvPicPr>
-          <p:cNvPr id="4" name="Imagen 3">
-            <a:extLst>
-              <a:ext uri="{FF2B5EF4-FFF2-40B4-BE49-F238E27FC236}">
-                <a16:creationId xmlns:a16="http://schemas.microsoft.com/office/drawing/2014/main" id="{D90247BF-3C70-4723-96CF-AA6040FCB382}"/>
+                <a16:creationId xmlns:a16="http://schemas.microsoft.com/office/drawing/2014/main" id="{49BF9A01-C822-4B3C-B1FC-D96936B2421A}"/>
               </a:ext>
             </a:extLst>
           </p:cNvPr>
@@ -9661,8 +9634,8 @@
         </p:blipFill>
         <p:spPr>
           <a:xfrm>
-            <a:off x="2766382" y="2418601"/>
-            <a:ext cx="3409950" cy="3552825"/>
+            <a:off x="2794957" y="2016818"/>
+            <a:ext cx="3352800" cy="3571875"/>
           </a:xfrm>
           <a:prstGeom prst="rect">
             <a:avLst/>
@@ -9672,7 +9645,7 @@
     </p:spTree>
     <p:extLst>
       <p:ext uri="{BB962C8B-B14F-4D97-AF65-F5344CB8AC3E}">
-        <p14:creationId xmlns:p14="http://schemas.microsoft.com/office/powerpoint/2010/main" val="2443629408"/>
+        <p14:creationId xmlns:p14="http://schemas.microsoft.com/office/powerpoint/2010/main" val="3296258201"/>
       </p:ext>
     </p:extLst>
   </p:cSld>
@@ -9770,7 +9743,7 @@
         </p:nvSpPr>
         <p:spPr>
           <a:xfrm>
-            <a:off x="938682" y="950207"/>
+            <a:off x="827584" y="981755"/>
             <a:ext cx="7065349" cy="393698"/>
           </a:xfrm>
           <a:prstGeom prst="rect">
@@ -9802,41 +9775,17 @@
                 <a:effectLst/>
                 <a:latin typeface="inherit"/>
               </a:rPr>
-              <a:t>(\W) No es un </a:t>
-            </a:r>
-            <a:r>
-              <a:rPr lang="es-ES" b="1" i="0" dirty="0" err="1">
-                <a:solidFill>
-                  <a:schemeClr val="accent6">
-                    <a:lumMod val="75000"/>
-                  </a:schemeClr>
-                </a:solidFill>
-                <a:effectLst/>
-                <a:latin typeface="inherit"/>
-              </a:rPr>
-              <a:t>caracter</a:t>
-            </a:r>
-            <a:r>
-              <a:rPr lang="es-ES" b="1" i="0" dirty="0">
-                <a:solidFill>
-                  <a:schemeClr val="accent6">
-                    <a:lumMod val="75000"/>
-                  </a:schemeClr>
-                </a:solidFill>
-                <a:effectLst/>
-                <a:latin typeface="inherit"/>
-              </a:rPr>
-              <a:t> de palabra</a:t>
+              <a:t>(\s) Espacios, tabulaciones y nuevas líneas</a:t>
             </a:r>
           </a:p>
         </p:txBody>
       </p:sp>
       <p:pic>
         <p:nvPicPr>
-          <p:cNvPr id="3" name="Imagen 2">
+          <p:cNvPr id="4" name="Imagen 3">
             <a:extLst>
               <a:ext uri="{FF2B5EF4-FFF2-40B4-BE49-F238E27FC236}">
-                <a16:creationId xmlns:a16="http://schemas.microsoft.com/office/drawing/2014/main" id="{49BF9A01-C822-4B3C-B1FC-D96936B2421A}"/>
+                <a16:creationId xmlns:a16="http://schemas.microsoft.com/office/drawing/2014/main" id="{F03D1A73-A318-4FF7-86A6-9AC5ACA8F26F}"/>
               </a:ext>
             </a:extLst>
           </p:cNvPr>
@@ -9853,8 +9802,8 @@
         </p:blipFill>
         <p:spPr>
           <a:xfrm>
-            <a:off x="2794957" y="2016818"/>
-            <a:ext cx="3352800" cy="3571875"/>
+            <a:off x="2794957" y="1997548"/>
+            <a:ext cx="3352800" cy="3609975"/>
           </a:xfrm>
           <a:prstGeom prst="rect">
             <a:avLst/>
@@ -9864,7 +9813,7 @@
     </p:spTree>
     <p:extLst>
       <p:ext uri="{BB962C8B-B14F-4D97-AF65-F5344CB8AC3E}">
-        <p14:creationId xmlns:p14="http://schemas.microsoft.com/office/powerpoint/2010/main" val="3296258201"/>
+        <p14:creationId xmlns:p14="http://schemas.microsoft.com/office/powerpoint/2010/main" val="1621733468"/>
       </p:ext>
     </p:extLst>
   </p:cSld>
@@ -9962,7 +9911,7 @@
         </p:nvSpPr>
         <p:spPr>
           <a:xfrm>
-            <a:off x="827584" y="981755"/>
+            <a:off x="938682" y="1032350"/>
             <a:ext cx="7065349" cy="393698"/>
           </a:xfrm>
           <a:prstGeom prst="rect">
@@ -9994,17 +9943,41 @@
                 <a:effectLst/>
                 <a:latin typeface="inherit"/>
               </a:rPr>
-              <a:t>(\s) Espacios, tabulaciones y nuevas líneas</a:t>
+              <a:t>(\S) No espacio en blanco, </a:t>
+            </a:r>
+            <a:r>
+              <a:rPr lang="es-ES" b="1" i="0" dirty="0" err="1">
+                <a:solidFill>
+                  <a:schemeClr val="accent6">
+                    <a:lumMod val="75000"/>
+                  </a:schemeClr>
+                </a:solidFill>
+                <a:effectLst/>
+                <a:latin typeface="inherit"/>
+              </a:rPr>
+              <a:t>tab</a:t>
+            </a:r>
+            <a:r>
+              <a:rPr lang="es-ES" b="1" i="0" dirty="0">
+                <a:solidFill>
+                  <a:schemeClr val="accent6">
+                    <a:lumMod val="75000"/>
+                  </a:schemeClr>
+                </a:solidFill>
+                <a:effectLst/>
+                <a:latin typeface="inherit"/>
+              </a:rPr>
+              <a:t> y nueva línea</a:t>
             </a:r>
           </a:p>
         </p:txBody>
       </p:sp>
       <p:pic>
         <p:nvPicPr>
-          <p:cNvPr id="4" name="Imagen 3">
+          <p:cNvPr id="3" name="Imagen 2">
             <a:extLst>
               <a:ext uri="{FF2B5EF4-FFF2-40B4-BE49-F238E27FC236}">
-                <a16:creationId xmlns:a16="http://schemas.microsoft.com/office/drawing/2014/main" id="{F03D1A73-A318-4FF7-86A6-9AC5ACA8F26F}"/>
+                <a16:creationId xmlns:a16="http://schemas.microsoft.com/office/drawing/2014/main" id="{26FEBDD6-ADBE-4366-B20F-A276BF4E0410}"/>
               </a:ext>
             </a:extLst>
           </p:cNvPr>
@@ -10021,8 +9994,8 @@
         </p:blipFill>
         <p:spPr>
           <a:xfrm>
-            <a:off x="2794957" y="1997548"/>
-            <a:ext cx="3352800" cy="3609975"/>
+            <a:off x="2871787" y="2098738"/>
+            <a:ext cx="3400425" cy="3648075"/>
           </a:xfrm>
           <a:prstGeom prst="rect">
             <a:avLst/>
@@ -10032,7 +10005,7 @@
     </p:spTree>
     <p:extLst>
       <p:ext uri="{BB962C8B-B14F-4D97-AF65-F5344CB8AC3E}">
-        <p14:creationId xmlns:p14="http://schemas.microsoft.com/office/powerpoint/2010/main" val="1621733468"/>
+        <p14:creationId xmlns:p14="http://schemas.microsoft.com/office/powerpoint/2010/main" val="2868926648"/>
       </p:ext>
     </p:extLst>
   </p:cSld>
@@ -10130,7 +10103,7 @@
         </p:nvSpPr>
         <p:spPr>
           <a:xfrm>
-            <a:off x="938682" y="1032350"/>
+            <a:off x="683568" y="1021599"/>
             <a:ext cx="7065349" cy="393698"/>
           </a:xfrm>
           <a:prstGeom prst="rect">
@@ -10162,41 +10135,17 @@
                 <a:effectLst/>
                 <a:latin typeface="inherit"/>
               </a:rPr>
-              <a:t>(\S) No espacio en blanco, </a:t>
-            </a:r>
-            <a:r>
-              <a:rPr lang="es-ES" b="1" i="0" dirty="0" err="1">
-                <a:solidFill>
-                  <a:schemeClr val="accent6">
-                    <a:lumMod val="75000"/>
-                  </a:schemeClr>
-                </a:solidFill>
-                <a:effectLst/>
-                <a:latin typeface="inherit"/>
-              </a:rPr>
-              <a:t>tab</a:t>
-            </a:r>
-            <a:r>
-              <a:rPr lang="es-ES" b="1" i="0" dirty="0">
-                <a:solidFill>
-                  <a:schemeClr val="accent6">
-                    <a:lumMod val="75000"/>
-                  </a:schemeClr>
-                </a:solidFill>
-                <a:effectLst/>
-                <a:latin typeface="inherit"/>
-              </a:rPr>
-              <a:t> y nueva línea</a:t>
+              <a:t>( \ ) Cancela caracteres especiales</a:t>
             </a:r>
           </a:p>
         </p:txBody>
       </p:sp>
       <p:pic>
         <p:nvPicPr>
-          <p:cNvPr id="3" name="Imagen 2">
+          <p:cNvPr id="4" name="Imagen 3">
             <a:extLst>
               <a:ext uri="{FF2B5EF4-FFF2-40B4-BE49-F238E27FC236}">
-                <a16:creationId xmlns:a16="http://schemas.microsoft.com/office/drawing/2014/main" id="{26FEBDD6-ADBE-4366-B20F-A276BF4E0410}"/>
+                <a16:creationId xmlns:a16="http://schemas.microsoft.com/office/drawing/2014/main" id="{91994782-EE1B-4151-8148-6274E704CE5A}"/>
               </a:ext>
             </a:extLst>
           </p:cNvPr>
@@ -10213,18 +10162,70 @@
         </p:blipFill>
         <p:spPr>
           <a:xfrm>
-            <a:off x="2871787" y="2098738"/>
-            <a:ext cx="3400425" cy="3648075"/>
+            <a:off x="2516029" y="2480665"/>
+            <a:ext cx="3400425" cy="3629025"/>
           </a:xfrm>
           <a:prstGeom prst="rect">
             <a:avLst/>
           </a:prstGeom>
         </p:spPr>
       </p:pic>
+      <p:sp>
+        <p:nvSpPr>
+          <p:cNvPr id="5" name="CuadroTexto 4">
+            <a:extLst>
+              <a:ext uri="{FF2B5EF4-FFF2-40B4-BE49-F238E27FC236}">
+                <a16:creationId xmlns:a16="http://schemas.microsoft.com/office/drawing/2014/main" id="{30C874C5-FEE0-42E3-8162-FD5DCB7B589D}"/>
+              </a:ext>
+            </a:extLst>
+          </p:cNvPr>
+          <p:cNvSpPr txBox="1"/>
+          <p:nvPr/>
+        </p:nvSpPr>
+        <p:spPr>
+          <a:xfrm>
+            <a:off x="827584" y="1751008"/>
+            <a:ext cx="7560840" cy="393698"/>
+          </a:xfrm>
+          <a:prstGeom prst="rect">
+            <a:avLst/>
+          </a:prstGeom>
+          <a:noFill/>
+        </p:spPr>
+        <p:txBody>
+          <a:bodyPr wrap="square">
+            <a:spAutoFit/>
+          </a:bodyPr>
+          <a:lstStyle/>
+          <a:p>
+            <a:pPr fontAlgn="base">
+              <a:lnSpc>
+                <a:spcPts val="2500"/>
+              </a:lnSpc>
+              <a:spcAft>
+                <a:spcPts val="600"/>
+              </a:spcAft>
+            </a:pPr>
+            <a:r>
+              <a:rPr lang="es-ES" i="0" dirty="0">
+                <a:solidFill>
+                  <a:schemeClr val="tx1">
+                    <a:lumMod val="95000"/>
+                    <a:lumOff val="5000"/>
+                  </a:schemeClr>
+                </a:solidFill>
+                <a:effectLst/>
+                <a:latin typeface="inherit"/>
+              </a:rPr>
+              <a:t>Si quiero encontrar un punto en el texto. Cancela carácter especial punto.</a:t>
+            </a:r>
+          </a:p>
+        </p:txBody>
+      </p:sp>
     </p:spTree>
     <p:extLst>
       <p:ext uri="{BB962C8B-B14F-4D97-AF65-F5344CB8AC3E}">
-        <p14:creationId xmlns:p14="http://schemas.microsoft.com/office/powerpoint/2010/main" val="2868926648"/>
+        <p14:creationId xmlns:p14="http://schemas.microsoft.com/office/powerpoint/2010/main" val="4066526647"/>
       </p:ext>
     </p:extLst>
   </p:cSld>
@@ -10645,63 +10646,12 @@
           </a:p>
         </p:txBody>
       </p:sp>
-      <p:sp>
-        <p:nvSpPr>
-          <p:cNvPr id="10" name="CuadroTexto 9">
+      <p:pic>
+        <p:nvPicPr>
+          <p:cNvPr id="6" name="Imagen 5">
             <a:extLst>
               <a:ext uri="{FF2B5EF4-FFF2-40B4-BE49-F238E27FC236}">
-                <a16:creationId xmlns:a16="http://schemas.microsoft.com/office/drawing/2014/main" id="{65A32C36-6B63-4F4C-8762-95C0DAD8965B}"/>
-              </a:ext>
-            </a:extLst>
-          </p:cNvPr>
-          <p:cNvSpPr txBox="1"/>
-          <p:nvPr/>
-        </p:nvSpPr>
-        <p:spPr>
-          <a:xfrm>
-            <a:off x="683568" y="1021599"/>
-            <a:ext cx="7065349" cy="393698"/>
-          </a:xfrm>
-          <a:prstGeom prst="rect">
-            <a:avLst/>
-          </a:prstGeom>
-          <a:noFill/>
-        </p:spPr>
-        <p:txBody>
-          <a:bodyPr wrap="square">
-            <a:spAutoFit/>
-          </a:bodyPr>
-          <a:lstStyle/>
-          <a:p>
-            <a:pPr algn="ctr" fontAlgn="base">
-              <a:lnSpc>
-                <a:spcPts val="2500"/>
-              </a:lnSpc>
-              <a:spcAft>
-                <a:spcPts val="600"/>
-              </a:spcAft>
-            </a:pPr>
-            <a:r>
-              <a:rPr lang="es-ES" b="1" i="0" dirty="0">
-                <a:solidFill>
-                  <a:schemeClr val="accent6">
-                    <a:lumMod val="75000"/>
-                  </a:schemeClr>
-                </a:solidFill>
-                <a:effectLst/>
-                <a:latin typeface="inherit"/>
-              </a:rPr>
-              <a:t>( \ ) Cancela caracteres especiales</a:t>
-            </a:r>
-          </a:p>
-        </p:txBody>
-      </p:sp>
-      <p:pic>
-        <p:nvPicPr>
-          <p:cNvPr id="4" name="Imagen 3">
-            <a:extLst>
-              <a:ext uri="{FF2B5EF4-FFF2-40B4-BE49-F238E27FC236}">
-                <a16:creationId xmlns:a16="http://schemas.microsoft.com/office/drawing/2014/main" id="{91994782-EE1B-4151-8148-6274E704CE5A}"/>
+                <a16:creationId xmlns:a16="http://schemas.microsoft.com/office/drawing/2014/main" id="{2AB1F17D-47CA-45E4-8835-79FBA0AA7E46}"/>
               </a:ext>
             </a:extLst>
           </p:cNvPr>
@@ -10718,8 +10668,8 @@
         </p:blipFill>
         <p:spPr>
           <a:xfrm>
-            <a:off x="2516029" y="2480665"/>
-            <a:ext cx="3400425" cy="3629025"/>
+            <a:off x="2691768" y="3610691"/>
+            <a:ext cx="3400425" cy="2762250"/>
           </a:xfrm>
           <a:prstGeom prst="rect">
             <a:avLst/>
@@ -10728,10 +10678,10 @@
       </p:pic>
       <p:sp>
         <p:nvSpPr>
-          <p:cNvPr id="5" name="CuadroTexto 4">
+          <p:cNvPr id="9" name="CuadroTexto 8">
             <a:extLst>
               <a:ext uri="{FF2B5EF4-FFF2-40B4-BE49-F238E27FC236}">
-                <a16:creationId xmlns:a16="http://schemas.microsoft.com/office/drawing/2014/main" id="{30C874C5-FEE0-42E3-8162-FD5DCB7B589D}"/>
+                <a16:creationId xmlns:a16="http://schemas.microsoft.com/office/drawing/2014/main" id="{E1C784F4-BDDC-4D50-B8E9-68B91761F76A}"/>
               </a:ext>
             </a:extLst>
           </p:cNvPr>
@@ -10740,8 +10690,8 @@
         </p:nvSpPr>
         <p:spPr>
           <a:xfrm>
-            <a:off x="827584" y="1751008"/>
-            <a:ext cx="7560840" cy="393698"/>
+            <a:off x="683568" y="1537713"/>
+            <a:ext cx="7704856" cy="1891287"/>
           </a:xfrm>
           <a:prstGeom prst="rect">
             <a:avLst/>
@@ -10754,7 +10704,156 @@
           </a:bodyPr>
           <a:lstStyle/>
           <a:p>
-            <a:pPr fontAlgn="base">
+            <a:pPr marL="342900" indent="-342900" algn="just">
+              <a:lnSpc>
+                <a:spcPct val="150000"/>
+              </a:lnSpc>
+              <a:buFont typeface="Arial" panose="020B0604020202020204" pitchFamily="34" charset="0"/>
+              <a:buChar char="•"/>
+            </a:pPr>
+            <a:r>
+              <a:rPr lang="es-ES" sz="2000" i="0" dirty="0">
+                <a:solidFill>
+                  <a:schemeClr val="tx1">
+                    <a:lumMod val="95000"/>
+                    <a:lumOff val="5000"/>
+                  </a:schemeClr>
+                </a:solidFill>
+                <a:effectLst/>
+              </a:rPr>
+              <a:t>Si quiero encontrar una diagonal.</a:t>
+            </a:r>
+          </a:p>
+          <a:p>
+            <a:pPr marL="342900" indent="-342900" algn="just">
+              <a:lnSpc>
+                <a:spcPct val="150000"/>
+              </a:lnSpc>
+              <a:buFont typeface="Arial" panose="020B0604020202020204" pitchFamily="34" charset="0"/>
+              <a:buChar char="•"/>
+            </a:pPr>
+            <a:r>
+              <a:rPr lang="es-ES" sz="2000" i="0" dirty="0">
+                <a:solidFill>
+                  <a:schemeClr val="tx1">
+                    <a:lumMod val="95000"/>
+                    <a:lumOff val="5000"/>
+                  </a:schemeClr>
+                </a:solidFill>
+                <a:effectLst/>
+              </a:rPr>
+              <a:t>Casi todos los símbolos le tenemos que poner </a:t>
+            </a:r>
+            <a:r>
+              <a:rPr lang="es-ES" sz="2000" b="1" i="0" dirty="0" err="1">
+                <a:solidFill>
+                  <a:schemeClr val="accent6">
+                    <a:lumMod val="75000"/>
+                  </a:schemeClr>
+                </a:solidFill>
+                <a:effectLst/>
+              </a:rPr>
+              <a:t>backslash</a:t>
+            </a:r>
+            <a:r>
+              <a:rPr lang="es-ES" sz="2000" i="0" dirty="0">
+                <a:solidFill>
+                  <a:schemeClr val="tx1">
+                    <a:lumMod val="95000"/>
+                    <a:lumOff val="5000"/>
+                  </a:schemeClr>
+                </a:solidFill>
+                <a:effectLst/>
+              </a:rPr>
+              <a:t> </a:t>
+            </a:r>
+            <a:r>
+              <a:rPr lang="es-ES" sz="2000" b="1" i="0" dirty="0">
+                <a:solidFill>
+                  <a:schemeClr val="accent6">
+                    <a:lumMod val="75000"/>
+                  </a:schemeClr>
+                </a:solidFill>
+                <a:effectLst/>
+              </a:rPr>
+              <a:t>\</a:t>
+            </a:r>
+            <a:r>
+              <a:rPr lang="es-ES" sz="2000" i="0" dirty="0">
+                <a:solidFill>
+                  <a:schemeClr val="tx1">
+                    <a:lumMod val="95000"/>
+                    <a:lumOff val="5000"/>
+                  </a:schemeClr>
+                </a:solidFill>
+                <a:effectLst/>
+              </a:rPr>
+              <a:t>, ya que son </a:t>
+            </a:r>
+            <a:r>
+              <a:rPr lang="es-ES" sz="2000" i="0" dirty="0" err="1">
+                <a:solidFill>
+                  <a:schemeClr val="tx1">
+                    <a:lumMod val="95000"/>
+                    <a:lumOff val="5000"/>
+                  </a:schemeClr>
+                </a:solidFill>
+                <a:effectLst/>
+              </a:rPr>
+              <a:t>metacaracteres</a:t>
+            </a:r>
+            <a:r>
+              <a:rPr lang="es-ES" sz="2000" i="0" dirty="0">
+                <a:solidFill>
+                  <a:schemeClr val="tx1">
+                    <a:lumMod val="95000"/>
+                    <a:lumOff val="5000"/>
+                  </a:schemeClr>
+                </a:solidFill>
+                <a:effectLst/>
+              </a:rPr>
+              <a:t> o símbolos especiales. Ya que los símbolos significan algo.</a:t>
+            </a:r>
+            <a:endParaRPr lang="es-ES" sz="2000" b="1" dirty="0">
+              <a:solidFill>
+                <a:schemeClr val="tx1">
+                  <a:lumMod val="95000"/>
+                  <a:lumOff val="5000"/>
+                </a:schemeClr>
+              </a:solidFill>
+            </a:endParaRPr>
+          </a:p>
+        </p:txBody>
+      </p:sp>
+      <p:sp>
+        <p:nvSpPr>
+          <p:cNvPr id="7" name="CuadroTexto 6">
+            <a:extLst>
+              <a:ext uri="{FF2B5EF4-FFF2-40B4-BE49-F238E27FC236}">
+                <a16:creationId xmlns:a16="http://schemas.microsoft.com/office/drawing/2014/main" id="{0CD01309-A779-489D-9641-3C8825455B71}"/>
+              </a:ext>
+            </a:extLst>
+          </p:cNvPr>
+          <p:cNvSpPr txBox="1"/>
+          <p:nvPr/>
+        </p:nvSpPr>
+        <p:spPr>
+          <a:xfrm>
+            <a:off x="1187625" y="962324"/>
+            <a:ext cx="6408712" cy="393698"/>
+          </a:xfrm>
+          <a:prstGeom prst="rect">
+            <a:avLst/>
+          </a:prstGeom>
+          <a:noFill/>
+        </p:spPr>
+        <p:txBody>
+          <a:bodyPr wrap="square">
+            <a:spAutoFit/>
+          </a:bodyPr>
+          <a:lstStyle/>
+          <a:p>
+            <a:pPr algn="ctr" fontAlgn="base">
               <a:lnSpc>
                 <a:spcPts val="2500"/>
               </a:lnSpc>
@@ -10763,17 +10862,16 @@
               </a:spcAft>
             </a:pPr>
             <a:r>
-              <a:rPr lang="es-ES" i="0" dirty="0">
-                <a:solidFill>
-                  <a:schemeClr val="tx1">
-                    <a:lumMod val="95000"/>
-                    <a:lumOff val="5000"/>
+              <a:rPr lang="es-ES" b="1" i="0" dirty="0">
+                <a:solidFill>
+                  <a:schemeClr val="accent6">
+                    <a:lumMod val="75000"/>
                   </a:schemeClr>
                 </a:solidFill>
                 <a:effectLst/>
                 <a:latin typeface="inherit"/>
               </a:rPr>
-              <a:t>Si quiero encontrar un punto en el texto. Cancela carácter especial punto.</a:t>
+              <a:t>( \ ) Cancela caracteres especiales</a:t>
             </a:r>
           </a:p>
         </p:txBody>
@@ -10781,7 +10879,7 @@
     </p:spTree>
     <p:extLst>
       <p:ext uri="{BB962C8B-B14F-4D97-AF65-F5344CB8AC3E}">
-        <p14:creationId xmlns:p14="http://schemas.microsoft.com/office/powerpoint/2010/main" val="4066526647"/>
+        <p14:creationId xmlns:p14="http://schemas.microsoft.com/office/powerpoint/2010/main" val="3176738947"/>
       </p:ext>
     </p:extLst>
   </p:cSld>
@@ -10865,12 +10963,144 @@
           </a:p>
         </p:txBody>
       </p:sp>
+      <p:sp>
+        <p:nvSpPr>
+          <p:cNvPr id="9" name="CuadroTexto 8">
+            <a:extLst>
+              <a:ext uri="{FF2B5EF4-FFF2-40B4-BE49-F238E27FC236}">
+                <a16:creationId xmlns:a16="http://schemas.microsoft.com/office/drawing/2014/main" id="{E1C784F4-BDDC-4D50-B8E9-68B91761F76A}"/>
+              </a:ext>
+            </a:extLst>
+          </p:cNvPr>
+          <p:cNvSpPr txBox="1"/>
+          <p:nvPr/>
+        </p:nvSpPr>
+        <p:spPr>
+          <a:xfrm>
+            <a:off x="683568" y="1537713"/>
+            <a:ext cx="7920880" cy="506292"/>
+          </a:xfrm>
+          <a:prstGeom prst="rect">
+            <a:avLst/>
+          </a:prstGeom>
+          <a:noFill/>
+        </p:spPr>
+        <p:txBody>
+          <a:bodyPr wrap="square">
+            <a:spAutoFit/>
+          </a:bodyPr>
+          <a:lstStyle/>
+          <a:p>
+            <a:pPr marL="342900" indent="-342900" algn="just">
+              <a:lnSpc>
+                <a:spcPct val="150000"/>
+              </a:lnSpc>
+              <a:buFont typeface="Arial" panose="020B0604020202020204" pitchFamily="34" charset="0"/>
+              <a:buChar char="•"/>
+            </a:pPr>
+            <a:r>
+              <a:rPr lang="es-ES" sz="2000" i="0" dirty="0">
+                <a:solidFill>
+                  <a:schemeClr val="tx1">
+                    <a:lumMod val="95000"/>
+                    <a:lumOff val="5000"/>
+                  </a:schemeClr>
+                </a:solidFill>
+                <a:effectLst/>
+              </a:rPr>
+              <a:t>Si quiero </a:t>
+            </a:r>
+            <a:r>
+              <a:rPr lang="es-ES" sz="2000" dirty="0">
+                <a:solidFill>
+                  <a:schemeClr val="tx1">
+                    <a:lumMod val="95000"/>
+                    <a:lumOff val="5000"/>
+                  </a:schemeClr>
+                </a:solidFill>
+              </a:rPr>
+              <a:t>que una línea empiece con la </a:t>
+            </a:r>
+            <a:r>
+              <a:rPr lang="es-ES" sz="2000" i="0" dirty="0">
+                <a:solidFill>
+                  <a:schemeClr val="tx1">
+                    <a:lumMod val="95000"/>
+                    <a:lumOff val="5000"/>
+                  </a:schemeClr>
+                </a:solidFill>
+                <a:effectLst/>
+              </a:rPr>
+              <a:t>palabra “Hola”</a:t>
+            </a:r>
+            <a:endParaRPr lang="es-ES" sz="2000" b="1" dirty="0">
+              <a:solidFill>
+                <a:schemeClr val="tx1">
+                  <a:lumMod val="95000"/>
+                  <a:lumOff val="5000"/>
+                </a:schemeClr>
+              </a:solidFill>
+            </a:endParaRPr>
+          </a:p>
+        </p:txBody>
+      </p:sp>
+      <p:sp>
+        <p:nvSpPr>
+          <p:cNvPr id="7" name="CuadroTexto 6">
+            <a:extLst>
+              <a:ext uri="{FF2B5EF4-FFF2-40B4-BE49-F238E27FC236}">
+                <a16:creationId xmlns:a16="http://schemas.microsoft.com/office/drawing/2014/main" id="{0CD01309-A779-489D-9641-3C8825455B71}"/>
+              </a:ext>
+            </a:extLst>
+          </p:cNvPr>
+          <p:cNvSpPr txBox="1"/>
+          <p:nvPr/>
+        </p:nvSpPr>
+        <p:spPr>
+          <a:xfrm>
+            <a:off x="938682" y="962324"/>
+            <a:ext cx="7065349" cy="393698"/>
+          </a:xfrm>
+          <a:prstGeom prst="rect">
+            <a:avLst/>
+          </a:prstGeom>
+          <a:noFill/>
+        </p:spPr>
+        <p:txBody>
+          <a:bodyPr wrap="square">
+            <a:spAutoFit/>
+          </a:bodyPr>
+          <a:lstStyle/>
+          <a:p>
+            <a:pPr algn="ctr" fontAlgn="base">
+              <a:lnSpc>
+                <a:spcPts val="2500"/>
+              </a:lnSpc>
+              <a:spcAft>
+                <a:spcPts val="600"/>
+              </a:spcAft>
+            </a:pPr>
+            <a:r>
+              <a:rPr lang="es-ES" b="1" i="0" dirty="0">
+                <a:solidFill>
+                  <a:schemeClr val="accent6">
+                    <a:lumMod val="75000"/>
+                  </a:schemeClr>
+                </a:solidFill>
+                <a:effectLst/>
+                <a:latin typeface="inherit"/>
+              </a:rPr>
+              <a:t>( ^ ) Inicio de una cadena de caracteres</a:t>
+            </a:r>
+          </a:p>
+        </p:txBody>
+      </p:sp>
       <p:pic>
         <p:nvPicPr>
-          <p:cNvPr id="6" name="Imagen 5">
+          <p:cNvPr id="3" name="Imagen 2">
             <a:extLst>
               <a:ext uri="{FF2B5EF4-FFF2-40B4-BE49-F238E27FC236}">
-                <a16:creationId xmlns:a16="http://schemas.microsoft.com/office/drawing/2014/main" id="{2AB1F17D-47CA-45E4-8835-79FBA0AA7E46}"/>
+                <a16:creationId xmlns:a16="http://schemas.microsoft.com/office/drawing/2014/main" id="{E871119C-7F00-4F18-B5A8-B63D8C979EE9}"/>
               </a:ext>
             </a:extLst>
           </p:cNvPr>
@@ -10887,218 +11117,18 @@
         </p:blipFill>
         <p:spPr>
           <a:xfrm>
-            <a:off x="2691768" y="3610691"/>
-            <a:ext cx="3400425" cy="2762250"/>
+            <a:off x="966787" y="2294047"/>
+            <a:ext cx="7210425" cy="3676650"/>
           </a:xfrm>
           <a:prstGeom prst="rect">
             <a:avLst/>
           </a:prstGeom>
         </p:spPr>
       </p:pic>
-      <p:sp>
-        <p:nvSpPr>
-          <p:cNvPr id="9" name="CuadroTexto 8">
-            <a:extLst>
-              <a:ext uri="{FF2B5EF4-FFF2-40B4-BE49-F238E27FC236}">
-                <a16:creationId xmlns:a16="http://schemas.microsoft.com/office/drawing/2014/main" id="{E1C784F4-BDDC-4D50-B8E9-68B91761F76A}"/>
-              </a:ext>
-            </a:extLst>
-          </p:cNvPr>
-          <p:cNvSpPr txBox="1"/>
-          <p:nvPr/>
-        </p:nvSpPr>
-        <p:spPr>
-          <a:xfrm>
-            <a:off x="683568" y="1537713"/>
-            <a:ext cx="7704856" cy="1891287"/>
-          </a:xfrm>
-          <a:prstGeom prst="rect">
-            <a:avLst/>
-          </a:prstGeom>
-          <a:noFill/>
-        </p:spPr>
-        <p:txBody>
-          <a:bodyPr wrap="square">
-            <a:spAutoFit/>
-          </a:bodyPr>
-          <a:lstStyle/>
-          <a:p>
-            <a:pPr marL="342900" indent="-342900" algn="just">
-              <a:lnSpc>
-                <a:spcPct val="150000"/>
-              </a:lnSpc>
-              <a:buFont typeface="Arial" panose="020B0604020202020204" pitchFamily="34" charset="0"/>
-              <a:buChar char="•"/>
-            </a:pPr>
-            <a:r>
-              <a:rPr lang="es-ES" sz="2000" i="0" dirty="0">
-                <a:solidFill>
-                  <a:schemeClr val="tx1">
-                    <a:lumMod val="95000"/>
-                    <a:lumOff val="5000"/>
-                  </a:schemeClr>
-                </a:solidFill>
-                <a:effectLst/>
-              </a:rPr>
-              <a:t>Si quiero encontrar una diagonal.</a:t>
-            </a:r>
-          </a:p>
-          <a:p>
-            <a:pPr marL="342900" indent="-342900" algn="just">
-              <a:lnSpc>
-                <a:spcPct val="150000"/>
-              </a:lnSpc>
-              <a:buFont typeface="Arial" panose="020B0604020202020204" pitchFamily="34" charset="0"/>
-              <a:buChar char="•"/>
-            </a:pPr>
-            <a:r>
-              <a:rPr lang="es-ES" sz="2000" i="0" dirty="0">
-                <a:solidFill>
-                  <a:schemeClr val="tx1">
-                    <a:lumMod val="95000"/>
-                    <a:lumOff val="5000"/>
-                  </a:schemeClr>
-                </a:solidFill>
-                <a:effectLst/>
-              </a:rPr>
-              <a:t>Casi todos los símbolos le tenemos que poner </a:t>
-            </a:r>
-            <a:r>
-              <a:rPr lang="es-ES" sz="2000" b="1" i="0" dirty="0" err="1">
-                <a:solidFill>
-                  <a:schemeClr val="accent6">
-                    <a:lumMod val="75000"/>
-                  </a:schemeClr>
-                </a:solidFill>
-                <a:effectLst/>
-              </a:rPr>
-              <a:t>backslash</a:t>
-            </a:r>
-            <a:r>
-              <a:rPr lang="es-ES" sz="2000" i="0" dirty="0">
-                <a:solidFill>
-                  <a:schemeClr val="tx1">
-                    <a:lumMod val="95000"/>
-                    <a:lumOff val="5000"/>
-                  </a:schemeClr>
-                </a:solidFill>
-                <a:effectLst/>
-              </a:rPr>
-              <a:t> </a:t>
-            </a:r>
-            <a:r>
-              <a:rPr lang="es-ES" sz="2000" b="1" i="0" dirty="0">
-                <a:solidFill>
-                  <a:schemeClr val="accent6">
-                    <a:lumMod val="75000"/>
-                  </a:schemeClr>
-                </a:solidFill>
-                <a:effectLst/>
-              </a:rPr>
-              <a:t>\</a:t>
-            </a:r>
-            <a:r>
-              <a:rPr lang="es-ES" sz="2000" i="0" dirty="0">
-                <a:solidFill>
-                  <a:schemeClr val="tx1">
-                    <a:lumMod val="95000"/>
-                    <a:lumOff val="5000"/>
-                  </a:schemeClr>
-                </a:solidFill>
-                <a:effectLst/>
-              </a:rPr>
-              <a:t>, ya que son </a:t>
-            </a:r>
-            <a:r>
-              <a:rPr lang="es-ES" sz="2000" i="0" dirty="0" err="1">
-                <a:solidFill>
-                  <a:schemeClr val="tx1">
-                    <a:lumMod val="95000"/>
-                    <a:lumOff val="5000"/>
-                  </a:schemeClr>
-                </a:solidFill>
-                <a:effectLst/>
-              </a:rPr>
-              <a:t>metacaracteres</a:t>
-            </a:r>
-            <a:r>
-              <a:rPr lang="es-ES" sz="2000" i="0" dirty="0">
-                <a:solidFill>
-                  <a:schemeClr val="tx1">
-                    <a:lumMod val="95000"/>
-                    <a:lumOff val="5000"/>
-                  </a:schemeClr>
-                </a:solidFill>
-                <a:effectLst/>
-              </a:rPr>
-              <a:t> o símbolos especiales. Ya que los símbolos significan algo.</a:t>
-            </a:r>
-            <a:endParaRPr lang="es-ES" sz="2000" b="1" dirty="0">
-              <a:solidFill>
-                <a:schemeClr val="tx1">
-                  <a:lumMod val="95000"/>
-                  <a:lumOff val="5000"/>
-                </a:schemeClr>
-              </a:solidFill>
-            </a:endParaRPr>
-          </a:p>
-        </p:txBody>
-      </p:sp>
-      <p:sp>
-        <p:nvSpPr>
-          <p:cNvPr id="7" name="CuadroTexto 6">
-            <a:extLst>
-              <a:ext uri="{FF2B5EF4-FFF2-40B4-BE49-F238E27FC236}">
-                <a16:creationId xmlns:a16="http://schemas.microsoft.com/office/drawing/2014/main" id="{0CD01309-A779-489D-9641-3C8825455B71}"/>
-              </a:ext>
-            </a:extLst>
-          </p:cNvPr>
-          <p:cNvSpPr txBox="1"/>
-          <p:nvPr/>
-        </p:nvSpPr>
-        <p:spPr>
-          <a:xfrm>
-            <a:off x="1187625" y="962324"/>
-            <a:ext cx="6408712" cy="393698"/>
-          </a:xfrm>
-          <a:prstGeom prst="rect">
-            <a:avLst/>
-          </a:prstGeom>
-          <a:noFill/>
-        </p:spPr>
-        <p:txBody>
-          <a:bodyPr wrap="square">
-            <a:spAutoFit/>
-          </a:bodyPr>
-          <a:lstStyle/>
-          <a:p>
-            <a:pPr algn="ctr" fontAlgn="base">
-              <a:lnSpc>
-                <a:spcPts val="2500"/>
-              </a:lnSpc>
-              <a:spcAft>
-                <a:spcPts val="600"/>
-              </a:spcAft>
-            </a:pPr>
-            <a:r>
-              <a:rPr lang="es-ES" b="1" i="0" dirty="0">
-                <a:solidFill>
-                  <a:schemeClr val="accent6">
-                    <a:lumMod val="75000"/>
-                  </a:schemeClr>
-                </a:solidFill>
-                <a:effectLst/>
-                <a:latin typeface="inherit"/>
-              </a:rPr>
-              <a:t>( \ ) Cancela caracteres especiales</a:t>
-            </a:r>
-          </a:p>
-        </p:txBody>
-      </p:sp>
     </p:spTree>
     <p:extLst>
       <p:ext uri="{BB962C8B-B14F-4D97-AF65-F5344CB8AC3E}">
-        <p14:creationId xmlns:p14="http://schemas.microsoft.com/office/powerpoint/2010/main" val="3176738947"/>
+        <p14:creationId xmlns:p14="http://schemas.microsoft.com/office/powerpoint/2010/main" val="946192398"/>
       </p:ext>
     </p:extLst>
   </p:cSld>
@@ -11238,7 +11268,7 @@
                   </a:schemeClr>
                 </a:solidFill>
               </a:rPr>
-              <a:t>que una línea empiece con la </a:t>
+              <a:t>que una línea termine con </a:t>
             </a:r>
             <a:r>
               <a:rPr lang="es-ES" sz="2000" i="0" dirty="0">
@@ -11250,7 +11280,7 @@
                 </a:solidFill>
                 <a:effectLst/>
               </a:rPr>
-              <a:t>palabra “Hola”</a:t>
+              <a:t>“Mundo.”</a:t>
             </a:r>
             <a:endParaRPr lang="es-ES" sz="2000" b="1" dirty="0">
               <a:solidFill>
@@ -11309,7 +11339,7 @@
                 <a:effectLst/>
                 <a:latin typeface="inherit"/>
               </a:rPr>
-              <a:t>( ^ ) Inicio de una cadena de caracteres</a:t>
+              <a:t>( $ ) Fin de una cadena de caracteres</a:t>
             </a:r>
           </a:p>
         </p:txBody>
@@ -11319,7 +11349,7 @@
           <p:cNvPr id="3" name="Imagen 2">
             <a:extLst>
               <a:ext uri="{FF2B5EF4-FFF2-40B4-BE49-F238E27FC236}">
-                <a16:creationId xmlns:a16="http://schemas.microsoft.com/office/drawing/2014/main" id="{E871119C-7F00-4F18-B5A8-B63D8C979EE9}"/>
+                <a16:creationId xmlns:a16="http://schemas.microsoft.com/office/drawing/2014/main" id="{3B4B1865-F3E8-456D-9E52-0E91A931E820}"/>
               </a:ext>
             </a:extLst>
           </p:cNvPr>
@@ -11336,8 +11366,8 @@
         </p:blipFill>
         <p:spPr>
           <a:xfrm>
-            <a:off x="966787" y="2294047"/>
-            <a:ext cx="7210425" cy="3676650"/>
+            <a:off x="916415" y="2564904"/>
+            <a:ext cx="6800850" cy="3067050"/>
           </a:xfrm>
           <a:prstGeom prst="rect">
             <a:avLst/>
@@ -11347,7 +11377,7 @@
     </p:spTree>
     <p:extLst>
       <p:ext uri="{BB962C8B-B14F-4D97-AF65-F5344CB8AC3E}">
-        <p14:creationId xmlns:p14="http://schemas.microsoft.com/office/powerpoint/2010/main" val="946192398"/>
+        <p14:creationId xmlns:p14="http://schemas.microsoft.com/office/powerpoint/2010/main" val="1474776067"/>
       </p:ext>
     </p:extLst>
   </p:cSld>
@@ -11446,7 +11476,7 @@
         <p:spPr>
           <a:xfrm>
             <a:off x="683568" y="1537713"/>
-            <a:ext cx="7920880" cy="506292"/>
+            <a:ext cx="7920880" cy="1429622"/>
           </a:xfrm>
           <a:prstGeom prst="rect">
             <a:avLst/>
@@ -11499,16 +11529,72 @@
                 </a:solidFill>
                 <a:effectLst/>
               </a:rPr>
-              <a:t>“Mundo.”</a:t>
-            </a:r>
-            <a:endParaRPr lang="es-ES" sz="2000" b="1" dirty="0">
-              <a:solidFill>
-                <a:schemeClr val="tx1">
-                  <a:lumMod val="95000"/>
-                  <a:lumOff val="5000"/>
-                </a:schemeClr>
-              </a:solidFill>
-            </a:endParaRPr>
+              <a:t>“Mundo.” </a:t>
+            </a:r>
+          </a:p>
+          <a:p>
+            <a:pPr marL="342900" indent="-342900" algn="just">
+              <a:lnSpc>
+                <a:spcPct val="150000"/>
+              </a:lnSpc>
+              <a:buFont typeface="Arial" panose="020B0604020202020204" pitchFamily="34" charset="0"/>
+              <a:buChar char="•"/>
+            </a:pPr>
+            <a:r>
+              <a:rPr lang="es-ES" sz="2000" dirty="0">
+                <a:solidFill>
+                  <a:schemeClr val="tx1">
+                    <a:lumMod val="95000"/>
+                    <a:lumOff val="5000"/>
+                  </a:schemeClr>
+                </a:solidFill>
+              </a:rPr>
+              <a:t>Agregar </a:t>
+            </a:r>
+            <a:r>
+              <a:rPr lang="es-ES" sz="2000" dirty="0" err="1">
+                <a:solidFill>
+                  <a:schemeClr val="tx1">
+                    <a:lumMod val="95000"/>
+                    <a:lumOff val="5000"/>
+                  </a:schemeClr>
+                </a:solidFill>
+              </a:rPr>
+              <a:t>flag</a:t>
+            </a:r>
+            <a:r>
+              <a:rPr lang="es-ES" sz="2000" dirty="0">
+                <a:solidFill>
+                  <a:schemeClr val="tx1">
+                    <a:lumMod val="95000"/>
+                    <a:lumOff val="5000"/>
+                  </a:schemeClr>
+                </a:solidFill>
+              </a:rPr>
+              <a:t> </a:t>
+            </a:r>
+            <a:r>
+              <a:rPr lang="es-ES" sz="2000" b="1" dirty="0">
+                <a:solidFill>
+                  <a:schemeClr val="tx1">
+                    <a:lumMod val="95000"/>
+                    <a:lumOff val="5000"/>
+                  </a:schemeClr>
+                </a:solidFill>
+              </a:rPr>
+              <a:t>m</a:t>
+            </a:r>
+            <a:r>
+              <a:rPr lang="es-ES" sz="2000" dirty="0">
+                <a:solidFill>
+                  <a:schemeClr val="tx1">
+                    <a:lumMod val="95000"/>
+                    <a:lumOff val="5000"/>
+                  </a:schemeClr>
+                </a:solidFill>
+              </a:rPr>
+              <a:t> para tomar texto multilínea. Que lea cada línea por separado.</a:t>
+            </a:r>
           </a:p>
         </p:txBody>
       </p:sp>
@@ -11558,17 +11644,17 @@
                 <a:effectLst/>
                 <a:latin typeface="inherit"/>
               </a:rPr>
-              <a:t>( $ ) Fin de una cadena de caracteres</a:t>
+              <a:t>( $ ) Fin de cadena de caracteres</a:t>
             </a:r>
           </a:p>
         </p:txBody>
       </p:sp>
       <p:pic>
         <p:nvPicPr>
-          <p:cNvPr id="3" name="Imagen 2">
+          <p:cNvPr id="8" name="Imagen 7">
             <a:extLst>
               <a:ext uri="{FF2B5EF4-FFF2-40B4-BE49-F238E27FC236}">
-                <a16:creationId xmlns:a16="http://schemas.microsoft.com/office/drawing/2014/main" id="{3B4B1865-F3E8-456D-9E52-0E91A931E820}"/>
+                <a16:creationId xmlns:a16="http://schemas.microsoft.com/office/drawing/2014/main" id="{58F906D6-ACE3-4DD9-BB99-D80454EBFEEA}"/>
               </a:ext>
             </a:extLst>
           </p:cNvPr>
@@ -11585,8 +11671,8 @@
         </p:blipFill>
         <p:spPr>
           <a:xfrm>
-            <a:off x="916415" y="2564904"/>
-            <a:ext cx="6800850" cy="3067050"/>
+            <a:off x="1119758" y="3340909"/>
+            <a:ext cx="7048500" cy="2847975"/>
           </a:xfrm>
           <a:prstGeom prst="rect">
             <a:avLst/>
@@ -11596,7 +11682,7 @@
     </p:spTree>
     <p:extLst>
       <p:ext uri="{BB962C8B-B14F-4D97-AF65-F5344CB8AC3E}">
-        <p14:creationId xmlns:p14="http://schemas.microsoft.com/office/powerpoint/2010/main" val="1474776067"/>
+        <p14:creationId xmlns:p14="http://schemas.microsoft.com/office/powerpoint/2010/main" val="2849105023"/>
       </p:ext>
     </p:extLst>
   </p:cSld>
@@ -11649,7 +11735,7 @@
               <a:defRPr/>
             </a:pPr>
             <a:r>
-              <a:rPr lang="es-MX" b="1" dirty="0" err="1">
+              <a:rPr lang="es-MX" b="1" dirty="0">
                 <a:solidFill>
                   <a:schemeClr val="accent4">
                     <a:lumMod val="50000"/>
@@ -11662,30 +11748,17 @@
                 </a:effectLst>
                 <a:latin typeface="Dom Casual" charset="0"/>
               </a:rPr>
-              <a:t>Metacaracteres</a:t>
-            </a:r>
-            <a:endParaRPr lang="es-MX" b="1" dirty="0">
-              <a:solidFill>
-                <a:schemeClr val="accent4">
-                  <a:lumMod val="50000"/>
-                </a:schemeClr>
-              </a:solidFill>
-              <a:effectLst>
-                <a:outerShdw blurRad="38100" dist="38100" dir="2700000" algn="tl">
-                  <a:srgbClr val="C0C0C0"/>
-                </a:outerShdw>
-              </a:effectLst>
-              <a:latin typeface="Dom Casual" charset="0"/>
-            </a:endParaRPr>
-          </a:p>
-        </p:txBody>
-      </p:sp>
-      <p:sp>
-        <p:nvSpPr>
-          <p:cNvPr id="9" name="CuadroTexto 8">
+              <a:t>Expresión regular</a:t>
+            </a:r>
+          </a:p>
+        </p:txBody>
+      </p:sp>
+      <p:sp>
+        <p:nvSpPr>
+          <p:cNvPr id="5" name="CuadroTexto 4">
             <a:extLst>
               <a:ext uri="{FF2B5EF4-FFF2-40B4-BE49-F238E27FC236}">
-                <a16:creationId xmlns:a16="http://schemas.microsoft.com/office/drawing/2014/main" id="{E1C784F4-BDDC-4D50-B8E9-68B91761F76A}"/>
+                <a16:creationId xmlns:a16="http://schemas.microsoft.com/office/drawing/2014/main" id="{FC189524-E564-48DD-B173-E7D162EDC50C}"/>
               </a:ext>
             </a:extLst>
           </p:cNvPr>
@@ -11694,8 +11767,8 @@
         </p:nvSpPr>
         <p:spPr>
           <a:xfrm>
-            <a:off x="683568" y="1537713"/>
-            <a:ext cx="7920880" cy="1429622"/>
+            <a:off x="640723" y="1052736"/>
+            <a:ext cx="7920880" cy="506292"/>
           </a:xfrm>
           <a:prstGeom prst="rect">
             <a:avLst/>
@@ -11708,15 +11781,13 @@
           </a:bodyPr>
           <a:lstStyle/>
           <a:p>
-            <a:pPr marL="342900" indent="-342900" algn="just">
+            <a:pPr algn="just">
               <a:lnSpc>
                 <a:spcPct val="150000"/>
               </a:lnSpc>
-              <a:buFont typeface="Arial" panose="020B0604020202020204" pitchFamily="34" charset="0"/>
-              <a:buChar char="•"/>
             </a:pPr>
             <a:r>
-              <a:rPr lang="es-ES" sz="2000" i="0" dirty="0">
+              <a:rPr lang="es-ES" sz="2000" b="1" i="0" dirty="0">
                 <a:solidFill>
                   <a:schemeClr val="tx1">
                     <a:lumMod val="95000"/>
@@ -11725,104 +11796,48 @@
                 </a:solidFill>
                 <a:effectLst/>
               </a:rPr>
-              <a:t>Si quiero </a:t>
-            </a:r>
-            <a:r>
-              <a:rPr lang="es-ES" sz="2000" dirty="0">
+              <a:t>Ejemplo: </a:t>
+            </a:r>
+            <a:r>
+              <a:rPr lang="es-ES" sz="2000" b="1" i="0" dirty="0">
+                <a:solidFill>
+                  <a:schemeClr val="accent6">
+                    <a:lumMod val="75000"/>
+                  </a:schemeClr>
+                </a:solidFill>
+                <a:effectLst/>
+              </a:rPr>
+              <a:t>Extraer todos los números telefónicos</a:t>
+            </a:r>
+            <a:r>
+              <a:rPr lang="es-ES" sz="2000" i="0" dirty="0">
                 <a:solidFill>
                   <a:schemeClr val="tx1">
                     <a:lumMod val="95000"/>
                     <a:lumOff val="5000"/>
                   </a:schemeClr>
                 </a:solidFill>
-              </a:rPr>
-              <a:t>que una línea termine con </a:t>
-            </a:r>
-            <a:r>
-              <a:rPr lang="es-ES" sz="2000" i="0" dirty="0">
-                <a:solidFill>
-                  <a:schemeClr val="tx1">
-                    <a:lumMod val="95000"/>
-                    <a:lumOff val="5000"/>
-                  </a:schemeClr>
-                </a:solidFill>
                 <a:effectLst/>
               </a:rPr>
-              <a:t>“Mundo.” </a:t>
-            </a:r>
-          </a:p>
-          <a:p>
-            <a:pPr marL="342900" indent="-342900" algn="just">
-              <a:lnSpc>
-                <a:spcPct val="150000"/>
-              </a:lnSpc>
-              <a:buFont typeface="Arial" panose="020B0604020202020204" pitchFamily="34" charset="0"/>
-              <a:buChar char="•"/>
-            </a:pPr>
-            <a:r>
-              <a:rPr lang="es-ES" sz="2000" dirty="0">
-                <a:solidFill>
-                  <a:schemeClr val="tx1">
-                    <a:lumMod val="95000"/>
-                    <a:lumOff val="5000"/>
-                  </a:schemeClr>
-                </a:solidFill>
-              </a:rPr>
-              <a:t>Agregar </a:t>
-            </a:r>
-            <a:r>
-              <a:rPr lang="es-ES" sz="2000" dirty="0" err="1">
-                <a:solidFill>
-                  <a:schemeClr val="tx1">
-                    <a:lumMod val="95000"/>
-                    <a:lumOff val="5000"/>
-                  </a:schemeClr>
-                </a:solidFill>
-              </a:rPr>
-              <a:t>flag</a:t>
-            </a:r>
-            <a:r>
-              <a:rPr lang="es-ES" sz="2000" dirty="0">
-                <a:solidFill>
-                  <a:schemeClr val="tx1">
-                    <a:lumMod val="95000"/>
-                    <a:lumOff val="5000"/>
-                  </a:schemeClr>
-                </a:solidFill>
-              </a:rPr>
-              <a:t> </a:t>
-            </a:r>
-            <a:r>
-              <a:rPr lang="es-ES" sz="2000" b="1" dirty="0">
-                <a:solidFill>
-                  <a:schemeClr val="tx1">
-                    <a:lumMod val="95000"/>
-                    <a:lumOff val="5000"/>
-                  </a:schemeClr>
-                </a:solidFill>
-              </a:rPr>
-              <a:t>m</a:t>
-            </a:r>
-            <a:r>
-              <a:rPr lang="es-ES" sz="2000" dirty="0">
-                <a:solidFill>
-                  <a:schemeClr val="tx1">
-                    <a:lumMod val="95000"/>
-                    <a:lumOff val="5000"/>
-                  </a:schemeClr>
-                </a:solidFill>
-              </a:rPr>
-              <a:t> para tomar texto multilínea. Que lea cada línea por separado.</a:t>
-            </a:r>
-          </a:p>
-        </p:txBody>
-      </p:sp>
-      <p:sp>
-        <p:nvSpPr>
-          <p:cNvPr id="7" name="CuadroTexto 6">
+              <a:t>.</a:t>
+            </a:r>
+            <a:endParaRPr lang="es-ES" sz="2000" b="1" dirty="0">
+              <a:solidFill>
+                <a:schemeClr val="tx1">
+                  <a:lumMod val="95000"/>
+                  <a:lumOff val="5000"/>
+                </a:schemeClr>
+              </a:solidFill>
+            </a:endParaRPr>
+          </a:p>
+        </p:txBody>
+      </p:sp>
+      <p:sp>
+        <p:nvSpPr>
+          <p:cNvPr id="6" name="CuadroTexto 5">
             <a:extLst>
               <a:ext uri="{FF2B5EF4-FFF2-40B4-BE49-F238E27FC236}">
-                <a16:creationId xmlns:a16="http://schemas.microsoft.com/office/drawing/2014/main" id="{0CD01309-A779-489D-9641-3C8825455B71}"/>
+                <a16:creationId xmlns:a16="http://schemas.microsoft.com/office/drawing/2014/main" id="{7B04CF3A-CFE2-489B-A399-BF52B6C4C715}"/>
               </a:ext>
             </a:extLst>
           </p:cNvPr>
@@ -11831,8 +11846,8 @@
         </p:nvSpPr>
         <p:spPr>
           <a:xfrm>
-            <a:off x="938682" y="962324"/>
-            <a:ext cx="7065349" cy="393698"/>
+            <a:off x="611560" y="1559028"/>
+            <a:ext cx="7920880" cy="1429622"/>
           </a:xfrm>
           <a:prstGeom prst="rect">
             <a:avLst/>
@@ -11845,35 +11860,40 @@
           </a:bodyPr>
           <a:lstStyle/>
           <a:p>
-            <a:pPr algn="ctr" fontAlgn="base">
+            <a:pPr algn="just">
               <a:lnSpc>
-                <a:spcPts val="2500"/>
+                <a:spcPct val="150000"/>
               </a:lnSpc>
-              <a:spcAft>
-                <a:spcPts val="600"/>
-              </a:spcAft>
             </a:pPr>
             <a:r>
-              <a:rPr lang="es-ES" b="1" i="0" dirty="0">
-                <a:solidFill>
-                  <a:schemeClr val="accent6">
-                    <a:lumMod val="75000"/>
+              <a:rPr lang="es-ES" sz="2000" i="0" dirty="0">
+                <a:solidFill>
+                  <a:schemeClr val="tx1">
+                    <a:lumMod val="95000"/>
+                    <a:lumOff val="5000"/>
                   </a:schemeClr>
                 </a:solidFill>
                 <a:effectLst/>
-                <a:latin typeface="inherit"/>
-              </a:rPr>
-              <a:t>( $ ) Fin de cadena de caracteres</a:t>
-            </a:r>
+              </a:rPr>
+              <a:t>Primero tres dígitos juntos, luego espacio o guion, otros  tres dígitos, espacio o guion, luego dos y dos.  El punto involucra cualquier carácter excepto salto de línea. \d\d\d.\d\d\d.\d\d.\d\d</a:t>
+            </a:r>
+            <a:endParaRPr lang="es-ES" sz="2000" b="1" dirty="0">
+              <a:solidFill>
+                <a:schemeClr val="tx1">
+                  <a:lumMod val="95000"/>
+                  <a:lumOff val="5000"/>
+                </a:schemeClr>
+              </a:solidFill>
+            </a:endParaRPr>
           </a:p>
         </p:txBody>
       </p:sp>
       <p:pic>
         <p:nvPicPr>
-          <p:cNvPr id="8" name="Imagen 7">
+          <p:cNvPr id="3" name="Imagen 2">
             <a:extLst>
               <a:ext uri="{FF2B5EF4-FFF2-40B4-BE49-F238E27FC236}">
-                <a16:creationId xmlns:a16="http://schemas.microsoft.com/office/drawing/2014/main" id="{58F906D6-ACE3-4DD9-BB99-D80454EBFEEA}"/>
+                <a16:creationId xmlns:a16="http://schemas.microsoft.com/office/drawing/2014/main" id="{EA75F2CF-5420-415C-8BD4-AE82F3D5FC26}"/>
               </a:ext>
             </a:extLst>
           </p:cNvPr>
@@ -11890,8 +11910,8 @@
         </p:blipFill>
         <p:spPr>
           <a:xfrm>
-            <a:off x="1119758" y="3340909"/>
-            <a:ext cx="7048500" cy="2847975"/>
+            <a:off x="2613982" y="3082970"/>
+            <a:ext cx="3714750" cy="3609975"/>
           </a:xfrm>
           <a:prstGeom prst="rect">
             <a:avLst/>
@@ -11901,7 +11921,7 @@
     </p:spTree>
     <p:extLst>
       <p:ext uri="{BB962C8B-B14F-4D97-AF65-F5344CB8AC3E}">
-        <p14:creationId xmlns:p14="http://schemas.microsoft.com/office/powerpoint/2010/main" val="2849105023"/>
+        <p14:creationId xmlns:p14="http://schemas.microsoft.com/office/powerpoint/2010/main" val="2265507875"/>
       </p:ext>
     </p:extLst>
   </p:cSld>
@@ -11940,8 +11960,8 @@
         </p:nvSpPr>
         <p:spPr>
           <a:xfrm>
-            <a:off x="289721" y="4056"/>
-            <a:ext cx="8363272" cy="1143000"/>
+            <a:off x="107504" y="116632"/>
+            <a:ext cx="8579296" cy="1143000"/>
           </a:xfrm>
         </p:spPr>
         <p:txBody>
@@ -11967,17 +11987,17 @@
                 </a:effectLst>
                 <a:latin typeface="Dom Casual" charset="0"/>
               </a:rPr>
-              <a:t>Expresión regular</a:t>
-            </a:r>
-          </a:p>
-        </p:txBody>
-      </p:sp>
-      <p:sp>
-        <p:nvSpPr>
-          <p:cNvPr id="5" name="CuadroTexto 4">
+              <a:t>Cuantificadores</a:t>
+            </a:r>
+          </a:p>
+        </p:txBody>
+      </p:sp>
+      <p:sp>
+        <p:nvSpPr>
+          <p:cNvPr id="6" name="CuadroTexto 5">
             <a:extLst>
               <a:ext uri="{FF2B5EF4-FFF2-40B4-BE49-F238E27FC236}">
-                <a16:creationId xmlns:a16="http://schemas.microsoft.com/office/drawing/2014/main" id="{FC189524-E564-48DD-B173-E7D162EDC50C}"/>
+                <a16:creationId xmlns:a16="http://schemas.microsoft.com/office/drawing/2014/main" id="{BB4379E8-C33A-4609-A614-210A31DF0E31}"/>
               </a:ext>
             </a:extLst>
           </p:cNvPr>
@@ -11986,8 +12006,8 @@
         </p:nvSpPr>
         <p:spPr>
           <a:xfrm>
-            <a:off x="640723" y="1052736"/>
-            <a:ext cx="7920880" cy="506292"/>
+            <a:off x="1187624" y="1340768"/>
+            <a:ext cx="6984776" cy="3737946"/>
           </a:xfrm>
           <a:prstGeom prst="rect">
             <a:avLst/>
@@ -12006,78 +12026,10 @@
               </a:lnSpc>
             </a:pPr>
             <a:r>
-              <a:rPr lang="es-ES" sz="2000" b="1" i="0" dirty="0">
-                <a:solidFill>
-                  <a:schemeClr val="tx1">
-                    <a:lumMod val="95000"/>
-                    <a:lumOff val="5000"/>
-                  </a:schemeClr>
-                </a:solidFill>
-                <a:effectLst/>
-              </a:rPr>
-              <a:t>Ejemplo: </a:t>
-            </a:r>
-            <a:r>
-              <a:rPr lang="es-ES" sz="2000" b="1" i="0" dirty="0">
-                <a:solidFill>
-                  <a:schemeClr val="accent6">
-                    <a:lumMod val="75000"/>
-                  </a:schemeClr>
-                </a:solidFill>
-                <a:effectLst/>
-              </a:rPr>
-              <a:t>Extraer todos los números telefónicos</a:t>
-            </a:r>
-            <a:r>
-              <a:rPr lang="es-ES" sz="2000" i="0" dirty="0">
-                <a:solidFill>
-                  <a:schemeClr val="tx1">
-                    <a:lumMod val="95000"/>
-                    <a:lumOff val="5000"/>
-                  </a:schemeClr>
-                </a:solidFill>
-                <a:effectLst/>
-              </a:rPr>
-              <a:t>.</a:t>
-            </a:r>
-            <a:endParaRPr lang="es-ES" sz="2000" b="1" dirty="0">
-              <a:solidFill>
-                <a:schemeClr val="tx1">
-                  <a:lumMod val="95000"/>
-                  <a:lumOff val="5000"/>
-                </a:schemeClr>
-              </a:solidFill>
-            </a:endParaRPr>
-          </a:p>
-        </p:txBody>
-      </p:sp>
-      <p:sp>
-        <p:nvSpPr>
-          <p:cNvPr id="6" name="CuadroTexto 5">
-            <a:extLst>
-              <a:ext uri="{FF2B5EF4-FFF2-40B4-BE49-F238E27FC236}">
-                <a16:creationId xmlns:a16="http://schemas.microsoft.com/office/drawing/2014/main" id="{7B04CF3A-CFE2-489B-A399-BF52B6C4C715}"/>
-              </a:ext>
-            </a:extLst>
-          </p:cNvPr>
-          <p:cNvSpPr txBox="1"/>
-          <p:nvPr/>
-        </p:nvSpPr>
-        <p:spPr>
-          <a:xfrm>
-            <a:off x="611560" y="1559028"/>
-            <a:ext cx="7920880" cy="1429622"/>
-          </a:xfrm>
-          <a:prstGeom prst="rect">
-            <a:avLst/>
-          </a:prstGeom>
-          <a:noFill/>
-        </p:spPr>
-        <p:txBody>
-          <a:bodyPr wrap="square">
-            <a:spAutoFit/>
-          </a:bodyPr>
-          <a:lstStyle/>
+              <a:rPr lang="es-MX" sz="2000" dirty="0"/>
+              <a:t>Estos símbolos representan cuantas veces se repiten los caracteres</a:t>
+            </a:r>
+          </a:p>
           <a:p>
             <a:pPr algn="just">
               <a:lnSpc>
@@ -12085,62 +12037,72 @@
               </a:lnSpc>
             </a:pPr>
             <a:r>
-              <a:rPr lang="es-ES" sz="2000" i="0" dirty="0">
-                <a:solidFill>
-                  <a:schemeClr val="tx1">
-                    <a:lumMod val="95000"/>
-                    <a:lumOff val="5000"/>
-                  </a:schemeClr>
-                </a:solidFill>
-                <a:effectLst/>
-              </a:rPr>
-              <a:t>Primero tres dígitos juntos, luego espacio o guion, otros  tres dígitos, espacio o guion, luego dos y dos.  El punto involucra cualquier carácter excepto salto de línea. \d\d\d.\d\d\d.\d\d.\d\d</a:t>
-            </a:r>
-            <a:endParaRPr lang="es-ES" sz="2000" b="1" dirty="0">
-              <a:solidFill>
-                <a:schemeClr val="tx1">
-                  <a:lumMod val="95000"/>
-                  <a:lumOff val="5000"/>
-                </a:schemeClr>
-              </a:solidFill>
-            </a:endParaRPr>
-          </a:p>
-        </p:txBody>
-      </p:sp>
-      <p:pic>
-        <p:nvPicPr>
-          <p:cNvPr id="3" name="Imagen 2">
-            <a:extLst>
-              <a:ext uri="{FF2B5EF4-FFF2-40B4-BE49-F238E27FC236}">
-                <a16:creationId xmlns:a16="http://schemas.microsoft.com/office/drawing/2014/main" id="{EA75F2CF-5420-415C-8BD4-AE82F3D5FC26}"/>
-              </a:ext>
-            </a:extLst>
-          </p:cNvPr>
-          <p:cNvPicPr>
-            <a:picLocks noChangeAspect="1"/>
-          </p:cNvPicPr>
-          <p:nvPr/>
-        </p:nvPicPr>
-        <p:blipFill>
-          <a:blip r:embed="rId3"/>
-          <a:stretch>
-            <a:fillRect/>
-          </a:stretch>
-        </p:blipFill>
-        <p:spPr>
-          <a:xfrm>
-            <a:off x="2613982" y="3082970"/>
-            <a:ext cx="3714750" cy="3609975"/>
-          </a:xfrm>
-          <a:prstGeom prst="rect">
-            <a:avLst/>
-          </a:prstGeom>
-        </p:spPr>
-      </p:pic>
+              <a:rPr lang="es-MX" sz="2000" b="1" dirty="0"/>
+              <a:t>*       	0 o más</a:t>
+            </a:r>
+          </a:p>
+          <a:p>
+            <a:pPr algn="just">
+              <a:lnSpc>
+                <a:spcPct val="150000"/>
+              </a:lnSpc>
+            </a:pPr>
+            <a:r>
+              <a:rPr lang="es-MX" sz="2000" b="1" dirty="0"/>
+              <a:t>+       	1 o más</a:t>
+            </a:r>
+          </a:p>
+          <a:p>
+            <a:pPr algn="just">
+              <a:lnSpc>
+                <a:spcPct val="150000"/>
+              </a:lnSpc>
+            </a:pPr>
+            <a:r>
+              <a:rPr lang="es-MX" sz="2000" b="1" dirty="0"/>
+              <a:t>?       	0 o 1</a:t>
+            </a:r>
+          </a:p>
+          <a:p>
+            <a:pPr algn="just">
+              <a:lnSpc>
+                <a:spcPct val="150000"/>
+              </a:lnSpc>
+            </a:pPr>
+            <a:r>
+              <a:rPr lang="es-MX" sz="2000" b="1" dirty="0"/>
+              <a:t>{3}    	Numero exacto</a:t>
+            </a:r>
+          </a:p>
+          <a:p>
+            <a:pPr algn="just">
+              <a:lnSpc>
+                <a:spcPct val="150000"/>
+              </a:lnSpc>
+            </a:pPr>
+            <a:r>
+              <a:rPr lang="es-MX" sz="2000" b="1" dirty="0"/>
+              <a:t>{n,}   	Numero n+</a:t>
+            </a:r>
+          </a:p>
+          <a:p>
+            <a:pPr algn="just">
+              <a:lnSpc>
+                <a:spcPct val="150000"/>
+              </a:lnSpc>
+            </a:pPr>
+            <a:r>
+              <a:rPr lang="es-MX" sz="2000" b="1" dirty="0"/>
+              <a:t>{3,4}	Rango de números (Mínimo, Máximo)</a:t>
+            </a:r>
+            <a:endParaRPr lang="es-MX" sz="2000" dirty="0"/>
+          </a:p>
+        </p:txBody>
+      </p:sp>
     </p:spTree>
     <p:extLst>
       <p:ext uri="{BB962C8B-B14F-4D97-AF65-F5344CB8AC3E}">
-        <p14:creationId xmlns:p14="http://schemas.microsoft.com/office/powerpoint/2010/main" val="2265507875"/>
+        <p14:creationId xmlns:p14="http://schemas.microsoft.com/office/powerpoint/2010/main" val="1348202839"/>
       </p:ext>
     </p:extLst>
   </p:cSld>
@@ -12225,8 +12187,8 @@
         </p:nvSpPr>
         <p:spPr>
           <a:xfrm>
-            <a:off x="1187624" y="1340768"/>
-            <a:ext cx="6984776" cy="3737946"/>
+            <a:off x="1034670" y="1795522"/>
+            <a:ext cx="6984776" cy="506292"/>
           </a:xfrm>
           <a:prstGeom prst="rect">
             <a:avLst/>
@@ -12246,82 +12208,96 @@
             </a:pPr>
             <a:r>
               <a:rPr lang="es-MX" sz="2000" dirty="0"/>
-              <a:t>Estos símbolos representan cuantas veces se repiten los caracteres</a:t>
-            </a:r>
-          </a:p>
-          <a:p>
-            <a:pPr algn="just">
+              <a:t>La admiración se repita 0 o más veces</a:t>
+            </a:r>
+          </a:p>
+        </p:txBody>
+      </p:sp>
+      <p:sp>
+        <p:nvSpPr>
+          <p:cNvPr id="4" name="CuadroTexto 3">
+            <a:extLst>
+              <a:ext uri="{FF2B5EF4-FFF2-40B4-BE49-F238E27FC236}">
+                <a16:creationId xmlns:a16="http://schemas.microsoft.com/office/drawing/2014/main" id="{94C4D9E8-05C2-4AFD-88C6-5A82FF00A2FB}"/>
+              </a:ext>
+            </a:extLst>
+          </p:cNvPr>
+          <p:cNvSpPr txBox="1"/>
+          <p:nvPr/>
+        </p:nvSpPr>
+        <p:spPr>
+          <a:xfrm>
+            <a:off x="683568" y="1016132"/>
+            <a:ext cx="7017694" cy="393698"/>
+          </a:xfrm>
+          <a:prstGeom prst="rect">
+            <a:avLst/>
+          </a:prstGeom>
+          <a:noFill/>
+        </p:spPr>
+        <p:txBody>
+          <a:bodyPr wrap="square">
+            <a:spAutoFit/>
+          </a:bodyPr>
+          <a:lstStyle/>
+          <a:p>
+            <a:pPr algn="ctr" fontAlgn="base">
               <a:lnSpc>
-                <a:spcPct val="150000"/>
+                <a:spcPts val="2500"/>
               </a:lnSpc>
+              <a:spcAft>
+                <a:spcPts val="600"/>
+              </a:spcAft>
             </a:pPr>
             <a:r>
-              <a:rPr lang="es-MX" sz="2000" b="1" dirty="0"/>
-              <a:t>*       	0 o más</a:t>
-            </a:r>
-          </a:p>
-          <a:p>
-            <a:pPr algn="just">
-              <a:lnSpc>
-                <a:spcPct val="150000"/>
-              </a:lnSpc>
-            </a:pPr>
-            <a:r>
-              <a:rPr lang="es-MX" sz="2000" b="1" dirty="0"/>
-              <a:t>+       	1 o más</a:t>
-            </a:r>
-          </a:p>
-          <a:p>
-            <a:pPr algn="just">
-              <a:lnSpc>
-                <a:spcPct val="150000"/>
-              </a:lnSpc>
-            </a:pPr>
-            <a:r>
-              <a:rPr lang="es-MX" sz="2000" b="1" dirty="0"/>
-              <a:t>?       	0 o 1</a:t>
-            </a:r>
-          </a:p>
-          <a:p>
-            <a:pPr algn="just">
-              <a:lnSpc>
-                <a:spcPct val="150000"/>
-              </a:lnSpc>
-            </a:pPr>
-            <a:r>
-              <a:rPr lang="es-MX" sz="2000" b="1" dirty="0"/>
-              <a:t>{3}    	Numero exacto</a:t>
-            </a:r>
-          </a:p>
-          <a:p>
-            <a:pPr algn="just">
-              <a:lnSpc>
-                <a:spcPct val="150000"/>
-              </a:lnSpc>
-            </a:pPr>
-            <a:r>
-              <a:rPr lang="es-MX" sz="2000" b="1" dirty="0"/>
-              <a:t>{n,}   	Numero n+</a:t>
-            </a:r>
-          </a:p>
-          <a:p>
-            <a:pPr algn="just">
-              <a:lnSpc>
-                <a:spcPct val="150000"/>
-              </a:lnSpc>
-            </a:pPr>
-            <a:r>
-              <a:rPr lang="es-MX" sz="2000" b="1" dirty="0"/>
-              <a:t>{3,4}	Rango de números (Mínimo, Máximo)</a:t>
-            </a:r>
-            <a:endParaRPr lang="es-MX" sz="2000" dirty="0"/>
-          </a:p>
-        </p:txBody>
-      </p:sp>
+              <a:rPr lang="es-ES" b="1" i="0" dirty="0">
+                <a:solidFill>
+                  <a:schemeClr val="accent6">
+                    <a:lumMod val="75000"/>
+                  </a:schemeClr>
+                </a:solidFill>
+                <a:effectLst/>
+                <a:latin typeface="inherit"/>
+              </a:rPr>
+              <a:t>( * ) Cero o más veces</a:t>
+            </a:r>
+          </a:p>
+        </p:txBody>
+      </p:sp>
+      <p:pic>
+        <p:nvPicPr>
+          <p:cNvPr id="3" name="Imagen 2">
+            <a:extLst>
+              <a:ext uri="{FF2B5EF4-FFF2-40B4-BE49-F238E27FC236}">
+                <a16:creationId xmlns:a16="http://schemas.microsoft.com/office/drawing/2014/main" id="{460CC9FD-A783-46ED-B58D-2503D9F875E0}"/>
+              </a:ext>
+            </a:extLst>
+          </p:cNvPr>
+          <p:cNvPicPr>
+            <a:picLocks noChangeAspect="1"/>
+          </p:cNvPicPr>
+          <p:nvPr/>
+        </p:nvPicPr>
+        <p:blipFill>
+          <a:blip r:embed="rId3"/>
+          <a:stretch>
+            <a:fillRect/>
+          </a:stretch>
+        </p:blipFill>
+        <p:spPr>
+          <a:xfrm>
+            <a:off x="998045" y="2680429"/>
+            <a:ext cx="7058025" cy="2809875"/>
+          </a:xfrm>
+          <a:prstGeom prst="rect">
+            <a:avLst/>
+          </a:prstGeom>
+        </p:spPr>
+      </p:pic>
     </p:spTree>
     <p:extLst>
       <p:ext uri="{BB962C8B-B14F-4D97-AF65-F5344CB8AC3E}">
-        <p14:creationId xmlns:p14="http://schemas.microsoft.com/office/powerpoint/2010/main" val="1348202839"/>
+        <p14:creationId xmlns:p14="http://schemas.microsoft.com/office/powerpoint/2010/main" val="3733358554"/>
       </p:ext>
     </p:extLst>
   </p:cSld>
@@ -12406,7 +12382,7 @@
         </p:nvSpPr>
         <p:spPr>
           <a:xfrm>
-            <a:off x="1034670" y="1795522"/>
+            <a:off x="1187624" y="1560027"/>
             <a:ext cx="6984776" cy="506292"/>
           </a:xfrm>
           <a:prstGeom prst="rect">
@@ -12427,7 +12403,7 @@
             </a:pPr>
             <a:r>
               <a:rPr lang="es-MX" sz="2000" dirty="0"/>
-              <a:t>La admiración se repita 0 o más veces</a:t>
+              <a:t>La admiración se repita 1 o más veces</a:t>
             </a:r>
           </a:p>
         </p:txBody>
@@ -12446,7 +12422,7 @@
         </p:nvSpPr>
         <p:spPr>
           <a:xfrm>
-            <a:off x="683568" y="1016132"/>
+            <a:off x="938683" y="962324"/>
             <a:ext cx="7017694" cy="393698"/>
           </a:xfrm>
           <a:prstGeom prst="rect">
@@ -12478,17 +12454,17 @@
                 <a:effectLst/>
                 <a:latin typeface="inherit"/>
               </a:rPr>
-              <a:t>( * ) Cero o más veces</a:t>
+              <a:t>( + ) Una o más veces</a:t>
             </a:r>
           </a:p>
         </p:txBody>
       </p:sp>
       <p:pic>
         <p:nvPicPr>
-          <p:cNvPr id="3" name="Imagen 2">
+          <p:cNvPr id="10" name="Imagen 9">
             <a:extLst>
               <a:ext uri="{FF2B5EF4-FFF2-40B4-BE49-F238E27FC236}">
-                <a16:creationId xmlns:a16="http://schemas.microsoft.com/office/drawing/2014/main" id="{460CC9FD-A783-46ED-B58D-2503D9F875E0}"/>
+                <a16:creationId xmlns:a16="http://schemas.microsoft.com/office/drawing/2014/main" id="{C4B0524A-DD8A-4B87-9B8F-4EC23FD8851E}"/>
               </a:ext>
             </a:extLst>
           </p:cNvPr>
@@ -12505,8 +12481,8 @@
         </p:blipFill>
         <p:spPr>
           <a:xfrm>
-            <a:off x="998045" y="2680429"/>
-            <a:ext cx="7058025" cy="2809875"/>
+            <a:off x="1191506" y="2366714"/>
+            <a:ext cx="7010400" cy="2752725"/>
           </a:xfrm>
           <a:prstGeom prst="rect">
             <a:avLst/>
@@ -12516,7 +12492,7 @@
     </p:spTree>
     <p:extLst>
       <p:ext uri="{BB962C8B-B14F-4D97-AF65-F5344CB8AC3E}">
-        <p14:creationId xmlns:p14="http://schemas.microsoft.com/office/powerpoint/2010/main" val="3733358554"/>
+        <p14:creationId xmlns:p14="http://schemas.microsoft.com/office/powerpoint/2010/main" val="1035435158"/>
       </p:ext>
     </p:extLst>
   </p:cSld>
@@ -12622,7 +12598,7 @@
             </a:pPr>
             <a:r>
               <a:rPr lang="es-MX" sz="2000" dirty="0"/>
-              <a:t>La admiración se repita 1 o más veces</a:t>
+              <a:t>La admiración se repita 0 o 1 vez</a:t>
             </a:r>
           </a:p>
         </p:txBody>
@@ -12673,17 +12649,40 @@
                 <a:effectLst/>
                 <a:latin typeface="inherit"/>
               </a:rPr>
-              <a:t>( + ) Una o más veces</a:t>
+              <a:t>( ? ) </a:t>
+            </a:r>
+            <a:r>
+              <a:rPr lang="es-ES" b="1" dirty="0">
+                <a:solidFill>
+                  <a:schemeClr val="accent6">
+                    <a:lumMod val="75000"/>
+                  </a:schemeClr>
+                </a:solidFill>
+                <a:latin typeface="inherit"/>
+              </a:rPr>
+              <a:t>0 o 1</a:t>
+            </a:r>
+            <a:r>
+              <a:rPr lang="es-ES" b="1" i="0" dirty="0">
+                <a:solidFill>
+                  <a:schemeClr val="accent6">
+                    <a:lumMod val="75000"/>
+                  </a:schemeClr>
+                </a:solidFill>
+                <a:effectLst/>
+                <a:latin typeface="inherit"/>
+              </a:rPr>
+              <a:t> vez</a:t>
             </a:r>
           </a:p>
         </p:txBody>
       </p:sp>
       <p:pic>
         <p:nvPicPr>
-          <p:cNvPr id="10" name="Imagen 9">
+          <p:cNvPr id="3" name="Imagen 2">
             <a:extLst>
               <a:ext uri="{FF2B5EF4-FFF2-40B4-BE49-F238E27FC236}">
-                <a16:creationId xmlns:a16="http://schemas.microsoft.com/office/drawing/2014/main" id="{C4B0524A-DD8A-4B87-9B8F-4EC23FD8851E}"/>
+                <a16:creationId xmlns:a16="http://schemas.microsoft.com/office/drawing/2014/main" id="{AC8C3B9E-C7D4-436E-99E4-D5845B9C95F6}"/>
               </a:ext>
             </a:extLst>
           </p:cNvPr>
@@ -12700,8 +12699,8 @@
         </p:blipFill>
         <p:spPr>
           <a:xfrm>
-            <a:off x="1191506" y="2366714"/>
-            <a:ext cx="7010400" cy="2752725"/>
+            <a:off x="1187624" y="2385496"/>
+            <a:ext cx="7000875" cy="2647950"/>
           </a:xfrm>
           <a:prstGeom prst="rect">
             <a:avLst/>
@@ -12711,7 +12710,7 @@
     </p:spTree>
     <p:extLst>
       <p:ext uri="{BB962C8B-B14F-4D97-AF65-F5344CB8AC3E}">
-        <p14:creationId xmlns:p14="http://schemas.microsoft.com/office/powerpoint/2010/main" val="1035435158"/>
+        <p14:creationId xmlns:p14="http://schemas.microsoft.com/office/powerpoint/2010/main" val="2706831651"/>
       </p:ext>
     </p:extLst>
   </p:cSld>
@@ -12797,7 +12796,7 @@
         <p:spPr>
           <a:xfrm>
             <a:off x="1187624" y="1560027"/>
-            <a:ext cx="6984776" cy="506292"/>
+            <a:ext cx="6984776" cy="967957"/>
           </a:xfrm>
           <a:prstGeom prst="rect">
             <a:avLst/>
@@ -12817,7 +12816,23 @@
             </a:pPr>
             <a:r>
               <a:rPr lang="es-MX" sz="2000" dirty="0"/>
-              <a:t>La admiración se repita 0 o 1 vez</a:t>
+              <a:t>Busca la cantidad exacta de elementos. Va a identificar a la palabra </a:t>
+            </a:r>
+            <a:r>
+              <a:rPr lang="es-MX" sz="2000" b="1" dirty="0"/>
+              <a:t>Python</a:t>
+            </a:r>
+            <a:r>
+              <a:rPr lang="es-MX" sz="2000" dirty="0"/>
+              <a:t> </a:t>
+            </a:r>
+            <a:r>
+              <a:rPr lang="es-MX" sz="2000" b="1" dirty="0"/>
+              <a:t>mas dos signos de admiración</a:t>
+            </a:r>
+            <a:r>
+              <a:rPr lang="es-MX" sz="2000" dirty="0"/>
+              <a:t>.</a:t>
             </a:r>
           </a:p>
         </p:txBody>
@@ -12868,40 +12883,17 @@
                 <a:effectLst/>
                 <a:latin typeface="inherit"/>
               </a:rPr>
-              <a:t>( ? ) </a:t>
-            </a:r>
-            <a:r>
-              <a:rPr lang="es-ES" b="1" dirty="0">
-                <a:solidFill>
-                  <a:schemeClr val="accent6">
-                    <a:lumMod val="75000"/>
-                  </a:schemeClr>
-                </a:solidFill>
-                <a:latin typeface="inherit"/>
-              </a:rPr>
-              <a:t>0 o 1</a:t>
-            </a:r>
-            <a:r>
-              <a:rPr lang="es-ES" b="1" i="0" dirty="0">
-                <a:solidFill>
-                  <a:schemeClr val="accent6">
-                    <a:lumMod val="75000"/>
-                  </a:schemeClr>
-                </a:solidFill>
-                <a:effectLst/>
-                <a:latin typeface="inherit"/>
-              </a:rPr>
-              <a:t> vez</a:t>
+              <a:t>{n} Número n exacto</a:t>
             </a:r>
           </a:p>
         </p:txBody>
       </p:sp>
       <p:pic>
         <p:nvPicPr>
-          <p:cNvPr id="3" name="Imagen 2">
+          <p:cNvPr id="5" name="Imagen 4">
             <a:extLst>
               <a:ext uri="{FF2B5EF4-FFF2-40B4-BE49-F238E27FC236}">
-                <a16:creationId xmlns:a16="http://schemas.microsoft.com/office/drawing/2014/main" id="{AC8C3B9E-C7D4-436E-99E4-D5845B9C95F6}"/>
+                <a16:creationId xmlns:a16="http://schemas.microsoft.com/office/drawing/2014/main" id="{E328AF7B-C851-4BDF-91DF-93BD84A73307}"/>
               </a:ext>
             </a:extLst>
           </p:cNvPr>
@@ -12918,8 +12910,8 @@
         </p:blipFill>
         <p:spPr>
           <a:xfrm>
-            <a:off x="1187624" y="2385496"/>
-            <a:ext cx="7000875" cy="2647950"/>
+            <a:off x="1187624" y="2852720"/>
+            <a:ext cx="6981825" cy="2933700"/>
           </a:xfrm>
           <a:prstGeom prst="rect">
             <a:avLst/>
@@ -12929,7 +12921,7 @@
     </p:spTree>
     <p:extLst>
       <p:ext uri="{BB962C8B-B14F-4D97-AF65-F5344CB8AC3E}">
-        <p14:creationId xmlns:p14="http://schemas.microsoft.com/office/powerpoint/2010/main" val="2706831651"/>
+        <p14:creationId xmlns:p14="http://schemas.microsoft.com/office/powerpoint/2010/main" val="1961321991"/>
       </p:ext>
     </p:extLst>
   </p:cSld>
@@ -13311,7 +13303,7 @@
         <p:spPr>
           <a:xfrm>
             <a:off x="1187624" y="1560027"/>
-            <a:ext cx="6984776" cy="967957"/>
+            <a:ext cx="6984776" cy="506292"/>
           </a:xfrm>
           <a:prstGeom prst="rect">
             <a:avLst/>
@@ -13331,23 +13323,15 @@
             </a:pPr>
             <a:r>
               <a:rPr lang="es-MX" sz="2000" dirty="0"/>
-              <a:t>Busca la cantidad exacta de elementos. Va a identificar a la palabra </a:t>
-            </a:r>
-            <a:r>
-              <a:rPr lang="es-MX" sz="2000" b="1" dirty="0"/>
-              <a:t>Python</a:t>
+              <a:t>Busca n o más elementos del </a:t>
+            </a:r>
+            <a:r>
+              <a:rPr lang="es-MX" sz="2000" dirty="0" err="1"/>
+              <a:t>caracter</a:t>
             </a:r>
             <a:r>
               <a:rPr lang="es-MX" sz="2000" dirty="0"/>
-              <a:t> </a:t>
-            </a:r>
-            <a:r>
-              <a:rPr lang="es-MX" sz="2000" b="1" dirty="0"/>
-              <a:t>mas dos signos de admiración</a:t>
-            </a:r>
-            <a:r>
-              <a:rPr lang="es-MX" sz="2000" dirty="0"/>
-              <a:t>.</a:t>
+              <a:t>. </a:t>
             </a:r>
           </a:p>
         </p:txBody>
@@ -13398,17 +13382,17 @@
                 <a:effectLst/>
                 <a:latin typeface="inherit"/>
               </a:rPr>
-              <a:t>{n} Número n exacto</a:t>
+              <a:t>{n, } Número n o más elementos</a:t>
             </a:r>
           </a:p>
         </p:txBody>
       </p:sp>
       <p:pic>
         <p:nvPicPr>
-          <p:cNvPr id="5" name="Imagen 4">
+          <p:cNvPr id="3" name="Imagen 2">
             <a:extLst>
               <a:ext uri="{FF2B5EF4-FFF2-40B4-BE49-F238E27FC236}">
-                <a16:creationId xmlns:a16="http://schemas.microsoft.com/office/drawing/2014/main" id="{E328AF7B-C851-4BDF-91DF-93BD84A73307}"/>
+                <a16:creationId xmlns:a16="http://schemas.microsoft.com/office/drawing/2014/main" id="{DE3BE028-E4CF-4D2B-A83C-55486CB476BF}"/>
               </a:ext>
             </a:extLst>
           </p:cNvPr>
@@ -13425,8 +13409,8 @@
         </p:blipFill>
         <p:spPr>
           <a:xfrm>
-            <a:off x="1187624" y="2852720"/>
-            <a:ext cx="6981825" cy="2933700"/>
+            <a:off x="1246549" y="2420888"/>
+            <a:ext cx="6708652" cy="2657623"/>
           </a:xfrm>
           <a:prstGeom prst="rect">
             <a:avLst/>
@@ -13436,7 +13420,7 @@
     </p:spTree>
     <p:extLst>
       <p:ext uri="{BB962C8B-B14F-4D97-AF65-F5344CB8AC3E}">
-        <p14:creationId xmlns:p14="http://schemas.microsoft.com/office/powerpoint/2010/main" val="1961321991"/>
+        <p14:creationId xmlns:p14="http://schemas.microsoft.com/office/powerpoint/2010/main" val="3772811969"/>
       </p:ext>
     </p:extLst>
   </p:cSld>
@@ -13542,15 +13526,7 @@
             </a:pPr>
             <a:r>
               <a:rPr lang="es-MX" sz="2000" dirty="0"/>
-              <a:t>Busca n o más elementos del </a:t>
-            </a:r>
-            <a:r>
-              <a:rPr lang="es-MX" sz="2000" dirty="0" err="1"/>
-              <a:t>caracter</a:t>
-            </a:r>
-            <a:r>
-              <a:rPr lang="es-MX" sz="2000" dirty="0"/>
-              <a:t>. </a:t>
+              <a:t>Siempre va a ir por la mayor cantidad</a:t>
             </a:r>
           </a:p>
         </p:txBody>
@@ -13601,17 +13577,61 @@
                 <a:effectLst/>
                 <a:latin typeface="inherit"/>
               </a:rPr>
-              <a:t>{n, } Número n o más elementos</a:t>
-            </a:r>
+              <a:t>{min, </a:t>
+            </a:r>
+            <a:r>
+              <a:rPr lang="es-ES" b="1" i="0" dirty="0" err="1">
+                <a:solidFill>
+                  <a:schemeClr val="accent6">
+                    <a:lumMod val="75000"/>
+                  </a:schemeClr>
+                </a:solidFill>
+                <a:effectLst/>
+                <a:latin typeface="inherit"/>
+              </a:rPr>
+              <a:t>max</a:t>
+            </a:r>
+            <a:r>
+              <a:rPr lang="es-ES" b="1" i="0" dirty="0">
+                <a:solidFill>
+                  <a:schemeClr val="accent6">
+                    <a:lumMod val="75000"/>
+                  </a:schemeClr>
+                </a:solidFill>
+                <a:effectLst/>
+                <a:latin typeface="inherit"/>
+              </a:rPr>
+              <a:t> } </a:t>
+            </a:r>
+            <a:r>
+              <a:rPr lang="es-ES" b="1" dirty="0">
+                <a:solidFill>
+                  <a:schemeClr val="accent6">
+                    <a:lumMod val="75000"/>
+                  </a:schemeClr>
+                </a:solidFill>
+                <a:latin typeface="inherit"/>
+              </a:rPr>
+              <a:t>Rango de números mínimo y máximo</a:t>
+            </a:r>
+            <a:endParaRPr lang="es-ES" b="1" i="0" dirty="0">
+              <a:solidFill>
+                <a:schemeClr val="accent6">
+                  <a:lumMod val="75000"/>
+                </a:schemeClr>
+              </a:solidFill>
+              <a:effectLst/>
+              <a:latin typeface="inherit"/>
+            </a:endParaRPr>
           </a:p>
         </p:txBody>
       </p:sp>
       <p:pic>
         <p:nvPicPr>
-          <p:cNvPr id="3" name="Imagen 2">
+          <p:cNvPr id="5" name="Imagen 4">
             <a:extLst>
               <a:ext uri="{FF2B5EF4-FFF2-40B4-BE49-F238E27FC236}">
-                <a16:creationId xmlns:a16="http://schemas.microsoft.com/office/drawing/2014/main" id="{DE3BE028-E4CF-4D2B-A83C-55486CB476BF}"/>
+                <a16:creationId xmlns:a16="http://schemas.microsoft.com/office/drawing/2014/main" id="{5297F19D-6B8D-4F0F-AAB5-5924AAA35525}"/>
               </a:ext>
             </a:extLst>
           </p:cNvPr>
@@ -13628,8 +13648,8 @@
         </p:blipFill>
         <p:spPr>
           <a:xfrm>
-            <a:off x="1246549" y="2420888"/>
-            <a:ext cx="6708652" cy="2657623"/>
+            <a:off x="1187624" y="2492896"/>
+            <a:ext cx="6962775" cy="2714625"/>
           </a:xfrm>
           <a:prstGeom prst="rect">
             <a:avLst/>
@@ -13639,7 +13659,7 @@
     </p:spTree>
     <p:extLst>
       <p:ext uri="{BB962C8B-B14F-4D97-AF65-F5344CB8AC3E}">
-        <p14:creationId xmlns:p14="http://schemas.microsoft.com/office/powerpoint/2010/main" val="3772811969"/>
+        <p14:creationId xmlns:p14="http://schemas.microsoft.com/office/powerpoint/2010/main" val="3835321299"/>
       </p:ext>
     </p:extLst>
   </p:cSld>
@@ -13678,8 +13698,8 @@
         </p:nvSpPr>
         <p:spPr>
           <a:xfrm>
-            <a:off x="107504" y="116632"/>
-            <a:ext cx="8579296" cy="1143000"/>
+            <a:off x="289721" y="4056"/>
+            <a:ext cx="8363272" cy="1143000"/>
           </a:xfrm>
         </p:spPr>
         <p:txBody>
@@ -13705,17 +13725,17 @@
                 </a:effectLst>
                 <a:latin typeface="Dom Casual" charset="0"/>
               </a:rPr>
-              <a:t>Cuantificadores</a:t>
-            </a:r>
-          </a:p>
-        </p:txBody>
-      </p:sp>
-      <p:sp>
-        <p:nvSpPr>
-          <p:cNvPr id="6" name="CuadroTexto 5">
+              <a:t>Expresión regular</a:t>
+            </a:r>
+          </a:p>
+        </p:txBody>
+      </p:sp>
+      <p:sp>
+        <p:nvSpPr>
+          <p:cNvPr id="5" name="CuadroTexto 4">
             <a:extLst>
               <a:ext uri="{FF2B5EF4-FFF2-40B4-BE49-F238E27FC236}">
-                <a16:creationId xmlns:a16="http://schemas.microsoft.com/office/drawing/2014/main" id="{BB4379E8-C33A-4609-A614-210A31DF0E31}"/>
+                <a16:creationId xmlns:a16="http://schemas.microsoft.com/office/drawing/2014/main" id="{FC189524-E564-48DD-B173-E7D162EDC50C}"/>
               </a:ext>
             </a:extLst>
           </p:cNvPr>
@@ -13724,8 +13744,8 @@
         </p:nvSpPr>
         <p:spPr>
           <a:xfrm>
-            <a:off x="1187624" y="1560027"/>
-            <a:ext cx="6984776" cy="506292"/>
+            <a:off x="642661" y="1075500"/>
+            <a:ext cx="7920880" cy="506292"/>
           </a:xfrm>
           <a:prstGeom prst="rect">
             <a:avLst/>
@@ -13744,18 +13764,36 @@
               </a:lnSpc>
             </a:pPr>
             <a:r>
-              <a:rPr lang="es-MX" sz="2000" dirty="0"/>
-              <a:t>Siempre va a ir por la mayor cantidad</a:t>
-            </a:r>
-          </a:p>
-        </p:txBody>
-      </p:sp>
-      <p:sp>
-        <p:nvSpPr>
-          <p:cNvPr id="4" name="CuadroTexto 3">
+              <a:rPr lang="es-ES" sz="2000" b="1" i="0" dirty="0">
+                <a:solidFill>
+                  <a:schemeClr val="tx1">
+                    <a:lumMod val="95000"/>
+                    <a:lumOff val="5000"/>
+                  </a:schemeClr>
+                </a:solidFill>
+                <a:effectLst/>
+              </a:rPr>
+              <a:t>Ejemplo:</a:t>
+            </a:r>
+            <a:r>
+              <a:rPr lang="es-ES" sz="2000" b="1" dirty="0">
+                <a:solidFill>
+                  <a:schemeClr val="accent6">
+                    <a:lumMod val="75000"/>
+                  </a:schemeClr>
+                </a:solidFill>
+              </a:rPr>
+              <a:t> Extraer los nombres del directorio con dos textos</a:t>
+            </a:r>
+          </a:p>
+        </p:txBody>
+      </p:sp>
+      <p:sp>
+        <p:nvSpPr>
+          <p:cNvPr id="6" name="CuadroTexto 5">
             <a:extLst>
               <a:ext uri="{FF2B5EF4-FFF2-40B4-BE49-F238E27FC236}">
-                <a16:creationId xmlns:a16="http://schemas.microsoft.com/office/drawing/2014/main" id="{94C4D9E8-05C2-4AFD-88C6-5A82FF00A2FB}"/>
+                <a16:creationId xmlns:a16="http://schemas.microsoft.com/office/drawing/2014/main" id="{7B04CF3A-CFE2-489B-A399-BF52B6C4C715}"/>
               </a:ext>
             </a:extLst>
           </p:cNvPr>
@@ -13764,8 +13802,8 @@
         </p:nvSpPr>
         <p:spPr>
           <a:xfrm>
-            <a:off x="938683" y="962324"/>
-            <a:ext cx="7017694" cy="393698"/>
+            <a:off x="677336" y="1712756"/>
+            <a:ext cx="3600400" cy="2352952"/>
           </a:xfrm>
           <a:prstGeom prst="rect">
             <a:avLst/>
@@ -13778,79 +13816,185 @@
           </a:bodyPr>
           <a:lstStyle/>
           <a:p>
-            <a:pPr algn="ctr" fontAlgn="base">
+            <a:pPr algn="just">
               <a:lnSpc>
-                <a:spcPts val="2500"/>
+                <a:spcPct val="150000"/>
               </a:lnSpc>
-              <a:spcAft>
-                <a:spcPts val="600"/>
-              </a:spcAft>
             </a:pPr>
             <a:r>
-              <a:rPr lang="es-ES" b="1" i="0" dirty="0">
+              <a:rPr lang="es-ES" sz="2000" b="1" i="0" dirty="0">
                 <a:solidFill>
                   <a:schemeClr val="accent6">
                     <a:lumMod val="75000"/>
                   </a:schemeClr>
                 </a:solidFill>
                 <a:effectLst/>
-                <a:latin typeface="inherit"/>
-              </a:rPr>
-              <a:t>{min, </a:t>
-            </a:r>
-            <a:r>
-              <a:rPr lang="es-ES" b="1" i="0" dirty="0" err="1">
+              </a:rPr>
+              <a:t>\w </a:t>
+            </a:r>
+            <a:r>
+              <a:rPr lang="es-ES" sz="2000" i="0" dirty="0" err="1">
+                <a:solidFill>
+                  <a:schemeClr val="tx1">
+                    <a:lumMod val="95000"/>
+                    <a:lumOff val="5000"/>
+                  </a:schemeClr>
+                </a:solidFill>
+                <a:effectLst/>
+              </a:rPr>
+              <a:t>Caracte</a:t>
+            </a:r>
+            <a:r>
+              <a:rPr lang="es-ES" sz="2000" dirty="0" err="1">
+                <a:solidFill>
+                  <a:schemeClr val="tx1">
+                    <a:lumMod val="95000"/>
+                    <a:lumOff val="5000"/>
+                  </a:schemeClr>
+                </a:solidFill>
+              </a:rPr>
+              <a:t>r</a:t>
+            </a:r>
+            <a:r>
+              <a:rPr lang="es-ES" sz="2000" dirty="0">
+                <a:solidFill>
+                  <a:schemeClr val="tx1">
+                    <a:lumMod val="95000"/>
+                    <a:lumOff val="5000"/>
+                  </a:schemeClr>
+                </a:solidFill>
+              </a:rPr>
+              <a:t>, digito o guion bajo.</a:t>
+            </a:r>
+          </a:p>
+          <a:p>
+            <a:pPr algn="just">
+              <a:lnSpc>
+                <a:spcPct val="150000"/>
+              </a:lnSpc>
+            </a:pPr>
+            <a:r>
+              <a:rPr lang="es-ES" sz="2000" b="1" dirty="0">
                 <a:solidFill>
                   <a:schemeClr val="accent6">
                     <a:lumMod val="75000"/>
                   </a:schemeClr>
                 </a:solidFill>
-                <a:effectLst/>
-                <a:latin typeface="inherit"/>
-              </a:rPr>
-              <a:t>max</a:t>
-            </a:r>
-            <a:r>
-              <a:rPr lang="es-ES" b="1" i="0" dirty="0">
+              </a:rPr>
+              <a:t>+ </a:t>
+            </a:r>
+            <a:r>
+              <a:rPr lang="es-ES" sz="2000" dirty="0">
+                <a:solidFill>
+                  <a:schemeClr val="tx1">
+                    <a:lumMod val="95000"/>
+                    <a:lumOff val="5000"/>
+                  </a:schemeClr>
+                </a:solidFill>
+              </a:rPr>
+              <a:t>Uno o más caracteres</a:t>
+            </a:r>
+          </a:p>
+          <a:p>
+            <a:pPr algn="just">
+              <a:lnSpc>
+                <a:spcPct val="150000"/>
+              </a:lnSpc>
+            </a:pPr>
+            <a:r>
+              <a:rPr lang="es-ES" sz="2000" b="1" dirty="0">
                 <a:solidFill>
                   <a:schemeClr val="accent6">
                     <a:lumMod val="75000"/>
                   </a:schemeClr>
                 </a:solidFill>
-                <a:effectLst/>
-                <a:latin typeface="inherit"/>
-              </a:rPr>
-              <a:t> } </a:t>
-            </a:r>
-            <a:r>
-              <a:rPr lang="es-ES" b="1" dirty="0">
+              </a:rPr>
+              <a:t>\s </a:t>
+            </a:r>
+            <a:r>
+              <a:rPr lang="es-ES" sz="2000" dirty="0">
+                <a:solidFill>
+                  <a:schemeClr val="tx1">
+                    <a:lumMod val="95000"/>
+                    <a:lumOff val="5000"/>
+                  </a:schemeClr>
+                </a:solidFill>
+              </a:rPr>
+              <a:t>Espacio</a:t>
+            </a:r>
+          </a:p>
+          <a:p>
+            <a:pPr algn="just">
+              <a:lnSpc>
+                <a:spcPct val="150000"/>
+              </a:lnSpc>
+            </a:pPr>
+            <a:r>
+              <a:rPr lang="es-ES" sz="2000" b="1" dirty="0">
                 <a:solidFill>
                   <a:schemeClr val="accent6">
                     <a:lumMod val="75000"/>
                   </a:schemeClr>
                 </a:solidFill>
-                <a:latin typeface="inherit"/>
-              </a:rPr>
-              <a:t>Rango de números mínimo y máximo</a:t>
-            </a:r>
-            <a:endParaRPr lang="es-ES" b="1" i="0" dirty="0">
+              </a:rPr>
+              <a:t>^ </a:t>
+            </a:r>
+            <a:r>
+              <a:rPr lang="es-ES" sz="2000" dirty="0">
+                <a:solidFill>
+                  <a:schemeClr val="tx1">
+                    <a:lumMod val="95000"/>
+                    <a:lumOff val="5000"/>
+                  </a:schemeClr>
+                </a:solidFill>
+              </a:rPr>
+              <a:t>Al inicio de la línea</a:t>
+            </a:r>
+          </a:p>
+          <a:p>
+            <a:pPr algn="just">
+              <a:lnSpc>
+                <a:spcPct val="150000"/>
+              </a:lnSpc>
+            </a:pPr>
+            <a:r>
+              <a:rPr lang="es-ES" sz="2000" b="1" dirty="0">
+                <a:solidFill>
+                  <a:schemeClr val="accent6">
+                    <a:lumMod val="75000"/>
+                  </a:schemeClr>
+                </a:solidFill>
+              </a:rPr>
+              <a:t>$ </a:t>
+            </a:r>
+            <a:r>
+              <a:rPr lang="es-ES" sz="2000" dirty="0">
+                <a:solidFill>
+                  <a:schemeClr val="tx1">
+                    <a:lumMod val="95000"/>
+                    <a:lumOff val="5000"/>
+                  </a:schemeClr>
+                </a:solidFill>
+              </a:rPr>
+              <a:t>Al final de la línea</a:t>
+            </a:r>
+            <a:endParaRPr lang="es-ES" sz="2000" b="1" dirty="0">
               <a:solidFill>
-                <a:schemeClr val="accent6">
-                  <a:lumMod val="75000"/>
+                <a:schemeClr val="tx1">
+                  <a:lumMod val="95000"/>
+                  <a:lumOff val="5000"/>
                 </a:schemeClr>
               </a:solidFill>
-              <a:effectLst/>
-              <a:latin typeface="inherit"/>
             </a:endParaRPr>
           </a:p>
         </p:txBody>
       </p:sp>
       <p:pic>
         <p:nvPicPr>
-          <p:cNvPr id="5" name="Imagen 4">
+          <p:cNvPr id="4" name="Imagen 3">
             <a:extLst>
               <a:ext uri="{FF2B5EF4-FFF2-40B4-BE49-F238E27FC236}">
-                <a16:creationId xmlns:a16="http://schemas.microsoft.com/office/drawing/2014/main" id="{5297F19D-6B8D-4F0F-AAB5-5924AAA35525}"/>
+                <a16:creationId xmlns:a16="http://schemas.microsoft.com/office/drawing/2014/main" id="{2244D66E-F87F-4BA3-AC5F-4FB04A58DA55}"/>
               </a:ext>
             </a:extLst>
           </p:cNvPr>
@@ -13867,18 +14011,97 @@
         </p:blipFill>
         <p:spPr>
           <a:xfrm>
-            <a:off x="1187624" y="2492896"/>
-            <a:ext cx="6962775" cy="2714625"/>
+            <a:off x="4603101" y="2208333"/>
+            <a:ext cx="3505200" cy="3714750"/>
           </a:xfrm>
           <a:prstGeom prst="rect">
             <a:avLst/>
           </a:prstGeom>
         </p:spPr>
       </p:pic>
+      <p:sp>
+        <p:nvSpPr>
+          <p:cNvPr id="8" name="CuadroTexto 7">
+            <a:extLst>
+              <a:ext uri="{FF2B5EF4-FFF2-40B4-BE49-F238E27FC236}">
+                <a16:creationId xmlns:a16="http://schemas.microsoft.com/office/drawing/2014/main" id="{483A51E2-20D8-491F-9488-1827DD8F8899}"/>
+              </a:ext>
+            </a:extLst>
+          </p:cNvPr>
+          <p:cNvSpPr txBox="1"/>
+          <p:nvPr/>
+        </p:nvSpPr>
+        <p:spPr>
+          <a:xfrm>
+            <a:off x="607885" y="4323952"/>
+            <a:ext cx="3505200" cy="1938992"/>
+          </a:xfrm>
+          <a:prstGeom prst="rect">
+            <a:avLst/>
+          </a:prstGeom>
+          <a:noFill/>
+        </p:spPr>
+        <p:txBody>
+          <a:bodyPr wrap="square">
+            <a:spAutoFit/>
+          </a:bodyPr>
+          <a:lstStyle/>
+          <a:p>
+            <a:pPr algn="just">
+              <a:lnSpc>
+                <a:spcPts val="2400"/>
+              </a:lnSpc>
+            </a:pPr>
+            <a:r>
+              <a:rPr lang="es-ES" sz="2000" i="0" dirty="0">
+                <a:solidFill>
+                  <a:schemeClr val="tx1">
+                    <a:lumMod val="95000"/>
+                    <a:lumOff val="5000"/>
+                  </a:schemeClr>
+                </a:solidFill>
+                <a:effectLst/>
+              </a:rPr>
+              <a:t>Al inicio de la cadena de texto, encuentres caracteres de palabra</a:t>
+            </a:r>
+            <a:r>
+              <a:rPr lang="es-ES" sz="2000" dirty="0">
+                <a:solidFill>
+                  <a:schemeClr val="tx1">
+                    <a:lumMod val="95000"/>
+                    <a:lumOff val="5000"/>
+                  </a:schemeClr>
+                </a:solidFill>
+              </a:rPr>
+              <a:t>, uno o más, un espacio, caracteres de palabra, uno o más al final de la cadena de texto</a:t>
+            </a:r>
+            <a:r>
+              <a:rPr lang="es-ES" sz="2000" i="0" dirty="0">
+                <a:solidFill>
+                  <a:schemeClr val="tx1">
+                    <a:lumMod val="95000"/>
+                    <a:lumOff val="5000"/>
+                  </a:schemeClr>
+                </a:solidFill>
+                <a:effectLst/>
+              </a:rPr>
+              <a:t>.</a:t>
+            </a:r>
+            <a:endParaRPr lang="es-ES" sz="2000" b="1" dirty="0">
+              <a:solidFill>
+                <a:schemeClr val="tx1">
+                  <a:lumMod val="95000"/>
+                  <a:lumOff val="5000"/>
+                </a:schemeClr>
+              </a:solidFill>
+            </a:endParaRPr>
+          </a:p>
+        </p:txBody>
+      </p:sp>
     </p:spTree>
     <p:extLst>
       <p:ext uri="{BB962C8B-B14F-4D97-AF65-F5344CB8AC3E}">
-        <p14:creationId xmlns:p14="http://schemas.microsoft.com/office/powerpoint/2010/main" val="3835321299"/>
+        <p14:creationId xmlns:p14="http://schemas.microsoft.com/office/powerpoint/2010/main" val="2299871094"/>
       </p:ext>
     </p:extLst>
   </p:cSld>
@@ -13963,7 +14186,7 @@
         </p:nvSpPr>
         <p:spPr>
           <a:xfrm>
-            <a:off x="642661" y="1075500"/>
+            <a:off x="640723" y="1052736"/>
             <a:ext cx="7920880" cy="506292"/>
           </a:xfrm>
           <a:prstGeom prst="rect">
@@ -13992,18 +14215,26 @@
                 </a:solidFill>
                 <a:effectLst/>
               </a:rPr>
-              <a:t>Ejemplo:</a:t>
-            </a:r>
-            <a:r>
-              <a:rPr lang="es-ES" sz="2000" b="1" dirty="0">
+              <a:t>Ejemplo 2: </a:t>
+            </a:r>
+            <a:r>
+              <a:rPr lang="es-ES" sz="2000" b="1" i="0" dirty="0">
                 <a:solidFill>
                   <a:schemeClr val="accent6">
                     <a:lumMod val="75000"/>
                   </a:schemeClr>
                 </a:solidFill>
-              </a:rPr>
-              <a:t> Extraer los nombres del directorio con dos textos</a:t>
-            </a:r>
+                <a:effectLst/>
+              </a:rPr>
+              <a:t>Extraer los nombres del directorio con dos textos y espacio.</a:t>
+            </a:r>
+            <a:endParaRPr lang="es-ES" sz="2000" b="1" dirty="0">
+              <a:solidFill>
+                <a:schemeClr val="accent6">
+                  <a:lumMod val="75000"/>
+                </a:schemeClr>
+              </a:solidFill>
+            </a:endParaRPr>
           </a:p>
         </p:txBody>
       </p:sp>
@@ -14021,8 +14252,8 @@
         </p:nvSpPr>
         <p:spPr>
           <a:xfrm>
-            <a:off x="677336" y="1712756"/>
-            <a:ext cx="3600400" cy="2352952"/>
+            <a:off x="611560" y="1559028"/>
+            <a:ext cx="4320480" cy="2814617"/>
           </a:xfrm>
           <a:prstGeom prst="rect">
             <a:avLst/>
@@ -14083,7 +14314,7 @@
                   </a:schemeClr>
                 </a:solidFill>
               </a:rPr>
-              <a:t>, digito o guion bajo.</a:t>
+              <a:t> o guion bajo.</a:t>
             </a:r>
           </a:p>
           <a:p>
@@ -14139,7 +14370,7 @@
                   </a:schemeClr>
                 </a:solidFill>
               </a:rPr>
-              <a:t>Espacio</a:t>
+              <a:t>Espacio, tabulador o salto de línea</a:t>
             </a:r>
           </a:p>
           <a:p>
@@ -14196,6 +14427,105 @@
                 </a:solidFill>
               </a:rPr>
               <a:t>Al final de la línea</a:t>
+            </a:r>
+          </a:p>
+          <a:p>
+            <a:pPr algn="just">
+              <a:lnSpc>
+                <a:spcPct val="150000"/>
+              </a:lnSpc>
+            </a:pPr>
+            <a:r>
+              <a:rPr lang="es-ES" sz="2000" b="1" dirty="0">
+                <a:solidFill>
+                  <a:schemeClr val="accent6">
+                    <a:lumMod val="75000"/>
+                  </a:schemeClr>
+                </a:solidFill>
+              </a:rPr>
+              <a:t>? </a:t>
+            </a:r>
+            <a:r>
+              <a:rPr lang="es-ES" sz="2000" dirty="0">
+                <a:solidFill>
+                  <a:schemeClr val="tx1">
+                    <a:lumMod val="95000"/>
+                    <a:lumOff val="5000"/>
+                  </a:schemeClr>
+                </a:solidFill>
+              </a:rPr>
+              <a:t>O o más</a:t>
+            </a:r>
+          </a:p>
+        </p:txBody>
+      </p:sp>
+      <p:sp>
+        <p:nvSpPr>
+          <p:cNvPr id="8" name="CuadroTexto 7">
+            <a:extLst>
+              <a:ext uri="{FF2B5EF4-FFF2-40B4-BE49-F238E27FC236}">
+                <a16:creationId xmlns:a16="http://schemas.microsoft.com/office/drawing/2014/main" id="{483A51E2-20D8-491F-9488-1827DD8F8899}"/>
+              </a:ext>
+            </a:extLst>
+          </p:cNvPr>
+          <p:cNvSpPr txBox="1"/>
+          <p:nvPr/>
+        </p:nvSpPr>
+        <p:spPr>
+          <a:xfrm>
+            <a:off x="607884" y="4436547"/>
+            <a:ext cx="3964115" cy="1938992"/>
+          </a:xfrm>
+          <a:prstGeom prst="rect">
+            <a:avLst/>
+          </a:prstGeom>
+          <a:noFill/>
+        </p:spPr>
+        <p:txBody>
+          <a:bodyPr wrap="square">
+            <a:spAutoFit/>
+          </a:bodyPr>
+          <a:lstStyle/>
+          <a:p>
+            <a:pPr algn="just">
+              <a:lnSpc>
+                <a:spcPts val="2400"/>
+              </a:lnSpc>
+            </a:pPr>
+            <a:r>
+              <a:rPr lang="es-ES" sz="2000" i="0" dirty="0">
+                <a:solidFill>
+                  <a:schemeClr val="tx1">
+                    <a:lumMod val="95000"/>
+                    <a:lumOff val="5000"/>
+                  </a:schemeClr>
+                </a:solidFill>
+                <a:effectLst/>
+              </a:rPr>
+              <a:t>Al inicio de la cadena de texto, encuentres caracteres de palabra</a:t>
+            </a:r>
+            <a:r>
+              <a:rPr lang="es-ES" sz="2000" dirty="0">
+                <a:solidFill>
+                  <a:schemeClr val="tx1">
+                    <a:lumMod val="95000"/>
+                    <a:lumOff val="5000"/>
+                  </a:schemeClr>
+                </a:solidFill>
+              </a:rPr>
+              <a:t>, uno o más, un espacio, caracteres de palabra, uno o más, un espacio cero o más veces al final de la cadena de texto</a:t>
+            </a:r>
+            <a:r>
+              <a:rPr lang="es-ES" sz="2000" i="0" dirty="0">
+                <a:solidFill>
+                  <a:schemeClr val="tx1">
+                    <a:lumMod val="95000"/>
+                    <a:lumOff val="5000"/>
+                  </a:schemeClr>
+                </a:solidFill>
+                <a:effectLst/>
+              </a:rPr>
+              <a:t>.</a:t>
             </a:r>
             <a:endParaRPr lang="es-ES" sz="2000" b="1" dirty="0">
               <a:solidFill>
@@ -14210,10 +14540,10 @@
       </p:sp>
       <p:pic>
         <p:nvPicPr>
-          <p:cNvPr id="4" name="Imagen 3">
+          <p:cNvPr id="3" name="Imagen 2">
             <a:extLst>
               <a:ext uri="{FF2B5EF4-FFF2-40B4-BE49-F238E27FC236}">
-                <a16:creationId xmlns:a16="http://schemas.microsoft.com/office/drawing/2014/main" id="{2244D66E-F87F-4BA3-AC5F-4FB04A58DA55}"/>
+                <a16:creationId xmlns:a16="http://schemas.microsoft.com/office/drawing/2014/main" id="{144FF082-604B-410E-A8FD-03CEBE4E2AB8}"/>
               </a:ext>
             </a:extLst>
           </p:cNvPr>
@@ -14230,97 +14560,18 @@
         </p:blipFill>
         <p:spPr>
           <a:xfrm>
-            <a:off x="4603101" y="2208333"/>
-            <a:ext cx="3505200" cy="3714750"/>
+            <a:off x="5170703" y="2650609"/>
+            <a:ext cx="3390900" cy="3571875"/>
           </a:xfrm>
           <a:prstGeom prst="rect">
             <a:avLst/>
           </a:prstGeom>
         </p:spPr>
       </p:pic>
-      <p:sp>
-        <p:nvSpPr>
-          <p:cNvPr id="8" name="CuadroTexto 7">
-            <a:extLst>
-              <a:ext uri="{FF2B5EF4-FFF2-40B4-BE49-F238E27FC236}">
-                <a16:creationId xmlns:a16="http://schemas.microsoft.com/office/drawing/2014/main" id="{483A51E2-20D8-491F-9488-1827DD8F8899}"/>
-              </a:ext>
-            </a:extLst>
-          </p:cNvPr>
-          <p:cNvSpPr txBox="1"/>
-          <p:nvPr/>
-        </p:nvSpPr>
-        <p:spPr>
-          <a:xfrm>
-            <a:off x="607885" y="4323952"/>
-            <a:ext cx="3505200" cy="1938992"/>
-          </a:xfrm>
-          <a:prstGeom prst="rect">
-            <a:avLst/>
-          </a:prstGeom>
-          <a:noFill/>
-        </p:spPr>
-        <p:txBody>
-          <a:bodyPr wrap="square">
-            <a:spAutoFit/>
-          </a:bodyPr>
-          <a:lstStyle/>
-          <a:p>
-            <a:pPr algn="just">
-              <a:lnSpc>
-                <a:spcPts val="2400"/>
-              </a:lnSpc>
-            </a:pPr>
-            <a:r>
-              <a:rPr lang="es-ES" sz="2000" i="0" dirty="0">
-                <a:solidFill>
-                  <a:schemeClr val="tx1">
-                    <a:lumMod val="95000"/>
-                    <a:lumOff val="5000"/>
-                  </a:schemeClr>
-                </a:solidFill>
-                <a:effectLst/>
-              </a:rPr>
-              <a:t>Al inicio de la cadena de texto, encuentres caracteres de palabra</a:t>
-            </a:r>
-            <a:r>
-              <a:rPr lang="es-ES" sz="2000" dirty="0">
-                <a:solidFill>
-                  <a:schemeClr val="tx1">
-                    <a:lumMod val="95000"/>
-                    <a:lumOff val="5000"/>
-                  </a:schemeClr>
-                </a:solidFill>
-              </a:rPr>
-              <a:t>, uno o más, un espacio, caracteres de palabra, uno o más al final de la cadena de texto</a:t>
-            </a:r>
-            <a:r>
-              <a:rPr lang="es-ES" sz="2000" i="0" dirty="0">
-                <a:solidFill>
-                  <a:schemeClr val="tx1">
-                    <a:lumMod val="95000"/>
-                    <a:lumOff val="5000"/>
-                  </a:schemeClr>
-                </a:solidFill>
-                <a:effectLst/>
-              </a:rPr>
-              <a:t>.</a:t>
-            </a:r>
-            <a:endParaRPr lang="es-ES" sz="2000" b="1" dirty="0">
-              <a:solidFill>
-                <a:schemeClr val="tx1">
-                  <a:lumMod val="95000"/>
-                  <a:lumOff val="5000"/>
-                </a:schemeClr>
-              </a:solidFill>
-            </a:endParaRPr>
-          </a:p>
-        </p:txBody>
-      </p:sp>
     </p:spTree>
     <p:extLst>
       <p:ext uri="{BB962C8B-B14F-4D97-AF65-F5344CB8AC3E}">
-        <p14:creationId xmlns:p14="http://schemas.microsoft.com/office/powerpoint/2010/main" val="2299871094"/>
+        <p14:creationId xmlns:p14="http://schemas.microsoft.com/office/powerpoint/2010/main" val="818947523"/>
       </p:ext>
     </p:extLst>
   </p:cSld>
@@ -14434,7 +14685,7 @@
                 </a:solidFill>
                 <a:effectLst/>
               </a:rPr>
-              <a:t>Ejemplo 2: </a:t>
+              <a:t>Ejemplo 3: </a:t>
             </a:r>
             <a:r>
               <a:rPr lang="es-ES" sz="2000" b="1" i="0" dirty="0">
@@ -14445,7 +14696,7 @@
                 </a:solidFill>
                 <a:effectLst/>
               </a:rPr>
-              <a:t>Extraer los nombres del directorio con dos textos y espacio.</a:t>
+              <a:t>Extraer los nombres del directorio con dos textos o uno.</a:t>
             </a:r>
             <a:endParaRPr lang="es-ES" sz="2000" b="1" dirty="0">
               <a:solidFill>
@@ -14472,7 +14723,7 @@
         <p:spPr>
           <a:xfrm>
             <a:off x="611560" y="1559028"/>
-            <a:ext cx="4320480" cy="2814617"/>
+            <a:ext cx="3501525" cy="2814617"/>
           </a:xfrm>
           <a:prstGeom prst="rect">
             <a:avLst/>
@@ -14589,7 +14840,7 @@
                   </a:schemeClr>
                 </a:solidFill>
               </a:rPr>
-              <a:t>Espacio, tabulador o salto de línea</a:t>
+              <a:t>Espacio</a:t>
             </a:r>
           </a:p>
           <a:p>
@@ -14693,7 +14944,7 @@
         <p:spPr>
           <a:xfrm>
             <a:off x="607884" y="4436547"/>
-            <a:ext cx="3964115" cy="1938992"/>
+            <a:ext cx="4396164" cy="2246769"/>
           </a:xfrm>
           <a:prstGeom prst="rect">
             <a:avLst/>
@@ -14732,7 +14983,7 @@
                   </a:schemeClr>
                 </a:solidFill>
               </a:rPr>
-              <a:t>, uno o más, un espacio, caracteres de palabra, uno o más, un espacio cero o más veces al final de la cadena de texto</a:t>
+              <a:t>, uno o más, un espacio, caracteres de palabra, uno o más, un espacio cero o más al final de la cadena de texto</a:t>
             </a:r>
             <a:r>
               <a:rPr lang="es-ES" sz="2000" i="0" dirty="0">
@@ -14746,23 +14997,75 @@
               </a:rPr>
               <a:t>.</a:t>
             </a:r>
-            <a:endParaRPr lang="es-ES" sz="2000" b="1" dirty="0">
-              <a:solidFill>
-                <a:schemeClr val="tx1">
-                  <a:lumMod val="95000"/>
-                  <a:lumOff val="5000"/>
-                </a:schemeClr>
-              </a:solidFill>
-            </a:endParaRPr>
+          </a:p>
+          <a:p>
+            <a:pPr algn="just">
+              <a:lnSpc>
+                <a:spcPts val="2400"/>
+              </a:lnSpc>
+            </a:pPr>
+            <a:r>
+              <a:rPr lang="es-ES" sz="2000" b="1" dirty="0">
+                <a:solidFill>
+                  <a:schemeClr val="tx1">
+                    <a:lumMod val="95000"/>
+                    <a:lumOff val="5000"/>
+                  </a:schemeClr>
+                </a:solidFill>
+              </a:rPr>
+              <a:t>\s</a:t>
+            </a:r>
+            <a:r>
+              <a:rPr lang="es-ES" sz="2000" b="1" dirty="0">
+                <a:solidFill>
+                  <a:schemeClr val="accent6">
+                    <a:lumMod val="75000"/>
+                  </a:schemeClr>
+                </a:solidFill>
+              </a:rPr>
+              <a:t>?</a:t>
+            </a:r>
+            <a:r>
+              <a:rPr lang="es-ES" sz="2000" b="1" dirty="0">
+                <a:solidFill>
+                  <a:schemeClr val="tx1">
+                    <a:lumMod val="95000"/>
+                    <a:lumOff val="5000"/>
+                  </a:schemeClr>
+                </a:solidFill>
+              </a:rPr>
+              <a:t>\w+</a:t>
+            </a:r>
+            <a:r>
+              <a:rPr lang="es-ES" sz="2000" b="1" dirty="0">
+                <a:solidFill>
+                  <a:schemeClr val="accent6">
+                    <a:lumMod val="75000"/>
+                  </a:schemeClr>
+                </a:solidFill>
+              </a:rPr>
+              <a:t>?</a:t>
+            </a:r>
+            <a:r>
+              <a:rPr lang="es-ES" sz="2000" b="1" dirty="0">
+                <a:solidFill>
+                  <a:schemeClr val="tx1">
+                    <a:lumMod val="95000"/>
+                    <a:lumOff val="5000"/>
+                  </a:schemeClr>
+                </a:solidFill>
+              </a:rPr>
+              <a:t> Opcional espacio y carácter de palabra.</a:t>
+            </a:r>
           </a:p>
         </p:txBody>
       </p:sp>
       <p:pic>
         <p:nvPicPr>
-          <p:cNvPr id="3" name="Imagen 2">
+          <p:cNvPr id="4" name="Imagen 3">
             <a:extLst>
               <a:ext uri="{FF2B5EF4-FFF2-40B4-BE49-F238E27FC236}">
-                <a16:creationId xmlns:a16="http://schemas.microsoft.com/office/drawing/2014/main" id="{144FF082-604B-410E-A8FD-03CEBE4E2AB8}"/>
+                <a16:creationId xmlns:a16="http://schemas.microsoft.com/office/drawing/2014/main" id="{3D302044-8FBD-4141-AF0D-9775E0EA48E8}"/>
               </a:ext>
             </a:extLst>
           </p:cNvPr>
@@ -14779,8 +15082,8 @@
         </p:blipFill>
         <p:spPr>
           <a:xfrm>
-            <a:off x="5170703" y="2650609"/>
-            <a:ext cx="3390900" cy="3571875"/>
+            <a:off x="5153022" y="1700808"/>
+            <a:ext cx="3501526" cy="4671301"/>
           </a:xfrm>
           <a:prstGeom prst="rect">
             <a:avLst/>
@@ -14790,7 +15093,7 @@
     </p:spTree>
     <p:extLst>
       <p:ext uri="{BB962C8B-B14F-4D97-AF65-F5344CB8AC3E}">
-        <p14:creationId xmlns:p14="http://schemas.microsoft.com/office/powerpoint/2010/main" val="818947523"/>
+        <p14:creationId xmlns:p14="http://schemas.microsoft.com/office/powerpoint/2010/main" val="3833007669"/>
       </p:ext>
     </p:extLst>
   </p:cSld>
@@ -14843,7 +15146,7 @@
               <a:defRPr/>
             </a:pPr>
             <a:r>
-              <a:rPr lang="es-MX" b="1" dirty="0">
+              <a:rPr lang="es-MX" b="1">
                 <a:solidFill>
                   <a:schemeClr val="accent4">
                     <a:lumMod val="50000"/>
@@ -14858,433 +15161,28 @@
               </a:rPr>
               <a:t>Expresión regular</a:t>
             </a:r>
-          </a:p>
-        </p:txBody>
-      </p:sp>
-      <p:sp>
-        <p:nvSpPr>
-          <p:cNvPr id="5" name="CuadroTexto 4">
+            <a:endParaRPr lang="es-MX" b="1" dirty="0">
+              <a:solidFill>
+                <a:schemeClr val="accent4">
+                  <a:lumMod val="50000"/>
+                </a:schemeClr>
+              </a:solidFill>
+              <a:effectLst>
+                <a:outerShdw blurRad="38100" dist="38100" dir="2700000" algn="tl">
+                  <a:srgbClr val="C0C0C0"/>
+                </a:outerShdw>
+              </a:effectLst>
+              <a:latin typeface="Dom Casual" charset="0"/>
+            </a:endParaRPr>
+          </a:p>
+        </p:txBody>
+      </p:sp>
+      <p:pic>
+        <p:nvPicPr>
+          <p:cNvPr id="3" name="Imagen 2">
             <a:extLst>
               <a:ext uri="{FF2B5EF4-FFF2-40B4-BE49-F238E27FC236}">
-                <a16:creationId xmlns:a16="http://schemas.microsoft.com/office/drawing/2014/main" id="{FC189524-E564-48DD-B173-E7D162EDC50C}"/>
-              </a:ext>
-            </a:extLst>
-          </p:cNvPr>
-          <p:cNvSpPr txBox="1"/>
-          <p:nvPr/>
-        </p:nvSpPr>
-        <p:spPr>
-          <a:xfrm>
-            <a:off x="640723" y="1052736"/>
-            <a:ext cx="7920880" cy="506292"/>
-          </a:xfrm>
-          <a:prstGeom prst="rect">
-            <a:avLst/>
-          </a:prstGeom>
-          <a:noFill/>
-        </p:spPr>
-        <p:txBody>
-          <a:bodyPr wrap="square">
-            <a:spAutoFit/>
-          </a:bodyPr>
-          <a:lstStyle/>
-          <a:p>
-            <a:pPr algn="just">
-              <a:lnSpc>
-                <a:spcPct val="150000"/>
-              </a:lnSpc>
-            </a:pPr>
-            <a:r>
-              <a:rPr lang="es-ES" sz="2000" b="1" i="0" dirty="0">
-                <a:solidFill>
-                  <a:schemeClr val="tx1">
-                    <a:lumMod val="95000"/>
-                    <a:lumOff val="5000"/>
-                  </a:schemeClr>
-                </a:solidFill>
-                <a:effectLst/>
-              </a:rPr>
-              <a:t>Ejemplo 3: </a:t>
-            </a:r>
-            <a:r>
-              <a:rPr lang="es-ES" sz="2000" b="1" i="0" dirty="0">
-                <a:solidFill>
-                  <a:schemeClr val="accent6">
-                    <a:lumMod val="75000"/>
-                  </a:schemeClr>
-                </a:solidFill>
-                <a:effectLst/>
-              </a:rPr>
-              <a:t>Extraer los nombres del directorio con dos textos o uno.</a:t>
-            </a:r>
-            <a:endParaRPr lang="es-ES" sz="2000" b="1" dirty="0">
-              <a:solidFill>
-                <a:schemeClr val="accent6">
-                  <a:lumMod val="75000"/>
-                </a:schemeClr>
-              </a:solidFill>
-            </a:endParaRPr>
-          </a:p>
-        </p:txBody>
-      </p:sp>
-      <p:sp>
-        <p:nvSpPr>
-          <p:cNvPr id="6" name="CuadroTexto 5">
-            <a:extLst>
-              <a:ext uri="{FF2B5EF4-FFF2-40B4-BE49-F238E27FC236}">
-                <a16:creationId xmlns:a16="http://schemas.microsoft.com/office/drawing/2014/main" id="{7B04CF3A-CFE2-489B-A399-BF52B6C4C715}"/>
-              </a:ext>
-            </a:extLst>
-          </p:cNvPr>
-          <p:cNvSpPr txBox="1"/>
-          <p:nvPr/>
-        </p:nvSpPr>
-        <p:spPr>
-          <a:xfrm>
-            <a:off x="611560" y="1559028"/>
-            <a:ext cx="3501525" cy="2814617"/>
-          </a:xfrm>
-          <a:prstGeom prst="rect">
-            <a:avLst/>
-          </a:prstGeom>
-          <a:noFill/>
-        </p:spPr>
-        <p:txBody>
-          <a:bodyPr wrap="square">
-            <a:spAutoFit/>
-          </a:bodyPr>
-          <a:lstStyle/>
-          <a:p>
-            <a:pPr algn="just">
-              <a:lnSpc>
-                <a:spcPct val="150000"/>
-              </a:lnSpc>
-            </a:pPr>
-            <a:r>
-              <a:rPr lang="es-ES" sz="2000" b="1" i="0" dirty="0">
-                <a:solidFill>
-                  <a:schemeClr val="accent6">
-                    <a:lumMod val="75000"/>
-                  </a:schemeClr>
-                </a:solidFill>
-                <a:effectLst/>
-              </a:rPr>
-              <a:t>\w </a:t>
-            </a:r>
-            <a:r>
-              <a:rPr lang="es-ES" sz="2000" i="0" dirty="0" err="1">
-                <a:solidFill>
-                  <a:schemeClr val="tx1">
-                    <a:lumMod val="95000"/>
-                    <a:lumOff val="5000"/>
-                  </a:schemeClr>
-                </a:solidFill>
-                <a:effectLst/>
-              </a:rPr>
-              <a:t>Caracte</a:t>
-            </a:r>
-            <a:r>
-              <a:rPr lang="es-ES" sz="2000" dirty="0" err="1">
-                <a:solidFill>
-                  <a:schemeClr val="tx1">
-                    <a:lumMod val="95000"/>
-                    <a:lumOff val="5000"/>
-                  </a:schemeClr>
-                </a:solidFill>
-              </a:rPr>
-              <a:t>r</a:t>
-            </a:r>
-            <a:r>
-              <a:rPr lang="es-ES" sz="2000" dirty="0">
-                <a:solidFill>
-                  <a:schemeClr val="tx1">
-                    <a:lumMod val="95000"/>
-                    <a:lumOff val="5000"/>
-                  </a:schemeClr>
-                </a:solidFill>
-              </a:rPr>
-              <a:t> o guion bajo.</a:t>
-            </a:r>
-          </a:p>
-          <a:p>
-            <a:pPr algn="just">
-              <a:lnSpc>
-                <a:spcPct val="150000"/>
-              </a:lnSpc>
-            </a:pPr>
-            <a:r>
-              <a:rPr lang="es-ES" sz="2000" b="1" dirty="0">
-                <a:solidFill>
-                  <a:schemeClr val="accent6">
-                    <a:lumMod val="75000"/>
-                  </a:schemeClr>
-                </a:solidFill>
-              </a:rPr>
-              <a:t>+ </a:t>
-            </a:r>
-            <a:r>
-              <a:rPr lang="es-ES" sz="2000" dirty="0">
-                <a:solidFill>
-                  <a:schemeClr val="tx1">
-                    <a:lumMod val="95000"/>
-                    <a:lumOff val="5000"/>
-                  </a:schemeClr>
-                </a:solidFill>
-              </a:rPr>
-              <a:t>Uno o más caracteres</a:t>
-            </a:r>
-          </a:p>
-          <a:p>
-            <a:pPr algn="just">
-              <a:lnSpc>
-                <a:spcPct val="150000"/>
-              </a:lnSpc>
-            </a:pPr>
-            <a:r>
-              <a:rPr lang="es-ES" sz="2000" b="1" dirty="0">
-                <a:solidFill>
-                  <a:schemeClr val="accent6">
-                    <a:lumMod val="75000"/>
-                  </a:schemeClr>
-                </a:solidFill>
-              </a:rPr>
-              <a:t>\s </a:t>
-            </a:r>
-            <a:r>
-              <a:rPr lang="es-ES" sz="2000" dirty="0">
-                <a:solidFill>
-                  <a:schemeClr val="tx1">
-                    <a:lumMod val="95000"/>
-                    <a:lumOff val="5000"/>
-                  </a:schemeClr>
-                </a:solidFill>
-              </a:rPr>
-              <a:t>Espacio</a:t>
-            </a:r>
-          </a:p>
-          <a:p>
-            <a:pPr algn="just">
-              <a:lnSpc>
-                <a:spcPct val="150000"/>
-              </a:lnSpc>
-            </a:pPr>
-            <a:r>
-              <a:rPr lang="es-ES" sz="2000" b="1" dirty="0">
-                <a:solidFill>
-                  <a:schemeClr val="accent6">
-                    <a:lumMod val="75000"/>
-                  </a:schemeClr>
-                </a:solidFill>
-              </a:rPr>
-              <a:t>^ </a:t>
-            </a:r>
-            <a:r>
-              <a:rPr lang="es-ES" sz="2000" dirty="0">
-                <a:solidFill>
-                  <a:schemeClr val="tx1">
-                    <a:lumMod val="95000"/>
-                    <a:lumOff val="5000"/>
-                  </a:schemeClr>
-                </a:solidFill>
-              </a:rPr>
-              <a:t>Al inicio de la línea</a:t>
-            </a:r>
-          </a:p>
-          <a:p>
-            <a:pPr algn="just">
-              <a:lnSpc>
-                <a:spcPct val="150000"/>
-              </a:lnSpc>
-            </a:pPr>
-            <a:r>
-              <a:rPr lang="es-ES" sz="2000" b="1" dirty="0">
-                <a:solidFill>
-                  <a:schemeClr val="accent6">
-                    <a:lumMod val="75000"/>
-                  </a:schemeClr>
-                </a:solidFill>
-              </a:rPr>
-              <a:t>$ </a:t>
-            </a:r>
-            <a:r>
-              <a:rPr lang="es-ES" sz="2000" dirty="0">
-                <a:solidFill>
-                  <a:schemeClr val="tx1">
-                    <a:lumMod val="95000"/>
-                    <a:lumOff val="5000"/>
-                  </a:schemeClr>
-                </a:solidFill>
-              </a:rPr>
-              <a:t>Al final de la línea</a:t>
-            </a:r>
-          </a:p>
-          <a:p>
-            <a:pPr algn="just">
-              <a:lnSpc>
-                <a:spcPct val="150000"/>
-              </a:lnSpc>
-            </a:pPr>
-            <a:r>
-              <a:rPr lang="es-ES" sz="2000" b="1" dirty="0">
-                <a:solidFill>
-                  <a:schemeClr val="accent6">
-                    <a:lumMod val="75000"/>
-                  </a:schemeClr>
-                </a:solidFill>
-              </a:rPr>
-              <a:t>? </a:t>
-            </a:r>
-            <a:r>
-              <a:rPr lang="es-ES" sz="2000" dirty="0">
-                <a:solidFill>
-                  <a:schemeClr val="tx1">
-                    <a:lumMod val="95000"/>
-                    <a:lumOff val="5000"/>
-                  </a:schemeClr>
-                </a:solidFill>
-              </a:rPr>
-              <a:t>O o más</a:t>
-            </a:r>
-          </a:p>
-        </p:txBody>
-      </p:sp>
-      <p:sp>
-        <p:nvSpPr>
-          <p:cNvPr id="8" name="CuadroTexto 7">
-            <a:extLst>
-              <a:ext uri="{FF2B5EF4-FFF2-40B4-BE49-F238E27FC236}">
-                <a16:creationId xmlns:a16="http://schemas.microsoft.com/office/drawing/2014/main" id="{483A51E2-20D8-491F-9488-1827DD8F8899}"/>
-              </a:ext>
-            </a:extLst>
-          </p:cNvPr>
-          <p:cNvSpPr txBox="1"/>
-          <p:nvPr/>
-        </p:nvSpPr>
-        <p:spPr>
-          <a:xfrm>
-            <a:off x="607884" y="4436547"/>
-            <a:ext cx="4396164" cy="2246769"/>
-          </a:xfrm>
-          <a:prstGeom prst="rect">
-            <a:avLst/>
-          </a:prstGeom>
-          <a:noFill/>
-        </p:spPr>
-        <p:txBody>
-          <a:bodyPr wrap="square">
-            <a:spAutoFit/>
-          </a:bodyPr>
-          <a:lstStyle/>
-          <a:p>
-            <a:pPr algn="just">
-              <a:lnSpc>
-                <a:spcPts val="2400"/>
-              </a:lnSpc>
-            </a:pPr>
-            <a:r>
-              <a:rPr lang="es-ES" sz="2000" i="0" dirty="0">
-                <a:solidFill>
-                  <a:schemeClr val="tx1">
-                    <a:lumMod val="95000"/>
-                    <a:lumOff val="5000"/>
-                  </a:schemeClr>
-                </a:solidFill>
-                <a:effectLst/>
-              </a:rPr>
-              <a:t>Al inicio de la cadena de texto, encuentres caracteres de palabra</a:t>
-            </a:r>
-            <a:r>
-              <a:rPr lang="es-ES" sz="2000" dirty="0">
-                <a:solidFill>
-                  <a:schemeClr val="tx1">
-                    <a:lumMod val="95000"/>
-                    <a:lumOff val="5000"/>
-                  </a:schemeClr>
-                </a:solidFill>
-              </a:rPr>
-              <a:t>, uno o más, un espacio, caracteres de palabra, uno o más, un espacio cero o más al final de la cadena de texto</a:t>
-            </a:r>
-            <a:r>
-              <a:rPr lang="es-ES" sz="2000" i="0" dirty="0">
-                <a:solidFill>
-                  <a:schemeClr val="tx1">
-                    <a:lumMod val="95000"/>
-                    <a:lumOff val="5000"/>
-                  </a:schemeClr>
-                </a:solidFill>
-                <a:effectLst/>
-              </a:rPr>
-              <a:t>.</a:t>
-            </a:r>
-          </a:p>
-          <a:p>
-            <a:pPr algn="just">
-              <a:lnSpc>
-                <a:spcPts val="2400"/>
-              </a:lnSpc>
-            </a:pPr>
-            <a:r>
-              <a:rPr lang="es-ES" sz="2000" b="1" dirty="0">
-                <a:solidFill>
-                  <a:schemeClr val="tx1">
-                    <a:lumMod val="95000"/>
-                    <a:lumOff val="5000"/>
-                  </a:schemeClr>
-                </a:solidFill>
-              </a:rPr>
-              <a:t>\s</a:t>
-            </a:r>
-            <a:r>
-              <a:rPr lang="es-ES" sz="2000" b="1" dirty="0">
-                <a:solidFill>
-                  <a:schemeClr val="accent6">
-                    <a:lumMod val="75000"/>
-                  </a:schemeClr>
-                </a:solidFill>
-              </a:rPr>
-              <a:t>?</a:t>
-            </a:r>
-            <a:r>
-              <a:rPr lang="es-ES" sz="2000" b="1" dirty="0">
-                <a:solidFill>
-                  <a:schemeClr val="tx1">
-                    <a:lumMod val="95000"/>
-                    <a:lumOff val="5000"/>
-                  </a:schemeClr>
-                </a:solidFill>
-              </a:rPr>
-              <a:t>\w+</a:t>
-            </a:r>
-            <a:r>
-              <a:rPr lang="es-ES" sz="2000" b="1" dirty="0">
-                <a:solidFill>
-                  <a:schemeClr val="accent6">
-                    <a:lumMod val="75000"/>
-                  </a:schemeClr>
-                </a:solidFill>
-              </a:rPr>
-              <a:t>?</a:t>
-            </a:r>
-            <a:r>
-              <a:rPr lang="es-ES" sz="2000" b="1" dirty="0">
-                <a:solidFill>
-                  <a:schemeClr val="tx1">
-                    <a:lumMod val="95000"/>
-                    <a:lumOff val="5000"/>
-                  </a:schemeClr>
-                </a:solidFill>
-              </a:rPr>
-              <a:t> Opcional espacio y carácter de palabra.</a:t>
-            </a:r>
-          </a:p>
-        </p:txBody>
-      </p:sp>
-      <p:pic>
-        <p:nvPicPr>
-          <p:cNvPr id="4" name="Imagen 3">
-            <a:extLst>
-              <a:ext uri="{FF2B5EF4-FFF2-40B4-BE49-F238E27FC236}">
-                <a16:creationId xmlns:a16="http://schemas.microsoft.com/office/drawing/2014/main" id="{3D302044-8FBD-4141-AF0D-9775E0EA48E8}"/>
+                <a16:creationId xmlns:a16="http://schemas.microsoft.com/office/drawing/2014/main" id="{C3B79B8F-0030-4A52-B38F-3E49C6389F5B}"/>
               </a:ext>
             </a:extLst>
           </p:cNvPr>
@@ -15301,8 +15199,8 @@
         </p:blipFill>
         <p:spPr>
           <a:xfrm>
-            <a:off x="5153022" y="1700808"/>
-            <a:ext cx="3501526" cy="4671301"/>
+            <a:off x="2400300" y="1119402"/>
+            <a:ext cx="4343400" cy="5648325"/>
           </a:xfrm>
           <a:prstGeom prst="rect">
             <a:avLst/>
@@ -15312,7 +15210,7 @@
     </p:spTree>
     <p:extLst>
       <p:ext uri="{BB962C8B-B14F-4D97-AF65-F5344CB8AC3E}">
-        <p14:creationId xmlns:p14="http://schemas.microsoft.com/office/powerpoint/2010/main" val="3833007669"/>
+        <p14:creationId xmlns:p14="http://schemas.microsoft.com/office/powerpoint/2010/main" val="873268359"/>
       </p:ext>
     </p:extLst>
   </p:cSld>
@@ -15351,7 +15249,7 @@
         </p:nvSpPr>
         <p:spPr>
           <a:xfrm>
-            <a:off x="289721" y="4056"/>
+            <a:off x="390364" y="260648"/>
             <a:ext cx="8363272" cy="1143000"/>
           </a:xfrm>
         </p:spPr>
@@ -15365,7 +15263,7 @@
               <a:defRPr/>
             </a:pPr>
             <a:r>
-              <a:rPr lang="es-MX" b="1">
+              <a:rPr lang="es-MX" b="1" dirty="0">
                 <a:solidFill>
                   <a:schemeClr val="accent4">
                     <a:lumMod val="50000"/>
@@ -15378,58 +15276,112 @@
                 </a:effectLst>
                 <a:latin typeface="Dom Casual" charset="0"/>
               </a:rPr>
-              <a:t>Expresión regular</a:t>
-            </a:r>
-            <a:endParaRPr lang="es-MX" b="1" dirty="0">
-              <a:solidFill>
-                <a:schemeClr val="accent4">
-                  <a:lumMod val="50000"/>
-                </a:schemeClr>
-              </a:solidFill>
-              <a:effectLst>
-                <a:outerShdw blurRad="38100" dist="38100" dir="2700000" algn="tl">
-                  <a:srgbClr val="C0C0C0"/>
-                </a:outerShdw>
-              </a:effectLst>
-              <a:latin typeface="Dom Casual" charset="0"/>
-            </a:endParaRPr>
-          </a:p>
-        </p:txBody>
-      </p:sp>
-      <p:pic>
-        <p:nvPicPr>
-          <p:cNvPr id="3" name="Imagen 2">
+              <a:t>Grupos</a:t>
+            </a:r>
+          </a:p>
+        </p:txBody>
+      </p:sp>
+      <p:sp>
+        <p:nvSpPr>
+          <p:cNvPr id="5" name="CuadroTexto 4">
             <a:extLst>
               <a:ext uri="{FF2B5EF4-FFF2-40B4-BE49-F238E27FC236}">
-                <a16:creationId xmlns:a16="http://schemas.microsoft.com/office/drawing/2014/main" id="{C3B79B8F-0030-4A52-B38F-3E49C6389F5B}"/>
+                <a16:creationId xmlns:a16="http://schemas.microsoft.com/office/drawing/2014/main" id="{F5D927B0-3579-4E54-99D7-681F443BC962}"/>
               </a:ext>
             </a:extLst>
           </p:cNvPr>
-          <p:cNvPicPr>
-            <a:picLocks noChangeAspect="1"/>
-          </p:cNvPicPr>
+          <p:cNvSpPr txBox="1"/>
           <p:nvPr/>
-        </p:nvPicPr>
-        <p:blipFill>
-          <a:blip r:embed="rId3"/>
-          <a:stretch>
-            <a:fillRect/>
-          </a:stretch>
-        </p:blipFill>
-        <p:spPr>
-          <a:xfrm>
-            <a:off x="2400300" y="1119402"/>
-            <a:ext cx="4343400" cy="5648325"/>
+        </p:nvSpPr>
+        <p:spPr>
+          <a:xfrm>
+            <a:off x="1187624" y="2046744"/>
+            <a:ext cx="7056784" cy="2352952"/>
           </a:xfrm>
           <a:prstGeom prst="rect">
             <a:avLst/>
           </a:prstGeom>
-        </p:spPr>
-      </p:pic>
+          <a:noFill/>
+        </p:spPr>
+        <p:txBody>
+          <a:bodyPr wrap="square">
+            <a:spAutoFit/>
+          </a:bodyPr>
+          <a:lstStyle/>
+          <a:p>
+            <a:pPr>
+              <a:lnSpc>
+                <a:spcPct val="150000"/>
+              </a:lnSpc>
+            </a:pPr>
+            <a:r>
+              <a:rPr lang="es-MX" sz="2000" b="1" dirty="0"/>
+              <a:t>[]</a:t>
+            </a:r>
+            <a:r>
+              <a:rPr lang="es-MX" sz="2000" dirty="0"/>
+              <a:t>	Encuentra caracteres en corchetes</a:t>
+            </a:r>
+          </a:p>
+          <a:p>
+            <a:pPr>
+              <a:lnSpc>
+                <a:spcPct val="150000"/>
+              </a:lnSpc>
+            </a:pPr>
+            <a:r>
+              <a:rPr lang="es-MX" sz="2000" b="1" dirty="0"/>
+              <a:t>[^ ]</a:t>
+            </a:r>
+            <a:r>
+              <a:rPr lang="es-MX" sz="2000" dirty="0"/>
+              <a:t>	Encuentra caracteres que no están dentro de corchetes</a:t>
+            </a:r>
+          </a:p>
+          <a:p>
+            <a:pPr>
+              <a:lnSpc>
+                <a:spcPct val="150000"/>
+              </a:lnSpc>
+            </a:pPr>
+            <a:r>
+              <a:rPr lang="es-MX" sz="2000" b="1" dirty="0"/>
+              <a:t>|</a:t>
+            </a:r>
+            <a:r>
+              <a:rPr lang="es-MX" sz="2000" dirty="0"/>
+              <a:t>	Condicional O</a:t>
+            </a:r>
+          </a:p>
+          <a:p>
+            <a:pPr>
+              <a:lnSpc>
+                <a:spcPct val="150000"/>
+              </a:lnSpc>
+            </a:pPr>
+            <a:r>
+              <a:rPr lang="es-MX" sz="2000" b="1" dirty="0"/>
+              <a:t>()	</a:t>
+            </a:r>
+            <a:r>
+              <a:rPr lang="es-MX" sz="2000" dirty="0"/>
+              <a:t>Grupos</a:t>
+            </a:r>
+          </a:p>
+          <a:p>
+            <a:pPr>
+              <a:lnSpc>
+                <a:spcPct val="150000"/>
+              </a:lnSpc>
+            </a:pPr>
+            <a:endParaRPr lang="es-MX" sz="2000" dirty="0"/>
+          </a:p>
+        </p:txBody>
+      </p:sp>
     </p:spTree>
     <p:extLst>
       <p:ext uri="{BB962C8B-B14F-4D97-AF65-F5344CB8AC3E}">
-        <p14:creationId xmlns:p14="http://schemas.microsoft.com/office/powerpoint/2010/main" val="873268359"/>
+        <p14:creationId xmlns:p14="http://schemas.microsoft.com/office/powerpoint/2010/main" val="4213194641"/>
       </p:ext>
     </p:extLst>
   </p:cSld>
@@ -15468,7 +15420,7 @@
         </p:nvSpPr>
         <p:spPr>
           <a:xfrm>
-            <a:off x="390364" y="260648"/>
+            <a:off x="251520" y="116632"/>
             <a:ext cx="8363272" cy="1143000"/>
           </a:xfrm>
         </p:spPr>
@@ -15514,8 +15466,8 @@
         </p:nvSpPr>
         <p:spPr>
           <a:xfrm>
-            <a:off x="1187624" y="2046744"/>
-            <a:ext cx="7056784" cy="2352952"/>
+            <a:off x="1259632" y="1628800"/>
+            <a:ext cx="7056784" cy="506292"/>
           </a:xfrm>
           <a:prstGeom prst="rect">
             <a:avLst/>
@@ -15535,72 +15487,100 @@
             </a:pPr>
             <a:r>
               <a:rPr lang="es-MX" sz="2000" b="1" dirty="0"/>
-              <a:t>[]</a:t>
+              <a:t>Ejemplo: </a:t>
             </a:r>
             <a:r>
               <a:rPr lang="es-MX" sz="2000" dirty="0"/>
-              <a:t>	Encuentra caracteres en corchetes</a:t>
-            </a:r>
-          </a:p>
-          <a:p>
-            <a:pPr>
+              <a:t>Identificar números telefónicos y agrupar la lada.</a:t>
+            </a:r>
+          </a:p>
+        </p:txBody>
+      </p:sp>
+      <p:sp>
+        <p:nvSpPr>
+          <p:cNvPr id="4" name="CuadroTexto 3">
+            <a:extLst>
+              <a:ext uri="{FF2B5EF4-FFF2-40B4-BE49-F238E27FC236}">
+                <a16:creationId xmlns:a16="http://schemas.microsoft.com/office/drawing/2014/main" id="{B8F537AB-6E7D-42EE-B6D8-7CF10886F935}"/>
+              </a:ext>
+            </a:extLst>
+          </p:cNvPr>
+          <p:cNvSpPr txBox="1"/>
+          <p:nvPr/>
+        </p:nvSpPr>
+        <p:spPr>
+          <a:xfrm>
+            <a:off x="924309" y="990633"/>
+            <a:ext cx="7017694" cy="393698"/>
+          </a:xfrm>
+          <a:prstGeom prst="rect">
+            <a:avLst/>
+          </a:prstGeom>
+          <a:noFill/>
+        </p:spPr>
+        <p:txBody>
+          <a:bodyPr wrap="square">
+            <a:spAutoFit/>
+          </a:bodyPr>
+          <a:lstStyle/>
+          <a:p>
+            <a:pPr algn="ctr" fontAlgn="base">
               <a:lnSpc>
-                <a:spcPct val="150000"/>
+                <a:spcPts val="2500"/>
               </a:lnSpc>
+              <a:spcAft>
+                <a:spcPts val="600"/>
+              </a:spcAft>
             </a:pPr>
             <a:r>
-              <a:rPr lang="es-MX" sz="2000" b="1" dirty="0"/>
-              <a:t>[^ ]</a:t>
-            </a:r>
-            <a:r>
-              <a:rPr lang="es-MX" sz="2000" dirty="0"/>
-              <a:t>	Encuentra caracteres que no están dentro de corchetes</a:t>
-            </a:r>
-          </a:p>
-          <a:p>
-            <a:pPr>
-              <a:lnSpc>
-                <a:spcPct val="150000"/>
-              </a:lnSpc>
-            </a:pPr>
-            <a:r>
-              <a:rPr lang="es-MX" sz="2000" b="1" dirty="0"/>
-              <a:t>|</a:t>
-            </a:r>
-            <a:r>
-              <a:rPr lang="es-MX" sz="2000" dirty="0"/>
-              <a:t>	Condicional O</a:t>
-            </a:r>
-          </a:p>
-          <a:p>
-            <a:pPr>
-              <a:lnSpc>
-                <a:spcPct val="150000"/>
-              </a:lnSpc>
-            </a:pPr>
-            <a:r>
-              <a:rPr lang="es-MX" sz="2000" b="1" dirty="0"/>
-              <a:t>()	</a:t>
-            </a:r>
-            <a:r>
-              <a:rPr lang="es-MX" sz="2000" dirty="0"/>
-              <a:t>Grupos</a:t>
-            </a:r>
-          </a:p>
-          <a:p>
-            <a:pPr>
-              <a:lnSpc>
-                <a:spcPct val="150000"/>
-              </a:lnSpc>
-            </a:pPr>
-            <a:endParaRPr lang="es-MX" sz="2000" dirty="0"/>
-          </a:p>
-        </p:txBody>
-      </p:sp>
+              <a:rPr lang="es-ES" b="1" i="0" dirty="0">
+                <a:solidFill>
+                  <a:schemeClr val="accent6">
+                    <a:lumMod val="75000"/>
+                  </a:schemeClr>
+                </a:solidFill>
+                <a:effectLst/>
+                <a:latin typeface="inherit"/>
+              </a:rPr>
+              <a:t>() Grupos  </a:t>
+            </a:r>
+          </a:p>
+        </p:txBody>
+      </p:sp>
+      <p:pic>
+        <p:nvPicPr>
+          <p:cNvPr id="3" name="Imagen 2">
+            <a:extLst>
+              <a:ext uri="{FF2B5EF4-FFF2-40B4-BE49-F238E27FC236}">
+                <a16:creationId xmlns:a16="http://schemas.microsoft.com/office/drawing/2014/main" id="{11BF9F01-638F-40F7-AC3B-29A9F44933FC}"/>
+              </a:ext>
+            </a:extLst>
+          </p:cNvPr>
+          <p:cNvPicPr>
+            <a:picLocks noChangeAspect="1"/>
+          </p:cNvPicPr>
+          <p:nvPr/>
+        </p:nvPicPr>
+        <p:blipFill>
+          <a:blip r:embed="rId3"/>
+          <a:stretch>
+            <a:fillRect/>
+          </a:stretch>
+        </p:blipFill>
+        <p:spPr>
+          <a:xfrm>
+            <a:off x="1258811" y="2488915"/>
+            <a:ext cx="5935459" cy="3714765"/>
+          </a:xfrm>
+          <a:prstGeom prst="rect">
+            <a:avLst/>
+          </a:prstGeom>
+        </p:spPr>
+      </p:pic>
     </p:spTree>
     <p:extLst>
       <p:ext uri="{BB962C8B-B14F-4D97-AF65-F5344CB8AC3E}">
-        <p14:creationId xmlns:p14="http://schemas.microsoft.com/office/powerpoint/2010/main" val="4213194641"/>
+        <p14:creationId xmlns:p14="http://schemas.microsoft.com/office/powerpoint/2010/main" val="647178352"/>
       </p:ext>
     </p:extLst>
   </p:cSld>
@@ -15639,7 +15619,7 @@
         </p:nvSpPr>
         <p:spPr>
           <a:xfrm>
-            <a:off x="251520" y="116632"/>
+            <a:off x="390364" y="260648"/>
             <a:ext cx="8363272" cy="1143000"/>
           </a:xfrm>
         </p:spPr>
@@ -15685,8 +15665,8 @@
         </p:nvSpPr>
         <p:spPr>
           <a:xfrm>
-            <a:off x="1259632" y="1628800"/>
-            <a:ext cx="7056784" cy="506292"/>
+            <a:off x="713980" y="1648459"/>
+            <a:ext cx="7890467" cy="967957"/>
           </a:xfrm>
           <a:prstGeom prst="rect">
             <a:avLst/>
@@ -15710,7 +15690,7 @@
             </a:r>
             <a:r>
               <a:rPr lang="es-MX" sz="2000" dirty="0"/>
-              <a:t>Identificar números telefónicos y agrupar la lada.</a:t>
+              <a:t>Identificar los números telefónicos que comiencen con 1 o 2 después de la lada 442.</a:t>
             </a:r>
           </a:p>
         </p:txBody>
@@ -15729,7 +15709,7 @@
         </p:nvSpPr>
         <p:spPr>
           <a:xfrm>
-            <a:off x="924309" y="990633"/>
+            <a:off x="1063153" y="1134649"/>
             <a:ext cx="7017694" cy="393698"/>
           </a:xfrm>
           <a:prstGeom prst="rect">
@@ -15768,10 +15748,10 @@
       </p:sp>
       <p:pic>
         <p:nvPicPr>
-          <p:cNvPr id="3" name="Imagen 2">
+          <p:cNvPr id="7" name="Imagen 6">
             <a:extLst>
               <a:ext uri="{FF2B5EF4-FFF2-40B4-BE49-F238E27FC236}">
-                <a16:creationId xmlns:a16="http://schemas.microsoft.com/office/drawing/2014/main" id="{11BF9F01-638F-40F7-AC3B-29A9F44933FC}"/>
+                <a16:creationId xmlns:a16="http://schemas.microsoft.com/office/drawing/2014/main" id="{BF36162E-AB01-4082-9DCC-64CA926DEA3F}"/>
               </a:ext>
             </a:extLst>
           </p:cNvPr>
@@ -15788,8 +15768,8 @@
         </p:blipFill>
         <p:spPr>
           <a:xfrm>
-            <a:off x="1258811" y="2488915"/>
-            <a:ext cx="5935459" cy="3714765"/>
+            <a:off x="1143000" y="2861227"/>
+            <a:ext cx="6858000" cy="2990850"/>
           </a:xfrm>
           <a:prstGeom prst="rect">
             <a:avLst/>
@@ -15799,7 +15779,7 @@
     </p:spTree>
     <p:extLst>
       <p:ext uri="{BB962C8B-B14F-4D97-AF65-F5344CB8AC3E}">
-        <p14:creationId xmlns:p14="http://schemas.microsoft.com/office/powerpoint/2010/main" val="647178352"/>
+        <p14:creationId xmlns:p14="http://schemas.microsoft.com/office/powerpoint/2010/main" val="2219602021"/>
       </p:ext>
     </p:extLst>
   </p:cSld>
@@ -15838,7 +15818,7 @@
         </p:nvSpPr>
         <p:spPr>
           <a:xfrm>
-            <a:off x="390364" y="260648"/>
+            <a:off x="390364" y="114351"/>
             <a:ext cx="8363272" cy="1143000"/>
           </a:xfrm>
         </p:spPr>
@@ -15905,11 +15885,11 @@
             </a:pPr>
             <a:r>
               <a:rPr lang="es-MX" sz="2000" b="1" dirty="0"/>
-              <a:t>Ejemplo: </a:t>
+              <a:t>Ejemplo:</a:t>
             </a:r>
             <a:r>
               <a:rPr lang="es-MX" sz="2000" dirty="0"/>
-              <a:t>Identificar los números telefónicos que comiencen con 1 o 2 después de la lada 442.</a:t>
+              <a:t> Identificar los números telefónicos que comiencen con 1 o 3 después de la lada 442.</a:t>
             </a:r>
           </a:p>
         </p:txBody>
@@ -15960,17 +15940,17 @@
                 <a:effectLst/>
                 <a:latin typeface="inherit"/>
               </a:rPr>
-              <a:t>() Grupos  </a:t>
+              <a:t>[] Encuentra caracteres en corchetes</a:t>
             </a:r>
           </a:p>
         </p:txBody>
       </p:sp>
       <p:pic>
         <p:nvPicPr>
-          <p:cNvPr id="7" name="Imagen 6">
+          <p:cNvPr id="3" name="Imagen 2">
             <a:extLst>
               <a:ext uri="{FF2B5EF4-FFF2-40B4-BE49-F238E27FC236}">
-                <a16:creationId xmlns:a16="http://schemas.microsoft.com/office/drawing/2014/main" id="{BF36162E-AB01-4082-9DCC-64CA926DEA3F}"/>
+                <a16:creationId xmlns:a16="http://schemas.microsoft.com/office/drawing/2014/main" id="{562FCA3F-B241-48B1-887C-80AB7500A0F6}"/>
               </a:ext>
             </a:extLst>
           </p:cNvPr>
@@ -15987,8 +15967,8 @@
         </p:blipFill>
         <p:spPr>
           <a:xfrm>
-            <a:off x="1143000" y="2861227"/>
-            <a:ext cx="6858000" cy="2990850"/>
+            <a:off x="1143000" y="2996952"/>
+            <a:ext cx="6858000" cy="3048000"/>
           </a:xfrm>
           <a:prstGeom prst="rect">
             <a:avLst/>
@@ -15998,7 +15978,7 @@
     </p:spTree>
     <p:extLst>
       <p:ext uri="{BB962C8B-B14F-4D97-AF65-F5344CB8AC3E}">
-        <p14:creationId xmlns:p14="http://schemas.microsoft.com/office/powerpoint/2010/main" val="2219602021"/>
+        <p14:creationId xmlns:p14="http://schemas.microsoft.com/office/powerpoint/2010/main" val="1483557897"/>
       </p:ext>
     </p:extLst>
   </p:cSld>
@@ -16253,7 +16233,7 @@
         </p:nvSpPr>
         <p:spPr>
           <a:xfrm>
-            <a:off x="390364" y="114351"/>
+            <a:off x="390364" y="260648"/>
             <a:ext cx="8363272" cy="1143000"/>
           </a:xfrm>
         </p:spPr>
@@ -16299,8 +16279,8 @@
         </p:nvSpPr>
         <p:spPr>
           <a:xfrm>
-            <a:off x="713980" y="1648459"/>
-            <a:ext cx="7890467" cy="967957"/>
+            <a:off x="971600" y="1775513"/>
+            <a:ext cx="7890467" cy="506292"/>
           </a:xfrm>
           <a:prstGeom prst="rect">
             <a:avLst/>
@@ -16324,7 +16304,7 @@
             </a:r>
             <a:r>
               <a:rPr lang="es-MX" sz="2000" dirty="0"/>
-              <a:t> Identificar los números telefónicos que comiencen con 1 o 3 después de la lada 442.</a:t>
+              <a:t> Identificar las letras y dígitos.</a:t>
             </a:r>
           </a:p>
         </p:txBody>
@@ -16382,10 +16362,10 @@
       </p:sp>
       <p:pic>
         <p:nvPicPr>
-          <p:cNvPr id="3" name="Imagen 2">
+          <p:cNvPr id="6" name="Imagen 5">
             <a:extLst>
               <a:ext uri="{FF2B5EF4-FFF2-40B4-BE49-F238E27FC236}">
-                <a16:creationId xmlns:a16="http://schemas.microsoft.com/office/drawing/2014/main" id="{562FCA3F-B241-48B1-887C-80AB7500A0F6}"/>
+                <a16:creationId xmlns:a16="http://schemas.microsoft.com/office/drawing/2014/main" id="{153C4AD9-FDC2-4B87-A643-2E5D785B084E}"/>
               </a:ext>
             </a:extLst>
           </p:cNvPr>
@@ -16402,8 +16382,8 @@
         </p:blipFill>
         <p:spPr>
           <a:xfrm>
-            <a:off x="1143000" y="2996952"/>
-            <a:ext cx="6858000" cy="3048000"/>
+            <a:off x="1063153" y="2612553"/>
+            <a:ext cx="6877050" cy="3095625"/>
           </a:xfrm>
           <a:prstGeom prst="rect">
             <a:avLst/>
@@ -16413,7 +16393,7 @@
     </p:spTree>
     <p:extLst>
       <p:ext uri="{BB962C8B-B14F-4D97-AF65-F5344CB8AC3E}">
-        <p14:creationId xmlns:p14="http://schemas.microsoft.com/office/powerpoint/2010/main" val="1483557897"/>
+        <p14:creationId xmlns:p14="http://schemas.microsoft.com/office/powerpoint/2010/main" val="4097825035"/>
       </p:ext>
     </p:extLst>
   </p:cSld>
@@ -16519,11 +16499,11 @@
             </a:pPr>
             <a:r>
               <a:rPr lang="es-MX" sz="2000" b="1" dirty="0"/>
-              <a:t>Ejemplo:</a:t>
+              <a:t>Ejemplo: </a:t>
             </a:r>
             <a:r>
               <a:rPr lang="es-MX" sz="2000" dirty="0"/>
-              <a:t> Identificar las letras y dígitos.</a:t>
+              <a:t>Identificar todos los caracteres que no son letras minúsculas.</a:t>
             </a:r>
           </a:p>
         </p:txBody>
@@ -16574,17 +16554,17 @@
                 <a:effectLst/>
                 <a:latin typeface="inherit"/>
               </a:rPr>
-              <a:t>[] Encuentra caracteres en corchetes</a:t>
+              <a:t>[^] Encuentra caracteres no están dentro de corchetes</a:t>
             </a:r>
           </a:p>
         </p:txBody>
       </p:sp>
       <p:pic>
         <p:nvPicPr>
-          <p:cNvPr id="6" name="Imagen 5">
+          <p:cNvPr id="3" name="Imagen 2">
             <a:extLst>
               <a:ext uri="{FF2B5EF4-FFF2-40B4-BE49-F238E27FC236}">
-                <a16:creationId xmlns:a16="http://schemas.microsoft.com/office/drawing/2014/main" id="{153C4AD9-FDC2-4B87-A643-2E5D785B084E}"/>
+                <a16:creationId xmlns:a16="http://schemas.microsoft.com/office/drawing/2014/main" id="{5FCCE2F5-84A8-4D1F-BC8C-225CA58F9C21}"/>
               </a:ext>
             </a:extLst>
           </p:cNvPr>
@@ -16601,8 +16581,8 @@
         </p:blipFill>
         <p:spPr>
           <a:xfrm>
-            <a:off x="1063153" y="2612553"/>
-            <a:ext cx="6877050" cy="3095625"/>
+            <a:off x="1331640" y="2653670"/>
+            <a:ext cx="6915150" cy="2971800"/>
           </a:xfrm>
           <a:prstGeom prst="rect">
             <a:avLst/>
@@ -16612,7 +16592,7 @@
     </p:spTree>
     <p:extLst>
       <p:ext uri="{BB962C8B-B14F-4D97-AF65-F5344CB8AC3E}">
-        <p14:creationId xmlns:p14="http://schemas.microsoft.com/office/powerpoint/2010/main" val="4097825035"/>
+        <p14:creationId xmlns:p14="http://schemas.microsoft.com/office/powerpoint/2010/main" val="3835573933"/>
       </p:ext>
     </p:extLst>
   </p:cSld>
@@ -16697,7 +16677,7 @@
         </p:nvSpPr>
         <p:spPr>
           <a:xfrm>
-            <a:off x="971600" y="1775513"/>
+            <a:off x="1296806" y="1837862"/>
             <a:ext cx="7890467" cy="506292"/>
           </a:xfrm>
           <a:prstGeom prst="rect">
@@ -16722,7 +16702,7 @@
             </a:r>
             <a:r>
               <a:rPr lang="es-MX" sz="2000" dirty="0"/>
-              <a:t>Identificar todos los caracteres que no son letras minúsculas.</a:t>
+              <a:t>Identificar todos los caracteres que no son dígitos.</a:t>
             </a:r>
           </a:p>
         </p:txBody>
@@ -16773,17 +16753,17 @@
                 <a:effectLst/>
                 <a:latin typeface="inherit"/>
               </a:rPr>
-              <a:t>[^] Encuentra caracteres no están dentro de corchetes</a:t>
+              <a:t>[^] Encuentra caracteres que no están dentro de corchetes</a:t>
             </a:r>
           </a:p>
         </p:txBody>
       </p:sp>
       <p:pic>
         <p:nvPicPr>
-          <p:cNvPr id="3" name="Imagen 2">
+          <p:cNvPr id="6" name="Imagen 5">
             <a:extLst>
               <a:ext uri="{FF2B5EF4-FFF2-40B4-BE49-F238E27FC236}">
-                <a16:creationId xmlns:a16="http://schemas.microsoft.com/office/drawing/2014/main" id="{5FCCE2F5-84A8-4D1F-BC8C-225CA58F9C21}"/>
+                <a16:creationId xmlns:a16="http://schemas.microsoft.com/office/drawing/2014/main" id="{6A06D8D1-0041-4A5B-AB89-20F25531A6A4}"/>
               </a:ext>
             </a:extLst>
           </p:cNvPr>
@@ -16800,8 +16780,8 @@
         </p:blipFill>
         <p:spPr>
           <a:xfrm>
-            <a:off x="1331640" y="2653670"/>
-            <a:ext cx="6915150" cy="2971800"/>
+            <a:off x="1403648" y="2653669"/>
+            <a:ext cx="6791325" cy="2981325"/>
           </a:xfrm>
           <a:prstGeom prst="rect">
             <a:avLst/>
@@ -16811,7 +16791,7 @@
     </p:spTree>
     <p:extLst>
       <p:ext uri="{BB962C8B-B14F-4D97-AF65-F5344CB8AC3E}">
-        <p14:creationId xmlns:p14="http://schemas.microsoft.com/office/powerpoint/2010/main" val="3835573933"/>
+        <p14:creationId xmlns:p14="http://schemas.microsoft.com/office/powerpoint/2010/main" val="3374492358"/>
       </p:ext>
     </p:extLst>
   </p:cSld>
@@ -16850,7 +16830,7 @@
         </p:nvSpPr>
         <p:spPr>
           <a:xfrm>
-            <a:off x="390364" y="260648"/>
+            <a:off x="390364" y="116632"/>
             <a:ext cx="8363272" cy="1143000"/>
           </a:xfrm>
         </p:spPr>
@@ -16884,10 +16864,10 @@
       </p:sp>
       <p:sp>
         <p:nvSpPr>
-          <p:cNvPr id="5" name="CuadroTexto 4">
+          <p:cNvPr id="7" name="CuadroTexto 6">
             <a:extLst>
               <a:ext uri="{FF2B5EF4-FFF2-40B4-BE49-F238E27FC236}">
-                <a16:creationId xmlns:a16="http://schemas.microsoft.com/office/drawing/2014/main" id="{F5D927B0-3579-4E54-99D7-681F443BC962}"/>
+                <a16:creationId xmlns:a16="http://schemas.microsoft.com/office/drawing/2014/main" id="{4E1DD8D9-5B93-44E0-8677-C81B21CCD7A2}"/>
               </a:ext>
             </a:extLst>
           </p:cNvPr>
@@ -16896,8 +16876,8 @@
         </p:nvSpPr>
         <p:spPr>
           <a:xfrm>
-            <a:off x="1296806" y="1837862"/>
-            <a:ext cx="7890467" cy="506292"/>
+            <a:off x="646172" y="1340768"/>
+            <a:ext cx="7851655" cy="2814617"/>
           </a:xfrm>
           <a:prstGeom prst="rect">
             <a:avLst/>
@@ -16909,6 +16889,43 @@
             <a:spAutoFit/>
           </a:bodyPr>
           <a:lstStyle/>
+          <a:p>
+            <a:pPr marL="342900" indent="-342900">
+              <a:lnSpc>
+                <a:spcPct val="150000"/>
+              </a:lnSpc>
+              <a:buFont typeface="Arial" panose="020B0604020202020204" pitchFamily="34" charset="0"/>
+              <a:buChar char="•"/>
+            </a:pPr>
+            <a:r>
+              <a:rPr lang="es-MX" sz="2000" b="1" dirty="0"/>
+              <a:t>[0-5]+	</a:t>
+            </a:r>
+            <a:r>
+              <a:rPr lang="es-MX" sz="2000" dirty="0"/>
+              <a:t>En los grupos </a:t>
+            </a:r>
+            <a:r>
+              <a:rPr lang="es-MX" sz="2000" b="1" dirty="0"/>
+              <a:t>no </a:t>
+            </a:r>
+            <a:r>
+              <a:rPr lang="es-MX" sz="2000" dirty="0"/>
+              <a:t>es necesario el uso del </a:t>
+            </a:r>
+            <a:r>
+              <a:rPr lang="es-MX" sz="2000" b="1" dirty="0" err="1"/>
+              <a:t>slash</a:t>
+            </a:r>
+            <a:r>
+              <a:rPr lang="es-MX" sz="2000" b="1" dirty="0"/>
+              <a:t> \  </a:t>
+            </a:r>
+            <a:r>
+              <a:rPr lang="es-MX" sz="2000" dirty="0"/>
+              <a:t>para los</a:t>
+            </a:r>
+          </a:p>
           <a:p>
             <a:pPr>
               <a:lnSpc>
@@ -16916,73 +16933,72 @@
               </a:lnSpc>
             </a:pPr>
             <a:r>
+              <a:rPr lang="es-MX" sz="2000" dirty="0"/>
+              <a:t>		</a:t>
+            </a:r>
+            <a:r>
+              <a:rPr lang="es-MX" sz="2000" dirty="0" err="1"/>
+              <a:t>metacaracteres</a:t>
+            </a:r>
+            <a:r>
+              <a:rPr lang="es-MX" sz="2000" dirty="0"/>
+              <a:t> como el punto.</a:t>
+            </a:r>
+            <a:endParaRPr lang="es-MX" sz="2000" b="1" dirty="0"/>
+          </a:p>
+          <a:p>
+            <a:pPr marL="342900" indent="-342900">
+              <a:lnSpc>
+                <a:spcPct val="150000"/>
+              </a:lnSpc>
+              <a:buFont typeface="Arial" panose="020B0604020202020204" pitchFamily="34" charset="0"/>
+              <a:buChar char="•"/>
+            </a:pPr>
+            <a:r>
               <a:rPr lang="es-MX" sz="2000" b="1" dirty="0"/>
-              <a:t>Ejemplo: </a:t>
+              <a:t>[a-</a:t>
+            </a:r>
+            <a:r>
+              <a:rPr lang="es-MX" sz="2000" b="1" dirty="0" err="1"/>
+              <a:t>zA</a:t>
+            </a:r>
+            <a:r>
+              <a:rPr lang="es-MX" sz="2000" b="1" dirty="0"/>
+              <a:t>-Z.@]</a:t>
             </a:r>
             <a:r>
               <a:rPr lang="es-MX" sz="2000" dirty="0"/>
-              <a:t>Identificar todos los caracteres que no son dígitos.</a:t>
-            </a:r>
-          </a:p>
-        </p:txBody>
-      </p:sp>
-      <p:sp>
-        <p:nvSpPr>
-          <p:cNvPr id="4" name="CuadroTexto 3">
+              <a:t>	Encuentra caracteres del abecedario en mayúsculas o 		minúsculas, puntos, arrobas.</a:t>
+            </a:r>
+          </a:p>
+          <a:p>
+            <a:pPr marL="342900" indent="-342900">
+              <a:lnSpc>
+                <a:spcPct val="150000"/>
+              </a:lnSpc>
+              <a:buFont typeface="Arial" panose="020B0604020202020204" pitchFamily="34" charset="0"/>
+              <a:buChar char="•"/>
+            </a:pPr>
+            <a:endParaRPr lang="es-MX" sz="2000" b="1" dirty="0"/>
+          </a:p>
+          <a:p>
+            <a:pPr marL="342900" indent="-342900">
+              <a:lnSpc>
+                <a:spcPct val="150000"/>
+              </a:lnSpc>
+              <a:buFont typeface="Arial" panose="020B0604020202020204" pitchFamily="34" charset="0"/>
+              <a:buChar char="•"/>
+            </a:pPr>
+            <a:endParaRPr lang="es-MX" sz="2000" dirty="0"/>
+          </a:p>
+        </p:txBody>
+      </p:sp>
+      <p:pic>
+        <p:nvPicPr>
+          <p:cNvPr id="8" name="Imagen 7">
             <a:extLst>
               <a:ext uri="{FF2B5EF4-FFF2-40B4-BE49-F238E27FC236}">
-                <a16:creationId xmlns:a16="http://schemas.microsoft.com/office/drawing/2014/main" id="{B8F537AB-6E7D-42EE-B6D8-7CF10886F935}"/>
-              </a:ext>
-            </a:extLst>
-          </p:cNvPr>
-          <p:cNvSpPr txBox="1"/>
-          <p:nvPr/>
-        </p:nvSpPr>
-        <p:spPr>
-          <a:xfrm>
-            <a:off x="1063153" y="1134649"/>
-            <a:ext cx="7017694" cy="393698"/>
-          </a:xfrm>
-          <a:prstGeom prst="rect">
-            <a:avLst/>
-          </a:prstGeom>
-          <a:noFill/>
-        </p:spPr>
-        <p:txBody>
-          <a:bodyPr wrap="square">
-            <a:spAutoFit/>
-          </a:bodyPr>
-          <a:lstStyle/>
-          <a:p>
-            <a:pPr algn="ctr" fontAlgn="base">
-              <a:lnSpc>
-                <a:spcPts val="2500"/>
-              </a:lnSpc>
-              <a:spcAft>
-                <a:spcPts val="600"/>
-              </a:spcAft>
-            </a:pPr>
-            <a:r>
-              <a:rPr lang="es-ES" b="1" i="0" dirty="0">
-                <a:solidFill>
-                  <a:schemeClr val="accent6">
-                    <a:lumMod val="75000"/>
-                  </a:schemeClr>
-                </a:solidFill>
-                <a:effectLst/>
-                <a:latin typeface="inherit"/>
-              </a:rPr>
-              <a:t>[^] Encuentra caracteres que no están dentro de corchetes</a:t>
-            </a:r>
-          </a:p>
-        </p:txBody>
-      </p:sp>
-      <p:pic>
-        <p:nvPicPr>
-          <p:cNvPr id="6" name="Imagen 5">
-            <a:extLst>
-              <a:ext uri="{FF2B5EF4-FFF2-40B4-BE49-F238E27FC236}">
-                <a16:creationId xmlns:a16="http://schemas.microsoft.com/office/drawing/2014/main" id="{6A06D8D1-0041-4A5B-AB89-20F25531A6A4}"/>
+                <a16:creationId xmlns:a16="http://schemas.microsoft.com/office/drawing/2014/main" id="{3FB79202-DD0E-4565-BE9C-63EA25840081}"/>
               </a:ext>
             </a:extLst>
           </p:cNvPr>
@@ -16999,8 +17015,8 @@
         </p:blipFill>
         <p:spPr>
           <a:xfrm>
-            <a:off x="1403648" y="2653669"/>
-            <a:ext cx="6791325" cy="2981325"/>
+            <a:off x="5438936" y="3636481"/>
+            <a:ext cx="3314700" cy="2724150"/>
           </a:xfrm>
           <a:prstGeom prst="rect">
             <a:avLst/>
@@ -17010,7 +17026,7 @@
     </p:spTree>
     <p:extLst>
       <p:ext uri="{BB962C8B-B14F-4D97-AF65-F5344CB8AC3E}">
-        <p14:creationId xmlns:p14="http://schemas.microsoft.com/office/powerpoint/2010/main" val="3374492358"/>
+        <p14:creationId xmlns:p14="http://schemas.microsoft.com/office/powerpoint/2010/main" val="3183765036"/>
       </p:ext>
     </p:extLst>
   </p:cSld>
@@ -17049,7 +17065,7 @@
         </p:nvSpPr>
         <p:spPr>
           <a:xfrm>
-            <a:off x="390364" y="116632"/>
+            <a:off x="390364" y="96243"/>
             <a:ext cx="8363272" cy="1143000"/>
           </a:xfrm>
         </p:spPr>
@@ -17095,8 +17111,8 @@
         </p:nvSpPr>
         <p:spPr>
           <a:xfrm>
-            <a:off x="646172" y="1340768"/>
-            <a:ext cx="7851655" cy="2814617"/>
+            <a:off x="628866" y="1124744"/>
+            <a:ext cx="7886268" cy="967957"/>
           </a:xfrm>
           <a:prstGeom prst="rect">
             <a:avLst/>
@@ -17118,31 +17134,19 @@
             </a:pPr>
             <a:r>
               <a:rPr lang="es-MX" sz="2000" b="1" dirty="0"/>
-              <a:t>[0-5]+	</a:t>
+              <a:t>[^a-</a:t>
+            </a:r>
+            <a:r>
+              <a:rPr lang="es-MX" sz="2000" b="1" dirty="0" err="1"/>
+              <a:t>zA</a:t>
+            </a:r>
+            <a:r>
+              <a:rPr lang="es-MX" sz="2000" b="1" dirty="0"/>
+              <a:t>-Z.@]</a:t>
             </a:r>
             <a:r>
               <a:rPr lang="es-MX" sz="2000" dirty="0"/>
-              <a:t>En los grupos </a:t>
-            </a:r>
-            <a:r>
-              <a:rPr lang="es-MX" sz="2000" b="1" dirty="0"/>
-              <a:t>no </a:t>
-            </a:r>
-            <a:r>
-              <a:rPr lang="es-MX" sz="2000" dirty="0"/>
-              <a:t>es necesario el uso del </a:t>
-            </a:r>
-            <a:r>
-              <a:rPr lang="es-MX" sz="2000" b="1" dirty="0" err="1"/>
-              <a:t>slash</a:t>
-            </a:r>
-            <a:r>
-              <a:rPr lang="es-MX" sz="2000" b="1" dirty="0"/>
-              <a:t> \  </a:t>
-            </a:r>
-            <a:r>
-              <a:rPr lang="es-MX" sz="2000" dirty="0"/>
-              <a:t>para los</a:t>
+              <a:t>	No caracteres del abecedario en mayúsculas o</a:t>
             </a:r>
           </a:p>
           <a:p>
@@ -17153,71 +17157,17 @@
             </a:pPr>
             <a:r>
               <a:rPr lang="es-MX" sz="2000" dirty="0"/>
-              <a:t>		</a:t>
-            </a:r>
-            <a:r>
-              <a:rPr lang="es-MX" sz="2000" dirty="0" err="1"/>
-              <a:t>metacaracteres</a:t>
-            </a:r>
-            <a:r>
-              <a:rPr lang="es-MX" sz="2000" dirty="0"/>
-              <a:t> como el punto.</a:t>
-            </a:r>
-            <a:endParaRPr lang="es-MX" sz="2000" b="1" dirty="0"/>
-          </a:p>
-          <a:p>
-            <a:pPr marL="342900" indent="-342900">
-              <a:lnSpc>
-                <a:spcPct val="150000"/>
-              </a:lnSpc>
-              <a:buFont typeface="Arial" panose="020B0604020202020204" pitchFamily="34" charset="0"/>
-              <a:buChar char="•"/>
-            </a:pPr>
-            <a:r>
-              <a:rPr lang="es-MX" sz="2000" b="1" dirty="0"/>
-              <a:t>[a-</a:t>
-            </a:r>
-            <a:r>
-              <a:rPr lang="es-MX" sz="2000" b="1" dirty="0" err="1"/>
-              <a:t>zA</a:t>
-            </a:r>
-            <a:r>
-              <a:rPr lang="es-MX" sz="2000" b="1" dirty="0"/>
-              <a:t>-Z.@]</a:t>
-            </a:r>
-            <a:r>
-              <a:rPr lang="es-MX" sz="2000" dirty="0"/>
-              <a:t>	Encuentra caracteres del abecedario en mayúsculas o 		minúsculas, puntos, arrobas.</a:t>
-            </a:r>
-          </a:p>
-          <a:p>
-            <a:pPr marL="342900" indent="-342900">
-              <a:lnSpc>
-                <a:spcPct val="150000"/>
-              </a:lnSpc>
-              <a:buFont typeface="Arial" panose="020B0604020202020204" pitchFamily="34" charset="0"/>
-              <a:buChar char="•"/>
-            </a:pPr>
-            <a:endParaRPr lang="es-MX" sz="2000" b="1" dirty="0"/>
-          </a:p>
-          <a:p>
-            <a:pPr marL="342900" indent="-342900">
-              <a:lnSpc>
-                <a:spcPct val="150000"/>
-              </a:lnSpc>
-              <a:buFont typeface="Arial" panose="020B0604020202020204" pitchFamily="34" charset="0"/>
-              <a:buChar char="•"/>
-            </a:pPr>
-            <a:endParaRPr lang="es-MX" sz="2000" dirty="0"/>
+              <a:t> 		minúsculas, puntos, arrobas.</a:t>
+            </a:r>
           </a:p>
         </p:txBody>
       </p:sp>
       <p:pic>
         <p:nvPicPr>
-          <p:cNvPr id="8" name="Imagen 7">
+          <p:cNvPr id="10" name="Imagen 9">
             <a:extLst>
               <a:ext uri="{FF2B5EF4-FFF2-40B4-BE49-F238E27FC236}">
-                <a16:creationId xmlns:a16="http://schemas.microsoft.com/office/drawing/2014/main" id="{3FB79202-DD0E-4565-BE9C-63EA25840081}"/>
+                <a16:creationId xmlns:a16="http://schemas.microsoft.com/office/drawing/2014/main" id="{9CC91A83-4D82-4653-B180-EA64A134D8A5}"/>
               </a:ext>
             </a:extLst>
           </p:cNvPr>
@@ -17234,8 +17184,8 @@
         </p:blipFill>
         <p:spPr>
           <a:xfrm>
-            <a:off x="5438936" y="3636481"/>
-            <a:ext cx="3314700" cy="2724150"/>
+            <a:off x="2627784" y="2250667"/>
+            <a:ext cx="4257675" cy="4238625"/>
           </a:xfrm>
           <a:prstGeom prst="rect">
             <a:avLst/>
@@ -17245,7 +17195,7 @@
     </p:spTree>
     <p:extLst>
       <p:ext uri="{BB962C8B-B14F-4D97-AF65-F5344CB8AC3E}">
-        <p14:creationId xmlns:p14="http://schemas.microsoft.com/office/powerpoint/2010/main" val="3183765036"/>
+        <p14:creationId xmlns:p14="http://schemas.microsoft.com/office/powerpoint/2010/main" val="1447613152"/>
       </p:ext>
     </p:extLst>
   </p:cSld>
@@ -17284,7 +17234,7 @@
         </p:nvSpPr>
         <p:spPr>
           <a:xfrm>
-            <a:off x="390364" y="96243"/>
+            <a:off x="289721" y="4056"/>
             <a:ext cx="8363272" cy="1143000"/>
           </a:xfrm>
         </p:spPr>
@@ -17318,10 +17268,10 @@
       </p:sp>
       <p:sp>
         <p:nvSpPr>
-          <p:cNvPr id="7" name="CuadroTexto 6">
+          <p:cNvPr id="5" name="CuadroTexto 4">
             <a:extLst>
               <a:ext uri="{FF2B5EF4-FFF2-40B4-BE49-F238E27FC236}">
-                <a16:creationId xmlns:a16="http://schemas.microsoft.com/office/drawing/2014/main" id="{4E1DD8D9-5B93-44E0-8677-C81B21CCD7A2}"/>
+                <a16:creationId xmlns:a16="http://schemas.microsoft.com/office/drawing/2014/main" id="{FC189524-E564-48DD-B173-E7D162EDC50C}"/>
               </a:ext>
             </a:extLst>
           </p:cNvPr>
@@ -17330,8 +17280,8 @@
         </p:nvSpPr>
         <p:spPr>
           <a:xfrm>
-            <a:off x="628866" y="1124744"/>
-            <a:ext cx="7886268" cy="967957"/>
+            <a:off x="712731" y="1346051"/>
+            <a:ext cx="7920880" cy="506292"/>
           </a:xfrm>
           <a:prstGeom prst="rect">
             <a:avLst/>
@@ -17344,49 +17294,108 @@
           </a:bodyPr>
           <a:lstStyle/>
           <a:p>
-            <a:pPr marL="342900" indent="-342900">
-              <a:lnSpc>
-                <a:spcPct val="150000"/>
-              </a:lnSpc>
-              <a:buFont typeface="Arial" panose="020B0604020202020204" pitchFamily="34" charset="0"/>
-              <a:buChar char="•"/>
-            </a:pPr>
-            <a:r>
-              <a:rPr lang="es-MX" sz="2000" b="1" dirty="0"/>
-              <a:t>[^a-</a:t>
-            </a:r>
-            <a:r>
-              <a:rPr lang="es-MX" sz="2000" b="1" dirty="0" err="1"/>
-              <a:t>zA</a:t>
-            </a:r>
-            <a:r>
-              <a:rPr lang="es-MX" sz="2000" b="1" dirty="0"/>
-              <a:t>-Z.@]</a:t>
-            </a:r>
-            <a:r>
-              <a:rPr lang="es-MX" sz="2000" dirty="0"/>
-              <a:t>	No caracteres del abecedario en mayúsculas o</a:t>
-            </a:r>
-          </a:p>
-          <a:p>
-            <a:pPr>
+            <a:pPr algn="just">
               <a:lnSpc>
                 <a:spcPct val="150000"/>
               </a:lnSpc>
             </a:pPr>
             <a:r>
-              <a:rPr lang="es-MX" sz="2000" dirty="0"/>
-              <a:t> 		minúsculas, puntos, arrobas.</a:t>
-            </a:r>
+              <a:rPr lang="es-ES" sz="2000" b="1" i="0" dirty="0">
+                <a:solidFill>
+                  <a:schemeClr val="tx1">
+                    <a:lumMod val="95000"/>
+                    <a:lumOff val="5000"/>
+                  </a:schemeClr>
+                </a:solidFill>
+                <a:effectLst/>
+              </a:rPr>
+              <a:t>Ejemplo 1: </a:t>
+            </a:r>
+            <a:r>
+              <a:rPr lang="es-ES" sz="2000" i="0" dirty="0">
+                <a:solidFill>
+                  <a:schemeClr val="tx1">
+                    <a:lumMod val="95000"/>
+                    <a:lumOff val="5000"/>
+                  </a:schemeClr>
+                </a:solidFill>
+                <a:effectLst/>
+              </a:rPr>
+              <a:t>Extraer todos los números telefónicos con espacio o guion.</a:t>
+            </a:r>
+            <a:endParaRPr lang="es-ES" sz="2000" b="1" dirty="0">
+              <a:solidFill>
+                <a:schemeClr val="tx1">
+                  <a:lumMod val="95000"/>
+                  <a:lumOff val="5000"/>
+                </a:schemeClr>
+              </a:solidFill>
+            </a:endParaRPr>
+          </a:p>
+        </p:txBody>
+      </p:sp>
+      <p:sp>
+        <p:nvSpPr>
+          <p:cNvPr id="6" name="CuadroTexto 5">
+            <a:extLst>
+              <a:ext uri="{FF2B5EF4-FFF2-40B4-BE49-F238E27FC236}">
+                <a16:creationId xmlns:a16="http://schemas.microsoft.com/office/drawing/2014/main" id="{7B04CF3A-CFE2-489B-A399-BF52B6C4C715}"/>
+              </a:ext>
+            </a:extLst>
+          </p:cNvPr>
+          <p:cNvSpPr txBox="1"/>
+          <p:nvPr/>
+        </p:nvSpPr>
+        <p:spPr>
+          <a:xfrm>
+            <a:off x="683568" y="1852343"/>
+            <a:ext cx="7920880" cy="967957"/>
+          </a:xfrm>
+          <a:prstGeom prst="rect">
+            <a:avLst/>
+          </a:prstGeom>
+          <a:noFill/>
+        </p:spPr>
+        <p:txBody>
+          <a:bodyPr wrap="square">
+            <a:spAutoFit/>
+          </a:bodyPr>
+          <a:lstStyle/>
+          <a:p>
+            <a:pPr algn="just">
+              <a:lnSpc>
+                <a:spcPct val="150000"/>
+              </a:lnSpc>
+            </a:pPr>
+            <a:r>
+              <a:rPr lang="es-ES" sz="2000" i="0" dirty="0">
+                <a:solidFill>
+                  <a:schemeClr val="tx1">
+                    <a:lumMod val="95000"/>
+                    <a:lumOff val="5000"/>
+                  </a:schemeClr>
+                </a:solidFill>
+                <a:effectLst/>
+              </a:rPr>
+              <a:t>Primero tres dígitos juntos, luego espacio o guion, otros  tres dígitos, espacio o guion, luego dos y dos. </a:t>
+            </a:r>
+            <a:endParaRPr lang="es-ES" sz="2000" b="1" dirty="0">
+              <a:solidFill>
+                <a:schemeClr val="tx1">
+                  <a:lumMod val="95000"/>
+                  <a:lumOff val="5000"/>
+                </a:schemeClr>
+              </a:solidFill>
+            </a:endParaRPr>
           </a:p>
         </p:txBody>
       </p:sp>
       <p:pic>
         <p:nvPicPr>
-          <p:cNvPr id="10" name="Imagen 9">
+          <p:cNvPr id="4" name="Imagen 3">
             <a:extLst>
               <a:ext uri="{FF2B5EF4-FFF2-40B4-BE49-F238E27FC236}">
-                <a16:creationId xmlns:a16="http://schemas.microsoft.com/office/drawing/2014/main" id="{9CC91A83-4D82-4653-B180-EA64A134D8A5}"/>
+                <a16:creationId xmlns:a16="http://schemas.microsoft.com/office/drawing/2014/main" id="{B38B6A45-54CF-401F-B4D1-EA9E2C35CADA}"/>
               </a:ext>
             </a:extLst>
           </p:cNvPr>
@@ -17403,18 +17412,78 @@
         </p:blipFill>
         <p:spPr>
           <a:xfrm>
-            <a:off x="2627784" y="2250667"/>
-            <a:ext cx="4257675" cy="4238625"/>
+            <a:off x="1580579" y="3002235"/>
+            <a:ext cx="5838825" cy="3667125"/>
           </a:xfrm>
           <a:prstGeom prst="rect">
             <a:avLst/>
           </a:prstGeom>
         </p:spPr>
       </p:pic>
+      <p:sp>
+        <p:nvSpPr>
+          <p:cNvPr id="7" name="CuadroTexto 6">
+            <a:extLst>
+              <a:ext uri="{FF2B5EF4-FFF2-40B4-BE49-F238E27FC236}">
+                <a16:creationId xmlns:a16="http://schemas.microsoft.com/office/drawing/2014/main" id="{D442F124-35ED-4AE6-AEB6-DC1CB4FBEC4A}"/>
+              </a:ext>
+            </a:extLst>
+          </p:cNvPr>
+          <p:cNvSpPr txBox="1"/>
+          <p:nvPr/>
+        </p:nvSpPr>
+        <p:spPr>
+          <a:xfrm>
+            <a:off x="2116379" y="748792"/>
+            <a:ext cx="7027621" cy="506292"/>
+          </a:xfrm>
+          <a:prstGeom prst="rect">
+            <a:avLst/>
+          </a:prstGeom>
+          <a:noFill/>
+        </p:spPr>
+        <p:txBody>
+          <a:bodyPr wrap="square">
+            <a:spAutoFit/>
+          </a:bodyPr>
+          <a:lstStyle/>
+          <a:p>
+            <a:pPr algn="just">
+              <a:lnSpc>
+                <a:spcPct val="150000"/>
+              </a:lnSpc>
+            </a:pPr>
+            <a:r>
+              <a:rPr lang="es-MX" sz="2000" b="1" dirty="0">
+                <a:solidFill>
+                  <a:schemeClr val="accent6">
+                    <a:lumMod val="75000"/>
+                  </a:schemeClr>
+                </a:solidFill>
+              </a:rPr>
+              <a:t>()</a:t>
+            </a:r>
+            <a:r>
+              <a:rPr lang="es-MX" sz="2000" dirty="0"/>
+              <a:t> </a:t>
+            </a:r>
+            <a:r>
+              <a:rPr lang="es-MX" sz="2000" dirty="0">
+                <a:solidFill>
+                  <a:schemeClr val="accent6">
+                    <a:lumMod val="75000"/>
+                  </a:schemeClr>
+                </a:solidFill>
+              </a:rPr>
+              <a:t>Nos permiten comparar entre algunos valores</a:t>
+            </a:r>
+          </a:p>
+        </p:txBody>
+      </p:sp>
     </p:spTree>
     <p:extLst>
       <p:ext uri="{BB962C8B-B14F-4D97-AF65-F5344CB8AC3E}">
-        <p14:creationId xmlns:p14="http://schemas.microsoft.com/office/powerpoint/2010/main" val="1447613152"/>
+        <p14:creationId xmlns:p14="http://schemas.microsoft.com/office/powerpoint/2010/main" val="3850094616"/>
       </p:ext>
     </p:extLst>
   </p:cSld>
@@ -17499,8 +17568,8 @@
         </p:nvSpPr>
         <p:spPr>
           <a:xfrm>
-            <a:off x="712731" y="1346051"/>
-            <a:ext cx="7920880" cy="506292"/>
+            <a:off x="640723" y="1052736"/>
+            <a:ext cx="7920880" cy="967957"/>
           </a:xfrm>
           <a:prstGeom prst="rect">
             <a:avLst/>
@@ -17528,7 +17597,7 @@
                 </a:solidFill>
                 <a:effectLst/>
               </a:rPr>
-              <a:t>Ejemplo 1: </a:t>
+              <a:t>Ejemplo 2: </a:t>
             </a:r>
             <a:r>
               <a:rPr lang="es-ES" sz="2000" i="0" dirty="0">
@@ -17540,7 +17609,30 @@
                 </a:solidFill>
                 <a:effectLst/>
               </a:rPr>
-              <a:t>Extraer todos los números telefónicos con espacio o guion.</a:t>
+              <a:t>Extraer todos los números telefónicos </a:t>
+            </a:r>
+            <a:r>
+              <a:rPr lang="es-ES" sz="2000" dirty="0">
+                <a:solidFill>
+                  <a:schemeClr val="tx1">
+                    <a:lumMod val="95000"/>
+                    <a:lumOff val="5000"/>
+                  </a:schemeClr>
+                </a:solidFill>
+              </a:rPr>
+              <a:t>haciendo uso de </a:t>
+            </a:r>
+            <a:r>
+              <a:rPr lang="es-ES" sz="2000" i="0" dirty="0">
+                <a:solidFill>
+                  <a:schemeClr val="tx1">
+                    <a:lumMod val="95000"/>
+                    <a:lumOff val="5000"/>
+                  </a:schemeClr>
+                </a:solidFill>
+                <a:effectLst/>
+              </a:rPr>
+              <a:t>grupos y cuantificadores. </a:t>
             </a:r>
             <a:endParaRPr lang="es-ES" sz="2000" b="1" dirty="0">
               <a:solidFill>
@@ -17567,8 +17659,8 @@
         </p:nvSpPr>
         <p:spPr>
           <a:xfrm>
-            <a:off x="683568" y="1852343"/>
-            <a:ext cx="7920880" cy="967957"/>
+            <a:off x="640291" y="2611441"/>
+            <a:ext cx="2995174" cy="2352952"/>
           </a:xfrm>
           <a:prstGeom prst="rect">
             <a:avLst/>
@@ -17596,7 +17688,7 @@
                 </a:solidFill>
                 <a:effectLst/>
               </a:rPr>
-              <a:t>Primero tres dígitos juntos, luego espacio o guion, otros  tres dígitos, espacio o guion, luego dos y dos. </a:t>
+              <a:t>Tres dígitos, luego un espacio o guion, otros  tres dígitos, espacio o guion, luego dos dígitos, espacio o guion y dos dígitos.</a:t>
             </a:r>
             <a:endParaRPr lang="es-ES" sz="2000" b="1" dirty="0">
               <a:solidFill>
@@ -17614,7 +17706,7 @@
           <p:cNvPr id="4" name="Imagen 3">
             <a:extLst>
               <a:ext uri="{FF2B5EF4-FFF2-40B4-BE49-F238E27FC236}">
-                <a16:creationId xmlns:a16="http://schemas.microsoft.com/office/drawing/2014/main" id="{B38B6A45-54CF-401F-B4D1-EA9E2C35CADA}"/>
+                <a16:creationId xmlns:a16="http://schemas.microsoft.com/office/drawing/2014/main" id="{9580680C-9CC9-4EA3-B20A-E32B47C0246B}"/>
               </a:ext>
             </a:extLst>
           </p:cNvPr>
@@ -17631,78 +17723,48 @@
         </p:blipFill>
         <p:spPr>
           <a:xfrm>
-            <a:off x="1580579" y="3002235"/>
-            <a:ext cx="5838825" cy="3667125"/>
+            <a:off x="4131643" y="1988840"/>
+            <a:ext cx="4372066" cy="4034694"/>
           </a:xfrm>
           <a:prstGeom prst="rect">
             <a:avLst/>
           </a:prstGeom>
         </p:spPr>
       </p:pic>
-      <p:sp>
-        <p:nvSpPr>
-          <p:cNvPr id="7" name="CuadroTexto 6">
+      <p:pic>
+        <p:nvPicPr>
+          <p:cNvPr id="3" name="Picture 2">
             <a:extLst>
               <a:ext uri="{FF2B5EF4-FFF2-40B4-BE49-F238E27FC236}">
-                <a16:creationId xmlns:a16="http://schemas.microsoft.com/office/drawing/2014/main" id="{D442F124-35ED-4AE6-AEB6-DC1CB4FBEC4A}"/>
+                <a16:creationId xmlns:a16="http://schemas.microsoft.com/office/drawing/2014/main" id="{67B840A6-3E96-5996-0981-8414C3D4053A}"/>
               </a:ext>
             </a:extLst>
           </p:cNvPr>
-          <p:cNvSpPr txBox="1"/>
+          <p:cNvPicPr>
+            <a:picLocks noChangeAspect="1"/>
+          </p:cNvPicPr>
           <p:nvPr/>
-        </p:nvSpPr>
-        <p:spPr>
-          <a:xfrm>
-            <a:off x="2116379" y="748792"/>
-            <a:ext cx="7027621" cy="506292"/>
+        </p:nvPicPr>
+        <p:blipFill>
+          <a:blip r:embed="rId4"/>
+          <a:stretch>
+            <a:fillRect/>
+          </a:stretch>
+        </p:blipFill>
+        <p:spPr>
+          <a:xfrm>
+            <a:off x="3821777" y="2708920"/>
+            <a:ext cx="4991797" cy="3915321"/>
           </a:xfrm>
           <a:prstGeom prst="rect">
             <a:avLst/>
           </a:prstGeom>
-          <a:noFill/>
-        </p:spPr>
-        <p:txBody>
-          <a:bodyPr wrap="square">
-            <a:spAutoFit/>
-          </a:bodyPr>
-          <a:lstStyle/>
-          <a:p>
-            <a:pPr algn="just">
-              <a:lnSpc>
-                <a:spcPct val="150000"/>
-              </a:lnSpc>
-            </a:pPr>
-            <a:r>
-              <a:rPr lang="es-MX" sz="2000" b="1" dirty="0">
-                <a:solidFill>
-                  <a:schemeClr val="accent6">
-                    <a:lumMod val="75000"/>
-                  </a:schemeClr>
-                </a:solidFill>
-              </a:rPr>
-              <a:t>()</a:t>
-            </a:r>
-            <a:r>
-              <a:rPr lang="es-MX" sz="2000" dirty="0"/>
-              <a:t> </a:t>
-            </a:r>
-            <a:r>
-              <a:rPr lang="es-MX" sz="2000" dirty="0">
-                <a:solidFill>
-                  <a:schemeClr val="accent6">
-                    <a:lumMod val="75000"/>
-                  </a:schemeClr>
-                </a:solidFill>
-              </a:rPr>
-              <a:t>Nos permiten comparar entre algunos valores</a:t>
-            </a:r>
-          </a:p>
-        </p:txBody>
-      </p:sp>
+        </p:spPr>
+      </p:pic>
     </p:spTree>
     <p:extLst>
       <p:ext uri="{BB962C8B-B14F-4D97-AF65-F5344CB8AC3E}">
-        <p14:creationId xmlns:p14="http://schemas.microsoft.com/office/powerpoint/2010/main" val="3850094616"/>
+        <p14:creationId xmlns:p14="http://schemas.microsoft.com/office/powerpoint/2010/main" val="589800836"/>
       </p:ext>
     </p:extLst>
   </p:cSld>
@@ -17816,7 +17878,7 @@
                 </a:solidFill>
                 <a:effectLst/>
               </a:rPr>
-              <a:t>Ejemplo 2: </a:t>
+              <a:t>Ejemplo 3: </a:t>
             </a:r>
             <a:r>
               <a:rPr lang="es-ES" sz="2000" i="0" dirty="0">
@@ -17851,7 +17913,7 @@
                 </a:solidFill>
                 <a:effectLst/>
               </a:rPr>
-              <a:t>grupos y cuantificadores. </a:t>
+              <a:t>grupos con corchetes y cuantificadores. </a:t>
             </a:r>
             <a:endParaRPr lang="es-ES" sz="2000" b="1" dirty="0">
               <a:solidFill>
@@ -17920,36 +17982,6 @@
           </a:p>
         </p:txBody>
       </p:sp>
-      <p:pic>
-        <p:nvPicPr>
-          <p:cNvPr id="4" name="Imagen 3">
-            <a:extLst>
-              <a:ext uri="{FF2B5EF4-FFF2-40B4-BE49-F238E27FC236}">
-                <a16:creationId xmlns:a16="http://schemas.microsoft.com/office/drawing/2014/main" id="{9580680C-9CC9-4EA3-B20A-E32B47C0246B}"/>
-              </a:ext>
-            </a:extLst>
-          </p:cNvPr>
-          <p:cNvPicPr>
-            <a:picLocks noChangeAspect="1"/>
-          </p:cNvPicPr>
-          <p:nvPr/>
-        </p:nvPicPr>
-        <p:blipFill>
-          <a:blip r:embed="rId3"/>
-          <a:stretch>
-            <a:fillRect/>
-          </a:stretch>
-        </p:blipFill>
-        <p:spPr>
-          <a:xfrm>
-            <a:off x="4131643" y="1988840"/>
-            <a:ext cx="4372066" cy="4034694"/>
-          </a:xfrm>
-          <a:prstGeom prst="rect">
-            <a:avLst/>
-          </a:prstGeom>
-        </p:spPr>
-      </p:pic>
       <p:pic>
         <p:nvPicPr>
           <p:cNvPr id="3" name="Picture 2">
@@ -17965,14 +17997,14 @@
           <p:nvPr/>
         </p:nvPicPr>
         <p:blipFill>
-          <a:blip r:embed="rId4"/>
+          <a:blip r:embed="rId3"/>
           <a:stretch>
             <a:fillRect/>
           </a:stretch>
         </p:blipFill>
         <p:spPr>
           <a:xfrm>
-            <a:off x="3821777" y="2708920"/>
+            <a:off x="3779912" y="2276872"/>
             <a:ext cx="4991797" cy="3915321"/>
           </a:xfrm>
           <a:prstGeom prst="rect">
@@ -17983,7 +18015,7 @@
     </p:spTree>
     <p:extLst>
       <p:ext uri="{BB962C8B-B14F-4D97-AF65-F5344CB8AC3E}">
-        <p14:creationId xmlns:p14="http://schemas.microsoft.com/office/powerpoint/2010/main" val="589800836"/>
+        <p14:creationId xmlns:p14="http://schemas.microsoft.com/office/powerpoint/2010/main" val="2105101594"/>
       </p:ext>
     </p:extLst>
   </p:cSld>
@@ -18022,7 +18054,7 @@
         </p:nvSpPr>
         <p:spPr>
           <a:xfrm>
-            <a:off x="289721" y="4056"/>
+            <a:off x="388809" y="34415"/>
             <a:ext cx="8363272" cy="1143000"/>
           </a:xfrm>
         </p:spPr>
@@ -18056,10 +18088,10 @@
       </p:sp>
       <p:sp>
         <p:nvSpPr>
-          <p:cNvPr id="5" name="CuadroTexto 4">
+          <p:cNvPr id="7" name="CuadroTexto 6">
             <a:extLst>
               <a:ext uri="{FF2B5EF4-FFF2-40B4-BE49-F238E27FC236}">
-                <a16:creationId xmlns:a16="http://schemas.microsoft.com/office/drawing/2014/main" id="{FC189524-E564-48DD-B173-E7D162EDC50C}"/>
+                <a16:creationId xmlns:a16="http://schemas.microsoft.com/office/drawing/2014/main" id="{4E1DD8D9-5B93-44E0-8677-C81B21CCD7A2}"/>
               </a:ext>
             </a:extLst>
           </p:cNvPr>
@@ -18068,8 +18100,8 @@
         </p:nvSpPr>
         <p:spPr>
           <a:xfrm>
-            <a:off x="640723" y="1052736"/>
-            <a:ext cx="7920880" cy="967957"/>
+            <a:off x="2051720" y="930724"/>
+            <a:ext cx="8363271" cy="506292"/>
           </a:xfrm>
           <a:prstGeom prst="rect">
             <a:avLst/>
@@ -18088,69 +18120,38 @@
               </a:lnSpc>
             </a:pPr>
             <a:r>
-              <a:rPr lang="es-ES" sz="2000" b="1" i="0" dirty="0">
-                <a:solidFill>
-                  <a:schemeClr val="tx1">
-                    <a:lumMod val="95000"/>
-                    <a:lumOff val="5000"/>
-                  </a:schemeClr>
-                </a:solidFill>
-                <a:effectLst/>
-              </a:rPr>
-              <a:t>Ejemplo 3: </a:t>
-            </a:r>
-            <a:r>
-              <a:rPr lang="es-ES" sz="2000" i="0" dirty="0">
-                <a:solidFill>
-                  <a:schemeClr val="tx1">
-                    <a:lumMod val="95000"/>
-                    <a:lumOff val="5000"/>
-                  </a:schemeClr>
-                </a:solidFill>
-                <a:effectLst/>
-              </a:rPr>
-              <a:t>Extraer todos los números telefónicos </a:t>
-            </a:r>
-            <a:r>
-              <a:rPr lang="es-ES" sz="2000" dirty="0">
-                <a:solidFill>
-                  <a:schemeClr val="tx1">
-                    <a:lumMod val="95000"/>
-                    <a:lumOff val="5000"/>
-                  </a:schemeClr>
-                </a:solidFill>
-              </a:rPr>
-              <a:t>haciendo uso de </a:t>
-            </a:r>
-            <a:r>
-              <a:rPr lang="es-ES" sz="2000" i="0" dirty="0">
-                <a:solidFill>
-                  <a:schemeClr val="tx1">
-                    <a:lumMod val="95000"/>
-                    <a:lumOff val="5000"/>
-                  </a:schemeClr>
-                </a:solidFill>
-                <a:effectLst/>
-              </a:rPr>
-              <a:t>grupos con corchetes y cuantificadores. </a:t>
-            </a:r>
-            <a:endParaRPr lang="es-ES" sz="2000" b="1" dirty="0">
-              <a:solidFill>
-                <a:schemeClr val="tx1">
-                  <a:lumMod val="95000"/>
-                  <a:lumOff val="5000"/>
-                </a:schemeClr>
-              </a:solidFill>
-            </a:endParaRPr>
-          </a:p>
-        </p:txBody>
-      </p:sp>
-      <p:sp>
-        <p:nvSpPr>
-          <p:cNvPr id="6" name="CuadroTexto 5">
+              <a:rPr lang="es-MX" sz="2000" b="1" dirty="0">
+                <a:solidFill>
+                  <a:schemeClr val="accent6">
+                    <a:lumMod val="75000"/>
+                  </a:schemeClr>
+                </a:solidFill>
+              </a:rPr>
+              <a:t>()</a:t>
+            </a:r>
+            <a:r>
+              <a:rPr lang="es-MX" sz="2000" dirty="0"/>
+              <a:t> </a:t>
+            </a:r>
+            <a:r>
+              <a:rPr lang="es-MX" sz="2000" dirty="0">
+                <a:solidFill>
+                  <a:schemeClr val="accent6">
+                    <a:lumMod val="75000"/>
+                  </a:schemeClr>
+                </a:solidFill>
+              </a:rPr>
+              <a:t>Nos permiten comparar entre algunos valores</a:t>
+            </a:r>
+          </a:p>
+        </p:txBody>
+      </p:sp>
+      <p:sp>
+        <p:nvSpPr>
+          <p:cNvPr id="5" name="CuadroTexto 4">
             <a:extLst>
               <a:ext uri="{FF2B5EF4-FFF2-40B4-BE49-F238E27FC236}">
-                <a16:creationId xmlns:a16="http://schemas.microsoft.com/office/drawing/2014/main" id="{7B04CF3A-CFE2-489B-A399-BF52B6C4C715}"/>
+                <a16:creationId xmlns:a16="http://schemas.microsoft.com/office/drawing/2014/main" id="{CD51C6FC-C7B4-4F3A-BEE8-8127DCEAF665}"/>
               </a:ext>
             </a:extLst>
           </p:cNvPr>
@@ -18159,8 +18160,8 @@
         </p:nvSpPr>
         <p:spPr>
           <a:xfrm>
-            <a:off x="640291" y="2611441"/>
-            <a:ext cx="2995174" cy="2352952"/>
+            <a:off x="388809" y="1582957"/>
+            <a:ext cx="8363271" cy="967957"/>
           </a:xfrm>
           <a:prstGeom prst="rect">
             <a:avLst/>
@@ -18179,34 +18180,22 @@
               </a:lnSpc>
             </a:pPr>
             <a:r>
-              <a:rPr lang="es-ES" sz="2000" i="0" dirty="0">
-                <a:solidFill>
-                  <a:schemeClr val="tx1">
-                    <a:lumMod val="95000"/>
-                    <a:lumOff val="5000"/>
-                  </a:schemeClr>
-                </a:solidFill>
-                <a:effectLst/>
-              </a:rPr>
-              <a:t>Tres dígitos, luego un espacio o guion, otros  tres dígitos, espacio o guion, luego dos dígitos, espacio o guion y dos dígitos.</a:t>
-            </a:r>
-            <a:endParaRPr lang="es-ES" sz="2000" b="1" dirty="0">
-              <a:solidFill>
-                <a:schemeClr val="tx1">
-                  <a:lumMod val="95000"/>
-                  <a:lumOff val="5000"/>
-                </a:schemeClr>
-              </a:solidFill>
-            </a:endParaRPr>
+              <a:rPr lang="es-MX" sz="2000" b="1" dirty="0"/>
+              <a:t>Ejemplo 4: </a:t>
+            </a:r>
+            <a:r>
+              <a:rPr lang="es-MX" sz="2000" dirty="0"/>
+              <a:t>Encuentre los número de teléfono con ladas 442, 443 y 448 solamente.</a:t>
+            </a:r>
           </a:p>
         </p:txBody>
       </p:sp>
       <p:pic>
         <p:nvPicPr>
-          <p:cNvPr id="3" name="Picture 2">
+          <p:cNvPr id="4" name="Imagen 3">
             <a:extLst>
               <a:ext uri="{FF2B5EF4-FFF2-40B4-BE49-F238E27FC236}">
-                <a16:creationId xmlns:a16="http://schemas.microsoft.com/office/drawing/2014/main" id="{67B840A6-3E96-5996-0981-8414C3D4053A}"/>
+                <a16:creationId xmlns:a16="http://schemas.microsoft.com/office/drawing/2014/main" id="{4A0F5007-3343-4069-AEEE-C64F855CC1DB}"/>
               </a:ext>
             </a:extLst>
           </p:cNvPr>
@@ -18223,8 +18212,92 @@
         </p:blipFill>
         <p:spPr>
           <a:xfrm>
-            <a:off x="3779912" y="2276872"/>
-            <a:ext cx="4991797" cy="3915321"/>
+            <a:off x="375368" y="3217137"/>
+            <a:ext cx="4374990" cy="2849167"/>
+          </a:xfrm>
+          <a:prstGeom prst="rect">
+            <a:avLst/>
+          </a:prstGeom>
+        </p:spPr>
+      </p:pic>
+      <p:sp>
+        <p:nvSpPr>
+          <p:cNvPr id="13" name="CuadroTexto 12">
+            <a:extLst>
+              <a:ext uri="{FF2B5EF4-FFF2-40B4-BE49-F238E27FC236}">
+                <a16:creationId xmlns:a16="http://schemas.microsoft.com/office/drawing/2014/main" id="{D8614476-5746-4910-AE97-837BDC1DE82C}"/>
+              </a:ext>
+            </a:extLst>
+          </p:cNvPr>
+          <p:cNvSpPr txBox="1"/>
+          <p:nvPr/>
+        </p:nvSpPr>
+        <p:spPr>
+          <a:xfrm>
+            <a:off x="353799" y="2564904"/>
+            <a:ext cx="3562351" cy="506292"/>
+          </a:xfrm>
+          <a:prstGeom prst="rect">
+            <a:avLst/>
+          </a:prstGeom>
+          <a:noFill/>
+        </p:spPr>
+        <p:txBody>
+          <a:bodyPr wrap="square">
+            <a:spAutoFit/>
+          </a:bodyPr>
+          <a:lstStyle/>
+          <a:p>
+            <a:pPr algn="just">
+              <a:lnSpc>
+                <a:spcPct val="150000"/>
+              </a:lnSpc>
+            </a:pPr>
+            <a:r>
+              <a:rPr lang="es-MX" sz="2000" dirty="0"/>
+              <a:t>Conjunto de caracteres </a:t>
+            </a:r>
+            <a:r>
+              <a:rPr lang="es-MX" sz="2000" b="1" dirty="0">
+                <a:solidFill>
+                  <a:schemeClr val="accent6">
+                    <a:lumMod val="75000"/>
+                  </a:schemeClr>
+                </a:solidFill>
+              </a:rPr>
+              <a:t>2, 3 u 8</a:t>
+            </a:r>
+            <a:r>
+              <a:rPr lang="es-MX" sz="2000" dirty="0"/>
+              <a:t>.</a:t>
+            </a:r>
+          </a:p>
+        </p:txBody>
+      </p:sp>
+      <p:pic>
+        <p:nvPicPr>
+          <p:cNvPr id="8" name="Picture 7">
+            <a:extLst>
+              <a:ext uri="{FF2B5EF4-FFF2-40B4-BE49-F238E27FC236}">
+                <a16:creationId xmlns:a16="http://schemas.microsoft.com/office/drawing/2014/main" id="{1C8D1C6E-EE42-B43B-9084-CF731AF947A1}"/>
+              </a:ext>
+            </a:extLst>
+          </p:cNvPr>
+          <p:cNvPicPr>
+            <a:picLocks noChangeAspect="1"/>
+          </p:cNvPicPr>
+          <p:nvPr/>
+        </p:nvPicPr>
+        <p:blipFill>
+          <a:blip r:embed="rId4"/>
+          <a:stretch>
+            <a:fillRect/>
+          </a:stretch>
+        </p:blipFill>
+        <p:spPr>
+          <a:xfrm>
+            <a:off x="4996269" y="3218069"/>
+            <a:ext cx="3824203" cy="3014251"/>
           </a:xfrm>
           <a:prstGeom prst="rect">
             <a:avLst/>
@@ -18234,7 +18307,7 @@
     </p:spTree>
     <p:extLst>
       <p:ext uri="{BB962C8B-B14F-4D97-AF65-F5344CB8AC3E}">
-        <p14:creationId xmlns:p14="http://schemas.microsoft.com/office/powerpoint/2010/main" val="2105101594"/>
+        <p14:creationId xmlns:p14="http://schemas.microsoft.com/office/powerpoint/2010/main" val="3789720049"/>
       </p:ext>
     </p:extLst>
   </p:cSld>
@@ -18273,7 +18346,7 @@
         </p:nvSpPr>
         <p:spPr>
           <a:xfrm>
-            <a:off x="388809" y="34415"/>
+            <a:off x="289721" y="4056"/>
             <a:ext cx="8363272" cy="1143000"/>
           </a:xfrm>
         </p:spPr>
@@ -18300,17 +18373,17 @@
                 </a:effectLst>
                 <a:latin typeface="Dom Casual" charset="0"/>
               </a:rPr>
-              <a:t>Grupos</a:t>
-            </a:r>
-          </a:p>
-        </p:txBody>
-      </p:sp>
-      <p:sp>
-        <p:nvSpPr>
-          <p:cNvPr id="7" name="CuadroTexto 6">
+              <a:t>Expresión regular</a:t>
+            </a:r>
+          </a:p>
+        </p:txBody>
+      </p:sp>
+      <p:sp>
+        <p:nvSpPr>
+          <p:cNvPr id="5" name="CuadroTexto 4">
             <a:extLst>
               <a:ext uri="{FF2B5EF4-FFF2-40B4-BE49-F238E27FC236}">
-                <a16:creationId xmlns:a16="http://schemas.microsoft.com/office/drawing/2014/main" id="{4E1DD8D9-5B93-44E0-8677-C81B21CCD7A2}"/>
+                <a16:creationId xmlns:a16="http://schemas.microsoft.com/office/drawing/2014/main" id="{FC189524-E564-48DD-B173-E7D162EDC50C}"/>
               </a:ext>
             </a:extLst>
           </p:cNvPr>
@@ -18319,8 +18392,8 @@
         </p:nvSpPr>
         <p:spPr>
           <a:xfrm>
-            <a:off x="2051720" y="930724"/>
-            <a:ext cx="8363271" cy="506292"/>
+            <a:off x="289721" y="1072086"/>
+            <a:ext cx="7920880" cy="506292"/>
           </a:xfrm>
           <a:prstGeom prst="rect">
             <a:avLst/>
@@ -18339,82 +18412,46 @@
               </a:lnSpc>
             </a:pPr>
             <a:r>
-              <a:rPr lang="es-MX" sz="2000" b="1" dirty="0">
-                <a:solidFill>
-                  <a:schemeClr val="accent6">
-                    <a:lumMod val="75000"/>
-                  </a:schemeClr>
-                </a:solidFill>
-              </a:rPr>
-              <a:t>()</a:t>
-            </a:r>
-            <a:r>
-              <a:rPr lang="es-MX" sz="2000" dirty="0"/>
-              <a:t> </a:t>
-            </a:r>
-            <a:r>
-              <a:rPr lang="es-MX" sz="2000" dirty="0">
-                <a:solidFill>
-                  <a:schemeClr val="accent6">
-                    <a:lumMod val="75000"/>
-                  </a:schemeClr>
-                </a:solidFill>
-              </a:rPr>
-              <a:t>Nos permiten comparar entre algunos valores</a:t>
-            </a:r>
-          </a:p>
-        </p:txBody>
-      </p:sp>
-      <p:sp>
-        <p:nvSpPr>
-          <p:cNvPr id="5" name="CuadroTexto 4">
+              <a:rPr lang="es-ES" sz="2000" b="1" i="0" dirty="0">
+                <a:solidFill>
+                  <a:schemeClr val="tx1">
+                    <a:lumMod val="95000"/>
+                    <a:lumOff val="5000"/>
+                  </a:schemeClr>
+                </a:solidFill>
+                <a:effectLst/>
+              </a:rPr>
+              <a:t>Ejercicio 5: </a:t>
+            </a:r>
+            <a:r>
+              <a:rPr lang="es-ES" sz="2000" i="0" dirty="0">
+                <a:solidFill>
+                  <a:schemeClr val="tx1">
+                    <a:lumMod val="95000"/>
+                    <a:lumOff val="5000"/>
+                  </a:schemeClr>
+                </a:solidFill>
+                <a:effectLst/>
+              </a:rPr>
+              <a:t>Seleccionar correo electrónico.</a:t>
+            </a:r>
+            <a:endParaRPr lang="es-ES" sz="2000" dirty="0">
+              <a:solidFill>
+                <a:schemeClr val="tx1">
+                  <a:lumMod val="95000"/>
+                  <a:lumOff val="5000"/>
+                </a:schemeClr>
+              </a:solidFill>
+            </a:endParaRPr>
+          </a:p>
+        </p:txBody>
+      </p:sp>
+      <p:pic>
+        <p:nvPicPr>
+          <p:cNvPr id="8" name="Imagen 7">
             <a:extLst>
               <a:ext uri="{FF2B5EF4-FFF2-40B4-BE49-F238E27FC236}">
-                <a16:creationId xmlns:a16="http://schemas.microsoft.com/office/drawing/2014/main" id="{CD51C6FC-C7B4-4F3A-BEE8-8127DCEAF665}"/>
-              </a:ext>
-            </a:extLst>
-          </p:cNvPr>
-          <p:cNvSpPr txBox="1"/>
-          <p:nvPr/>
-        </p:nvSpPr>
-        <p:spPr>
-          <a:xfrm>
-            <a:off x="388809" y="1582957"/>
-            <a:ext cx="8363271" cy="967957"/>
-          </a:xfrm>
-          <a:prstGeom prst="rect">
-            <a:avLst/>
-          </a:prstGeom>
-          <a:noFill/>
-        </p:spPr>
-        <p:txBody>
-          <a:bodyPr wrap="square">
-            <a:spAutoFit/>
-          </a:bodyPr>
-          <a:lstStyle/>
-          <a:p>
-            <a:pPr algn="just">
-              <a:lnSpc>
-                <a:spcPct val="150000"/>
-              </a:lnSpc>
-            </a:pPr>
-            <a:r>
-              <a:rPr lang="es-MX" sz="2000" b="1" dirty="0"/>
-              <a:t>Ejemplo 4: </a:t>
-            </a:r>
-            <a:r>
-              <a:rPr lang="es-MX" sz="2000" dirty="0"/>
-              <a:t>Encuentre los número de teléfono con ladas 442, 443 y 448 solamente.</a:t>
-            </a:r>
-          </a:p>
-        </p:txBody>
-      </p:sp>
-      <p:pic>
-        <p:nvPicPr>
-          <p:cNvPr id="4" name="Imagen 3">
-            <a:extLst>
-              <a:ext uri="{FF2B5EF4-FFF2-40B4-BE49-F238E27FC236}">
-                <a16:creationId xmlns:a16="http://schemas.microsoft.com/office/drawing/2014/main" id="{4A0F5007-3343-4069-AEEE-C64F855CC1DB}"/>
+                <a16:creationId xmlns:a16="http://schemas.microsoft.com/office/drawing/2014/main" id="{9E8BDEDE-78F6-48B6-B26B-4636CFFD6F1D}"/>
               </a:ext>
             </a:extLst>
           </p:cNvPr>
@@ -18431,74 +18468,20 @@
         </p:blipFill>
         <p:spPr>
           <a:xfrm>
-            <a:off x="375368" y="3217137"/>
-            <a:ext cx="4374990" cy="2849167"/>
+            <a:off x="309719" y="1841862"/>
+            <a:ext cx="4267200" cy="4162425"/>
           </a:xfrm>
           <a:prstGeom prst="rect">
             <a:avLst/>
           </a:prstGeom>
         </p:spPr>
       </p:pic>
-      <p:sp>
-        <p:nvSpPr>
-          <p:cNvPr id="13" name="CuadroTexto 12">
+      <p:pic>
+        <p:nvPicPr>
+          <p:cNvPr id="10" name="Imagen 9">
             <a:extLst>
               <a:ext uri="{FF2B5EF4-FFF2-40B4-BE49-F238E27FC236}">
-                <a16:creationId xmlns:a16="http://schemas.microsoft.com/office/drawing/2014/main" id="{D8614476-5746-4910-AE97-837BDC1DE82C}"/>
-              </a:ext>
-            </a:extLst>
-          </p:cNvPr>
-          <p:cNvSpPr txBox="1"/>
-          <p:nvPr/>
-        </p:nvSpPr>
-        <p:spPr>
-          <a:xfrm>
-            <a:off x="353799" y="2564904"/>
-            <a:ext cx="3562351" cy="506292"/>
-          </a:xfrm>
-          <a:prstGeom prst="rect">
-            <a:avLst/>
-          </a:prstGeom>
-          <a:noFill/>
-        </p:spPr>
-        <p:txBody>
-          <a:bodyPr wrap="square">
-            <a:spAutoFit/>
-          </a:bodyPr>
-          <a:lstStyle/>
-          <a:p>
-            <a:pPr algn="just">
-              <a:lnSpc>
-                <a:spcPct val="150000"/>
-              </a:lnSpc>
-            </a:pPr>
-            <a:r>
-              <a:rPr lang="es-MX" sz="2000" dirty="0"/>
-              <a:t>Conjunto de caracteres </a:t>
-            </a:r>
-            <a:r>
-              <a:rPr lang="es-MX" sz="2000" b="1" dirty="0">
-                <a:solidFill>
-                  <a:schemeClr val="accent6">
-                    <a:lumMod val="75000"/>
-                  </a:schemeClr>
-                </a:solidFill>
-              </a:rPr>
-              <a:t>2, 3 u 8</a:t>
-            </a:r>
-            <a:r>
-              <a:rPr lang="es-MX" sz="2000" dirty="0"/>
-              <a:t>.</a:t>
-            </a:r>
-          </a:p>
-        </p:txBody>
-      </p:sp>
-      <p:pic>
-        <p:nvPicPr>
-          <p:cNvPr id="8" name="Picture 7">
-            <a:extLst>
-              <a:ext uri="{FF2B5EF4-FFF2-40B4-BE49-F238E27FC236}">
-                <a16:creationId xmlns:a16="http://schemas.microsoft.com/office/drawing/2014/main" id="{1C8D1C6E-EE42-B43B-9084-CF731AF947A1}"/>
+                <a16:creationId xmlns:a16="http://schemas.microsoft.com/office/drawing/2014/main" id="{78918B87-AE47-43DF-A868-48DA504D01DA}"/>
               </a:ext>
             </a:extLst>
           </p:cNvPr>
@@ -18515,18 +18498,98 @@
         </p:blipFill>
         <p:spPr>
           <a:xfrm>
-            <a:off x="4996269" y="3218069"/>
-            <a:ext cx="3824203" cy="3014251"/>
+            <a:off x="4716016" y="1827574"/>
+            <a:ext cx="4219575" cy="4191000"/>
           </a:xfrm>
           <a:prstGeom prst="rect">
             <a:avLst/>
           </a:prstGeom>
         </p:spPr>
       </p:pic>
+      <p:sp>
+        <p:nvSpPr>
+          <p:cNvPr id="12" name="CuadroTexto 11">
+            <a:extLst>
+              <a:ext uri="{FF2B5EF4-FFF2-40B4-BE49-F238E27FC236}">
+                <a16:creationId xmlns:a16="http://schemas.microsoft.com/office/drawing/2014/main" id="{45236C5C-4492-4167-82B4-CF01EC88B68A}"/>
+              </a:ext>
+            </a:extLst>
+          </p:cNvPr>
+          <p:cNvSpPr txBox="1"/>
+          <p:nvPr/>
+        </p:nvSpPr>
+        <p:spPr>
+          <a:xfrm>
+            <a:off x="5292080" y="1052736"/>
+            <a:ext cx="3562199" cy="506292"/>
+          </a:xfrm>
+          <a:prstGeom prst="rect">
+            <a:avLst/>
+          </a:prstGeom>
+          <a:noFill/>
+        </p:spPr>
+        <p:txBody>
+          <a:bodyPr wrap="square">
+            <a:spAutoFit/>
+          </a:bodyPr>
+          <a:lstStyle/>
+          <a:p>
+            <a:pPr algn="just">
+              <a:lnSpc>
+                <a:spcPct val="150000"/>
+              </a:lnSpc>
+            </a:pPr>
+            <a:r>
+              <a:rPr lang="es-ES" sz="2000" b="1" dirty="0">
+                <a:solidFill>
+                  <a:schemeClr val="tx1">
+                    <a:lumMod val="95000"/>
+                    <a:lumOff val="5000"/>
+                  </a:schemeClr>
+                </a:solidFill>
+              </a:rPr>
+              <a:t>[a-</a:t>
+            </a:r>
+            <a:r>
+              <a:rPr lang="es-ES" sz="2000" b="1" dirty="0" err="1">
+                <a:solidFill>
+                  <a:schemeClr val="tx1">
+                    <a:lumMod val="95000"/>
+                    <a:lumOff val="5000"/>
+                  </a:schemeClr>
+                </a:solidFill>
+              </a:rPr>
+              <a:t>zA</a:t>
+            </a:r>
+            <a:r>
+              <a:rPr lang="es-ES" sz="2000" b="1" dirty="0">
+                <a:solidFill>
+                  <a:schemeClr val="tx1">
+                    <a:lumMod val="95000"/>
+                    <a:lumOff val="5000"/>
+                  </a:schemeClr>
+                </a:solidFill>
+              </a:rPr>
+              <a:t>-Z] </a:t>
+            </a:r>
+            <a:r>
+              <a:rPr lang="es-ES" sz="2000" dirty="0">
+                <a:solidFill>
+                  <a:schemeClr val="tx1">
+                    <a:lumMod val="95000"/>
+                    <a:lumOff val="5000"/>
+                  </a:schemeClr>
+                </a:solidFill>
+              </a:rPr>
+              <a:t>una o más letras.</a:t>
+            </a:r>
+          </a:p>
+        </p:txBody>
+      </p:sp>
     </p:spTree>
     <p:extLst>
       <p:ext uri="{BB962C8B-B14F-4D97-AF65-F5344CB8AC3E}">
-        <p14:creationId xmlns:p14="http://schemas.microsoft.com/office/powerpoint/2010/main" val="3789720049"/>
+        <p14:creationId xmlns:p14="http://schemas.microsoft.com/office/powerpoint/2010/main" val="155978432"/>
       </p:ext>
     </p:extLst>
   </p:cSld>
@@ -18863,7 +18926,7 @@
         </p:nvSpPr>
         <p:spPr>
           <a:xfrm>
-            <a:off x="289721" y="1072086"/>
+            <a:off x="289721" y="1147056"/>
             <a:ext cx="7920880" cy="506292"/>
           </a:xfrm>
           <a:prstGeom prst="rect">
@@ -18904,7 +18967,7 @@
                 </a:solidFill>
                 <a:effectLst/>
               </a:rPr>
-              <a:t>Seleccionar correo electrónico.</a:t>
+              <a:t>Seleccionar correo electrónico. </a:t>
             </a:r>
             <a:endParaRPr lang="es-ES" sz="2000" dirty="0">
               <a:solidFill>
@@ -18919,10 +18982,10 @@
       </p:sp>
       <p:pic>
         <p:nvPicPr>
-          <p:cNvPr id="8" name="Imagen 7">
+          <p:cNvPr id="4" name="Picture 3">
             <a:extLst>
               <a:ext uri="{FF2B5EF4-FFF2-40B4-BE49-F238E27FC236}">
-                <a16:creationId xmlns:a16="http://schemas.microsoft.com/office/drawing/2014/main" id="{9E8BDEDE-78F6-48B6-B26B-4636CFFD6F1D}"/>
+                <a16:creationId xmlns:a16="http://schemas.microsoft.com/office/drawing/2014/main" id="{A96E5DF4-656B-1B0A-FF2A-737F9C05E93F}"/>
               </a:ext>
             </a:extLst>
           </p:cNvPr>
@@ -18939,128 +19002,18 @@
         </p:blipFill>
         <p:spPr>
           <a:xfrm>
-            <a:off x="309719" y="1841862"/>
-            <a:ext cx="4267200" cy="4162425"/>
+            <a:off x="1691680" y="1772816"/>
+            <a:ext cx="5472608" cy="4717764"/>
           </a:xfrm>
           <a:prstGeom prst="rect">
             <a:avLst/>
           </a:prstGeom>
         </p:spPr>
       </p:pic>
-      <p:pic>
-        <p:nvPicPr>
-          <p:cNvPr id="10" name="Imagen 9">
-            <a:extLst>
-              <a:ext uri="{FF2B5EF4-FFF2-40B4-BE49-F238E27FC236}">
-                <a16:creationId xmlns:a16="http://schemas.microsoft.com/office/drawing/2014/main" id="{78918B87-AE47-43DF-A868-48DA504D01DA}"/>
-              </a:ext>
-            </a:extLst>
-          </p:cNvPr>
-          <p:cNvPicPr>
-            <a:picLocks noChangeAspect="1"/>
-          </p:cNvPicPr>
-          <p:nvPr/>
-        </p:nvPicPr>
-        <p:blipFill>
-          <a:blip r:embed="rId4"/>
-          <a:stretch>
-            <a:fillRect/>
-          </a:stretch>
-        </p:blipFill>
-        <p:spPr>
-          <a:xfrm>
-            <a:off x="4716016" y="1827574"/>
-            <a:ext cx="4219575" cy="4191000"/>
-          </a:xfrm>
-          <a:prstGeom prst="rect">
-            <a:avLst/>
-          </a:prstGeom>
-        </p:spPr>
-      </p:pic>
-      <p:sp>
-        <p:nvSpPr>
-          <p:cNvPr id="12" name="CuadroTexto 11">
-            <a:extLst>
-              <a:ext uri="{FF2B5EF4-FFF2-40B4-BE49-F238E27FC236}">
-                <a16:creationId xmlns:a16="http://schemas.microsoft.com/office/drawing/2014/main" id="{45236C5C-4492-4167-82B4-CF01EC88B68A}"/>
-              </a:ext>
-            </a:extLst>
-          </p:cNvPr>
-          <p:cNvSpPr txBox="1"/>
-          <p:nvPr/>
-        </p:nvSpPr>
-        <p:spPr>
-          <a:xfrm>
-            <a:off x="5292080" y="1052736"/>
-            <a:ext cx="3562199" cy="506292"/>
-          </a:xfrm>
-          <a:prstGeom prst="rect">
-            <a:avLst/>
-          </a:prstGeom>
-          <a:noFill/>
-        </p:spPr>
-        <p:txBody>
-          <a:bodyPr wrap="square">
-            <a:spAutoFit/>
-          </a:bodyPr>
-          <a:lstStyle/>
-          <a:p>
-            <a:pPr algn="just">
-              <a:lnSpc>
-                <a:spcPct val="150000"/>
-              </a:lnSpc>
-            </a:pPr>
-            <a:r>
-              <a:rPr lang="es-ES" sz="2000" b="1" dirty="0">
-                <a:solidFill>
-                  <a:schemeClr val="tx1">
-                    <a:lumMod val="95000"/>
-                    <a:lumOff val="5000"/>
-                  </a:schemeClr>
-                </a:solidFill>
-              </a:rPr>
-              <a:t>[a-</a:t>
-            </a:r>
-            <a:r>
-              <a:rPr lang="es-ES" sz="2000" b="1" dirty="0" err="1">
-                <a:solidFill>
-                  <a:schemeClr val="tx1">
-                    <a:lumMod val="95000"/>
-                    <a:lumOff val="5000"/>
-                  </a:schemeClr>
-                </a:solidFill>
-              </a:rPr>
-              <a:t>zA</a:t>
-            </a:r>
-            <a:r>
-              <a:rPr lang="es-ES" sz="2000" b="1" dirty="0">
-                <a:solidFill>
-                  <a:schemeClr val="tx1">
-                    <a:lumMod val="95000"/>
-                    <a:lumOff val="5000"/>
-                  </a:schemeClr>
-                </a:solidFill>
-              </a:rPr>
-              <a:t>-Z] </a:t>
-            </a:r>
-            <a:r>
-              <a:rPr lang="es-ES" sz="2000" dirty="0">
-                <a:solidFill>
-                  <a:schemeClr val="tx1">
-                    <a:lumMod val="95000"/>
-                    <a:lumOff val="5000"/>
-                  </a:schemeClr>
-                </a:solidFill>
-              </a:rPr>
-              <a:t>una o más letras.</a:t>
-            </a:r>
-          </a:p>
-        </p:txBody>
-      </p:sp>
     </p:spTree>
     <p:extLst>
       <p:ext uri="{BB962C8B-B14F-4D97-AF65-F5344CB8AC3E}">
-        <p14:creationId xmlns:p14="http://schemas.microsoft.com/office/powerpoint/2010/main" val="155978432"/>
+        <p14:creationId xmlns:p14="http://schemas.microsoft.com/office/powerpoint/2010/main" val="1923512369"/>
       </p:ext>
     </p:extLst>
   </p:cSld>
@@ -19186,7 +19139,7 @@
                 </a:solidFill>
                 <a:effectLst/>
               </a:rPr>
-              <a:t>Seleccionar correo electrónico. </a:t>
+              <a:t>Seleccionar correo electrónico.</a:t>
             </a:r>
             <a:endParaRPr lang="es-ES" sz="2000" dirty="0">
               <a:solidFill>
@@ -19201,10 +19154,10 @@
       </p:sp>
       <p:pic>
         <p:nvPicPr>
-          <p:cNvPr id="4" name="Picture 3">
+          <p:cNvPr id="3" name="Picture 2">
             <a:extLst>
               <a:ext uri="{FF2B5EF4-FFF2-40B4-BE49-F238E27FC236}">
-                <a16:creationId xmlns:a16="http://schemas.microsoft.com/office/drawing/2014/main" id="{A96E5DF4-656B-1B0A-FF2A-737F9C05E93F}"/>
+                <a16:creationId xmlns:a16="http://schemas.microsoft.com/office/drawing/2014/main" id="{D5E17689-6A8A-C043-9728-8D87DDF7DD71}"/>
               </a:ext>
             </a:extLst>
           </p:cNvPr>
@@ -19221,8 +19174,8 @@
         </p:blipFill>
         <p:spPr>
           <a:xfrm>
-            <a:off x="1691680" y="1772816"/>
-            <a:ext cx="5472608" cy="4717764"/>
+            <a:off x="1673643" y="1772816"/>
+            <a:ext cx="5595428" cy="4594690"/>
           </a:xfrm>
           <a:prstGeom prst="rect">
             <a:avLst/>
@@ -19232,7 +19185,7 @@
     </p:spTree>
     <p:extLst>
       <p:ext uri="{BB962C8B-B14F-4D97-AF65-F5344CB8AC3E}">
-        <p14:creationId xmlns:p14="http://schemas.microsoft.com/office/powerpoint/2010/main" val="1923512369"/>
+        <p14:creationId xmlns:p14="http://schemas.microsoft.com/office/powerpoint/2010/main" val="1828510850"/>
       </p:ext>
     </p:extLst>
   </p:cSld>
@@ -19271,8 +19224,8 @@
         </p:nvSpPr>
         <p:spPr>
           <a:xfrm>
-            <a:off x="289721" y="4056"/>
-            <a:ext cx="8363272" cy="1143000"/>
+            <a:off x="107504" y="116632"/>
+            <a:ext cx="8579296" cy="1143000"/>
           </a:xfrm>
         </p:spPr>
         <p:txBody>
@@ -19298,17 +19251,46 @@
                 </a:effectLst>
                 <a:latin typeface="Dom Casual" charset="0"/>
               </a:rPr>
-              <a:t>Expresión regular</a:t>
-            </a:r>
-          </a:p>
-        </p:txBody>
-      </p:sp>
-      <p:sp>
-        <p:nvSpPr>
-          <p:cNvPr id="5" name="CuadroTexto 4">
+              <a:t>Módulo </a:t>
+            </a:r>
+            <a:r>
+              <a:rPr lang="es-MX" b="1" dirty="0" err="1">
+                <a:solidFill>
+                  <a:schemeClr val="accent4">
+                    <a:lumMod val="50000"/>
+                  </a:schemeClr>
+                </a:solidFill>
+                <a:effectLst>
+                  <a:outerShdw blurRad="38100" dist="38100" dir="2700000" algn="tl">
+                    <a:srgbClr val="C0C0C0"/>
+                  </a:outerShdw>
+                </a:effectLst>
+                <a:latin typeface="Dom Casual" charset="0"/>
+              </a:rPr>
+              <a:t>regex</a:t>
+            </a:r>
+            <a:endParaRPr lang="es-MX" b="1" dirty="0">
+              <a:solidFill>
+                <a:schemeClr val="accent4">
+                  <a:lumMod val="50000"/>
+                </a:schemeClr>
+              </a:solidFill>
+              <a:effectLst>
+                <a:outerShdw blurRad="38100" dist="38100" dir="2700000" algn="tl">
+                  <a:srgbClr val="C0C0C0"/>
+                </a:outerShdw>
+              </a:effectLst>
+              <a:latin typeface="Dom Casual" charset="0"/>
+            </a:endParaRPr>
+          </a:p>
+        </p:txBody>
+      </p:sp>
+      <p:sp>
+        <p:nvSpPr>
+          <p:cNvPr id="10" name="CuadroTexto 9">
             <a:extLst>
               <a:ext uri="{FF2B5EF4-FFF2-40B4-BE49-F238E27FC236}">
-                <a16:creationId xmlns:a16="http://schemas.microsoft.com/office/drawing/2014/main" id="{FC189524-E564-48DD-B173-E7D162EDC50C}"/>
+                <a16:creationId xmlns:a16="http://schemas.microsoft.com/office/drawing/2014/main" id="{28D7FAFF-9722-4D6A-9DE5-55FC738D0886}"/>
               </a:ext>
             </a:extLst>
           </p:cNvPr>
@@ -19317,8 +19299,8 @@
         </p:nvSpPr>
         <p:spPr>
           <a:xfrm>
-            <a:off x="289721" y="1147056"/>
-            <a:ext cx="7920880" cy="506292"/>
+            <a:off x="817609" y="2959830"/>
+            <a:ext cx="2520279" cy="506292"/>
           </a:xfrm>
           <a:prstGeom prst="rect">
             <a:avLst/>
@@ -19331,7 +19313,7 @@
           </a:bodyPr>
           <a:lstStyle/>
           <a:p>
-            <a:pPr algn="just">
+            <a:pPr algn="l">
               <a:lnSpc>
                 <a:spcPct val="150000"/>
               </a:lnSpc>
@@ -19346,21 +19328,9 @@
                 </a:solidFill>
                 <a:effectLst/>
               </a:rPr>
-              <a:t>Ejercicio 5: </a:t>
-            </a:r>
-            <a:r>
-              <a:rPr lang="es-ES" sz="2000" i="0" dirty="0">
-                <a:solidFill>
-                  <a:schemeClr val="tx1">
-                    <a:lumMod val="95000"/>
-                    <a:lumOff val="5000"/>
-                  </a:schemeClr>
-                </a:solidFill>
-                <a:effectLst/>
-              </a:rPr>
-              <a:t>Seleccionar correo electrónico.</a:t>
-            </a:r>
-            <a:endParaRPr lang="es-ES" sz="2000" dirty="0">
+              <a:t>Ejemplo:</a:t>
+            </a:r>
+            <a:endParaRPr lang="es-ES" sz="2000" b="1" dirty="0">
               <a:solidFill>
                 <a:schemeClr val="tx1">
                   <a:lumMod val="95000"/>
@@ -19371,12 +19341,177 @@
           </a:p>
         </p:txBody>
       </p:sp>
+      <p:sp>
+        <p:nvSpPr>
+          <p:cNvPr id="7" name="CuadroTexto 6">
+            <a:extLst>
+              <a:ext uri="{FF2B5EF4-FFF2-40B4-BE49-F238E27FC236}">
+                <a16:creationId xmlns:a16="http://schemas.microsoft.com/office/drawing/2014/main" id="{64092E1E-D361-4870-BD54-7147B2FFEC5C}"/>
+              </a:ext>
+            </a:extLst>
+          </p:cNvPr>
+          <p:cNvSpPr txBox="1"/>
+          <p:nvPr/>
+        </p:nvSpPr>
+        <p:spPr>
+          <a:xfrm>
+            <a:off x="817609" y="1349150"/>
+            <a:ext cx="7642824" cy="1509388"/>
+          </a:xfrm>
+          <a:prstGeom prst="rect">
+            <a:avLst/>
+          </a:prstGeom>
+          <a:noFill/>
+        </p:spPr>
+        <p:txBody>
+          <a:bodyPr wrap="square">
+            <a:spAutoFit/>
+          </a:bodyPr>
+          <a:lstStyle/>
+          <a:p>
+            <a:pPr algn="just" fontAlgn="base">
+              <a:lnSpc>
+                <a:spcPts val="2500"/>
+              </a:lnSpc>
+              <a:spcAft>
+                <a:spcPts val="1200"/>
+              </a:spcAft>
+            </a:pPr>
+            <a:r>
+              <a:rPr lang="es-ES" sz="1800" dirty="0">
+                <a:solidFill>
+                  <a:schemeClr val="tx1">
+                    <a:lumMod val="95000"/>
+                    <a:lumOff val="5000"/>
+                  </a:schemeClr>
+                </a:solidFill>
+              </a:rPr>
+              <a:t>El lenguaje de programación Python, en su librería estándar, nos proporciona el modulo </a:t>
+            </a:r>
+            <a:r>
+              <a:rPr lang="es-ES" sz="1800" b="1" dirty="0" err="1">
+                <a:solidFill>
+                  <a:srgbClr val="FF0000"/>
+                </a:solidFill>
+              </a:rPr>
+              <a:t>regex</a:t>
+            </a:r>
+            <a:r>
+              <a:rPr lang="es-ES" sz="1800" dirty="0">
+                <a:solidFill>
+                  <a:schemeClr val="tx1">
+                    <a:lumMod val="95000"/>
+                    <a:lumOff val="5000"/>
+                  </a:schemeClr>
+                </a:solidFill>
+              </a:rPr>
+              <a:t> el cual es utilizado para trabajar con expresiones regulares.</a:t>
+            </a:r>
+            <a:endParaRPr lang="es-ES" b="1" i="0" dirty="0">
+              <a:solidFill>
+                <a:schemeClr val="accent6">
+                  <a:lumMod val="75000"/>
+                </a:schemeClr>
+              </a:solidFill>
+              <a:effectLst/>
+              <a:latin typeface="inherit"/>
+            </a:endParaRPr>
+          </a:p>
+          <a:p>
+            <a:pPr algn="just" fontAlgn="base">
+              <a:lnSpc>
+                <a:spcPts val="2500"/>
+              </a:lnSpc>
+              <a:spcAft>
+                <a:spcPts val="1200"/>
+              </a:spcAft>
+            </a:pPr>
+            <a:r>
+              <a:rPr lang="es-ES" b="1" i="0" dirty="0" err="1">
+                <a:solidFill>
+                  <a:schemeClr val="accent6">
+                    <a:lumMod val="75000"/>
+                  </a:schemeClr>
+                </a:solidFill>
+                <a:effectLst/>
+                <a:latin typeface="inherit"/>
+              </a:rPr>
+              <a:t>findall</a:t>
+            </a:r>
+            <a:r>
+              <a:rPr lang="es-ES" b="1" i="0" dirty="0">
+                <a:solidFill>
+                  <a:schemeClr val="accent6">
+                    <a:lumMod val="75000"/>
+                  </a:schemeClr>
+                </a:solidFill>
+                <a:effectLst/>
+                <a:latin typeface="inherit"/>
+              </a:rPr>
+              <a:t>()</a:t>
+            </a:r>
+            <a:r>
+              <a:rPr lang="es-ES" b="0" i="0" dirty="0">
+                <a:solidFill>
+                  <a:schemeClr val="accent6">
+                    <a:lumMod val="75000"/>
+                  </a:schemeClr>
+                </a:solidFill>
+                <a:effectLst/>
+                <a:latin typeface="inherit"/>
+              </a:rPr>
+              <a:t>: </a:t>
+            </a:r>
+            <a:r>
+              <a:rPr lang="es-ES" b="0" i="0" dirty="0">
+                <a:solidFill>
+                  <a:srgbClr val="000000"/>
+                </a:solidFill>
+                <a:effectLst/>
+                <a:latin typeface="inherit"/>
+              </a:rPr>
+              <a:t>Encuentra todos los subtextos donde coincide </a:t>
+            </a:r>
+            <a:r>
+              <a:rPr lang="es-ES" dirty="0">
+                <a:solidFill>
+                  <a:srgbClr val="000000"/>
+                </a:solidFill>
+                <a:latin typeface="inherit"/>
+              </a:rPr>
+              <a:t>la expresión regular y </a:t>
+            </a:r>
+            <a:r>
+              <a:rPr lang="es-ES" b="0" i="0" dirty="0">
+                <a:solidFill>
+                  <a:srgbClr val="000000"/>
+                </a:solidFill>
+                <a:effectLst/>
+                <a:latin typeface="inherit"/>
+              </a:rPr>
+              <a:t> devuelve estas coincidencias como una lista. </a:t>
+            </a:r>
+            <a:r>
+              <a:rPr lang="es-ES" b="1" i="0" dirty="0">
+                <a:solidFill>
+                  <a:schemeClr val="accent5">
+                    <a:lumMod val="75000"/>
+                  </a:schemeClr>
+                </a:solidFill>
+                <a:effectLst/>
+                <a:latin typeface="inherit"/>
+              </a:rPr>
+              <a:t>(patrón, texto)</a:t>
+            </a:r>
+          </a:p>
+        </p:txBody>
+      </p:sp>
       <p:pic>
         <p:nvPicPr>
-          <p:cNvPr id="3" name="Picture 2">
+          <p:cNvPr id="4" name="Picture 3">
             <a:extLst>
               <a:ext uri="{FF2B5EF4-FFF2-40B4-BE49-F238E27FC236}">
-                <a16:creationId xmlns:a16="http://schemas.microsoft.com/office/drawing/2014/main" id="{D5E17689-6A8A-C043-9728-8D87DDF7DD71}"/>
+                <a16:creationId xmlns:a16="http://schemas.microsoft.com/office/drawing/2014/main" id="{0AE83E9F-5AE3-8E90-1C0E-62D7DC7EE76D}"/>
               </a:ext>
             </a:extLst>
           </p:cNvPr>
@@ -19393,8 +19528,8 @@
         </p:blipFill>
         <p:spPr>
           <a:xfrm>
-            <a:off x="1673643" y="1772816"/>
-            <a:ext cx="5595428" cy="4594690"/>
+            <a:off x="1309899" y="3567414"/>
+            <a:ext cx="6524202" cy="2560130"/>
           </a:xfrm>
           <a:prstGeom prst="rect">
             <a:avLst/>
@@ -19404,7 +19539,7 @@
     </p:spTree>
     <p:extLst>
       <p:ext uri="{BB962C8B-B14F-4D97-AF65-F5344CB8AC3E}">
-        <p14:creationId xmlns:p14="http://schemas.microsoft.com/office/powerpoint/2010/main" val="1828510850"/>
+        <p14:creationId xmlns:p14="http://schemas.microsoft.com/office/powerpoint/2010/main" val="2777994466"/>
       </p:ext>
     </p:extLst>
   </p:cSld>
@@ -21265,7 +21400,7 @@
         </p:spPr>
         <p:txBody>
           <a:bodyPr>
-            <a:normAutofit/>
+            <a:normAutofit fontScale="90000"/>
           </a:bodyPr>
           <a:lstStyle/>
           <a:p>
@@ -21286,37 +21421,8 @@
                 </a:effectLst>
                 <a:latin typeface="Dom Casual" charset="0"/>
               </a:rPr>
-              <a:t>Módulo </a:t>
-            </a:r>
-            <a:r>
-              <a:rPr lang="es-MX" b="1" dirty="0" err="1">
-                <a:solidFill>
-                  <a:schemeClr val="accent4">
-                    <a:lumMod val="50000"/>
-                  </a:schemeClr>
-                </a:solidFill>
-                <a:effectLst>
-                  <a:outerShdw blurRad="38100" dist="38100" dir="2700000" algn="tl">
-                    <a:srgbClr val="C0C0C0"/>
-                  </a:outerShdw>
-                </a:effectLst>
-                <a:latin typeface="Dom Casual" charset="0"/>
-              </a:rPr>
-              <a:t>regex</a:t>
-            </a:r>
-            <a:endParaRPr lang="es-MX" b="1" dirty="0">
-              <a:solidFill>
-                <a:schemeClr val="accent4">
-                  <a:lumMod val="50000"/>
-                </a:schemeClr>
-              </a:solidFill>
-              <a:effectLst>
-                <a:outerShdw blurRad="38100" dist="38100" dir="2700000" algn="tl">
-                  <a:srgbClr val="C0C0C0"/>
-                </a:outerShdw>
-              </a:effectLst>
-              <a:latin typeface="Dom Casual" charset="0"/>
-            </a:endParaRPr>
+              <a:t>¿Cómo funcionan las expresiones regulares?</a:t>
+            </a:r>
           </a:p>
         </p:txBody>
       </p:sp>
@@ -21334,8 +21440,8 @@
         </p:nvSpPr>
         <p:spPr>
           <a:xfrm>
-            <a:off x="817609" y="2959830"/>
-            <a:ext cx="2520279" cy="506292"/>
+            <a:off x="436712" y="1511848"/>
+            <a:ext cx="7920880" cy="1218026"/>
           </a:xfrm>
           <a:prstGeom prst="rect">
             <a:avLst/>
@@ -21348,13 +21454,13 @@
           </a:bodyPr>
           <a:lstStyle/>
           <a:p>
-            <a:pPr algn="l">
+            <a:pPr algn="just">
               <a:lnSpc>
-                <a:spcPct val="150000"/>
+                <a:spcPts val="3000"/>
               </a:lnSpc>
             </a:pPr>
             <a:r>
-              <a:rPr lang="es-ES" sz="2000" b="1" i="0" dirty="0">
+              <a:rPr lang="es-ES" sz="2000" i="0" dirty="0">
                 <a:solidFill>
                   <a:schemeClr val="tx1">
                     <a:lumMod val="95000"/>
@@ -21363,7 +21469,41 @@
                 </a:solidFill>
                 <a:effectLst/>
               </a:rPr>
-              <a:t>Ejemplo:</a:t>
+              <a:t>Las expresiones regulares son una fórmula </a:t>
+            </a:r>
+            <a:r>
+              <a:rPr lang="es-ES" sz="2000" dirty="0">
+                <a:solidFill>
+                  <a:schemeClr val="tx1">
+                    <a:lumMod val="95000"/>
+                    <a:lumOff val="5000"/>
+                  </a:schemeClr>
+                </a:solidFill>
+              </a:rPr>
+              <a:t>que </a:t>
+            </a:r>
+            <a:r>
+              <a:rPr lang="es-ES" sz="2000" i="0" dirty="0">
+                <a:solidFill>
+                  <a:schemeClr val="tx1">
+                    <a:lumMod val="95000"/>
+                    <a:lumOff val="5000"/>
+                  </a:schemeClr>
+                </a:solidFill>
+                <a:effectLst/>
+              </a:rPr>
+              <a:t>va a buscar dentro de nuestro texto coincidencias. </a:t>
+            </a:r>
+            <a:r>
+              <a:rPr lang="es-ES" sz="2000" dirty="0">
+                <a:solidFill>
+                  <a:schemeClr val="tx1">
+                    <a:lumMod val="95000"/>
+                    <a:lumOff val="5000"/>
+                  </a:schemeClr>
+                </a:solidFill>
+              </a:rPr>
+              <a:t>Que es una coincidencia, que el texto de arriba, sea el mismo de abajo. </a:t>
             </a:r>
             <a:endParaRPr lang="es-ES" sz="2000" b="1" dirty="0">
               <a:solidFill>
@@ -21376,177 +21516,12 @@
           </a:p>
         </p:txBody>
       </p:sp>
-      <p:sp>
-        <p:nvSpPr>
-          <p:cNvPr id="7" name="CuadroTexto 6">
+      <p:pic>
+        <p:nvPicPr>
+          <p:cNvPr id="7" name="Imagen 6" descr="Texto&#10;&#10;Descripción generada automáticamente con confianza media">
             <a:extLst>
               <a:ext uri="{FF2B5EF4-FFF2-40B4-BE49-F238E27FC236}">
-                <a16:creationId xmlns:a16="http://schemas.microsoft.com/office/drawing/2014/main" id="{64092E1E-D361-4870-BD54-7147B2FFEC5C}"/>
-              </a:ext>
-            </a:extLst>
-          </p:cNvPr>
-          <p:cNvSpPr txBox="1"/>
-          <p:nvPr/>
-        </p:nvSpPr>
-        <p:spPr>
-          <a:xfrm>
-            <a:off x="817609" y="1349150"/>
-            <a:ext cx="7642824" cy="1509388"/>
-          </a:xfrm>
-          <a:prstGeom prst="rect">
-            <a:avLst/>
-          </a:prstGeom>
-          <a:noFill/>
-        </p:spPr>
-        <p:txBody>
-          <a:bodyPr wrap="square">
-            <a:spAutoFit/>
-          </a:bodyPr>
-          <a:lstStyle/>
-          <a:p>
-            <a:pPr algn="just" fontAlgn="base">
-              <a:lnSpc>
-                <a:spcPts val="2500"/>
-              </a:lnSpc>
-              <a:spcAft>
-                <a:spcPts val="1200"/>
-              </a:spcAft>
-            </a:pPr>
-            <a:r>
-              <a:rPr lang="es-ES" sz="1800" dirty="0">
-                <a:solidFill>
-                  <a:schemeClr val="tx1">
-                    <a:lumMod val="95000"/>
-                    <a:lumOff val="5000"/>
-                  </a:schemeClr>
-                </a:solidFill>
-              </a:rPr>
-              <a:t>El lenguaje de programación Python, en su librería estándar, nos proporciona el modulo </a:t>
-            </a:r>
-            <a:r>
-              <a:rPr lang="es-ES" sz="1800" b="1" dirty="0" err="1">
-                <a:solidFill>
-                  <a:srgbClr val="FF0000"/>
-                </a:solidFill>
-              </a:rPr>
-              <a:t>regex</a:t>
-            </a:r>
-            <a:r>
-              <a:rPr lang="es-ES" sz="1800" dirty="0">
-                <a:solidFill>
-                  <a:schemeClr val="tx1">
-                    <a:lumMod val="95000"/>
-                    <a:lumOff val="5000"/>
-                  </a:schemeClr>
-                </a:solidFill>
-              </a:rPr>
-              <a:t> el cual es utilizado para trabajar con expresiones regulares.</a:t>
-            </a:r>
-            <a:endParaRPr lang="es-ES" b="1" i="0" dirty="0">
-              <a:solidFill>
-                <a:schemeClr val="accent6">
-                  <a:lumMod val="75000"/>
-                </a:schemeClr>
-              </a:solidFill>
-              <a:effectLst/>
-              <a:latin typeface="inherit"/>
-            </a:endParaRPr>
-          </a:p>
-          <a:p>
-            <a:pPr algn="just" fontAlgn="base">
-              <a:lnSpc>
-                <a:spcPts val="2500"/>
-              </a:lnSpc>
-              <a:spcAft>
-                <a:spcPts val="1200"/>
-              </a:spcAft>
-            </a:pPr>
-            <a:r>
-              <a:rPr lang="es-ES" b="1" i="0" dirty="0" err="1">
-                <a:solidFill>
-                  <a:schemeClr val="accent6">
-                    <a:lumMod val="75000"/>
-                  </a:schemeClr>
-                </a:solidFill>
-                <a:effectLst/>
-                <a:latin typeface="inherit"/>
-              </a:rPr>
-              <a:t>findall</a:t>
-            </a:r>
-            <a:r>
-              <a:rPr lang="es-ES" b="1" i="0" dirty="0">
-                <a:solidFill>
-                  <a:schemeClr val="accent6">
-                    <a:lumMod val="75000"/>
-                  </a:schemeClr>
-                </a:solidFill>
-                <a:effectLst/>
-                <a:latin typeface="inherit"/>
-              </a:rPr>
-              <a:t>()</a:t>
-            </a:r>
-            <a:r>
-              <a:rPr lang="es-ES" b="0" i="0" dirty="0">
-                <a:solidFill>
-                  <a:schemeClr val="accent6">
-                    <a:lumMod val="75000"/>
-                  </a:schemeClr>
-                </a:solidFill>
-                <a:effectLst/>
-                <a:latin typeface="inherit"/>
-              </a:rPr>
-              <a:t>: </a:t>
-            </a:r>
-            <a:r>
-              <a:rPr lang="es-ES" b="0" i="0" dirty="0">
-                <a:solidFill>
-                  <a:srgbClr val="000000"/>
-                </a:solidFill>
-                <a:effectLst/>
-                <a:latin typeface="inherit"/>
-              </a:rPr>
-              <a:t>Encuentra todos los subtextos donde coincide </a:t>
-            </a:r>
-            <a:r>
-              <a:rPr lang="es-ES" dirty="0">
-                <a:solidFill>
-                  <a:srgbClr val="000000"/>
-                </a:solidFill>
-                <a:latin typeface="inherit"/>
-              </a:rPr>
-              <a:t>la expresión regular y </a:t>
-            </a:r>
-            <a:r>
-              <a:rPr lang="es-ES" b="0" i="0" dirty="0">
-                <a:solidFill>
-                  <a:srgbClr val="000000"/>
-                </a:solidFill>
-                <a:effectLst/>
-                <a:latin typeface="inherit"/>
-              </a:rPr>
-              <a:t> devuelve estas coincidencias como una lista. </a:t>
-            </a:r>
-            <a:r>
-              <a:rPr lang="es-ES" b="1" i="0" dirty="0">
-                <a:solidFill>
-                  <a:schemeClr val="accent5">
-                    <a:lumMod val="75000"/>
-                  </a:schemeClr>
-                </a:solidFill>
-                <a:effectLst/>
-                <a:latin typeface="inherit"/>
-              </a:rPr>
-              <a:t>(patrón, texto)</a:t>
-            </a:r>
-          </a:p>
-        </p:txBody>
-      </p:sp>
-      <p:pic>
-        <p:nvPicPr>
-          <p:cNvPr id="4" name="Picture 3">
-            <a:extLst>
-              <a:ext uri="{FF2B5EF4-FFF2-40B4-BE49-F238E27FC236}">
-                <a16:creationId xmlns:a16="http://schemas.microsoft.com/office/drawing/2014/main" id="{0AE83E9F-5AE3-8E90-1C0E-62D7DC7EE76D}"/>
+                <a16:creationId xmlns:a16="http://schemas.microsoft.com/office/drawing/2014/main" id="{73FD6CF4-390B-4637-8C5E-9FBB8E28F20C}"/>
               </a:ext>
             </a:extLst>
           </p:cNvPr>
@@ -21556,15 +21531,81 @@
           <p:nvPr/>
         </p:nvPicPr>
         <p:blipFill>
-          <a:blip r:embed="rId3"/>
+          <a:blip r:embed="rId3" cstate="print">
+            <a:extLst>
+              <a:ext uri="{28A0092B-C50C-407E-A947-70E740481C1C}">
+                <a14:useLocalDpi xmlns:a14="http://schemas.microsoft.com/office/drawing/2010/main" val="0"/>
+              </a:ext>
+            </a:extLst>
+          </a:blip>
           <a:stretch>
             <a:fillRect/>
           </a:stretch>
         </p:blipFill>
         <p:spPr>
           <a:xfrm>
-            <a:off x="1309899" y="3567414"/>
-            <a:ext cx="6524202" cy="2560130"/>
+            <a:off x="5541311" y="5389575"/>
+            <a:ext cx="2816281" cy="1126512"/>
+          </a:xfrm>
+          <a:prstGeom prst="rect">
+            <a:avLst/>
+          </a:prstGeom>
+        </p:spPr>
+      </p:pic>
+      <p:pic>
+        <p:nvPicPr>
+          <p:cNvPr id="8" name="Imagen 7">
+            <a:extLst>
+              <a:ext uri="{FF2B5EF4-FFF2-40B4-BE49-F238E27FC236}">
+                <a16:creationId xmlns:a16="http://schemas.microsoft.com/office/drawing/2014/main" id="{35C39885-7E35-4C62-8348-627189BD2545}"/>
+              </a:ext>
+            </a:extLst>
+          </p:cNvPr>
+          <p:cNvPicPr>
+            <a:picLocks noChangeAspect="1"/>
+          </p:cNvPicPr>
+          <p:nvPr/>
+        </p:nvPicPr>
+        <p:blipFill>
+          <a:blip r:embed="rId4"/>
+          <a:stretch>
+            <a:fillRect/>
+          </a:stretch>
+        </p:blipFill>
+        <p:spPr>
+          <a:xfrm>
+            <a:off x="436712" y="3534069"/>
+            <a:ext cx="4975963" cy="2988479"/>
+          </a:xfrm>
+          <a:prstGeom prst="rect">
+            <a:avLst/>
+          </a:prstGeom>
+        </p:spPr>
+      </p:pic>
+      <p:pic>
+        <p:nvPicPr>
+          <p:cNvPr id="12" name="Imagen 11">
+            <a:extLst>
+              <a:ext uri="{FF2B5EF4-FFF2-40B4-BE49-F238E27FC236}">
+                <a16:creationId xmlns:a16="http://schemas.microsoft.com/office/drawing/2014/main" id="{E10600DD-A63A-43FF-B42B-81833C076934}"/>
+              </a:ext>
+            </a:extLst>
+          </p:cNvPr>
+          <p:cNvPicPr>
+            <a:picLocks noChangeAspect="1"/>
+          </p:cNvPicPr>
+          <p:nvPr/>
+        </p:nvPicPr>
+        <p:blipFill>
+          <a:blip r:embed="rId5"/>
+          <a:stretch>
+            <a:fillRect/>
+          </a:stretch>
+        </p:blipFill>
+        <p:spPr>
+          <a:xfrm>
+            <a:off x="228600" y="2771154"/>
+            <a:ext cx="8458200" cy="685800"/>
           </a:xfrm>
           <a:prstGeom prst="rect">
             <a:avLst/>
@@ -21574,7 +21615,7 @@
     </p:spTree>
     <p:extLst>
       <p:ext uri="{BB962C8B-B14F-4D97-AF65-F5344CB8AC3E}">
-        <p14:creationId xmlns:p14="http://schemas.microsoft.com/office/powerpoint/2010/main" val="1387875737"/>
+        <p14:creationId xmlns:p14="http://schemas.microsoft.com/office/powerpoint/2010/main" val="2665938559"/>
       </p:ext>
     </p:extLst>
   </p:cSld>
@@ -21619,7 +21660,7 @@
         </p:spPr>
         <p:txBody>
           <a:bodyPr>
-            <a:normAutofit fontScale="90000"/>
+            <a:normAutofit/>
           </a:bodyPr>
           <a:lstStyle/>
           <a:p>
@@ -21640,7 +21681,7 @@
                 </a:effectLst>
                 <a:latin typeface="Dom Casual" charset="0"/>
               </a:rPr>
-              <a:t>¿Cómo funcionan las expresiones regulares?</a:t>
+              <a:t>Expresiones regulares</a:t>
             </a:r>
           </a:p>
         </p:txBody>
@@ -21659,8 +21700,8 @@
         </p:nvSpPr>
         <p:spPr>
           <a:xfrm>
-            <a:off x="436712" y="1511848"/>
-            <a:ext cx="7920880" cy="1218026"/>
+            <a:off x="544724" y="1516224"/>
+            <a:ext cx="7704856" cy="1218026"/>
           </a:xfrm>
           <a:prstGeom prst="rect">
             <a:avLst/>
@@ -21679,16 +21720,25 @@
               </a:lnSpc>
             </a:pPr>
             <a:r>
-              <a:rPr lang="es-ES" sz="2000" i="0" dirty="0">
+              <a:rPr lang="es-ES" sz="2000" dirty="0">
                 <a:solidFill>
                   <a:schemeClr val="tx1">
                     <a:lumMod val="95000"/>
                     <a:lumOff val="5000"/>
                   </a:schemeClr>
                 </a:solidFill>
-                <a:effectLst/>
-              </a:rPr>
-              <a:t>Las expresiones regulares son una fórmula </a:t>
+              </a:rPr>
+              <a:t>Por ejemplo, coloco la letra </a:t>
+            </a:r>
+            <a:r>
+              <a:rPr lang="es-ES" sz="2000" b="1" dirty="0">
+                <a:solidFill>
+                  <a:schemeClr val="accent6">
+                    <a:lumMod val="75000"/>
+                  </a:schemeClr>
+                </a:solidFill>
+              </a:rPr>
+              <a:t>c</a:t>
             </a:r>
             <a:r>
               <a:rPr lang="es-ES" sz="2000" dirty="0">
@@ -21699,20 +21749,36 @@
                   </a:schemeClr>
                 </a:solidFill>
               </a:rPr>
-              <a:t>que </a:t>
-            </a:r>
-            <a:r>
-              <a:rPr lang="es-ES" sz="2000" i="0" dirty="0">
+              <a:t>. Lo que hace la expresión regular es buscar todas las coincidencias de la letra </a:t>
+            </a:r>
+            <a:r>
+              <a:rPr lang="es-ES" sz="2000" b="1" dirty="0">
+                <a:solidFill>
+                  <a:schemeClr val="accent6">
+                    <a:lumMod val="75000"/>
+                  </a:schemeClr>
+                </a:solidFill>
+              </a:rPr>
+              <a:t>c</a:t>
+            </a:r>
+            <a:r>
+              <a:rPr lang="es-ES" sz="2000" dirty="0">
                 <a:solidFill>
                   <a:schemeClr val="tx1">
                     <a:lumMod val="95000"/>
                     <a:lumOff val="5000"/>
                   </a:schemeClr>
                 </a:solidFill>
-                <a:effectLst/>
-              </a:rPr>
-              <a:t>va a buscar dentro de nuestro texto coincidencias. </a:t>
-            </a:r>
+              </a:rPr>
+              <a:t>. Encuentra 7 coincidencias.</a:t>
+            </a:r>
+          </a:p>
+          <a:p>
+            <a:pPr algn="just">
+              <a:lnSpc>
+                <a:spcPts val="3000"/>
+              </a:lnSpc>
+            </a:pPr>
             <a:r>
               <a:rPr lang="es-ES" sz="2000" dirty="0">
                 <a:solidFill>
@@ -21722,7 +21788,7 @@
                   </a:schemeClr>
                 </a:solidFill>
               </a:rPr>
-              <a:t>Que es una coincidencia, que el texto de arriba, sea el mismo de abajo. </a:t>
+              <a:t> </a:t>
             </a:r>
             <a:endParaRPr lang="es-ES" sz="2000" b="1" dirty="0">
               <a:solidFill>
@@ -21737,10 +21803,10 @@
       </p:sp>
       <p:pic>
         <p:nvPicPr>
-          <p:cNvPr id="7" name="Imagen 6" descr="Texto&#10;&#10;Descripción generada automáticamente con confianza media">
+          <p:cNvPr id="4" name="Imagen 3">
             <a:extLst>
               <a:ext uri="{FF2B5EF4-FFF2-40B4-BE49-F238E27FC236}">
-                <a16:creationId xmlns:a16="http://schemas.microsoft.com/office/drawing/2014/main" id="{73FD6CF4-390B-4637-8C5E-9FBB8E28F20C}"/>
+                <a16:creationId xmlns:a16="http://schemas.microsoft.com/office/drawing/2014/main" id="{78E9F0E5-8E53-4587-B830-FE0FFE2C1576}"/>
               </a:ext>
             </a:extLst>
           </p:cNvPr>
@@ -21750,81 +21816,15 @@
           <p:nvPr/>
         </p:nvPicPr>
         <p:blipFill>
-          <a:blip r:embed="rId3" cstate="print">
-            <a:extLst>
-              <a:ext uri="{28A0092B-C50C-407E-A947-70E740481C1C}">
-                <a14:useLocalDpi xmlns:a14="http://schemas.microsoft.com/office/drawing/2010/main" val="0"/>
-              </a:ext>
-            </a:extLst>
-          </a:blip>
+          <a:blip r:embed="rId3"/>
           <a:stretch>
             <a:fillRect/>
           </a:stretch>
         </p:blipFill>
         <p:spPr>
           <a:xfrm>
-            <a:off x="5541311" y="5389575"/>
-            <a:ext cx="2816281" cy="1126512"/>
-          </a:xfrm>
-          <a:prstGeom prst="rect">
-            <a:avLst/>
-          </a:prstGeom>
-        </p:spPr>
-      </p:pic>
-      <p:pic>
-        <p:nvPicPr>
-          <p:cNvPr id="8" name="Imagen 7">
-            <a:extLst>
-              <a:ext uri="{FF2B5EF4-FFF2-40B4-BE49-F238E27FC236}">
-                <a16:creationId xmlns:a16="http://schemas.microsoft.com/office/drawing/2014/main" id="{35C39885-7E35-4C62-8348-627189BD2545}"/>
-              </a:ext>
-            </a:extLst>
-          </p:cNvPr>
-          <p:cNvPicPr>
-            <a:picLocks noChangeAspect="1"/>
-          </p:cNvPicPr>
-          <p:nvPr/>
-        </p:nvPicPr>
-        <p:blipFill>
-          <a:blip r:embed="rId4"/>
-          <a:stretch>
-            <a:fillRect/>
-          </a:stretch>
-        </p:blipFill>
-        <p:spPr>
-          <a:xfrm>
-            <a:off x="436712" y="3534069"/>
-            <a:ext cx="4975963" cy="2988479"/>
-          </a:xfrm>
-          <a:prstGeom prst="rect">
-            <a:avLst/>
-          </a:prstGeom>
-        </p:spPr>
-      </p:pic>
-      <p:pic>
-        <p:nvPicPr>
-          <p:cNvPr id="12" name="Imagen 11">
-            <a:extLst>
-              <a:ext uri="{FF2B5EF4-FFF2-40B4-BE49-F238E27FC236}">
-                <a16:creationId xmlns:a16="http://schemas.microsoft.com/office/drawing/2014/main" id="{E10600DD-A63A-43FF-B42B-81833C076934}"/>
-              </a:ext>
-            </a:extLst>
-          </p:cNvPr>
-          <p:cNvPicPr>
-            <a:picLocks noChangeAspect="1"/>
-          </p:cNvPicPr>
-          <p:nvPr/>
-        </p:nvPicPr>
-        <p:blipFill>
-          <a:blip r:embed="rId5"/>
-          <a:stretch>
-            <a:fillRect/>
-          </a:stretch>
-        </p:blipFill>
-        <p:spPr>
-          <a:xfrm>
-            <a:off x="228600" y="2771154"/>
-            <a:ext cx="8458200" cy="685800"/>
+            <a:off x="1966912" y="2734250"/>
+            <a:ext cx="5210175" cy="3267075"/>
           </a:xfrm>
           <a:prstGeom prst="rect">
             <a:avLst/>
@@ -21834,7 +21834,7 @@
     </p:spTree>
     <p:extLst>
       <p:ext uri="{BB962C8B-B14F-4D97-AF65-F5344CB8AC3E}">
-        <p14:creationId xmlns:p14="http://schemas.microsoft.com/office/powerpoint/2010/main" val="2665938559"/>
+        <p14:creationId xmlns:p14="http://schemas.microsoft.com/office/powerpoint/2010/main" val="3286379110"/>
       </p:ext>
     </p:extLst>
   </p:cSld>
